--- a/PPT/MachineLearning11-MachineLearning.pptx
+++ b/PPT/MachineLearning11-MachineLearning.pptx
@@ -5,61 +5,59 @@
     <p:sldMasterId id="2147483653" r:id="rId1"/>
   </p:sldMasterIdLst>
   <p:notesMasterIdLst>
-    <p:notesMasterId r:id="rId51"/>
+    <p:notesMasterId r:id="rId49"/>
   </p:notesMasterIdLst>
   <p:handoutMasterIdLst>
-    <p:handoutMasterId r:id="rId52"/>
+    <p:handoutMasterId r:id="rId50"/>
   </p:handoutMasterIdLst>
   <p:sldIdLst>
     <p:sldId id="264" r:id="rId2"/>
-    <p:sldId id="265" r:id="rId3"/>
-    <p:sldId id="320" r:id="rId4"/>
-    <p:sldId id="266" r:id="rId5"/>
-    <p:sldId id="267" r:id="rId6"/>
-    <p:sldId id="268" r:id="rId7"/>
-    <p:sldId id="269" r:id="rId8"/>
-    <p:sldId id="270" r:id="rId9"/>
-    <p:sldId id="271" r:id="rId10"/>
-    <p:sldId id="272" r:id="rId11"/>
-    <p:sldId id="287" r:id="rId12"/>
-    <p:sldId id="273" r:id="rId13"/>
-    <p:sldId id="274" r:id="rId14"/>
-    <p:sldId id="306" r:id="rId15"/>
-    <p:sldId id="288" r:id="rId16"/>
-    <p:sldId id="289" r:id="rId17"/>
-    <p:sldId id="290" r:id="rId18"/>
-    <p:sldId id="275" r:id="rId19"/>
-    <p:sldId id="291" r:id="rId20"/>
-    <p:sldId id="292" r:id="rId21"/>
-    <p:sldId id="294" r:id="rId22"/>
-    <p:sldId id="295" r:id="rId23"/>
-    <p:sldId id="296" r:id="rId24"/>
-    <p:sldId id="276" r:id="rId25"/>
-    <p:sldId id="277" r:id="rId26"/>
-    <p:sldId id="319" r:id="rId27"/>
-    <p:sldId id="278" r:id="rId28"/>
-    <p:sldId id="279" r:id="rId29"/>
-    <p:sldId id="280" r:id="rId30"/>
-    <p:sldId id="281" r:id="rId31"/>
-    <p:sldId id="283" r:id="rId32"/>
-    <p:sldId id="284" r:id="rId33"/>
-    <p:sldId id="285" r:id="rId34"/>
-    <p:sldId id="286" r:id="rId35"/>
-    <p:sldId id="301" r:id="rId36"/>
-    <p:sldId id="302" r:id="rId37"/>
-    <p:sldId id="303" r:id="rId38"/>
-    <p:sldId id="304" r:id="rId39"/>
-    <p:sldId id="317" r:id="rId40"/>
-    <p:sldId id="316" r:id="rId41"/>
-    <p:sldId id="293" r:id="rId42"/>
-    <p:sldId id="311" r:id="rId43"/>
-    <p:sldId id="312" r:id="rId44"/>
-    <p:sldId id="313" r:id="rId45"/>
-    <p:sldId id="314" r:id="rId46"/>
-    <p:sldId id="297" r:id="rId47"/>
-    <p:sldId id="299" r:id="rId48"/>
-    <p:sldId id="318" r:id="rId49"/>
-    <p:sldId id="300" r:id="rId50"/>
+    <p:sldId id="320" r:id="rId3"/>
+    <p:sldId id="266" r:id="rId4"/>
+    <p:sldId id="267" r:id="rId5"/>
+    <p:sldId id="268" r:id="rId6"/>
+    <p:sldId id="269" r:id="rId7"/>
+    <p:sldId id="270" r:id="rId8"/>
+    <p:sldId id="271" r:id="rId9"/>
+    <p:sldId id="272" r:id="rId10"/>
+    <p:sldId id="287" r:id="rId11"/>
+    <p:sldId id="273" r:id="rId12"/>
+    <p:sldId id="274" r:id="rId13"/>
+    <p:sldId id="306" r:id="rId14"/>
+    <p:sldId id="288" r:id="rId15"/>
+    <p:sldId id="289" r:id="rId16"/>
+    <p:sldId id="290" r:id="rId17"/>
+    <p:sldId id="275" r:id="rId18"/>
+    <p:sldId id="291" r:id="rId19"/>
+    <p:sldId id="292" r:id="rId20"/>
+    <p:sldId id="294" r:id="rId21"/>
+    <p:sldId id="295" r:id="rId22"/>
+    <p:sldId id="296" r:id="rId23"/>
+    <p:sldId id="276" r:id="rId24"/>
+    <p:sldId id="277" r:id="rId25"/>
+    <p:sldId id="319" r:id="rId26"/>
+    <p:sldId id="278" r:id="rId27"/>
+    <p:sldId id="279" r:id="rId28"/>
+    <p:sldId id="280" r:id="rId29"/>
+    <p:sldId id="281" r:id="rId30"/>
+    <p:sldId id="283" r:id="rId31"/>
+    <p:sldId id="284" r:id="rId32"/>
+    <p:sldId id="285" r:id="rId33"/>
+    <p:sldId id="286" r:id="rId34"/>
+    <p:sldId id="301" r:id="rId35"/>
+    <p:sldId id="303" r:id="rId36"/>
+    <p:sldId id="304" r:id="rId37"/>
+    <p:sldId id="317" r:id="rId38"/>
+    <p:sldId id="316" r:id="rId39"/>
+    <p:sldId id="311" r:id="rId40"/>
+    <p:sldId id="312" r:id="rId41"/>
+    <p:sldId id="313" r:id="rId42"/>
+    <p:sldId id="314" r:id="rId43"/>
+    <p:sldId id="321" r:id="rId44"/>
+    <p:sldId id="297" r:id="rId45"/>
+    <p:sldId id="299" r:id="rId46"/>
+    <p:sldId id="318" r:id="rId47"/>
+    <p:sldId id="300" r:id="rId48"/>
   </p:sldIdLst>
   <p:sldSz cx="9144000" cy="6858000" type="screen4x3"/>
   <p:notesSz cx="6648450" cy="9782175"/>
@@ -3852,147 +3850,6 @@
           <a:p>
             <a:r>
               <a:rPr lang="fr-FR" dirty="0" smtClean="0"/>
-              <a:t>Erreur</a:t>
-            </a:r>
-            <a:endParaRPr lang="fr-FR" dirty="0"/>
-          </a:p>
-        </p:txBody>
-      </p:sp>
-      <p:sp>
-        <p:nvSpPr>
-          <p:cNvPr id="3" name="Espace réservé du contenu 2"/>
-          <p:cNvSpPr>
-            <a:spLocks noGrp="1"/>
-          </p:cNvSpPr>
-          <p:nvPr>
-            <p:ph idx="1"/>
-          </p:nvPr>
-        </p:nvSpPr>
-        <p:spPr/>
-        <p:txBody>
-          <a:bodyPr/>
-          <a:lstStyle/>
-          <a:p>
-            <a:r>
-              <a:rPr lang="fr-FR" dirty="0" smtClean="0"/>
-              <a:t>Un écart type et un taux de confiance peut être calculé</a:t>
-            </a:r>
-          </a:p>
-          <a:p>
-            <a:endParaRPr lang="fr-FR" dirty="0"/>
-          </a:p>
-          <a:p>
-            <a:endParaRPr lang="fr-FR" dirty="0" smtClean="0"/>
-          </a:p>
-          <a:p>
-            <a:endParaRPr lang="fr-FR" dirty="0"/>
-          </a:p>
-          <a:p>
-            <a:endParaRPr lang="fr-FR" dirty="0" smtClean="0"/>
-          </a:p>
-          <a:p>
-            <a:endParaRPr lang="fr-FR" dirty="0"/>
-          </a:p>
-          <a:p>
-            <a:endParaRPr lang="fr-FR" dirty="0" smtClean="0"/>
-          </a:p>
-          <a:p>
-            <a:r>
-              <a:rPr lang="fr-FR" dirty="0" smtClean="0"/>
-              <a:t>Exemple : taux de confiance à 90%</a:t>
-            </a:r>
-            <a:endParaRPr lang="fr-FR" dirty="0"/>
-          </a:p>
-        </p:txBody>
-      </p:sp>
-      <p:pic>
-        <p:nvPicPr>
-          <p:cNvPr id="3074" name="Picture 2" descr="l'intervalle de confiance (à 90%) que les point se trouvent dans cette zone"/>
-          <p:cNvPicPr>
-            <a:picLocks noChangeAspect="1" noChangeArrowheads="1"/>
-          </p:cNvPicPr>
-          <p:nvPr/>
-        </p:nvPicPr>
-        <p:blipFill>
-          <a:blip r:embed="rId2">
-            <a:extLst>
-              <a:ext uri="{28A0092B-C50C-407E-A947-70E740481C1C}">
-                <a14:useLocalDpi xmlns:a14="http://schemas.microsoft.com/office/drawing/2010/main" val="0"/>
-              </a:ext>
-            </a:extLst>
-          </a:blip>
-          <a:srcRect/>
-          <a:stretch>
-            <a:fillRect/>
-          </a:stretch>
-        </p:blipFill>
-        <p:spPr bwMode="auto">
-          <a:xfrm>
-            <a:off x="2195736" y="2276872"/>
-            <a:ext cx="4286250" cy="3000376"/>
-          </a:xfrm>
-          <a:prstGeom prst="rect">
-            <a:avLst/>
-          </a:prstGeom>
-          <a:noFill/>
-          <a:extLst>
-            <a:ext uri="{909E8E84-426E-40DD-AFC4-6F175D3DCCD1}">
-              <a14:hiddenFill xmlns:a14="http://schemas.microsoft.com/office/drawing/2010/main">
-                <a:solidFill>
-                  <a:srgbClr val="FFFFFF"/>
-                </a:solidFill>
-              </a14:hiddenFill>
-            </a:ext>
-          </a:extLst>
-        </p:spPr>
-      </p:pic>
-    </p:spTree>
-    <p:extLst>
-      <p:ext uri="{BB962C8B-B14F-4D97-AF65-F5344CB8AC3E}">
-        <p14:creationId xmlns:p14="http://schemas.microsoft.com/office/powerpoint/2010/main" val="2468921661"/>
-      </p:ext>
-    </p:extLst>
-  </p:cSld>
-  <p:clrMapOvr>
-    <a:masterClrMapping/>
-  </p:clrMapOvr>
-</p:sld>
-</file>
-
-<file path=ppt/slides/slide11.xml><?xml version="1.0" encoding="utf-8"?>
-<p:sld xmlns:a="http://schemas.openxmlformats.org/drawingml/2006/main" xmlns:r="http://schemas.openxmlformats.org/officeDocument/2006/relationships" xmlns:p="http://schemas.openxmlformats.org/presentationml/2006/main">
-  <p:cSld>
-    <p:spTree>
-      <p:nvGrpSpPr>
-        <p:cNvPr id="1" name=""/>
-        <p:cNvGrpSpPr/>
-        <p:nvPr/>
-      </p:nvGrpSpPr>
-      <p:grpSpPr>
-        <a:xfrm>
-          <a:off x="0" y="0"/>
-          <a:ext cx="0" cy="0"/>
-          <a:chOff x="0" y="0"/>
-          <a:chExt cx="0" cy="0"/>
-        </a:xfrm>
-      </p:grpSpPr>
-      <p:sp>
-        <p:nvSpPr>
-          <p:cNvPr id="2" name="Titre 1"/>
-          <p:cNvSpPr>
-            <a:spLocks noGrp="1"/>
-          </p:cNvSpPr>
-          <p:nvPr>
-            <p:ph type="title"/>
-          </p:nvPr>
-        </p:nvSpPr>
-        <p:spPr/>
-        <p:txBody>
-          <a:bodyPr/>
-          <a:lstStyle/>
-          <a:p>
-            <a:r>
-              <a:rPr lang="fr-FR" dirty="0" smtClean="0"/>
               <a:t>Classification</a:t>
             </a:r>
             <a:endParaRPr lang="fr-FR" dirty="0"/>
@@ -4127,7 +3984,7 @@
 </p:sld>
 </file>
 
-<file path=ppt/slides/slide12.xml><?xml version="1.0" encoding="utf-8"?>
+<file path=ppt/slides/slide11.xml><?xml version="1.0" encoding="utf-8"?>
 <p:sld xmlns:a="http://schemas.openxmlformats.org/drawingml/2006/main" xmlns:r="http://schemas.openxmlformats.org/officeDocument/2006/relationships" xmlns:p="http://schemas.openxmlformats.org/presentationml/2006/main">
   <p:cSld>
     <p:spTree>
@@ -4247,7 +4104,7 @@
 </p:sld>
 </file>
 
-<file path=ppt/slides/slide13.xml><?xml version="1.0" encoding="utf-8"?>
+<file path=ppt/slides/slide12.xml><?xml version="1.0" encoding="utf-8"?>
 <p:sld xmlns:a="http://schemas.openxmlformats.org/drawingml/2006/main" xmlns:r="http://schemas.openxmlformats.org/officeDocument/2006/relationships" xmlns:p="http://schemas.openxmlformats.org/presentationml/2006/main">
   <p:cSld>
     <p:spTree>
@@ -4375,7 +4232,7 @@
 </p:sld>
 </file>
 
-<file path=ppt/slides/slide14.xml><?xml version="1.0" encoding="utf-8"?>
+<file path=ppt/slides/slide13.xml><?xml version="1.0" encoding="utf-8"?>
 <p:sld xmlns:a="http://schemas.openxmlformats.org/drawingml/2006/main" xmlns:r="http://schemas.openxmlformats.org/officeDocument/2006/relationships" xmlns:p="http://schemas.openxmlformats.org/presentationml/2006/main">
   <p:cSld>
     <p:spTree>
@@ -4492,7 +4349,7 @@
 </p:sld>
 </file>
 
-<file path=ppt/slides/slide15.xml><?xml version="1.0" encoding="utf-8"?>
+<file path=ppt/slides/slide14.xml><?xml version="1.0" encoding="utf-8"?>
 <p:sld xmlns:a="http://schemas.openxmlformats.org/drawingml/2006/main" xmlns:r="http://schemas.openxmlformats.org/officeDocument/2006/relationships" xmlns:p="http://schemas.openxmlformats.org/presentationml/2006/main">
   <p:cSld>
     <p:spTree>
@@ -4692,7 +4549,7 @@
 </p:sld>
 </file>
 
-<file path=ppt/slides/slide16.xml><?xml version="1.0" encoding="utf-8"?>
+<file path=ppt/slides/slide15.xml><?xml version="1.0" encoding="utf-8"?>
 <p:sld xmlns:a="http://schemas.openxmlformats.org/drawingml/2006/main" xmlns:r="http://schemas.openxmlformats.org/officeDocument/2006/relationships" xmlns:p="http://schemas.openxmlformats.org/presentationml/2006/main">
   <p:cSld>
     <p:spTree>
@@ -4862,7 +4719,7 @@
 </p:sld>
 </file>
 
-<file path=ppt/slides/slide17.xml><?xml version="1.0" encoding="utf-8"?>
+<file path=ppt/slides/slide16.xml><?xml version="1.0" encoding="utf-8"?>
 <p:sld xmlns:a="http://schemas.openxmlformats.org/drawingml/2006/main" xmlns:r="http://schemas.openxmlformats.org/officeDocument/2006/relationships" xmlns:p="http://schemas.openxmlformats.org/presentationml/2006/main">
   <p:cSld>
     <p:spTree>
@@ -5026,7 +4883,7 @@
 </p:sld>
 </file>
 
-<file path=ppt/slides/slide18.xml><?xml version="1.0" encoding="utf-8"?>
+<file path=ppt/slides/slide17.xml><?xml version="1.0" encoding="utf-8"?>
 <p:sld xmlns:a="http://schemas.openxmlformats.org/drawingml/2006/main" xmlns:r="http://schemas.openxmlformats.org/officeDocument/2006/relationships" xmlns:p="http://schemas.openxmlformats.org/presentationml/2006/main">
   <p:cSld>
     <p:spTree>
@@ -5122,7 +4979,7 @@
 </p:sld>
 </file>
 
-<file path=ppt/slides/slide19.xml><?xml version="1.0" encoding="utf-8"?>
+<file path=ppt/slides/slide18.xml><?xml version="1.0" encoding="utf-8"?>
 <p:sld xmlns:a="http://schemas.openxmlformats.org/drawingml/2006/main" xmlns:r="http://schemas.openxmlformats.org/officeDocument/2006/relationships" xmlns:p="http://schemas.openxmlformats.org/presentationml/2006/main">
   <p:cSld>
     <p:spTree>
@@ -5251,103 +5108,7 @@
 </p:sld>
 </file>
 
-<file path=ppt/slides/slide2.xml><?xml version="1.0" encoding="utf-8"?>
-<p:sld xmlns:a="http://schemas.openxmlformats.org/drawingml/2006/main" xmlns:r="http://schemas.openxmlformats.org/officeDocument/2006/relationships" xmlns:p="http://schemas.openxmlformats.org/presentationml/2006/main">
-  <p:cSld>
-    <p:spTree>
-      <p:nvGrpSpPr>
-        <p:cNvPr id="1" name=""/>
-        <p:cNvGrpSpPr/>
-        <p:nvPr/>
-      </p:nvGrpSpPr>
-      <p:grpSpPr>
-        <a:xfrm>
-          <a:off x="0" y="0"/>
-          <a:ext cx="0" cy="0"/>
-          <a:chOff x="0" y="0"/>
-          <a:chExt cx="0" cy="0"/>
-        </a:xfrm>
-      </p:grpSpPr>
-      <p:sp>
-        <p:nvSpPr>
-          <p:cNvPr id="2" name="Titre 1"/>
-          <p:cNvSpPr>
-            <a:spLocks noGrp="1"/>
-          </p:cNvSpPr>
-          <p:nvPr>
-            <p:ph type="title"/>
-          </p:nvPr>
-        </p:nvSpPr>
-        <p:spPr/>
-        <p:txBody>
-          <a:bodyPr/>
-          <a:lstStyle/>
-          <a:p>
-            <a:r>
-              <a:rPr lang="fr-FR" dirty="0" smtClean="0"/>
-              <a:t>Machine Learning</a:t>
-            </a:r>
-            <a:endParaRPr lang="fr-FR" dirty="0"/>
-          </a:p>
-        </p:txBody>
-      </p:sp>
-      <p:pic>
-        <p:nvPicPr>
-          <p:cNvPr id="1026" name="Picture 2" descr="Il est difficile d'évaluer la difficulté d'un problème de data science - xkcd.com/1425"/>
-          <p:cNvPicPr>
-            <a:picLocks noGrp="1" noChangeAspect="1" noChangeArrowheads="1"/>
-          </p:cNvPicPr>
-          <p:nvPr>
-            <p:ph idx="1"/>
-          </p:nvPr>
-        </p:nvPicPr>
-        <p:blipFill>
-          <a:blip r:embed="rId2">
-            <a:extLst>
-              <a:ext uri="{28A0092B-C50C-407E-A947-70E740481C1C}">
-                <a14:useLocalDpi xmlns:a14="http://schemas.microsoft.com/office/drawing/2010/main" val="0"/>
-              </a:ext>
-            </a:extLst>
-          </a:blip>
-          <a:srcRect/>
-          <a:stretch>
-            <a:fillRect/>
-          </a:stretch>
-        </p:blipFill>
-        <p:spPr bwMode="auto">
-          <a:xfrm>
-            <a:off x="3600629" y="980728"/>
-            <a:ext cx="3003935" cy="5040313"/>
-          </a:xfrm>
-          <a:prstGeom prst="rect">
-            <a:avLst/>
-          </a:prstGeom>
-          <a:noFill/>
-          <a:extLst>
-            <a:ext uri="{909E8E84-426E-40DD-AFC4-6F175D3DCCD1}">
-              <a14:hiddenFill xmlns:a14="http://schemas.microsoft.com/office/drawing/2010/main">
-                <a:solidFill>
-                  <a:srgbClr val="FFFFFF"/>
-                </a:solidFill>
-              </a14:hiddenFill>
-            </a:ext>
-          </a:extLst>
-        </p:spPr>
-      </p:pic>
-    </p:spTree>
-    <p:extLst>
-      <p:ext uri="{BB962C8B-B14F-4D97-AF65-F5344CB8AC3E}">
-        <p14:creationId xmlns:p14="http://schemas.microsoft.com/office/powerpoint/2010/main" val="2435859536"/>
-      </p:ext>
-    </p:extLst>
-  </p:cSld>
-  <p:clrMapOvr>
-    <a:masterClrMapping/>
-  </p:clrMapOvr>
-</p:sld>
-</file>
-
-<file path=ppt/slides/slide20.xml><?xml version="1.0" encoding="utf-8"?>
+<file path=ppt/slides/slide19.xml><?xml version="1.0" encoding="utf-8"?>
 <p:sld xmlns:a="http://schemas.openxmlformats.org/drawingml/2006/main" xmlns:r="http://schemas.openxmlformats.org/officeDocument/2006/relationships" xmlns:p="http://schemas.openxmlformats.org/presentationml/2006/main">
   <p:cSld>
     <p:spTree>
@@ -5491,7 +5252,101 @@
 </p:sld>
 </file>
 
-<file path=ppt/slides/slide21.xml><?xml version="1.0" encoding="utf-8"?>
+<file path=ppt/slides/slide2.xml><?xml version="1.0" encoding="utf-8"?>
+<p:sld xmlns:a="http://schemas.openxmlformats.org/drawingml/2006/main" xmlns:r="http://schemas.openxmlformats.org/officeDocument/2006/relationships" xmlns:p="http://schemas.openxmlformats.org/presentationml/2006/main">
+  <p:cSld>
+    <p:spTree>
+      <p:nvGrpSpPr>
+        <p:cNvPr id="1" name=""/>
+        <p:cNvGrpSpPr/>
+        <p:nvPr/>
+      </p:nvGrpSpPr>
+      <p:grpSpPr>
+        <a:xfrm>
+          <a:off x="0" y="0"/>
+          <a:ext cx="0" cy="0"/>
+          <a:chOff x="0" y="0"/>
+          <a:chExt cx="0" cy="0"/>
+        </a:xfrm>
+      </p:grpSpPr>
+      <p:sp>
+        <p:nvSpPr>
+          <p:cNvPr id="2" name="Titre 1"/>
+          <p:cNvSpPr>
+            <a:spLocks noGrp="1"/>
+          </p:cNvSpPr>
+          <p:nvPr>
+            <p:ph type="title"/>
+          </p:nvPr>
+        </p:nvSpPr>
+        <p:spPr/>
+        <p:txBody>
+          <a:bodyPr/>
+          <a:lstStyle/>
+          <a:p>
+            <a:r>
+              <a:rPr lang="fr-FR" dirty="0" smtClean="0"/>
+              <a:t>IA - ML - DL</a:t>
+            </a:r>
+            <a:endParaRPr lang="fr-FR" dirty="0"/>
+          </a:p>
+        </p:txBody>
+      </p:sp>
+      <p:pic>
+        <p:nvPicPr>
+          <p:cNvPr id="1026" name="Picture 2" descr="https://www.mytectra.com/media/wysiwyg/Blog/deep-learning.png"/>
+          <p:cNvPicPr>
+            <a:picLocks noChangeAspect="1" noChangeArrowheads="1"/>
+          </p:cNvPicPr>
+          <p:nvPr/>
+        </p:nvPicPr>
+        <p:blipFill>
+          <a:blip r:embed="rId2">
+            <a:extLst>
+              <a:ext uri="{28A0092B-C50C-407E-A947-70E740481C1C}">
+                <a14:useLocalDpi xmlns:a14="http://schemas.microsoft.com/office/drawing/2010/main" val="0"/>
+              </a:ext>
+            </a:extLst>
+          </a:blip>
+          <a:srcRect/>
+          <a:stretch>
+            <a:fillRect/>
+          </a:stretch>
+        </p:blipFill>
+        <p:spPr bwMode="auto">
+          <a:xfrm>
+            <a:off x="0" y="908719"/>
+            <a:ext cx="9144000" cy="5816601"/>
+          </a:xfrm>
+          <a:prstGeom prst="rect">
+            <a:avLst/>
+          </a:prstGeom>
+          <a:noFill/>
+          <a:extLst>
+            <a:ext uri="{909E8E84-426E-40DD-AFC4-6F175D3DCCD1}">
+              <a14:hiddenFill xmlns:a14="http://schemas.microsoft.com/office/drawing/2010/main">
+                <a:solidFill>
+                  <a:srgbClr val="FFFFFF"/>
+                </a:solidFill>
+              </a14:hiddenFill>
+            </a:ext>
+          </a:extLst>
+        </p:spPr>
+      </p:pic>
+    </p:spTree>
+    <p:extLst>
+      <p:ext uri="{BB962C8B-B14F-4D97-AF65-F5344CB8AC3E}">
+        <p14:creationId xmlns:p14="http://schemas.microsoft.com/office/powerpoint/2010/main" val="2673415261"/>
+      </p:ext>
+    </p:extLst>
+  </p:cSld>
+  <p:clrMapOvr>
+    <a:masterClrMapping/>
+  </p:clrMapOvr>
+</p:sld>
+</file>
+
+<file path=ppt/slides/slide20.xml><?xml version="1.0" encoding="utf-8"?>
 <p:sld xmlns:a="http://schemas.openxmlformats.org/drawingml/2006/main" xmlns:r="http://schemas.openxmlformats.org/officeDocument/2006/relationships" xmlns:p="http://schemas.openxmlformats.org/presentationml/2006/main">
   <p:cSld>
     <p:spTree>
@@ -5638,7 +5493,7 @@
 </p:sld>
 </file>
 
-<file path=ppt/slides/slide22.xml><?xml version="1.0" encoding="utf-8"?>
+<file path=ppt/slides/slide21.xml><?xml version="1.0" encoding="utf-8"?>
 <p:sld xmlns:a="http://schemas.openxmlformats.org/drawingml/2006/main" xmlns:r="http://schemas.openxmlformats.org/officeDocument/2006/relationships" xmlns:p="http://schemas.openxmlformats.org/presentationml/2006/main">
   <p:cSld>
     <p:spTree>
@@ -5708,23 +5563,7 @@
           <a:p>
             <a:r>
               <a:rPr lang="fr-FR" dirty="0" smtClean="0"/>
-              <a:t>Possibilité de calculer la </a:t>
-            </a:r>
-            <a:r>
-              <a:rPr lang="fr-FR" dirty="0" err="1" smtClean="0"/>
-              <a:t>mediane</a:t>
-            </a:r>
-            <a:r>
-              <a:rPr lang="fr-FR" dirty="0" smtClean="0"/>
-              <a:t>, quartile, </a:t>
-            </a:r>
-            <a:r>
-              <a:rPr lang="fr-FR" dirty="0" err="1" smtClean="0"/>
-              <a:t>decile</a:t>
-            </a:r>
-            <a:r>
-              <a:rPr lang="fr-FR" dirty="0" smtClean="0"/>
-              <a:t>, centile</a:t>
+              <a:t>Possibilité de calculer la médiane, quartile, décile, centile</a:t>
             </a:r>
           </a:p>
           <a:p>
@@ -5746,7 +5585,7 @@
 </p:sld>
 </file>
 
-<file path=ppt/slides/slide23.xml><?xml version="1.0" encoding="utf-8"?>
+<file path=ppt/slides/slide22.xml><?xml version="1.0" encoding="utf-8"?>
 <p:sld xmlns:a="http://schemas.openxmlformats.org/drawingml/2006/main" xmlns:r="http://schemas.openxmlformats.org/officeDocument/2006/relationships" xmlns:p="http://schemas.openxmlformats.org/presentationml/2006/main">
   <p:cSld>
     <p:spTree>
@@ -5912,6 +5751,112 @@
 </p:sld>
 </file>
 
+<file path=ppt/slides/slide23.xml><?xml version="1.0" encoding="utf-8"?>
+<p:sld xmlns:a="http://schemas.openxmlformats.org/drawingml/2006/main" xmlns:r="http://schemas.openxmlformats.org/officeDocument/2006/relationships" xmlns:p="http://schemas.openxmlformats.org/presentationml/2006/main">
+  <p:cSld>
+    <p:spTree>
+      <p:nvGrpSpPr>
+        <p:cNvPr id="1" name=""/>
+        <p:cNvGrpSpPr/>
+        <p:nvPr/>
+      </p:nvGrpSpPr>
+      <p:grpSpPr>
+        <a:xfrm>
+          <a:off x="0" y="0"/>
+          <a:ext cx="0" cy="0"/>
+          <a:chOff x="0" y="0"/>
+          <a:chExt cx="0" cy="0"/>
+        </a:xfrm>
+      </p:grpSpPr>
+      <p:sp>
+        <p:nvSpPr>
+          <p:cNvPr id="2" name="Titre 1"/>
+          <p:cNvSpPr>
+            <a:spLocks noGrp="1"/>
+          </p:cNvSpPr>
+          <p:nvPr>
+            <p:ph type="title"/>
+          </p:nvPr>
+        </p:nvSpPr>
+        <p:spPr/>
+        <p:txBody>
+          <a:bodyPr/>
+          <a:lstStyle/>
+          <a:p>
+            <a:r>
+              <a:rPr lang="fr-FR" dirty="0" smtClean="0"/>
+              <a:t>Modélisation</a:t>
+            </a:r>
+            <a:endParaRPr lang="fr-FR" dirty="0"/>
+          </a:p>
+        </p:txBody>
+      </p:sp>
+      <p:sp>
+        <p:nvSpPr>
+          <p:cNvPr id="3" name="Espace réservé du contenu 2"/>
+          <p:cNvSpPr>
+            <a:spLocks noGrp="1"/>
+          </p:cNvSpPr>
+          <p:nvPr>
+            <p:ph idx="1"/>
+          </p:nvPr>
+        </p:nvSpPr>
+        <p:spPr/>
+        <p:txBody>
+          <a:bodyPr/>
+          <a:lstStyle/>
+          <a:p>
+            <a:r>
+              <a:rPr lang="fr-FR" dirty="0"/>
+              <a:t>Imaginez que vous êtes un data </a:t>
+            </a:r>
+            <a:r>
+              <a:rPr lang="fr-FR" dirty="0" err="1" smtClean="0"/>
+              <a:t>scientist</a:t>
+            </a:r>
+            <a:endParaRPr lang="fr-FR" dirty="0" smtClean="0"/>
+          </a:p>
+          <a:p>
+            <a:pPr lvl="1"/>
+            <a:r>
+              <a:rPr lang="fr-FR" dirty="0" smtClean="0"/>
+              <a:t>Vous </a:t>
+            </a:r>
+            <a:r>
+              <a:rPr lang="fr-FR" dirty="0"/>
+              <a:t>êtes maintenant confortable avec l'ensemble des données récupérées pour vos </a:t>
+            </a:r>
+            <a:r>
+              <a:rPr lang="fr-FR" dirty="0" smtClean="0"/>
+              <a:t>analyses</a:t>
+            </a:r>
+          </a:p>
+          <a:p>
+            <a:pPr lvl="1"/>
+            <a:r>
+              <a:rPr lang="fr-FR" dirty="0" smtClean="0"/>
+              <a:t>Vous </a:t>
+            </a:r>
+            <a:r>
+              <a:rPr lang="fr-FR" dirty="0"/>
+              <a:t>avez une connaissance des objectifs principaux de l'entreprise, ce qui vous a aidé à synthétiser les différentes variables qui interviennent, ainsi que visualiser les différents comportements et corrélations présents au sein de ces données</a:t>
+            </a:r>
+          </a:p>
+        </p:txBody>
+      </p:sp>
+    </p:spTree>
+    <p:extLst>
+      <p:ext uri="{BB962C8B-B14F-4D97-AF65-F5344CB8AC3E}">
+        <p14:creationId xmlns:p14="http://schemas.microsoft.com/office/powerpoint/2010/main" val="1213284648"/>
+      </p:ext>
+    </p:extLst>
+  </p:cSld>
+  <p:clrMapOvr>
+    <a:masterClrMapping/>
+  </p:clrMapOvr>
+</p:sld>
+</file>
+
 <file path=ppt/slides/slide24.xml><?xml version="1.0" encoding="utf-8"?>
 <p:sld xmlns:a="http://schemas.openxmlformats.org/drawingml/2006/main" xmlns:r="http://schemas.openxmlformats.org/officeDocument/2006/relationships" xmlns:p="http://schemas.openxmlformats.org/presentationml/2006/main">
   <p:cSld>
@@ -5946,112 +5891,6 @@
           <a:p>
             <a:r>
               <a:rPr lang="fr-FR" dirty="0" smtClean="0"/>
-              <a:t>Modélisation</a:t>
-            </a:r>
-            <a:endParaRPr lang="fr-FR" dirty="0"/>
-          </a:p>
-        </p:txBody>
-      </p:sp>
-      <p:sp>
-        <p:nvSpPr>
-          <p:cNvPr id="3" name="Espace réservé du contenu 2"/>
-          <p:cNvSpPr>
-            <a:spLocks noGrp="1"/>
-          </p:cNvSpPr>
-          <p:nvPr>
-            <p:ph idx="1"/>
-          </p:nvPr>
-        </p:nvSpPr>
-        <p:spPr/>
-        <p:txBody>
-          <a:bodyPr/>
-          <a:lstStyle/>
-          <a:p>
-            <a:r>
-              <a:rPr lang="fr-FR" dirty="0"/>
-              <a:t>Imaginez que vous êtes un data </a:t>
-            </a:r>
-            <a:r>
-              <a:rPr lang="fr-FR" dirty="0" err="1" smtClean="0"/>
-              <a:t>scientist</a:t>
-            </a:r>
-            <a:endParaRPr lang="fr-FR" dirty="0" smtClean="0"/>
-          </a:p>
-          <a:p>
-            <a:pPr lvl="1"/>
-            <a:r>
-              <a:rPr lang="fr-FR" dirty="0" smtClean="0"/>
-              <a:t>Vous </a:t>
-            </a:r>
-            <a:r>
-              <a:rPr lang="fr-FR" dirty="0"/>
-              <a:t>êtes maintenant confortable avec l'ensemble des données récupérées pour vos </a:t>
-            </a:r>
-            <a:r>
-              <a:rPr lang="fr-FR" dirty="0" smtClean="0"/>
-              <a:t>analyses</a:t>
-            </a:r>
-          </a:p>
-          <a:p>
-            <a:pPr lvl="1"/>
-            <a:r>
-              <a:rPr lang="fr-FR" dirty="0" smtClean="0"/>
-              <a:t>Vous </a:t>
-            </a:r>
-            <a:r>
-              <a:rPr lang="fr-FR" dirty="0"/>
-              <a:t>avez une connaissance des objectifs principaux de l'entreprise, ce qui vous a aidé à synthétiser les différentes variables qui interviennent, ainsi que visualiser les différents comportements et corrélations présents au sein de ces données</a:t>
-            </a:r>
-          </a:p>
-        </p:txBody>
-      </p:sp>
-    </p:spTree>
-    <p:extLst>
-      <p:ext uri="{BB962C8B-B14F-4D97-AF65-F5344CB8AC3E}">
-        <p14:creationId xmlns:p14="http://schemas.microsoft.com/office/powerpoint/2010/main" val="1213284648"/>
-      </p:ext>
-    </p:extLst>
-  </p:cSld>
-  <p:clrMapOvr>
-    <a:masterClrMapping/>
-  </p:clrMapOvr>
-</p:sld>
-</file>
-
-<file path=ppt/slides/slide25.xml><?xml version="1.0" encoding="utf-8"?>
-<p:sld xmlns:a="http://schemas.openxmlformats.org/drawingml/2006/main" xmlns:r="http://schemas.openxmlformats.org/officeDocument/2006/relationships" xmlns:p="http://schemas.openxmlformats.org/presentationml/2006/main">
-  <p:cSld>
-    <p:spTree>
-      <p:nvGrpSpPr>
-        <p:cNvPr id="1" name=""/>
-        <p:cNvGrpSpPr/>
-        <p:nvPr/>
-      </p:nvGrpSpPr>
-      <p:grpSpPr>
-        <a:xfrm>
-          <a:off x="0" y="0"/>
-          <a:ext cx="0" cy="0"/>
-          <a:chOff x="0" y="0"/>
-          <a:chExt cx="0" cy="0"/>
-        </a:xfrm>
-      </p:grpSpPr>
-      <p:sp>
-        <p:nvSpPr>
-          <p:cNvPr id="2" name="Titre 1"/>
-          <p:cNvSpPr>
-            <a:spLocks noGrp="1"/>
-          </p:cNvSpPr>
-          <p:nvPr>
-            <p:ph type="title"/>
-          </p:nvPr>
-        </p:nvSpPr>
-        <p:spPr/>
-        <p:txBody>
-          <a:bodyPr/>
-          <a:lstStyle/>
-          <a:p>
-            <a:r>
-              <a:rPr lang="fr-FR" dirty="0" smtClean="0"/>
               <a:t>Apprentissage</a:t>
             </a:r>
             <a:endParaRPr lang="fr-FR" dirty="0"/>
@@ -6146,7 +5985,7 @@
 </p:sld>
 </file>
 
-<file path=ppt/slides/slide26.xml><?xml version="1.0" encoding="utf-8"?>
+<file path=ppt/slides/slide25.xml><?xml version="1.0" encoding="utf-8"?>
 <p:sld xmlns:a="http://schemas.openxmlformats.org/drawingml/2006/main" xmlns:r="http://schemas.openxmlformats.org/officeDocument/2006/relationships" xmlns:p="http://schemas.openxmlformats.org/presentationml/2006/main">
   <p:cSld>
     <p:spTree>
@@ -6244,7 +6083,7 @@
 </p:sld>
 </file>
 
-<file path=ppt/slides/slide27.xml><?xml version="1.0" encoding="utf-8"?>
+<file path=ppt/slides/slide26.xml><?xml version="1.0" encoding="utf-8"?>
 <p:sld xmlns:a="http://schemas.openxmlformats.org/drawingml/2006/main" xmlns:r="http://schemas.openxmlformats.org/officeDocument/2006/relationships" xmlns:p="http://schemas.openxmlformats.org/presentationml/2006/main">
   <p:cSld>
     <p:spTree>
@@ -6340,7 +6179,7 @@
 </p:sld>
 </file>
 
-<file path=ppt/slides/slide28.xml><?xml version="1.0" encoding="utf-8"?>
+<file path=ppt/slides/slide27.xml><?xml version="1.0" encoding="utf-8"?>
 <p:sld xmlns:a="http://schemas.openxmlformats.org/drawingml/2006/main" xmlns:r="http://schemas.openxmlformats.org/officeDocument/2006/relationships" xmlns:p="http://schemas.openxmlformats.org/presentationml/2006/main">
   <p:cSld>
     <p:spTree>
@@ -6436,6 +6275,154 @@
 </p:sld>
 </file>
 
+<file path=ppt/slides/slide28.xml><?xml version="1.0" encoding="utf-8"?>
+<p:sld xmlns:a="http://schemas.openxmlformats.org/drawingml/2006/main" xmlns:r="http://schemas.openxmlformats.org/officeDocument/2006/relationships" xmlns:p="http://schemas.openxmlformats.org/presentationml/2006/main">
+  <p:cSld>
+    <p:spTree>
+      <p:nvGrpSpPr>
+        <p:cNvPr id="1" name=""/>
+        <p:cNvGrpSpPr/>
+        <p:nvPr/>
+      </p:nvGrpSpPr>
+      <p:grpSpPr>
+        <a:xfrm>
+          <a:off x="0" y="0"/>
+          <a:ext cx="0" cy="0"/>
+          <a:chOff x="0" y="0"/>
+          <a:chExt cx="0" cy="0"/>
+        </a:xfrm>
+      </p:grpSpPr>
+      <p:sp>
+        <p:nvSpPr>
+          <p:cNvPr id="2" name="Titre 1"/>
+          <p:cNvSpPr>
+            <a:spLocks noGrp="1"/>
+          </p:cNvSpPr>
+          <p:nvPr>
+            <p:ph type="title"/>
+          </p:nvPr>
+        </p:nvSpPr>
+        <p:spPr/>
+        <p:txBody>
+          <a:bodyPr/>
+          <a:lstStyle/>
+          <a:p>
+            <a:r>
+              <a:rPr lang="fr-FR" dirty="0" smtClean="0"/>
+              <a:t>Notre travail</a:t>
+            </a:r>
+            <a:endParaRPr lang="fr-FR" dirty="0"/>
+          </a:p>
+        </p:txBody>
+      </p:sp>
+      <p:sp>
+        <p:nvSpPr>
+          <p:cNvPr id="3" name="Espace réservé du contenu 2"/>
+          <p:cNvSpPr>
+            <a:spLocks noGrp="1"/>
+          </p:cNvSpPr>
+          <p:nvPr>
+            <p:ph idx="1"/>
+          </p:nvPr>
+        </p:nvSpPr>
+        <p:spPr/>
+        <p:txBody>
+          <a:bodyPr/>
+          <a:lstStyle/>
+          <a:p>
+            <a:r>
+              <a:rPr lang="fr-FR" dirty="0"/>
+              <a:t>L</a:t>
+            </a:r>
+            <a:r>
+              <a:rPr lang="fr-FR" dirty="0" smtClean="0"/>
+              <a:t>e </a:t>
+            </a:r>
+            <a:r>
+              <a:rPr lang="fr-FR" dirty="0"/>
+              <a:t>travail du data </a:t>
+            </a:r>
+            <a:r>
+              <a:rPr lang="fr-FR" dirty="0" err="1"/>
+              <a:t>scientist</a:t>
+            </a:r>
+            <a:r>
+              <a:rPr lang="fr-FR" dirty="0"/>
+              <a:t> en machine </a:t>
+            </a:r>
+            <a:r>
+              <a:rPr lang="fr-FR" dirty="0" err="1"/>
+              <a:t>learning</a:t>
+            </a:r>
+            <a:r>
+              <a:rPr lang="fr-FR" dirty="0"/>
+              <a:t> consiste à sélectionner les bonnes données test, choisir et entraîner le bon algorithme en vérifiant grâce à l'analyse d'erreurs que le modèle devient de plus en plus performant et </a:t>
+            </a:r>
+            <a:r>
+              <a:rPr lang="fr-FR" dirty="0" smtClean="0"/>
+              <a:t>robuste</a:t>
+            </a:r>
+          </a:p>
+          <a:p>
+            <a:r>
+              <a:rPr lang="fr-FR" dirty="0" smtClean="0"/>
+              <a:t>Si </a:t>
+            </a:r>
+            <a:r>
+              <a:rPr lang="fr-FR" dirty="0"/>
+              <a:t>les performances s'améliorent lorsqu'on lui fourni les données d'entraînement, on dit alors que la machine "apprend".</a:t>
+            </a:r>
+          </a:p>
+          <a:p>
+            <a:r>
+              <a:rPr lang="fr-FR" dirty="0" smtClean="0"/>
+              <a:t>Le </a:t>
+            </a:r>
+            <a:r>
+              <a:rPr lang="fr-FR" dirty="0"/>
+              <a:t>data </a:t>
+            </a:r>
+            <a:r>
+              <a:rPr lang="fr-FR" dirty="0" err="1"/>
+              <a:t>scientist</a:t>
+            </a:r>
+            <a:r>
+              <a:rPr lang="fr-FR" dirty="0"/>
+              <a:t> peut ensuite </a:t>
+            </a:r>
+            <a:r>
+              <a:rPr lang="fr-FR" dirty="0" smtClean="0"/>
+              <a:t>déployer le modèle </a:t>
+            </a:r>
+            <a:r>
+              <a:rPr lang="fr-FR" dirty="0"/>
+              <a:t>afin qu'il traite de nouvelles données, pour accomplir la tâche </a:t>
+            </a:r>
+            <a:r>
+              <a:rPr lang="fr-FR" dirty="0" smtClean="0"/>
+              <a:t>(prédiction</a:t>
+            </a:r>
+            <a:r>
+              <a:rPr lang="fr-FR" smtClean="0"/>
+              <a:t>, décision, ...).</a:t>
+            </a:r>
+            <a:endParaRPr lang="fr-FR" dirty="0"/>
+          </a:p>
+        </p:txBody>
+      </p:sp>
+    </p:spTree>
+    <p:extLst>
+      <p:ext uri="{BB962C8B-B14F-4D97-AF65-F5344CB8AC3E}">
+        <p14:creationId xmlns:p14="http://schemas.microsoft.com/office/powerpoint/2010/main" val="2335869725"/>
+      </p:ext>
+    </p:extLst>
+  </p:cSld>
+  <p:clrMapOvr>
+    <a:masterClrMapping/>
+  </p:clrMapOvr>
+</p:sld>
+</file>
+
 <file path=ppt/slides/slide29.xml><?xml version="1.0" encoding="utf-8"?>
 <p:sld xmlns:a="http://schemas.openxmlformats.org/drawingml/2006/main" xmlns:r="http://schemas.openxmlformats.org/officeDocument/2006/relationships" xmlns:p="http://schemas.openxmlformats.org/presentationml/2006/main">
   <p:cSld>
@@ -6469,8 +6456,12 @@
           <a:lstStyle/>
           <a:p>
             <a:r>
-              <a:rPr lang="fr-FR" dirty="0" smtClean="0"/>
-              <a:t>Notre travail</a:t>
+              <a:rPr lang="fr-FR" dirty="0"/>
+              <a:t>L'algorithme </a:t>
+            </a:r>
+            <a:r>
+              <a:rPr lang="fr-FR" dirty="0" smtClean="0"/>
+              <a:t>d'apprentissage</a:t>
             </a:r>
             <a:endParaRPr lang="fr-FR" dirty="0"/>
           </a:p>
@@ -6493,79 +6484,41 @@
           <a:p>
             <a:r>
               <a:rPr lang="fr-FR" dirty="0"/>
-              <a:t>L</a:t>
-            </a:r>
-            <a:r>
-              <a:rPr lang="fr-FR" dirty="0" smtClean="0"/>
-              <a:t>e </a:t>
+              <a:t>L'algorithme d'apprentissage constitue la méthode avec laquelle le modèle statistique va se paramétrer à partir des données </a:t>
+            </a:r>
+            <a:r>
+              <a:rPr lang="fr-FR" dirty="0" smtClean="0"/>
+              <a:t>d'exemple</a:t>
+            </a:r>
+          </a:p>
+          <a:p>
+            <a:pPr lvl="1"/>
+            <a:r>
+              <a:rPr lang="fr-FR" dirty="0" smtClean="0"/>
+              <a:t>Il </a:t>
             </a:r>
             <a:r>
               <a:rPr lang="fr-FR" dirty="0"/>
-              <a:t>travail du data </a:t>
-            </a:r>
-            <a:r>
-              <a:rPr lang="fr-FR" dirty="0" err="1"/>
-              <a:t>scientist</a:t>
+              <a:t>existe de nombreux algorithmes différents </a:t>
+            </a:r>
+            <a:r>
+              <a:rPr lang="fr-FR" dirty="0" smtClean="0"/>
+              <a:t>!</a:t>
+            </a:r>
+          </a:p>
+          <a:p>
+            <a:pPr lvl="1"/>
+            <a:r>
+              <a:rPr lang="fr-FR" dirty="0" smtClean="0"/>
+              <a:t>On </a:t>
             </a:r>
             <a:r>
               <a:rPr lang="fr-FR" dirty="0"/>
-              <a:t> en machine </a:t>
-            </a:r>
-            <a:r>
-              <a:rPr lang="fr-FR" dirty="0" err="1"/>
-              <a:t>learning</a:t>
-            </a:r>
-            <a:r>
-              <a:rPr lang="fr-FR" dirty="0"/>
-              <a:t> consiste à sélectionner les bonnes données test, choisir et entraîner le bon algorithme en vérifiant grâce à l'analyse d'erreurs que le modèle devient de plus en plus performant et </a:t>
-            </a:r>
-            <a:r>
-              <a:rPr lang="fr-FR" dirty="0" smtClean="0"/>
-              <a:t>robuste</a:t>
-            </a:r>
-          </a:p>
-          <a:p>
-            <a:r>
-              <a:rPr lang="fr-FR" dirty="0" smtClean="0"/>
-              <a:t>Si </a:t>
-            </a:r>
-            <a:r>
-              <a:rPr lang="fr-FR" dirty="0"/>
-              <a:t>les performances s'améliorent lorsqu'on lui fourni les données d'entraînement, on dit alors que la machine "apprend".</a:t>
-            </a:r>
-          </a:p>
-          <a:p>
-            <a:r>
-              <a:rPr lang="fr-FR" dirty="0" smtClean="0"/>
-              <a:t>Le </a:t>
-            </a:r>
-            <a:r>
-              <a:rPr lang="fr-FR" dirty="0"/>
-              <a:t>data </a:t>
-            </a:r>
-            <a:r>
-              <a:rPr lang="fr-FR" dirty="0" err="1"/>
-              <a:t>scientist</a:t>
-            </a:r>
-            <a:r>
-              <a:rPr lang="fr-FR" dirty="0"/>
-              <a:t> peut ensuite </a:t>
-            </a:r>
-            <a:r>
-              <a:rPr lang="fr-FR" dirty="0" smtClean="0"/>
-              <a:t>déployer le modèle </a:t>
-            </a:r>
-            <a:r>
-              <a:rPr lang="fr-FR" dirty="0"/>
-              <a:t>afin qu'il traite de nouvelles données, pour accomplir la tâche </a:t>
-            </a:r>
-            <a:r>
-              <a:rPr lang="fr-FR" dirty="0" smtClean="0"/>
-              <a:t>(prédiction</a:t>
-            </a:r>
-            <a:r>
-              <a:rPr lang="fr-FR" smtClean="0"/>
-              <a:t>, décision, ...).</a:t>
+              <a:t>choisira un type d'algorithme particulier en fonction du type de tâche que l'on souhaite accomplir et du type de données dont on </a:t>
+            </a:r>
+            <a:r>
+              <a:rPr lang="fr-FR" dirty="0" smtClean="0"/>
+              <a:t>dispose</a:t>
             </a:r>
             <a:endParaRPr lang="fr-FR" dirty="0"/>
           </a:p>
@@ -6574,7 +6527,7 @@
     </p:spTree>
     <p:extLst>
       <p:ext uri="{BB962C8B-B14F-4D97-AF65-F5344CB8AC3E}">
-        <p14:creationId xmlns:p14="http://schemas.microsoft.com/office/powerpoint/2010/main" val="2335869725"/>
+        <p14:creationId xmlns:p14="http://schemas.microsoft.com/office/powerpoint/2010/main" val="1834491022"/>
       </p:ext>
     </p:extLst>
   </p:cSld>
@@ -6618,57 +6571,93 @@
           <a:p>
             <a:r>
               <a:rPr lang="fr-FR" dirty="0" smtClean="0"/>
-              <a:t>IA - ML - DL</a:t>
+              <a:t>1</a:t>
+            </a:r>
+            <a:r>
+              <a:rPr lang="fr-FR" baseline="30000" dirty="0" smtClean="0"/>
+              <a:t>ère</a:t>
+            </a:r>
+            <a:r>
+              <a:rPr lang="fr-FR" dirty="0" smtClean="0"/>
+              <a:t> étape</a:t>
             </a:r>
             <a:endParaRPr lang="fr-FR" dirty="0"/>
           </a:p>
         </p:txBody>
       </p:sp>
-      <p:pic>
-        <p:nvPicPr>
-          <p:cNvPr id="1026" name="Picture 2" descr="https://www.mytectra.com/media/wysiwyg/Blog/deep-learning.png"/>
-          <p:cNvPicPr>
-            <a:picLocks noChangeAspect="1" noChangeArrowheads="1"/>
-          </p:cNvPicPr>
-          <p:nvPr/>
-        </p:nvPicPr>
-        <p:blipFill>
-          <a:blip r:embed="rId2">
-            <a:extLst>
-              <a:ext uri="{28A0092B-C50C-407E-A947-70E740481C1C}">
-                <a14:useLocalDpi xmlns:a14="http://schemas.microsoft.com/office/drawing/2010/main" val="0"/>
-              </a:ext>
-            </a:extLst>
-          </a:blip>
-          <a:srcRect/>
-          <a:stretch>
-            <a:fillRect/>
-          </a:stretch>
-        </p:blipFill>
-        <p:spPr bwMode="auto">
-          <a:xfrm>
-            <a:off x="0" y="908719"/>
-            <a:ext cx="9144000" cy="5816601"/>
-          </a:xfrm>
-          <a:prstGeom prst="rect">
-            <a:avLst/>
-          </a:prstGeom>
-          <a:noFill/>
-          <a:extLst>
-            <a:ext uri="{909E8E84-426E-40DD-AFC4-6F175D3DCCD1}">
-              <a14:hiddenFill xmlns:a14="http://schemas.microsoft.com/office/drawing/2010/main">
-                <a:solidFill>
-                  <a:srgbClr val="FFFFFF"/>
-                </a:solidFill>
-              </a14:hiddenFill>
-            </a:ext>
-          </a:extLst>
-        </p:spPr>
-      </p:pic>
+      <p:sp>
+        <p:nvSpPr>
+          <p:cNvPr id="3" name="Espace réservé du contenu 2"/>
+          <p:cNvSpPr>
+            <a:spLocks noGrp="1"/>
+          </p:cNvSpPr>
+          <p:nvPr>
+            <p:ph idx="1"/>
+          </p:nvPr>
+        </p:nvSpPr>
+        <p:spPr/>
+        <p:txBody>
+          <a:bodyPr/>
+          <a:lstStyle/>
+          <a:p>
+            <a:r>
+              <a:rPr lang="fr-FR" dirty="0" smtClean="0"/>
+              <a:t>Trouver les données</a:t>
+            </a:r>
+          </a:p>
+          <a:p>
+            <a:pPr lvl="1"/>
+            <a:r>
+              <a:rPr lang="fr-FR" dirty="0" smtClean="0"/>
+              <a:t>Mise à disposition d’un data </a:t>
+            </a:r>
+            <a:r>
+              <a:rPr lang="fr-FR" dirty="0" err="1" smtClean="0"/>
+              <a:t>lake</a:t>
+            </a:r>
+            <a:r>
+              <a:rPr lang="fr-FR" dirty="0" smtClean="0"/>
+              <a:t> ou d’un data </a:t>
+            </a:r>
+            <a:r>
+              <a:rPr lang="fr-FR" dirty="0" err="1" smtClean="0"/>
+              <a:t>mart</a:t>
+            </a:r>
+            <a:endParaRPr lang="fr-FR" dirty="0" smtClean="0"/>
+          </a:p>
+          <a:p>
+            <a:r>
+              <a:rPr lang="fr-FR" dirty="0" smtClean="0"/>
+              <a:t>Le jeu de </a:t>
+            </a:r>
+            <a:r>
+              <a:rPr lang="fr-FR" dirty="0" smtClean="0"/>
+              <a:t>données </a:t>
+            </a:r>
+            <a:r>
+              <a:rPr lang="fr-FR" dirty="0" smtClean="0"/>
+              <a:t>utilisé en machine </a:t>
+            </a:r>
+            <a:r>
+              <a:rPr lang="fr-FR" dirty="0" err="1" smtClean="0"/>
+              <a:t>learning</a:t>
+            </a:r>
+            <a:r>
+              <a:rPr lang="fr-FR" dirty="0" smtClean="0"/>
+              <a:t> s’appel le </a:t>
+            </a:r>
+            <a:r>
+              <a:rPr lang="fr-FR" dirty="0" err="1" smtClean="0"/>
+              <a:t>Dataset</a:t>
+            </a:r>
+            <a:endParaRPr lang="fr-FR" dirty="0" smtClean="0"/>
+          </a:p>
+        </p:txBody>
+      </p:sp>
     </p:spTree>
     <p:extLst>
       <p:ext uri="{BB962C8B-B14F-4D97-AF65-F5344CB8AC3E}">
-        <p14:creationId xmlns:p14="http://schemas.microsoft.com/office/powerpoint/2010/main" val="2673415261"/>
+        <p14:creationId xmlns:p14="http://schemas.microsoft.com/office/powerpoint/2010/main" val="1841075970"/>
       </p:ext>
     </p:extLst>
   </p:cSld>
@@ -6711,12 +6700,8 @@
           <a:lstStyle/>
           <a:p>
             <a:r>
-              <a:rPr lang="fr-FR" dirty="0"/>
-              <a:t>L'algorithme </a:t>
-            </a:r>
-            <a:r>
-              <a:rPr lang="fr-FR" dirty="0" smtClean="0"/>
-              <a:t>d'apprentissage</a:t>
+              <a:rPr lang="fr-FR" dirty="0" smtClean="0"/>
+              <a:t>Exemples</a:t>
             </a:r>
             <a:endParaRPr lang="fr-FR" dirty="0"/>
           </a:p>
@@ -6739,50 +6724,91 @@
           <a:p>
             <a:r>
               <a:rPr lang="fr-FR" dirty="0"/>
-              <a:t>L'algorithme d'apprentissage constitue la méthode avec laquelle le modèle statistique va se paramétrer à partir des données </a:t>
-            </a:r>
-            <a:r>
-              <a:rPr lang="fr-FR" dirty="0" smtClean="0"/>
-              <a:t>d'exemple</a:t>
+              <a:t>Quelques exemples d'algorithmes de machine </a:t>
+            </a:r>
+            <a:r>
+              <a:rPr lang="fr-FR" dirty="0" err="1"/>
+              <a:t>learning</a:t>
+            </a:r>
+            <a:r>
+              <a:rPr lang="fr-FR" dirty="0"/>
+              <a:t>, dont vous avez peut-être déjà entendu parler :</a:t>
             </a:r>
           </a:p>
           <a:p>
             <a:pPr lvl="1"/>
             <a:r>
               <a:rPr lang="fr-FR" dirty="0" smtClean="0"/>
-              <a:t>Il </a:t>
+              <a:t>La </a:t>
             </a:r>
             <a:r>
               <a:rPr lang="fr-FR" dirty="0"/>
-              <a:t>existe de nombreux algorithmes différents </a:t>
-            </a:r>
-            <a:r>
-              <a:rPr lang="fr-FR" dirty="0" smtClean="0"/>
-              <a:t>!</a:t>
+              <a:t>régression linéaire</a:t>
             </a:r>
           </a:p>
           <a:p>
             <a:pPr lvl="1"/>
             <a:r>
-              <a:rPr lang="fr-FR" dirty="0" smtClean="0"/>
-              <a:t>On </a:t>
-            </a:r>
+              <a:rPr lang="fr-FR" dirty="0" err="1"/>
+              <a:t>K-nn</a:t>
+            </a:r>
+            <a:endParaRPr lang="fr-FR" dirty="0"/>
+          </a:p>
+          <a:p>
+            <a:pPr lvl="1"/>
             <a:r>
               <a:rPr lang="fr-FR" dirty="0"/>
-              <a:t>choisira un type d'algorithme particulier en fonction du type de tâche que l'on souhaite accomplir et du type de données dont on </a:t>
-            </a:r>
-            <a:r>
-              <a:rPr lang="fr-FR" dirty="0" smtClean="0"/>
-              <a:t>dispose</a:t>
+              <a:t>Les Support </a:t>
+            </a:r>
+            <a:r>
+              <a:rPr lang="fr-FR" dirty="0" err="1"/>
+              <a:t>Vector</a:t>
+            </a:r>
+            <a:r>
+              <a:rPr lang="fr-FR" dirty="0"/>
+              <a:t> Machine (SVM)</a:t>
+            </a:r>
+          </a:p>
+          <a:p>
+            <a:pPr lvl="1"/>
+            <a:r>
+              <a:rPr lang="fr-FR" dirty="0"/>
+              <a:t>Les réseaux de neurones</a:t>
+            </a:r>
+          </a:p>
+          <a:p>
+            <a:pPr lvl="1"/>
+            <a:r>
+              <a:rPr lang="fr-FR" dirty="0"/>
+              <a:t>Les </a:t>
+            </a:r>
+            <a:r>
+              <a:rPr lang="fr-FR" dirty="0" err="1"/>
+              <a:t>random</a:t>
+            </a:r>
+            <a:r>
+              <a:rPr lang="fr-FR" dirty="0"/>
+              <a:t> </a:t>
+            </a:r>
+            <a:r>
+              <a:rPr lang="fr-FR" dirty="0" err="1"/>
+              <a:t>forests</a:t>
             </a:r>
             <a:endParaRPr lang="fr-FR" dirty="0"/>
+          </a:p>
+          <a:p>
+            <a:pPr lvl="1"/>
+            <a:r>
+              <a:rPr lang="fr-FR" dirty="0"/>
+              <a:t>etc.</a:t>
+            </a:r>
           </a:p>
         </p:txBody>
       </p:sp>
     </p:spTree>
     <p:extLst>
       <p:ext uri="{BB962C8B-B14F-4D97-AF65-F5344CB8AC3E}">
-        <p14:creationId xmlns:p14="http://schemas.microsoft.com/office/powerpoint/2010/main" val="1834491022"/>
+        <p14:creationId xmlns:p14="http://schemas.microsoft.com/office/powerpoint/2010/main" val="4152399014"/>
       </p:ext>
     </p:extLst>
   </p:cSld>
@@ -6826,7 +6852,7 @@
           <a:p>
             <a:r>
               <a:rPr lang="fr-FR" dirty="0" smtClean="0"/>
-              <a:t>Exemples</a:t>
+              <a:t>Mesure de performance</a:t>
             </a:r>
             <a:endParaRPr lang="fr-FR" dirty="0"/>
           </a:p>
@@ -6849,91 +6875,22 @@
           <a:p>
             <a:r>
               <a:rPr lang="fr-FR" dirty="0"/>
-              <a:t>Quelques exemples d'algorithmes de machine </a:t>
-            </a:r>
-            <a:r>
-              <a:rPr lang="fr-FR" dirty="0" err="1"/>
-              <a:t>learning</a:t>
-            </a:r>
-            <a:r>
-              <a:rPr lang="fr-FR" dirty="0"/>
-              <a:t>, dont vous avez peut-être déjà entendu parler :</a:t>
-            </a:r>
-          </a:p>
-          <a:p>
-            <a:pPr lvl="1"/>
-            <a:r>
-              <a:rPr lang="fr-FR" dirty="0" smtClean="0"/>
-              <a:t>La </a:t>
-            </a:r>
-            <a:r>
-              <a:rPr lang="fr-FR" dirty="0"/>
-              <a:t>régression linéaire</a:t>
-            </a:r>
-          </a:p>
-          <a:p>
-            <a:pPr lvl="1"/>
-            <a:r>
-              <a:rPr lang="fr-FR" dirty="0" err="1"/>
-              <a:t>K-nn</a:t>
-            </a:r>
+              <a:t>Mesurer les performances fait partie intégrante du travail de modélisation. Il faut en général déterminer une mesure principale, souvent spécifique à la tâche à </a:t>
+            </a:r>
+            <a:r>
+              <a:rPr lang="fr-FR" dirty="0" smtClean="0"/>
+              <a:t>accomplir</a:t>
+            </a:r>
+          </a:p>
+          <a:p>
             <a:endParaRPr lang="fr-FR" dirty="0"/>
-          </a:p>
-          <a:p>
-            <a:pPr lvl="1"/>
-            <a:r>
-              <a:rPr lang="fr-FR" dirty="0"/>
-              <a:t>Les Support </a:t>
-            </a:r>
-            <a:r>
-              <a:rPr lang="fr-FR" dirty="0" err="1"/>
-              <a:t>Vector</a:t>
-            </a:r>
-            <a:r>
-              <a:rPr lang="fr-FR" dirty="0"/>
-              <a:t> Machine (SVM)</a:t>
-            </a:r>
-          </a:p>
-          <a:p>
-            <a:pPr lvl="1"/>
-            <a:r>
-              <a:rPr lang="fr-FR" dirty="0"/>
-              <a:t>Les réseaux de neurones</a:t>
-            </a:r>
-          </a:p>
-          <a:p>
-            <a:pPr lvl="1"/>
-            <a:r>
-              <a:rPr lang="fr-FR" dirty="0"/>
-              <a:t>Les </a:t>
-            </a:r>
-            <a:r>
-              <a:rPr lang="fr-FR" dirty="0" err="1"/>
-              <a:t>random</a:t>
-            </a:r>
-            <a:r>
-              <a:rPr lang="fr-FR" dirty="0"/>
-              <a:t> </a:t>
-            </a:r>
-            <a:r>
-              <a:rPr lang="fr-FR" dirty="0" err="1"/>
-              <a:t>forests</a:t>
-            </a:r>
-            <a:endParaRPr lang="fr-FR" dirty="0"/>
-          </a:p>
-          <a:p>
-            <a:pPr lvl="1"/>
-            <a:r>
-              <a:rPr lang="fr-FR" dirty="0"/>
-              <a:t>etc.</a:t>
-            </a:r>
           </a:p>
         </p:txBody>
       </p:sp>
     </p:spTree>
     <p:extLst>
       <p:ext uri="{BB962C8B-B14F-4D97-AF65-F5344CB8AC3E}">
-        <p14:creationId xmlns:p14="http://schemas.microsoft.com/office/powerpoint/2010/main" val="4152399014"/>
+        <p14:creationId xmlns:p14="http://schemas.microsoft.com/office/powerpoint/2010/main" val="1973774351"/>
       </p:ext>
     </p:extLst>
   </p:cSld>
@@ -6977,7 +6934,7 @@
           <a:p>
             <a:r>
               <a:rPr lang="fr-FR" dirty="0" smtClean="0"/>
-              <a:t>Mesure de performance</a:t>
+              <a:t>Exemple</a:t>
             </a:r>
             <a:endParaRPr lang="fr-FR" dirty="0"/>
           </a:p>
@@ -6999,23 +6956,97 @@
           <a:lstStyle/>
           <a:p>
             <a:r>
-              <a:rPr lang="fr-FR" dirty="0"/>
-              <a:t>Mesurer les performances fait partie intégrante du travail de modélisation. Il faut en général déterminer une mesure principale, souvent spécifique à la tâche à </a:t>
-            </a:r>
-            <a:r>
-              <a:rPr lang="fr-FR" dirty="0" smtClean="0"/>
-              <a:t>accomplir</a:t>
-            </a:r>
-          </a:p>
-          <a:p>
-            <a:endParaRPr lang="fr-FR" dirty="0"/>
+              <a:rPr lang="fr-FR" sz="2400" dirty="0"/>
+              <a:t>Imaginez que vous voulez créer un algorithme de détection de fraudes </a:t>
+            </a:r>
+            <a:r>
+              <a:rPr lang="fr-FR" sz="2400" dirty="0" smtClean="0"/>
+              <a:t>bancaires</a:t>
+            </a:r>
+          </a:p>
+          <a:p>
+            <a:pPr lvl="1"/>
+            <a:r>
+              <a:rPr lang="fr-FR" sz="2000" dirty="0" smtClean="0"/>
+              <a:t>Vous </a:t>
+            </a:r>
+            <a:r>
+              <a:rPr lang="fr-FR" sz="2000" dirty="0"/>
+              <a:t>voulez mesurer à quel point votre programme est </a:t>
+            </a:r>
+            <a:r>
+              <a:rPr lang="fr-FR" sz="2000" dirty="0" smtClean="0"/>
+              <a:t>performant</a:t>
+            </a:r>
+          </a:p>
+          <a:p>
+            <a:r>
+              <a:rPr lang="fr-FR" sz="2400" dirty="0" smtClean="0"/>
+              <a:t>Une </a:t>
+            </a:r>
+            <a:r>
+              <a:rPr lang="fr-FR" sz="2400" dirty="0"/>
+              <a:t>manière de faire serait de mesurer la proportion totale de transaction détectées comme </a:t>
+            </a:r>
+            <a:r>
+              <a:rPr lang="fr-FR" sz="2400" dirty="0" smtClean="0"/>
+              <a:t>fraude</a:t>
+            </a:r>
+          </a:p>
+          <a:p>
+            <a:pPr lvl="1"/>
+            <a:r>
+              <a:rPr lang="fr-FR" sz="2000" dirty="0" smtClean="0"/>
+              <a:t>Cependant</a:t>
+            </a:r>
+            <a:r>
+              <a:rPr lang="fr-FR" sz="2000" dirty="0"/>
+              <a:t>, on compte ici les transactions qui ne sont pas des fraudes et qui ont quand même été notées comme en étant (appelé "faux positifs</a:t>
+            </a:r>
+            <a:r>
+              <a:rPr lang="fr-FR" sz="2000" dirty="0" smtClean="0"/>
+              <a:t>")</a:t>
+            </a:r>
+          </a:p>
+          <a:p>
+            <a:pPr lvl="1"/>
+            <a:r>
+              <a:rPr lang="fr-FR" sz="2000" dirty="0" smtClean="0"/>
+              <a:t>Donc</a:t>
+            </a:r>
+            <a:r>
+              <a:rPr lang="fr-FR" sz="2000" dirty="0"/>
+              <a:t>, avec ce genre de métriques, on est pas exigeant sur ce type d'erreur que produit notre </a:t>
+            </a:r>
+            <a:r>
+              <a:rPr lang="fr-FR" sz="2000" dirty="0" smtClean="0"/>
+              <a:t>algorithme</a:t>
+            </a:r>
+          </a:p>
+          <a:p>
+            <a:r>
+              <a:rPr lang="fr-FR" sz="2400" dirty="0" smtClean="0"/>
+              <a:t>Il </a:t>
+            </a:r>
+            <a:r>
+              <a:rPr lang="fr-FR" sz="2400" dirty="0"/>
+              <a:t>faut peut être, utiliser une autre métrique plus pertinente. Par exemple, la précision qui est la proportion de "vraies fraudes" détectées par rapport au total de transactions </a:t>
+            </a:r>
+            <a:r>
+              <a:rPr lang="fr-FR" sz="2400" dirty="0" err="1"/>
+              <a:t>flagées</a:t>
+            </a:r>
+            <a:r>
+              <a:rPr lang="fr-FR" sz="2400" dirty="0"/>
+              <a:t> comme fraudes</a:t>
+            </a:r>
           </a:p>
         </p:txBody>
       </p:sp>
     </p:spTree>
     <p:extLst>
       <p:ext uri="{BB962C8B-B14F-4D97-AF65-F5344CB8AC3E}">
-        <p14:creationId xmlns:p14="http://schemas.microsoft.com/office/powerpoint/2010/main" val="1973774351"/>
+        <p14:creationId xmlns:p14="http://schemas.microsoft.com/office/powerpoint/2010/main" val="1447999638"/>
       </p:ext>
     </p:extLst>
   </p:cSld>
@@ -7059,7 +7090,7 @@
           <a:p>
             <a:r>
               <a:rPr lang="fr-FR" dirty="0" smtClean="0"/>
-              <a:t>Exemple</a:t>
+              <a:t>Autre exemple</a:t>
             </a:r>
             <a:endParaRPr lang="fr-FR" dirty="0"/>
           </a:p>
@@ -7081,97 +7112,23 @@
           <a:lstStyle/>
           <a:p>
             <a:r>
-              <a:rPr lang="fr-FR" sz="2400" dirty="0"/>
-              <a:t>Imaginez que vous voulez créer un algorithme de détection de fraudes </a:t>
-            </a:r>
-            <a:r>
-              <a:rPr lang="fr-FR" sz="2400" dirty="0" smtClean="0"/>
-              <a:t>bancaires</a:t>
-            </a:r>
-          </a:p>
-          <a:p>
-            <a:pPr lvl="1"/>
-            <a:r>
-              <a:rPr lang="fr-FR" sz="2000" dirty="0" smtClean="0"/>
-              <a:t>Vous </a:t>
-            </a:r>
-            <a:r>
-              <a:rPr lang="fr-FR" sz="2000" dirty="0"/>
-              <a:t>voulez mesurer à quel point votre programme est </a:t>
-            </a:r>
-            <a:r>
-              <a:rPr lang="fr-FR" sz="2000" dirty="0" smtClean="0"/>
-              <a:t>performant</a:t>
-            </a:r>
-          </a:p>
-          <a:p>
-            <a:r>
-              <a:rPr lang="fr-FR" sz="2400" dirty="0" smtClean="0"/>
-              <a:t>Une </a:t>
-            </a:r>
-            <a:r>
-              <a:rPr lang="fr-FR" sz="2400" dirty="0"/>
-              <a:t>manière de faire serait de mesurer la proportion totale de transaction détectées comme </a:t>
-            </a:r>
-            <a:r>
-              <a:rPr lang="fr-FR" sz="2400" dirty="0" smtClean="0"/>
-              <a:t>fraude</a:t>
-            </a:r>
-          </a:p>
-          <a:p>
-            <a:pPr lvl="1"/>
-            <a:r>
-              <a:rPr lang="fr-FR" sz="2000" dirty="0" smtClean="0"/>
-              <a:t>Cependant</a:t>
-            </a:r>
-            <a:r>
-              <a:rPr lang="fr-FR" sz="2000" dirty="0"/>
-              <a:t>, on compte ici les transactions qui ne sont pas des fraudes et qui ont quand même été notées comme en étant (appelé "faux positifs</a:t>
-            </a:r>
-            <a:r>
-              <a:rPr lang="fr-FR" sz="2000" dirty="0" smtClean="0"/>
-              <a:t>")</a:t>
-            </a:r>
-          </a:p>
-          <a:p>
-            <a:pPr lvl="1"/>
-            <a:r>
-              <a:rPr lang="fr-FR" sz="2000" dirty="0" smtClean="0"/>
-              <a:t>Donc</a:t>
-            </a:r>
-            <a:r>
-              <a:rPr lang="fr-FR" sz="2000" dirty="0"/>
-              <a:t>, avec ce genre de métriques, on est pas exigeant sur ce type d'erreur que produit notre </a:t>
-            </a:r>
-            <a:r>
-              <a:rPr lang="fr-FR" sz="2000" dirty="0" smtClean="0"/>
-              <a:t>algorithme</a:t>
-            </a:r>
-          </a:p>
-          <a:p>
-            <a:r>
-              <a:rPr lang="fr-FR" sz="2400" dirty="0" smtClean="0"/>
-              <a:t>Il </a:t>
-            </a:r>
-            <a:r>
-              <a:rPr lang="fr-FR" sz="2400" dirty="0"/>
-              <a:t>faut peut être, utiliser une autre métrique plus pertinente. Par exemple, la précision qui est la proportion de "vraies fraudes" détectées par rapport au total de transactions </a:t>
-            </a:r>
-            <a:r>
-              <a:rPr lang="fr-FR" sz="2400" dirty="0" err="1"/>
-              <a:t>flagées</a:t>
-            </a:r>
-            <a:r>
-              <a:rPr lang="fr-FR" sz="2400" dirty="0"/>
-              <a:t> comme fraudes</a:t>
-            </a:r>
+              <a:rPr lang="fr-FR" dirty="0" smtClean="0"/>
+              <a:t>Dans la détection de maladie comme la méningite le nombre de faux positif n’est pas très important</a:t>
+            </a:r>
+          </a:p>
+          <a:p>
+            <a:r>
+              <a:rPr lang="fr-FR" dirty="0" smtClean="0"/>
+              <a:t>Alors que le nombre de faux négatif est potentiellement mortel</a:t>
+            </a:r>
+            <a:endParaRPr lang="fr-FR" dirty="0"/>
           </a:p>
         </p:txBody>
       </p:sp>
     </p:spTree>
     <p:extLst>
       <p:ext uri="{BB962C8B-B14F-4D97-AF65-F5344CB8AC3E}">
-        <p14:creationId xmlns:p14="http://schemas.microsoft.com/office/powerpoint/2010/main" val="1447999638"/>
+        <p14:creationId xmlns:p14="http://schemas.microsoft.com/office/powerpoint/2010/main" val="989672997"/>
       </p:ext>
     </p:extLst>
   </p:cSld>
@@ -7215,7 +7172,7 @@
           <a:p>
             <a:r>
               <a:rPr lang="fr-FR" dirty="0" smtClean="0"/>
-              <a:t>Autre exemple</a:t>
+              <a:t>Problème de la recommandation</a:t>
             </a:r>
             <a:endParaRPr lang="fr-FR" dirty="0"/>
           </a:p>
@@ -7237,23 +7194,106 @@
           <a:lstStyle/>
           <a:p>
             <a:r>
-              <a:rPr lang="fr-FR" dirty="0" smtClean="0"/>
-              <a:t>Dans la détection de maladie comme la méningite le nombre de faux positif n’est pas très important</a:t>
-            </a:r>
-          </a:p>
-          <a:p>
-            <a:r>
-              <a:rPr lang="fr-FR" dirty="0" smtClean="0"/>
-              <a:t>Alors que le nombre de faux négatif est potentiellement mortel</a:t>
-            </a:r>
-            <a:endParaRPr lang="fr-FR" dirty="0"/>
+              <a:rPr lang="fr-FR" sz="2400" dirty="0"/>
+              <a:t>La recommandation est une problématique qui revient très souvent pour les data </a:t>
+            </a:r>
+            <a:r>
+              <a:rPr lang="fr-FR" sz="2400" dirty="0" err="1" smtClean="0"/>
+              <a:t>scientists</a:t>
+            </a:r>
+            <a:endParaRPr lang="fr-FR" sz="2400" dirty="0" smtClean="0"/>
+          </a:p>
+          <a:p>
+            <a:r>
+              <a:rPr lang="fr-FR" sz="2400" dirty="0" smtClean="0"/>
+              <a:t>Suggérer </a:t>
+            </a:r>
+            <a:r>
+              <a:rPr lang="fr-FR" sz="2400" dirty="0"/>
+              <a:t>d'autres produits à acheter sur Amazon, des films à regarder sur </a:t>
+            </a:r>
+            <a:r>
+              <a:rPr lang="fr-FR" sz="2400" dirty="0" err="1"/>
+              <a:t>Netflix</a:t>
+            </a:r>
+            <a:r>
+              <a:rPr lang="fr-FR" sz="2400" dirty="0"/>
+              <a:t>, des musiques à écouter sur </a:t>
+            </a:r>
+            <a:r>
+              <a:rPr lang="fr-FR" sz="2400" dirty="0" err="1"/>
+              <a:t>Spotify</a:t>
+            </a:r>
+            <a:r>
+              <a:rPr lang="fr-FR" sz="2400" dirty="0"/>
+              <a:t>, </a:t>
+            </a:r>
+            <a:r>
+              <a:rPr lang="fr-FR" sz="2400" dirty="0" err="1" smtClean="0"/>
+              <a:t>etc</a:t>
+            </a:r>
+            <a:endParaRPr lang="fr-FR" sz="2400" dirty="0" smtClean="0"/>
+          </a:p>
+          <a:p>
+            <a:pPr lvl="1"/>
+            <a:r>
+              <a:rPr lang="fr-FR" sz="2000" dirty="0" smtClean="0"/>
+              <a:t>La recommandation </a:t>
+            </a:r>
+            <a:r>
+              <a:rPr lang="fr-FR" sz="2000" dirty="0" err="1" smtClean="0"/>
+              <a:t>Spotify</a:t>
+            </a:r>
+            <a:r>
+              <a:rPr lang="fr-FR" sz="2000" dirty="0" smtClean="0"/>
+              <a:t> est en Python</a:t>
+            </a:r>
+          </a:p>
+          <a:p>
+            <a:r>
+              <a:rPr lang="fr-FR" sz="2400" dirty="0"/>
+              <a:t>Mais du coup c'est de la classification ? de la régression ? supervisé ? non-supervisé </a:t>
+            </a:r>
+            <a:r>
+              <a:rPr lang="fr-FR" sz="2400" dirty="0" smtClean="0"/>
+              <a:t>?</a:t>
+            </a:r>
+          </a:p>
+          <a:p>
+            <a:r>
+              <a:rPr lang="fr-FR" sz="2400" dirty="0"/>
+              <a:t> Une technique largement répandue est le "collaborative </a:t>
+            </a:r>
+            <a:r>
+              <a:rPr lang="fr-FR" sz="2400" dirty="0" err="1"/>
+              <a:t>filtering</a:t>
+            </a:r>
+            <a:r>
+              <a:rPr lang="fr-FR" sz="2400" dirty="0"/>
+              <a:t>", qui se base sur des </a:t>
+            </a:r>
+            <a:r>
+              <a:rPr lang="fr-FR" sz="2400" dirty="0" smtClean="0"/>
+              <a:t>similarités</a:t>
+            </a:r>
+          </a:p>
+          <a:p>
+            <a:pPr lvl="1"/>
+            <a:r>
+              <a:rPr lang="fr-FR" sz="2000" dirty="0" smtClean="0"/>
+              <a:t>c'est </a:t>
+            </a:r>
+            <a:r>
+              <a:rPr lang="fr-FR" sz="2000" dirty="0"/>
+              <a:t>un problème non-supervisé</a:t>
+            </a:r>
           </a:p>
         </p:txBody>
       </p:sp>
     </p:spTree>
     <p:extLst>
       <p:ext uri="{BB962C8B-B14F-4D97-AF65-F5344CB8AC3E}">
-        <p14:creationId xmlns:p14="http://schemas.microsoft.com/office/powerpoint/2010/main" val="989672997"/>
+        <p14:creationId xmlns:p14="http://schemas.microsoft.com/office/powerpoint/2010/main" val="85037537"/>
       </p:ext>
     </p:extLst>
   </p:cSld>
@@ -7297,288 +7337,6 @@
           <a:p>
             <a:r>
               <a:rPr lang="fr-FR" dirty="0" smtClean="0"/>
-              <a:t>Problème de la recommandation</a:t>
-            </a:r>
-            <a:endParaRPr lang="fr-FR" dirty="0"/>
-          </a:p>
-        </p:txBody>
-      </p:sp>
-      <p:sp>
-        <p:nvSpPr>
-          <p:cNvPr id="3" name="Espace réservé du contenu 2"/>
-          <p:cNvSpPr>
-            <a:spLocks noGrp="1"/>
-          </p:cNvSpPr>
-          <p:nvPr>
-            <p:ph idx="1"/>
-          </p:nvPr>
-        </p:nvSpPr>
-        <p:spPr/>
-        <p:txBody>
-          <a:bodyPr/>
-          <a:lstStyle/>
-          <a:p>
-            <a:r>
-              <a:rPr lang="fr-FR" sz="2400" dirty="0"/>
-              <a:t>La recommandation est une problématique qui revient très souvent pour les data </a:t>
-            </a:r>
-            <a:r>
-              <a:rPr lang="fr-FR" sz="2400" dirty="0" err="1" smtClean="0"/>
-              <a:t>scientists</a:t>
-            </a:r>
-            <a:endParaRPr lang="fr-FR" sz="2400" dirty="0" smtClean="0"/>
-          </a:p>
-          <a:p>
-            <a:r>
-              <a:rPr lang="fr-FR" sz="2400" dirty="0" smtClean="0"/>
-              <a:t>Suggérer </a:t>
-            </a:r>
-            <a:r>
-              <a:rPr lang="fr-FR" sz="2400" dirty="0"/>
-              <a:t>d'autres produits à acheter sur Amazon, des films à regarder sur </a:t>
-            </a:r>
-            <a:r>
-              <a:rPr lang="fr-FR" sz="2400" dirty="0" err="1"/>
-              <a:t>Netflix</a:t>
-            </a:r>
-            <a:r>
-              <a:rPr lang="fr-FR" sz="2400" dirty="0"/>
-              <a:t>, des musiques à écouter sur </a:t>
-            </a:r>
-            <a:r>
-              <a:rPr lang="fr-FR" sz="2400" dirty="0" err="1"/>
-              <a:t>Spotify</a:t>
-            </a:r>
-            <a:r>
-              <a:rPr lang="fr-FR" sz="2400" dirty="0"/>
-              <a:t>, </a:t>
-            </a:r>
-            <a:r>
-              <a:rPr lang="fr-FR" sz="2400" dirty="0" err="1" smtClean="0"/>
-              <a:t>etc</a:t>
-            </a:r>
-            <a:endParaRPr lang="fr-FR" sz="2400" dirty="0" smtClean="0"/>
-          </a:p>
-          <a:p>
-            <a:pPr lvl="1"/>
-            <a:r>
-              <a:rPr lang="fr-FR" sz="2000" dirty="0" smtClean="0"/>
-              <a:t>La recommandation </a:t>
-            </a:r>
-            <a:r>
-              <a:rPr lang="fr-FR" sz="2000" dirty="0" err="1" smtClean="0"/>
-              <a:t>Spotify</a:t>
-            </a:r>
-            <a:r>
-              <a:rPr lang="fr-FR" sz="2000" dirty="0" smtClean="0"/>
-              <a:t> est en Python</a:t>
-            </a:r>
-          </a:p>
-          <a:p>
-            <a:r>
-              <a:rPr lang="fr-FR" sz="2400" dirty="0"/>
-              <a:t>Mais du coup c'est de la classification ? de la régression ? supervisé ? non-supervisé </a:t>
-            </a:r>
-            <a:r>
-              <a:rPr lang="fr-FR" sz="2400" dirty="0" smtClean="0"/>
-              <a:t>?</a:t>
-            </a:r>
-          </a:p>
-          <a:p>
-            <a:r>
-              <a:rPr lang="fr-FR" sz="2400" dirty="0"/>
-              <a:t> Une technique largement répandue est le "collaborative </a:t>
-            </a:r>
-            <a:r>
-              <a:rPr lang="fr-FR" sz="2400" dirty="0" err="1"/>
-              <a:t>filtering</a:t>
-            </a:r>
-            <a:r>
-              <a:rPr lang="fr-FR" sz="2400" dirty="0"/>
-              <a:t>", qui se base sur des </a:t>
-            </a:r>
-            <a:r>
-              <a:rPr lang="fr-FR" sz="2400" dirty="0" smtClean="0"/>
-              <a:t>similarités</a:t>
-            </a:r>
-          </a:p>
-          <a:p>
-            <a:pPr lvl="1"/>
-            <a:r>
-              <a:rPr lang="fr-FR" sz="2000" dirty="0" smtClean="0"/>
-              <a:t>c'est </a:t>
-            </a:r>
-            <a:r>
-              <a:rPr lang="fr-FR" sz="2000" dirty="0"/>
-              <a:t>un problème non-supervisé</a:t>
-            </a:r>
-          </a:p>
-        </p:txBody>
-      </p:sp>
-    </p:spTree>
-    <p:extLst>
-      <p:ext uri="{BB962C8B-B14F-4D97-AF65-F5344CB8AC3E}">
-        <p14:creationId xmlns:p14="http://schemas.microsoft.com/office/powerpoint/2010/main" val="85037537"/>
-      </p:ext>
-    </p:extLst>
-  </p:cSld>
-  <p:clrMapOvr>
-    <a:masterClrMapping/>
-  </p:clrMapOvr>
-</p:sld>
-</file>
-
-<file path=ppt/slides/slide36.xml><?xml version="1.0" encoding="utf-8"?>
-<p:sld xmlns:a="http://schemas.openxmlformats.org/drawingml/2006/main" xmlns:r="http://schemas.openxmlformats.org/officeDocument/2006/relationships" xmlns:p="http://schemas.openxmlformats.org/presentationml/2006/main">
-  <p:cSld>
-    <p:spTree>
-      <p:nvGrpSpPr>
-        <p:cNvPr id="1" name=""/>
-        <p:cNvGrpSpPr/>
-        <p:nvPr/>
-      </p:nvGrpSpPr>
-      <p:grpSpPr>
-        <a:xfrm>
-          <a:off x="0" y="0"/>
-          <a:ext cx="0" cy="0"/>
-          <a:chOff x="0" y="0"/>
-          <a:chExt cx="0" cy="0"/>
-        </a:xfrm>
-      </p:grpSpPr>
-      <p:sp>
-        <p:nvSpPr>
-          <p:cNvPr id="2" name="Titre 1"/>
-          <p:cNvSpPr>
-            <a:spLocks noGrp="1"/>
-          </p:cNvSpPr>
-          <p:nvPr>
-            <p:ph type="title"/>
-          </p:nvPr>
-        </p:nvSpPr>
-        <p:spPr/>
-        <p:txBody>
-          <a:bodyPr/>
-          <a:lstStyle/>
-          <a:p>
-            <a:r>
-              <a:rPr lang="fr-FR" dirty="0" smtClean="0"/>
-              <a:t>Que va répondre le client ?</a:t>
-            </a:r>
-            <a:endParaRPr lang="fr-FR" dirty="0"/>
-          </a:p>
-        </p:txBody>
-      </p:sp>
-      <p:sp>
-        <p:nvSpPr>
-          <p:cNvPr id="3" name="Espace réservé du contenu 2"/>
-          <p:cNvSpPr>
-            <a:spLocks noGrp="1"/>
-          </p:cNvSpPr>
-          <p:nvPr>
-            <p:ph idx="1"/>
-          </p:nvPr>
-        </p:nvSpPr>
-        <p:spPr/>
-        <p:txBody>
-          <a:bodyPr/>
-          <a:lstStyle/>
-          <a:p>
-            <a:r>
-              <a:rPr lang="fr-FR" dirty="0" smtClean="0"/>
-              <a:t>Nous regardons les utilisateurs similaires</a:t>
-            </a:r>
-            <a:endParaRPr lang="fr-FR" dirty="0"/>
-          </a:p>
-        </p:txBody>
-      </p:sp>
-      <p:pic>
-        <p:nvPicPr>
-          <p:cNvPr id="2052" name="Picture 4" descr="Un système de recommandation classique : on voit que l'ensemble des visiteurs ont votés en faveur ou en défaveur de produits sur le site."/>
-          <p:cNvPicPr>
-            <a:picLocks noChangeAspect="1" noChangeArrowheads="1"/>
-          </p:cNvPicPr>
-          <p:nvPr/>
-        </p:nvPicPr>
-        <p:blipFill>
-          <a:blip r:embed="rId2">
-            <a:extLst>
-              <a:ext uri="{28A0092B-C50C-407E-A947-70E740481C1C}">
-                <a14:useLocalDpi xmlns:a14="http://schemas.microsoft.com/office/drawing/2010/main" val="0"/>
-              </a:ext>
-            </a:extLst>
-          </a:blip>
-          <a:srcRect/>
-          <a:stretch>
-            <a:fillRect/>
-          </a:stretch>
-        </p:blipFill>
-        <p:spPr bwMode="auto">
-          <a:xfrm>
-            <a:off x="2419412" y="2132856"/>
-            <a:ext cx="4286250" cy="4133850"/>
-          </a:xfrm>
-          <a:prstGeom prst="rect">
-            <a:avLst/>
-          </a:prstGeom>
-          <a:noFill/>
-          <a:extLst>
-            <a:ext uri="{909E8E84-426E-40DD-AFC4-6F175D3DCCD1}">
-              <a14:hiddenFill xmlns:a14="http://schemas.microsoft.com/office/drawing/2010/main">
-                <a:solidFill>
-                  <a:srgbClr val="FFFFFF"/>
-                </a:solidFill>
-              </a14:hiddenFill>
-            </a:ext>
-          </a:extLst>
-        </p:spPr>
-      </p:pic>
-    </p:spTree>
-    <p:extLst>
-      <p:ext uri="{BB962C8B-B14F-4D97-AF65-F5344CB8AC3E}">
-        <p14:creationId xmlns:p14="http://schemas.microsoft.com/office/powerpoint/2010/main" val="3211387612"/>
-      </p:ext>
-    </p:extLst>
-  </p:cSld>
-  <p:clrMapOvr>
-    <a:masterClrMapping/>
-  </p:clrMapOvr>
-</p:sld>
-</file>
-
-<file path=ppt/slides/slide37.xml><?xml version="1.0" encoding="utf-8"?>
-<p:sld xmlns:a="http://schemas.openxmlformats.org/drawingml/2006/main" xmlns:r="http://schemas.openxmlformats.org/officeDocument/2006/relationships" xmlns:p="http://schemas.openxmlformats.org/presentationml/2006/main">
-  <p:cSld>
-    <p:spTree>
-      <p:nvGrpSpPr>
-        <p:cNvPr id="1" name=""/>
-        <p:cNvGrpSpPr/>
-        <p:nvPr/>
-      </p:nvGrpSpPr>
-      <p:grpSpPr>
-        <a:xfrm>
-          <a:off x="0" y="0"/>
-          <a:ext cx="0" cy="0"/>
-          <a:chOff x="0" y="0"/>
-          <a:chExt cx="0" cy="0"/>
-        </a:xfrm>
-      </p:grpSpPr>
-      <p:sp>
-        <p:nvSpPr>
-          <p:cNvPr id="2" name="Titre 1"/>
-          <p:cNvSpPr>
-            <a:spLocks noGrp="1"/>
-          </p:cNvSpPr>
-          <p:nvPr>
-            <p:ph type="title"/>
-          </p:nvPr>
-        </p:nvSpPr>
-        <p:spPr/>
-        <p:txBody>
-          <a:bodyPr/>
-          <a:lstStyle/>
-          <a:p>
-            <a:r>
-              <a:rPr lang="fr-FR" dirty="0" smtClean="0"/>
               <a:t>Le </a:t>
             </a:r>
             <a:r>
@@ -7664,7 +7422,7 @@
 </p:sld>
 </file>
 
-<file path=ppt/slides/slide38.xml><?xml version="1.0" encoding="utf-8"?>
+<file path=ppt/slides/slide36.xml><?xml version="1.0" encoding="utf-8"?>
 <p:sld xmlns:a="http://schemas.openxmlformats.org/drawingml/2006/main" xmlns:r="http://schemas.openxmlformats.org/officeDocument/2006/relationships" xmlns:p="http://schemas.openxmlformats.org/presentationml/2006/main">
   <p:cSld>
     <p:spTree>
@@ -7760,7 +7518,7 @@
 </p:sld>
 </file>
 
-<file path=ppt/slides/slide39.xml><?xml version="1.0" encoding="utf-8"?>
+<file path=ppt/slides/slide37.xml><?xml version="1.0" encoding="utf-8"?>
 <p:sld xmlns:a="http://schemas.openxmlformats.org/drawingml/2006/main" xmlns:r="http://schemas.openxmlformats.org/officeDocument/2006/relationships" xmlns:p="http://schemas.openxmlformats.org/presentationml/2006/main">
   <p:cSld>
     <p:spTree>
@@ -7898,129 +7656,7 @@
 </p:sld>
 </file>
 
-<file path=ppt/slides/slide4.xml><?xml version="1.0" encoding="utf-8"?>
-<p:sld xmlns:a="http://schemas.openxmlformats.org/drawingml/2006/main" xmlns:r="http://schemas.openxmlformats.org/officeDocument/2006/relationships" xmlns:p="http://schemas.openxmlformats.org/presentationml/2006/main">
-  <p:cSld>
-    <p:spTree>
-      <p:nvGrpSpPr>
-        <p:cNvPr id="1" name=""/>
-        <p:cNvGrpSpPr/>
-        <p:nvPr/>
-      </p:nvGrpSpPr>
-      <p:grpSpPr>
-        <a:xfrm>
-          <a:off x="0" y="0"/>
-          <a:ext cx="0" cy="0"/>
-          <a:chOff x="0" y="0"/>
-          <a:chExt cx="0" cy="0"/>
-        </a:xfrm>
-      </p:grpSpPr>
-      <p:sp>
-        <p:nvSpPr>
-          <p:cNvPr id="2" name="Titre 1"/>
-          <p:cNvSpPr>
-            <a:spLocks noGrp="1"/>
-          </p:cNvSpPr>
-          <p:nvPr>
-            <p:ph type="title"/>
-          </p:nvPr>
-        </p:nvSpPr>
-        <p:spPr/>
-        <p:txBody>
-          <a:bodyPr/>
-          <a:lstStyle/>
-          <a:p>
-            <a:r>
-              <a:rPr lang="fr-FR" dirty="0" smtClean="0"/>
-              <a:t>1</a:t>
-            </a:r>
-            <a:r>
-              <a:rPr lang="fr-FR" baseline="30000" dirty="0" smtClean="0"/>
-              <a:t>ère</a:t>
-            </a:r>
-            <a:r>
-              <a:rPr lang="fr-FR" dirty="0" smtClean="0"/>
-              <a:t> étape</a:t>
-            </a:r>
-            <a:endParaRPr lang="fr-FR" dirty="0"/>
-          </a:p>
-        </p:txBody>
-      </p:sp>
-      <p:sp>
-        <p:nvSpPr>
-          <p:cNvPr id="3" name="Espace réservé du contenu 2"/>
-          <p:cNvSpPr>
-            <a:spLocks noGrp="1"/>
-          </p:cNvSpPr>
-          <p:nvPr>
-            <p:ph idx="1"/>
-          </p:nvPr>
-        </p:nvSpPr>
-        <p:spPr/>
-        <p:txBody>
-          <a:bodyPr/>
-          <a:lstStyle/>
-          <a:p>
-            <a:r>
-              <a:rPr lang="fr-FR" dirty="0" smtClean="0"/>
-              <a:t>Trouver les données</a:t>
-            </a:r>
-          </a:p>
-          <a:p>
-            <a:pPr lvl="1"/>
-            <a:r>
-              <a:rPr lang="fr-FR" dirty="0" smtClean="0"/>
-              <a:t>Mise à disposition d’un data </a:t>
-            </a:r>
-            <a:r>
-              <a:rPr lang="fr-FR" dirty="0" err="1" smtClean="0"/>
-              <a:t>lake</a:t>
-            </a:r>
-            <a:r>
-              <a:rPr lang="fr-FR" dirty="0" smtClean="0"/>
-              <a:t> ou d’un data </a:t>
-            </a:r>
-            <a:r>
-              <a:rPr lang="fr-FR" dirty="0" err="1" smtClean="0"/>
-              <a:t>mart</a:t>
-            </a:r>
-            <a:endParaRPr lang="fr-FR" dirty="0" smtClean="0"/>
-          </a:p>
-          <a:p>
-            <a:r>
-              <a:rPr lang="fr-FR" dirty="0" smtClean="0"/>
-              <a:t>Le jeu de donnée utilisé en machine </a:t>
-            </a:r>
-            <a:r>
-              <a:rPr lang="fr-FR" dirty="0" err="1" smtClean="0"/>
-              <a:t>learning</a:t>
-            </a:r>
-            <a:r>
-              <a:rPr lang="fr-FR" dirty="0" smtClean="0"/>
-              <a:t> s’appel le </a:t>
-            </a:r>
-            <a:r>
-              <a:rPr lang="fr-FR" dirty="0" err="1" smtClean="0"/>
-              <a:t>Dataset</a:t>
-            </a:r>
-            <a:endParaRPr lang="fr-FR" dirty="0" smtClean="0"/>
-          </a:p>
-        </p:txBody>
-      </p:sp>
-    </p:spTree>
-    <p:extLst>
-      <p:ext uri="{BB962C8B-B14F-4D97-AF65-F5344CB8AC3E}">
-        <p14:creationId xmlns:p14="http://schemas.microsoft.com/office/powerpoint/2010/main" val="1841075970"/>
-      </p:ext>
-    </p:extLst>
-  </p:cSld>
-  <p:clrMapOvr>
-    <a:masterClrMapping/>
-  </p:clrMapOvr>
-</p:sld>
-</file>
-
-<file path=ppt/slides/slide40.xml><?xml version="1.0" encoding="utf-8"?>
+<file path=ppt/slides/slide38.xml><?xml version="1.0" encoding="utf-8"?>
 <p:sld xmlns:a="http://schemas.openxmlformats.org/drawingml/2006/main" xmlns:r="http://schemas.openxmlformats.org/officeDocument/2006/relationships" xmlns:p="http://schemas.openxmlformats.org/presentationml/2006/main">
   <p:cSld>
     <p:spTree>
@@ -8099,7 +7735,692 @@
 </p:sld>
 </file>
 
+<file path=ppt/slides/slide39.xml><?xml version="1.0" encoding="utf-8"?>
+<p:sld xmlns:a="http://schemas.openxmlformats.org/drawingml/2006/main" xmlns:r="http://schemas.openxmlformats.org/officeDocument/2006/relationships" xmlns:p="http://schemas.openxmlformats.org/presentationml/2006/main">
+  <p:cSld>
+    <p:spTree>
+      <p:nvGrpSpPr>
+        <p:cNvPr id="1" name=""/>
+        <p:cNvGrpSpPr/>
+        <p:nvPr/>
+      </p:nvGrpSpPr>
+      <p:grpSpPr>
+        <a:xfrm>
+          <a:off x="0" y="0"/>
+          <a:ext cx="0" cy="0"/>
+          <a:chOff x="0" y="0"/>
+          <a:chExt cx="0" cy="0"/>
+        </a:xfrm>
+      </p:grpSpPr>
+      <p:sp>
+        <p:nvSpPr>
+          <p:cNvPr id="2" name="Titre 1"/>
+          <p:cNvSpPr>
+            <a:spLocks noGrp="1"/>
+          </p:cNvSpPr>
+          <p:nvPr>
+            <p:ph type="title"/>
+          </p:nvPr>
+        </p:nvSpPr>
+        <p:spPr/>
+        <p:txBody>
+          <a:bodyPr/>
+          <a:lstStyle/>
+          <a:p>
+            <a:r>
+              <a:rPr lang="fr-FR" dirty="0" smtClean="0"/>
+              <a:t>Démarrer le machine </a:t>
+            </a:r>
+            <a:r>
+              <a:rPr lang="fr-FR" dirty="0" err="1" smtClean="0"/>
+              <a:t>learning</a:t>
+            </a:r>
+            <a:endParaRPr lang="fr-FR" dirty="0"/>
+          </a:p>
+        </p:txBody>
+      </p:sp>
+      <p:sp>
+        <p:nvSpPr>
+          <p:cNvPr id="3" name="Espace réservé du contenu 2"/>
+          <p:cNvSpPr>
+            <a:spLocks noGrp="1"/>
+          </p:cNvSpPr>
+          <p:nvPr>
+            <p:ph idx="1"/>
+          </p:nvPr>
+        </p:nvSpPr>
+        <p:spPr/>
+        <p:txBody>
+          <a:bodyPr/>
+          <a:lstStyle/>
+          <a:p>
+            <a:r>
+              <a:rPr lang="fr-FR" dirty="0" smtClean="0"/>
+              <a:t>Nous avons un </a:t>
+            </a:r>
+            <a:r>
+              <a:rPr lang="fr-FR" dirty="0" err="1" smtClean="0"/>
+              <a:t>datalake</a:t>
+            </a:r>
+            <a:endParaRPr lang="fr-FR" dirty="0" smtClean="0"/>
+          </a:p>
+          <a:p>
+            <a:r>
+              <a:rPr lang="fr-FR" dirty="0" smtClean="0"/>
+              <a:t>Nous avons le </a:t>
+            </a:r>
+            <a:r>
+              <a:rPr lang="fr-FR" dirty="0" err="1" smtClean="0"/>
+              <a:t>datamart</a:t>
+            </a:r>
+            <a:r>
+              <a:rPr lang="fr-FR" dirty="0" smtClean="0"/>
+              <a:t> structuré et nettoyé</a:t>
+            </a:r>
+          </a:p>
+          <a:p>
+            <a:r>
+              <a:rPr lang="fr-FR" dirty="0" smtClean="0"/>
+              <a:t>L’objectif </a:t>
+            </a:r>
+            <a:r>
+              <a:rPr lang="fr-FR" dirty="0"/>
+              <a:t>du machine </a:t>
+            </a:r>
+            <a:r>
+              <a:rPr lang="fr-FR" dirty="0" err="1"/>
+              <a:t>learning</a:t>
+            </a:r>
+            <a:r>
+              <a:rPr lang="fr-FR" dirty="0"/>
+              <a:t> est de trouver un modèle qui effectue une approximation de la </a:t>
+            </a:r>
+            <a:r>
+              <a:rPr lang="fr-FR" dirty="0" smtClean="0"/>
+              <a:t>réalité, </a:t>
+            </a:r>
+            <a:r>
+              <a:rPr lang="fr-FR" dirty="0"/>
+              <a:t>à l’aide de laquelle on va pouvoir effectuer des </a:t>
+            </a:r>
+            <a:r>
+              <a:rPr lang="fr-FR" dirty="0" smtClean="0"/>
+              <a:t>prédictions</a:t>
+            </a:r>
+          </a:p>
+          <a:p>
+            <a:r>
+              <a:rPr lang="fr-FR" dirty="0" smtClean="0"/>
+              <a:t>DATA = Model + Bruit</a:t>
+            </a:r>
+          </a:p>
+          <a:p>
+            <a:pPr lvl="1"/>
+            <a:r>
+              <a:rPr lang="fr-FR" dirty="0" smtClean="0"/>
+              <a:t>Model = cercle</a:t>
+            </a:r>
+          </a:p>
+          <a:p>
+            <a:pPr lvl="1"/>
+            <a:r>
+              <a:rPr lang="fr-FR" dirty="0" smtClean="0"/>
+              <a:t>Bruit = écart data réelle vs cercle</a:t>
+            </a:r>
+          </a:p>
+          <a:p>
+            <a:endParaRPr lang="fr-FR" dirty="0"/>
+          </a:p>
+        </p:txBody>
+      </p:sp>
+      <p:pic>
+        <p:nvPicPr>
+          <p:cNvPr id="5122" name="Picture 2" descr="Ici on voit facilement qu'on peut approximer le modèle à l'origine des données par un cercle"/>
+          <p:cNvPicPr>
+            <a:picLocks noChangeAspect="1" noChangeArrowheads="1"/>
+          </p:cNvPicPr>
+          <p:nvPr/>
+        </p:nvPicPr>
+        <p:blipFill>
+          <a:blip r:embed="rId2">
+            <a:extLst>
+              <a:ext uri="{28A0092B-C50C-407E-A947-70E740481C1C}">
+                <a14:useLocalDpi xmlns:a14="http://schemas.microsoft.com/office/drawing/2010/main" val="0"/>
+              </a:ext>
+            </a:extLst>
+          </a:blip>
+          <a:srcRect/>
+          <a:stretch>
+            <a:fillRect/>
+          </a:stretch>
+        </p:blipFill>
+        <p:spPr bwMode="auto">
+          <a:xfrm>
+            <a:off x="5436096" y="3753747"/>
+            <a:ext cx="3096344" cy="2956156"/>
+          </a:xfrm>
+          <a:prstGeom prst="rect">
+            <a:avLst/>
+          </a:prstGeom>
+          <a:noFill/>
+          <a:extLst>
+            <a:ext uri="{909E8E84-426E-40DD-AFC4-6F175D3DCCD1}">
+              <a14:hiddenFill xmlns:a14="http://schemas.microsoft.com/office/drawing/2010/main">
+                <a:solidFill>
+                  <a:srgbClr val="FFFFFF"/>
+                </a:solidFill>
+              </a14:hiddenFill>
+            </a:ext>
+          </a:extLst>
+        </p:spPr>
+      </p:pic>
+    </p:spTree>
+    <p:extLst>
+      <p:ext uri="{BB962C8B-B14F-4D97-AF65-F5344CB8AC3E}">
+        <p14:creationId xmlns:p14="http://schemas.microsoft.com/office/powerpoint/2010/main" val="811408202"/>
+      </p:ext>
+    </p:extLst>
+  </p:cSld>
+  <p:clrMapOvr>
+    <a:masterClrMapping/>
+  </p:clrMapOvr>
+</p:sld>
+</file>
+
+<file path=ppt/slides/slide4.xml><?xml version="1.0" encoding="utf-8"?>
+<p:sld xmlns:a="http://schemas.openxmlformats.org/drawingml/2006/main" xmlns:r="http://schemas.openxmlformats.org/officeDocument/2006/relationships" xmlns:p="http://schemas.openxmlformats.org/presentationml/2006/main">
+  <p:cSld>
+    <p:spTree>
+      <p:nvGrpSpPr>
+        <p:cNvPr id="1" name=""/>
+        <p:cNvGrpSpPr/>
+        <p:nvPr/>
+      </p:nvGrpSpPr>
+      <p:grpSpPr>
+        <a:xfrm>
+          <a:off x="0" y="0"/>
+          <a:ext cx="0" cy="0"/>
+          <a:chOff x="0" y="0"/>
+          <a:chExt cx="0" cy="0"/>
+        </a:xfrm>
+      </p:grpSpPr>
+      <p:sp>
+        <p:nvSpPr>
+          <p:cNvPr id="2" name="Titre 1"/>
+          <p:cNvSpPr>
+            <a:spLocks noGrp="1"/>
+          </p:cNvSpPr>
+          <p:nvPr>
+            <p:ph type="title"/>
+          </p:nvPr>
+        </p:nvSpPr>
+        <p:spPr/>
+        <p:txBody>
+          <a:bodyPr/>
+          <a:lstStyle/>
+          <a:p>
+            <a:r>
+              <a:rPr lang="fr-FR" dirty="0" smtClean="0"/>
+              <a:t>But</a:t>
+            </a:r>
+            <a:endParaRPr lang="fr-FR" dirty="0"/>
+          </a:p>
+        </p:txBody>
+      </p:sp>
+      <p:sp>
+        <p:nvSpPr>
+          <p:cNvPr id="3" name="Espace réservé du contenu 2"/>
+          <p:cNvSpPr>
+            <a:spLocks noGrp="1"/>
+          </p:cNvSpPr>
+          <p:nvPr>
+            <p:ph idx="1"/>
+          </p:nvPr>
+        </p:nvSpPr>
+        <p:spPr/>
+        <p:txBody>
+          <a:bodyPr/>
+          <a:lstStyle/>
+          <a:p>
+            <a:r>
+              <a:rPr lang="fr-FR" dirty="0"/>
+              <a:t>En machine </a:t>
+            </a:r>
+            <a:r>
+              <a:rPr lang="fr-FR" dirty="0" err="1"/>
+              <a:t>learning</a:t>
+            </a:r>
+            <a:r>
+              <a:rPr lang="fr-FR" dirty="0"/>
+              <a:t> et en data science plus généralement, l'objectif est de trouver un modèle </a:t>
+            </a:r>
+            <a:r>
+              <a:rPr lang="fr-FR" dirty="0" smtClean="0"/>
+              <a:t>du </a:t>
+            </a:r>
+            <a:r>
+              <a:rPr lang="fr-FR" dirty="0"/>
+              <a:t>phénomène à l'origine des </a:t>
+            </a:r>
+            <a:r>
+              <a:rPr lang="fr-FR" dirty="0" smtClean="0"/>
+              <a:t>données</a:t>
+            </a:r>
+          </a:p>
+          <a:p>
+            <a:r>
+              <a:rPr lang="fr-FR" dirty="0" smtClean="0"/>
+              <a:t>C'est </a:t>
+            </a:r>
+            <a:r>
+              <a:rPr lang="fr-FR" dirty="0"/>
+              <a:t>à dire qu'on considère que chaque donnée observée est l'expression d'une variable aléatoire générée par une distribution de </a:t>
+            </a:r>
+            <a:r>
+              <a:rPr lang="fr-FR" dirty="0" smtClean="0"/>
+              <a:t>probabilité</a:t>
+            </a:r>
+          </a:p>
+          <a:p>
+            <a:pPr lvl="1"/>
+            <a:r>
+              <a:rPr lang="fr-FR" smtClean="0"/>
+              <a:t>Par exemple les sondages</a:t>
+            </a:r>
+            <a:endParaRPr lang="fr-FR" dirty="0"/>
+          </a:p>
+        </p:txBody>
+      </p:sp>
+    </p:spTree>
+    <p:extLst>
+      <p:ext uri="{BB962C8B-B14F-4D97-AF65-F5344CB8AC3E}">
+        <p14:creationId xmlns:p14="http://schemas.microsoft.com/office/powerpoint/2010/main" val="3282916395"/>
+      </p:ext>
+    </p:extLst>
+  </p:cSld>
+  <p:clrMapOvr>
+    <a:masterClrMapping/>
+  </p:clrMapOvr>
+</p:sld>
+</file>
+
+<file path=ppt/slides/slide40.xml><?xml version="1.0" encoding="utf-8"?>
+<p:sld xmlns:a="http://schemas.openxmlformats.org/drawingml/2006/main" xmlns:r="http://schemas.openxmlformats.org/officeDocument/2006/relationships" xmlns:p="http://schemas.openxmlformats.org/presentationml/2006/main">
+  <p:cSld>
+    <p:spTree>
+      <p:nvGrpSpPr>
+        <p:cNvPr id="1" name=""/>
+        <p:cNvGrpSpPr/>
+        <p:nvPr/>
+      </p:nvGrpSpPr>
+      <p:grpSpPr>
+        <a:xfrm>
+          <a:off x="0" y="0"/>
+          <a:ext cx="0" cy="0"/>
+          <a:chOff x="0" y="0"/>
+          <a:chExt cx="0" cy="0"/>
+        </a:xfrm>
+      </p:grpSpPr>
+      <p:sp>
+        <p:nvSpPr>
+          <p:cNvPr id="2" name="Titre 1"/>
+          <p:cNvSpPr>
+            <a:spLocks noGrp="1"/>
+          </p:cNvSpPr>
+          <p:nvPr>
+            <p:ph type="title"/>
+          </p:nvPr>
+        </p:nvSpPr>
+        <p:spPr/>
+        <p:txBody>
+          <a:bodyPr/>
+          <a:lstStyle/>
+          <a:p>
+            <a:r>
+              <a:rPr lang="fr-FR" dirty="0" err="1" smtClean="0"/>
+              <a:t>Loss</a:t>
+            </a:r>
+            <a:endParaRPr lang="fr-FR" dirty="0"/>
+          </a:p>
+        </p:txBody>
+      </p:sp>
+      <p:sp>
+        <p:nvSpPr>
+          <p:cNvPr id="3" name="Espace réservé du contenu 2"/>
+          <p:cNvSpPr>
+            <a:spLocks noGrp="1"/>
+          </p:cNvSpPr>
+          <p:nvPr>
+            <p:ph idx="1"/>
+          </p:nvPr>
+        </p:nvSpPr>
+        <p:spPr/>
+        <p:txBody>
+          <a:bodyPr/>
+          <a:lstStyle/>
+          <a:p>
+            <a:r>
+              <a:rPr lang="fr-FR" dirty="0"/>
+              <a:t>En apprentissage supervisé, la notion principale est celle de perte d’information (</a:t>
+            </a:r>
+            <a:r>
+              <a:rPr lang="fr-FR" dirty="0" err="1"/>
+              <a:t>loss</a:t>
+            </a:r>
+            <a:r>
+              <a:rPr lang="fr-FR" dirty="0"/>
+              <a:t> en anglais) due à l'approximation </a:t>
+            </a:r>
+            <a:r>
+              <a:rPr lang="fr-FR" dirty="0" smtClean="0"/>
+              <a:t>du modèle</a:t>
+            </a:r>
+          </a:p>
+          <a:p>
+            <a:r>
+              <a:rPr lang="fr-FR" dirty="0" smtClean="0"/>
+              <a:t>Elle </a:t>
+            </a:r>
+            <a:r>
+              <a:rPr lang="fr-FR" dirty="0"/>
+              <a:t>détermine à quel point notre modélisation du phénomène, qui est une approximation de la </a:t>
+            </a:r>
+            <a:r>
+              <a:rPr lang="fr-FR" dirty="0" smtClean="0"/>
+              <a:t>réalité (régression), </a:t>
+            </a:r>
+            <a:r>
+              <a:rPr lang="fr-FR" dirty="0"/>
+              <a:t>perd de l’information par rapport à la réalité observée à travers les données d’exemple</a:t>
+            </a:r>
+          </a:p>
+        </p:txBody>
+      </p:sp>
+    </p:spTree>
+    <p:extLst>
+      <p:ext uri="{BB962C8B-B14F-4D97-AF65-F5344CB8AC3E}">
+        <p14:creationId xmlns:p14="http://schemas.microsoft.com/office/powerpoint/2010/main" val="3658382805"/>
+      </p:ext>
+    </p:extLst>
+  </p:cSld>
+  <p:clrMapOvr>
+    <a:masterClrMapping/>
+  </p:clrMapOvr>
+</p:sld>
+</file>
+
 <file path=ppt/slides/slide41.xml><?xml version="1.0" encoding="utf-8"?>
+<p:sld xmlns:a="http://schemas.openxmlformats.org/drawingml/2006/main" xmlns:r="http://schemas.openxmlformats.org/officeDocument/2006/relationships" xmlns:p="http://schemas.openxmlformats.org/presentationml/2006/main">
+  <p:cSld>
+    <p:spTree>
+      <p:nvGrpSpPr>
+        <p:cNvPr id="1" name=""/>
+        <p:cNvGrpSpPr/>
+        <p:nvPr/>
+      </p:nvGrpSpPr>
+      <p:grpSpPr>
+        <a:xfrm>
+          <a:off x="0" y="0"/>
+          <a:ext cx="0" cy="0"/>
+          <a:chOff x="0" y="0"/>
+          <a:chExt cx="0" cy="0"/>
+        </a:xfrm>
+      </p:grpSpPr>
+      <p:sp>
+        <p:nvSpPr>
+          <p:cNvPr id="2" name="Titre 1"/>
+          <p:cNvSpPr>
+            <a:spLocks noGrp="1"/>
+          </p:cNvSpPr>
+          <p:nvPr>
+            <p:ph type="title"/>
+          </p:nvPr>
+        </p:nvSpPr>
+        <p:spPr/>
+        <p:txBody>
+          <a:bodyPr/>
+          <a:lstStyle/>
+          <a:p>
+            <a:r>
+              <a:rPr lang="fr-FR" dirty="0" smtClean="0"/>
+              <a:t>Erreur</a:t>
+            </a:r>
+            <a:endParaRPr lang="fr-FR" dirty="0"/>
+          </a:p>
+        </p:txBody>
+      </p:sp>
+      <p:sp>
+        <p:nvSpPr>
+          <p:cNvPr id="3" name="Espace réservé du contenu 2"/>
+          <p:cNvSpPr>
+            <a:spLocks noGrp="1"/>
+          </p:cNvSpPr>
+          <p:nvPr>
+            <p:ph idx="1"/>
+          </p:nvPr>
+        </p:nvSpPr>
+        <p:spPr/>
+        <p:txBody>
+          <a:bodyPr/>
+          <a:lstStyle/>
+          <a:p>
+            <a:r>
+              <a:rPr lang="fr-FR" dirty="0" smtClean="0"/>
+              <a:t>L’erreur (ou le risque) est l’écart entre la données et le modèle</a:t>
+            </a:r>
+          </a:p>
+          <a:p>
+            <a:pPr lvl="1"/>
+            <a:r>
+              <a:rPr lang="fr-FR" dirty="0" smtClean="0"/>
+              <a:t>Risque réduit à gauche, important à droite</a:t>
+            </a:r>
+            <a:endParaRPr lang="fr-FR" dirty="0"/>
+          </a:p>
+        </p:txBody>
+      </p:sp>
+      <p:pic>
+        <p:nvPicPr>
+          <p:cNvPr id="6146" name="Picture 2" descr="A gauche, on ne perd pas trop d'information. A droite on est trop éloignée de la réalité représentée par les points"/>
+          <p:cNvPicPr>
+            <a:picLocks noChangeAspect="1" noChangeArrowheads="1"/>
+          </p:cNvPicPr>
+          <p:nvPr/>
+        </p:nvPicPr>
+        <p:blipFill>
+          <a:blip r:embed="rId2">
+            <a:extLst>
+              <a:ext uri="{28A0092B-C50C-407E-A947-70E740481C1C}">
+                <a14:useLocalDpi xmlns:a14="http://schemas.microsoft.com/office/drawing/2010/main" val="0"/>
+              </a:ext>
+            </a:extLst>
+          </a:blip>
+          <a:srcRect/>
+          <a:stretch>
+            <a:fillRect/>
+          </a:stretch>
+        </p:blipFill>
+        <p:spPr bwMode="auto">
+          <a:xfrm>
+            <a:off x="1228787" y="2924944"/>
+            <a:ext cx="6667500" cy="3333750"/>
+          </a:xfrm>
+          <a:prstGeom prst="rect">
+            <a:avLst/>
+          </a:prstGeom>
+          <a:noFill/>
+          <a:extLst>
+            <a:ext uri="{909E8E84-426E-40DD-AFC4-6F175D3DCCD1}">
+              <a14:hiddenFill xmlns:a14="http://schemas.microsoft.com/office/drawing/2010/main">
+                <a:solidFill>
+                  <a:srgbClr val="FFFFFF"/>
+                </a:solidFill>
+              </a14:hiddenFill>
+            </a:ext>
+          </a:extLst>
+        </p:spPr>
+      </p:pic>
+    </p:spTree>
+    <p:extLst>
+      <p:ext uri="{BB962C8B-B14F-4D97-AF65-F5344CB8AC3E}">
+        <p14:creationId xmlns:p14="http://schemas.microsoft.com/office/powerpoint/2010/main" val="1499219092"/>
+      </p:ext>
+    </p:extLst>
+  </p:cSld>
+  <p:clrMapOvr>
+    <a:masterClrMapping/>
+  </p:clrMapOvr>
+</p:sld>
+</file>
+
+<file path=ppt/slides/slide42.xml><?xml version="1.0" encoding="utf-8"?>
+<p:sld xmlns:a="http://schemas.openxmlformats.org/drawingml/2006/main" xmlns:r="http://schemas.openxmlformats.org/officeDocument/2006/relationships" xmlns:p="http://schemas.openxmlformats.org/presentationml/2006/main">
+  <p:cSld>
+    <p:spTree>
+      <p:nvGrpSpPr>
+        <p:cNvPr id="1" name=""/>
+        <p:cNvGrpSpPr/>
+        <p:nvPr/>
+      </p:nvGrpSpPr>
+      <p:grpSpPr>
+        <a:xfrm>
+          <a:off x="0" y="0"/>
+          <a:ext cx="0" cy="0"/>
+          <a:chOff x="0" y="0"/>
+          <a:chExt cx="0" cy="0"/>
+        </a:xfrm>
+      </p:grpSpPr>
+      <p:sp>
+        <p:nvSpPr>
+          <p:cNvPr id="2" name="Titre 1"/>
+          <p:cNvSpPr>
+            <a:spLocks noGrp="1"/>
+          </p:cNvSpPr>
+          <p:nvPr>
+            <p:ph type="title"/>
+          </p:nvPr>
+        </p:nvSpPr>
+        <p:spPr/>
+        <p:txBody>
+          <a:bodyPr/>
+          <a:lstStyle/>
+          <a:p>
+            <a:r>
+              <a:rPr lang="fr-FR" dirty="0" smtClean="0"/>
+              <a:t>Erreur quadratique</a:t>
+            </a:r>
+            <a:endParaRPr lang="fr-FR" dirty="0"/>
+          </a:p>
+        </p:txBody>
+      </p:sp>
+      <p:sp>
+        <p:nvSpPr>
+          <p:cNvPr id="3" name="Espace réservé du contenu 2"/>
+          <p:cNvSpPr>
+            <a:spLocks noGrp="1"/>
+          </p:cNvSpPr>
+          <p:nvPr>
+            <p:ph idx="1"/>
+          </p:nvPr>
+        </p:nvSpPr>
+        <p:spPr/>
+        <p:txBody>
+          <a:bodyPr/>
+          <a:lstStyle/>
+          <a:p>
+            <a:r>
+              <a:rPr lang="fr-FR" dirty="0"/>
+              <a:t>La distance la plus utilisée pour mesurer cet éloignement est l’erreur </a:t>
+            </a:r>
+            <a:r>
+              <a:rPr lang="fr-FR" dirty="0" smtClean="0"/>
+              <a:t>quadratique</a:t>
+            </a:r>
+            <a:endParaRPr lang="fr-FR" dirty="0"/>
+          </a:p>
+          <a:p>
+            <a:pPr lvl="1"/>
+            <a:r>
+              <a:rPr lang="fr-FR" dirty="0" smtClean="0"/>
+              <a:t>la </a:t>
+            </a:r>
+            <a:r>
+              <a:rPr lang="fr-FR" dirty="0"/>
+              <a:t>distance euclidienne entre un point et le </a:t>
+            </a:r>
+            <a:r>
+              <a:rPr lang="fr-FR" dirty="0" smtClean="0"/>
+              <a:t>modèle</a:t>
+            </a:r>
+            <a:endParaRPr lang="fr-FR" dirty="0"/>
+          </a:p>
+          <a:p>
+            <a:r>
+              <a:rPr lang="fr-FR" dirty="0"/>
+              <a:t>Souvent, on ne peut pas calculer directement l’erreur mais on va utiliser une approximation à partir des données qui sont notre seule </a:t>
+            </a:r>
+            <a:r>
+              <a:rPr lang="fr-FR" dirty="0" smtClean="0"/>
+              <a:t>ressource</a:t>
+            </a:r>
+          </a:p>
+          <a:p>
+            <a:pPr lvl="1"/>
+            <a:r>
+              <a:rPr lang="fr-FR" dirty="0" smtClean="0"/>
+              <a:t>On </a:t>
+            </a:r>
+            <a:r>
+              <a:rPr lang="fr-FR" dirty="0"/>
+              <a:t>va ainsi sommer sur toutes nos données d’exemples l’erreur effectuée du </a:t>
+            </a:r>
+            <a:r>
+              <a:rPr lang="fr-FR" dirty="0" smtClean="0"/>
+              <a:t>modèle</a:t>
+            </a:r>
+          </a:p>
+          <a:p>
+            <a:pPr lvl="1"/>
+            <a:r>
+              <a:rPr lang="fr-FR" dirty="0" smtClean="0"/>
+              <a:t>On </a:t>
+            </a:r>
+            <a:r>
+              <a:rPr lang="fr-FR" dirty="0"/>
+              <a:t>appelle cette erreur le risque </a:t>
+            </a:r>
+            <a:r>
+              <a:rPr lang="fr-FR" dirty="0" smtClean="0"/>
+              <a:t>empirique</a:t>
+            </a:r>
+          </a:p>
+          <a:p>
+            <a:r>
+              <a:rPr lang="fr-FR" dirty="0" smtClean="0"/>
+              <a:t>Le but étant de minimiser la moyenne de </a:t>
+            </a:r>
+            <a:r>
+              <a:rPr lang="fr-FR" smtClean="0"/>
+              <a:t>l’erreur quadratique</a:t>
+            </a:r>
+            <a:endParaRPr lang="fr-FR" dirty="0"/>
+          </a:p>
+        </p:txBody>
+      </p:sp>
+    </p:spTree>
+    <p:extLst>
+      <p:ext uri="{BB962C8B-B14F-4D97-AF65-F5344CB8AC3E}">
+        <p14:creationId xmlns:p14="http://schemas.microsoft.com/office/powerpoint/2010/main" val="2788917738"/>
+      </p:ext>
+    </p:extLst>
+  </p:cSld>
+  <p:clrMapOvr>
+    <a:masterClrMapping/>
+  </p:clrMapOvr>
+</p:sld>
+</file>
+
+<file path=ppt/slides/slide43.xml><?xml version="1.0" encoding="utf-8"?>
 <p:sld xmlns:a="http://schemas.openxmlformats.org/drawingml/2006/main" xmlns:r="http://schemas.openxmlformats.org/officeDocument/2006/relationships" xmlns:p="http://schemas.openxmlformats.org/presentationml/2006/main">
   <p:cSld>
     <p:spTree>
@@ -8284,304 +8605,7 @@
     </p:spTree>
     <p:extLst>
       <p:ext uri="{BB962C8B-B14F-4D97-AF65-F5344CB8AC3E}">
-        <p14:creationId xmlns:p14="http://schemas.microsoft.com/office/powerpoint/2010/main" val="319151772"/>
-      </p:ext>
-    </p:extLst>
-  </p:cSld>
-  <p:clrMapOvr>
-    <a:masterClrMapping/>
-  </p:clrMapOvr>
-</p:sld>
-</file>
-
-<file path=ppt/slides/slide42.xml><?xml version="1.0" encoding="utf-8"?>
-<p:sld xmlns:a="http://schemas.openxmlformats.org/drawingml/2006/main" xmlns:r="http://schemas.openxmlformats.org/officeDocument/2006/relationships" xmlns:p="http://schemas.openxmlformats.org/presentationml/2006/main">
-  <p:cSld>
-    <p:spTree>
-      <p:nvGrpSpPr>
-        <p:cNvPr id="1" name=""/>
-        <p:cNvGrpSpPr/>
-        <p:nvPr/>
-      </p:nvGrpSpPr>
-      <p:grpSpPr>
-        <a:xfrm>
-          <a:off x="0" y="0"/>
-          <a:ext cx="0" cy="0"/>
-          <a:chOff x="0" y="0"/>
-          <a:chExt cx="0" cy="0"/>
-        </a:xfrm>
-      </p:grpSpPr>
-      <p:sp>
-        <p:nvSpPr>
-          <p:cNvPr id="2" name="Titre 1"/>
-          <p:cNvSpPr>
-            <a:spLocks noGrp="1"/>
-          </p:cNvSpPr>
-          <p:nvPr>
-            <p:ph type="title"/>
-          </p:nvPr>
-        </p:nvSpPr>
-        <p:spPr/>
-        <p:txBody>
-          <a:bodyPr/>
-          <a:lstStyle/>
-          <a:p>
-            <a:r>
-              <a:rPr lang="fr-FR" dirty="0" smtClean="0"/>
-              <a:t>Démarrer le machine </a:t>
-            </a:r>
-            <a:r>
-              <a:rPr lang="fr-FR" dirty="0" err="1" smtClean="0"/>
-              <a:t>learning</a:t>
-            </a:r>
-            <a:endParaRPr lang="fr-FR" dirty="0"/>
-          </a:p>
-        </p:txBody>
-      </p:sp>
-      <p:sp>
-        <p:nvSpPr>
-          <p:cNvPr id="3" name="Espace réservé du contenu 2"/>
-          <p:cNvSpPr>
-            <a:spLocks noGrp="1"/>
-          </p:cNvSpPr>
-          <p:nvPr>
-            <p:ph idx="1"/>
-          </p:nvPr>
-        </p:nvSpPr>
-        <p:spPr/>
-        <p:txBody>
-          <a:bodyPr/>
-          <a:lstStyle/>
-          <a:p>
-            <a:r>
-              <a:rPr lang="fr-FR" dirty="0" smtClean="0"/>
-              <a:t>Nous avons un </a:t>
-            </a:r>
-            <a:r>
-              <a:rPr lang="fr-FR" dirty="0" err="1" smtClean="0"/>
-              <a:t>datalake</a:t>
-            </a:r>
-            <a:endParaRPr lang="fr-FR" dirty="0" smtClean="0"/>
-          </a:p>
-          <a:p>
-            <a:r>
-              <a:rPr lang="fr-FR" dirty="0" smtClean="0"/>
-              <a:t>Nous avons le </a:t>
-            </a:r>
-            <a:r>
-              <a:rPr lang="fr-FR" dirty="0" err="1" smtClean="0"/>
-              <a:t>datamart</a:t>
-            </a:r>
-            <a:r>
-              <a:rPr lang="fr-FR" dirty="0" smtClean="0"/>
-              <a:t> structuré et nettoyé</a:t>
-            </a:r>
-          </a:p>
-          <a:p>
-            <a:r>
-              <a:rPr lang="fr-FR" dirty="0" smtClean="0"/>
-              <a:t>L’objectif </a:t>
-            </a:r>
-            <a:r>
-              <a:rPr lang="fr-FR" dirty="0"/>
-              <a:t>du machine </a:t>
-            </a:r>
-            <a:r>
-              <a:rPr lang="fr-FR" dirty="0" err="1"/>
-              <a:t>learning</a:t>
-            </a:r>
-            <a:r>
-              <a:rPr lang="fr-FR" dirty="0"/>
-              <a:t> est de trouver un modèle qui effectue une approximation de la </a:t>
-            </a:r>
-            <a:r>
-              <a:rPr lang="fr-FR" dirty="0" smtClean="0"/>
-              <a:t>réalité, </a:t>
-            </a:r>
-            <a:r>
-              <a:rPr lang="fr-FR" dirty="0"/>
-              <a:t>à l’aide de laquelle on va pouvoir effectuer des </a:t>
-            </a:r>
-            <a:r>
-              <a:rPr lang="fr-FR" dirty="0" smtClean="0"/>
-              <a:t>prédictions</a:t>
-            </a:r>
-          </a:p>
-          <a:p>
-            <a:r>
-              <a:rPr lang="fr-FR" dirty="0" smtClean="0"/>
-              <a:t>DATA = Model + Bruit</a:t>
-            </a:r>
-          </a:p>
-          <a:p>
-            <a:pPr lvl="1"/>
-            <a:r>
-              <a:rPr lang="fr-FR" dirty="0" smtClean="0"/>
-              <a:t>Model = cercle</a:t>
-            </a:r>
-          </a:p>
-          <a:p>
-            <a:pPr lvl="1"/>
-            <a:r>
-              <a:rPr lang="fr-FR" dirty="0" smtClean="0"/>
-              <a:t>Bruit = écart data réelle vs cercle</a:t>
-            </a:r>
-          </a:p>
-          <a:p>
-            <a:endParaRPr lang="fr-FR" dirty="0"/>
-          </a:p>
-        </p:txBody>
-      </p:sp>
-      <p:pic>
-        <p:nvPicPr>
-          <p:cNvPr id="5122" name="Picture 2" descr="Ici on voit facilement qu'on peut approximer le modèle à l'origine des données par un cercle"/>
-          <p:cNvPicPr>
-            <a:picLocks noChangeAspect="1" noChangeArrowheads="1"/>
-          </p:cNvPicPr>
-          <p:nvPr/>
-        </p:nvPicPr>
-        <p:blipFill>
-          <a:blip r:embed="rId2">
-            <a:extLst>
-              <a:ext uri="{28A0092B-C50C-407E-A947-70E740481C1C}">
-                <a14:useLocalDpi xmlns:a14="http://schemas.microsoft.com/office/drawing/2010/main" val="0"/>
-              </a:ext>
-            </a:extLst>
-          </a:blip>
-          <a:srcRect/>
-          <a:stretch>
-            <a:fillRect/>
-          </a:stretch>
-        </p:blipFill>
-        <p:spPr bwMode="auto">
-          <a:xfrm>
-            <a:off x="5436096" y="3753747"/>
-            <a:ext cx="3096344" cy="2956156"/>
-          </a:xfrm>
-          <a:prstGeom prst="rect">
-            <a:avLst/>
-          </a:prstGeom>
-          <a:noFill/>
-          <a:extLst>
-            <a:ext uri="{909E8E84-426E-40DD-AFC4-6F175D3DCCD1}">
-              <a14:hiddenFill xmlns:a14="http://schemas.microsoft.com/office/drawing/2010/main">
-                <a:solidFill>
-                  <a:srgbClr val="FFFFFF"/>
-                </a:solidFill>
-              </a14:hiddenFill>
-            </a:ext>
-          </a:extLst>
-        </p:spPr>
-      </p:pic>
-    </p:spTree>
-    <p:extLst>
-      <p:ext uri="{BB962C8B-B14F-4D97-AF65-F5344CB8AC3E}">
-        <p14:creationId xmlns:p14="http://schemas.microsoft.com/office/powerpoint/2010/main" val="811408202"/>
-      </p:ext>
-    </p:extLst>
-  </p:cSld>
-  <p:clrMapOvr>
-    <a:masterClrMapping/>
-  </p:clrMapOvr>
-</p:sld>
-</file>
-
-<file path=ppt/slides/slide43.xml><?xml version="1.0" encoding="utf-8"?>
-<p:sld xmlns:a="http://schemas.openxmlformats.org/drawingml/2006/main" xmlns:r="http://schemas.openxmlformats.org/officeDocument/2006/relationships" xmlns:p="http://schemas.openxmlformats.org/presentationml/2006/main">
-  <p:cSld>
-    <p:spTree>
-      <p:nvGrpSpPr>
-        <p:cNvPr id="1" name=""/>
-        <p:cNvGrpSpPr/>
-        <p:nvPr/>
-      </p:nvGrpSpPr>
-      <p:grpSpPr>
-        <a:xfrm>
-          <a:off x="0" y="0"/>
-          <a:ext cx="0" cy="0"/>
-          <a:chOff x="0" y="0"/>
-          <a:chExt cx="0" cy="0"/>
-        </a:xfrm>
-      </p:grpSpPr>
-      <p:sp>
-        <p:nvSpPr>
-          <p:cNvPr id="2" name="Titre 1"/>
-          <p:cNvSpPr>
-            <a:spLocks noGrp="1"/>
-          </p:cNvSpPr>
-          <p:nvPr>
-            <p:ph type="title"/>
-          </p:nvPr>
-        </p:nvSpPr>
-        <p:spPr/>
-        <p:txBody>
-          <a:bodyPr/>
-          <a:lstStyle/>
-          <a:p>
-            <a:r>
-              <a:rPr lang="fr-FR" dirty="0" err="1" smtClean="0"/>
-              <a:t>Loss</a:t>
-            </a:r>
-            <a:endParaRPr lang="fr-FR" dirty="0"/>
-          </a:p>
-        </p:txBody>
-      </p:sp>
-      <p:sp>
-        <p:nvSpPr>
-          <p:cNvPr id="3" name="Espace réservé du contenu 2"/>
-          <p:cNvSpPr>
-            <a:spLocks noGrp="1"/>
-          </p:cNvSpPr>
-          <p:nvPr>
-            <p:ph idx="1"/>
-          </p:nvPr>
-        </p:nvSpPr>
-        <p:spPr/>
-        <p:txBody>
-          <a:bodyPr/>
-          <a:lstStyle/>
-          <a:p>
-            <a:r>
-              <a:rPr lang="fr-FR" dirty="0"/>
-              <a:t>En apprentissage supervisé, la notion principale est celle de perte d’information (</a:t>
-            </a:r>
-            <a:r>
-              <a:rPr lang="fr-FR" dirty="0" err="1"/>
-              <a:t>loss</a:t>
-            </a:r>
-            <a:r>
-              <a:rPr lang="fr-FR" dirty="0"/>
-              <a:t> en anglais) due à l'approximation </a:t>
-            </a:r>
-            <a:r>
-              <a:rPr lang="fr-FR" dirty="0" smtClean="0"/>
-              <a:t>du modèle</a:t>
-            </a:r>
-          </a:p>
-          <a:p>
-            <a:r>
-              <a:rPr lang="fr-FR" dirty="0" smtClean="0"/>
-              <a:t>Elle </a:t>
-            </a:r>
-            <a:r>
-              <a:rPr lang="fr-FR" dirty="0"/>
-              <a:t>détermine à quel point notre modélisation du phénomène, qui est une approximation de la </a:t>
-            </a:r>
-            <a:r>
-              <a:rPr lang="fr-FR" dirty="0" smtClean="0"/>
-              <a:t>réalité (régression), </a:t>
-            </a:r>
-            <a:r>
-              <a:rPr lang="fr-FR" dirty="0"/>
-              <a:t>perd de l’information par rapport à la réalité observée à travers les données d’exemple</a:t>
-            </a:r>
-          </a:p>
-        </p:txBody>
-      </p:sp>
-    </p:spTree>
-    <p:extLst>
-      <p:ext uri="{BB962C8B-B14F-4D97-AF65-F5344CB8AC3E}">
-        <p14:creationId xmlns:p14="http://schemas.microsoft.com/office/powerpoint/2010/main" val="3658382805"/>
+        <p14:creationId xmlns:p14="http://schemas.microsoft.com/office/powerpoint/2010/main" val="1959611085"/>
       </p:ext>
     </p:extLst>
   </p:cSld>
@@ -8625,7 +8649,7 @@
           <a:p>
             <a:r>
               <a:rPr lang="fr-FR" dirty="0" smtClean="0"/>
-              <a:t>Erreur</a:t>
+              <a:t>Considération sur les tailles</a:t>
             </a:r>
             <a:endParaRPr lang="fr-FR" dirty="0"/>
           </a:p>
@@ -8648,64 +8672,60 @@
           <a:p>
             <a:r>
               <a:rPr lang="fr-FR" dirty="0" smtClean="0"/>
-              <a:t>L’erreur (ou le risque) est l’écart entre la données et le modèle</a:t>
+              <a:t>Les processeurs d’aujourd’hui en en 64 bits (x64)</a:t>
             </a:r>
           </a:p>
           <a:p>
             <a:pPr lvl="1"/>
             <a:r>
               <a:rPr lang="fr-FR" dirty="0" smtClean="0"/>
-              <a:t>Risque réduit à gauche, important à droite</a:t>
-            </a:r>
-            <a:endParaRPr lang="fr-FR" dirty="0"/>
-          </a:p>
-        </p:txBody>
-      </p:sp>
-      <p:pic>
-        <p:nvPicPr>
-          <p:cNvPr id="6146" name="Picture 2" descr="A gauche, on ne perd pas trop d'information. A droite on est trop éloignée de la réalité représentée par les points"/>
-          <p:cNvPicPr>
-            <a:picLocks noChangeAspect="1" noChangeArrowheads="1"/>
-          </p:cNvPicPr>
-          <p:nvPr/>
-        </p:nvPicPr>
-        <p:blipFill>
-          <a:blip r:embed="rId2">
-            <a:extLst>
-              <a:ext uri="{28A0092B-C50C-407E-A947-70E740481C1C}">
-                <a14:useLocalDpi xmlns:a14="http://schemas.microsoft.com/office/drawing/2010/main" val="0"/>
-              </a:ext>
-            </a:extLst>
-          </a:blip>
-          <a:srcRect/>
-          <a:stretch>
-            <a:fillRect/>
-          </a:stretch>
-        </p:blipFill>
-        <p:spPr bwMode="auto">
-          <a:xfrm>
-            <a:off x="1228787" y="2924944"/>
-            <a:ext cx="6667500" cy="3333750"/>
-          </a:xfrm>
-          <a:prstGeom prst="rect">
-            <a:avLst/>
-          </a:prstGeom>
-          <a:noFill/>
-          <a:extLst>
-            <a:ext uri="{909E8E84-426E-40DD-AFC4-6F175D3DCCD1}">
-              <a14:hiddenFill xmlns:a14="http://schemas.microsoft.com/office/drawing/2010/main">
-                <a:solidFill>
-                  <a:srgbClr val="FFFFFF"/>
-                </a:solidFill>
-              </a14:hiddenFill>
-            </a:ext>
-          </a:extLst>
-        </p:spPr>
-      </p:pic>
+              <a:t>Les GPU sont sur 128 bits</a:t>
+            </a:r>
+          </a:p>
+          <a:p>
+            <a:pPr lvl="1"/>
+            <a:r>
+              <a:rPr lang="fr-FR" dirty="0" smtClean="0"/>
+              <a:t>Les anciens processeurs sur 32 bits</a:t>
+            </a:r>
+          </a:p>
+          <a:p>
+            <a:pPr lvl="1"/>
+            <a:r>
+              <a:rPr lang="fr-FR" dirty="0" smtClean="0"/>
+              <a:t>Python existe en version 32 et 64 bits</a:t>
+            </a:r>
+          </a:p>
+          <a:p>
+            <a:r>
+              <a:rPr lang="fr-FR" dirty="0" smtClean="0"/>
+              <a:t>Un processeur 32 bits ne peut adresser que 2^32 bits soit 4Gbit</a:t>
+            </a:r>
+          </a:p>
+          <a:p>
+            <a:pPr lvl="1"/>
+            <a:r>
+              <a:rPr lang="fr-FR" dirty="0" smtClean="0"/>
+              <a:t>Une adresse mémoire est souvent sur 1 octet ce qui donne 4Go de mémoire maximum, sachant que près de la moitié est pris par l’OS</a:t>
+            </a:r>
+          </a:p>
+          <a:p>
+            <a:r>
+              <a:rPr lang="fr-FR" dirty="0" smtClean="0"/>
+              <a:t>Un processeur 64 bits sait adressé 8000 </a:t>
+            </a:r>
+            <a:r>
+              <a:rPr lang="fr-FR" dirty="0" err="1" smtClean="0"/>
+              <a:t>Pbit</a:t>
+            </a:r>
+            <a:endParaRPr lang="fr-FR" dirty="0" smtClean="0"/>
+          </a:p>
+        </p:txBody>
+      </p:sp>
     </p:spTree>
     <p:extLst>
       <p:ext uri="{BB962C8B-B14F-4D97-AF65-F5344CB8AC3E}">
-        <p14:creationId xmlns:p14="http://schemas.microsoft.com/office/powerpoint/2010/main" val="1499219092"/>
+        <p14:creationId xmlns:p14="http://schemas.microsoft.com/office/powerpoint/2010/main" val="1996995698"/>
       </p:ext>
     </p:extLst>
   </p:cSld>
@@ -8749,273 +8769,6 @@
           <a:p>
             <a:r>
               <a:rPr lang="fr-FR" dirty="0" smtClean="0"/>
-              <a:t>Erreur quadratique</a:t>
-            </a:r>
-            <a:endParaRPr lang="fr-FR" dirty="0"/>
-          </a:p>
-        </p:txBody>
-      </p:sp>
-      <p:sp>
-        <p:nvSpPr>
-          <p:cNvPr id="3" name="Espace réservé du contenu 2"/>
-          <p:cNvSpPr>
-            <a:spLocks noGrp="1"/>
-          </p:cNvSpPr>
-          <p:nvPr>
-            <p:ph idx="1"/>
-          </p:nvPr>
-        </p:nvSpPr>
-        <p:spPr/>
-        <p:txBody>
-          <a:bodyPr/>
-          <a:lstStyle/>
-          <a:p>
-            <a:r>
-              <a:rPr lang="fr-FR" dirty="0"/>
-              <a:t>La distance la plus utilisée pour mesurer cet éloignement est l’erreur </a:t>
-            </a:r>
-            <a:r>
-              <a:rPr lang="fr-FR" dirty="0" smtClean="0"/>
-              <a:t>quadratique</a:t>
-            </a:r>
-            <a:endParaRPr lang="fr-FR" dirty="0"/>
-          </a:p>
-          <a:p>
-            <a:pPr lvl="1"/>
-            <a:r>
-              <a:rPr lang="fr-FR" dirty="0" smtClean="0"/>
-              <a:t>la </a:t>
-            </a:r>
-            <a:r>
-              <a:rPr lang="fr-FR" dirty="0"/>
-              <a:t>distance euclidienne entre un point et le </a:t>
-            </a:r>
-            <a:r>
-              <a:rPr lang="fr-FR" dirty="0" smtClean="0"/>
-              <a:t>modèle</a:t>
-            </a:r>
-            <a:endParaRPr lang="fr-FR" dirty="0"/>
-          </a:p>
-          <a:p>
-            <a:r>
-              <a:rPr lang="fr-FR" dirty="0"/>
-              <a:t>Souvent, on ne peut pas calculer directement l’erreur mais on va utiliser une approximation à partir des données qui sont notre seule </a:t>
-            </a:r>
-            <a:r>
-              <a:rPr lang="fr-FR" dirty="0" smtClean="0"/>
-              <a:t>ressource</a:t>
-            </a:r>
-          </a:p>
-          <a:p>
-            <a:pPr lvl="1"/>
-            <a:r>
-              <a:rPr lang="fr-FR" dirty="0" smtClean="0"/>
-              <a:t>On </a:t>
-            </a:r>
-            <a:r>
-              <a:rPr lang="fr-FR" dirty="0"/>
-              <a:t>va ainsi sommer sur toutes nos données d’exemples l’erreur effectuée du </a:t>
-            </a:r>
-            <a:r>
-              <a:rPr lang="fr-FR" dirty="0" smtClean="0"/>
-              <a:t>modèle</a:t>
-            </a:r>
-          </a:p>
-          <a:p>
-            <a:pPr lvl="1"/>
-            <a:r>
-              <a:rPr lang="fr-FR" dirty="0" smtClean="0"/>
-              <a:t>On </a:t>
-            </a:r>
-            <a:r>
-              <a:rPr lang="fr-FR" dirty="0"/>
-              <a:t>appelle cette erreur le risque </a:t>
-            </a:r>
-            <a:r>
-              <a:rPr lang="fr-FR" dirty="0" smtClean="0"/>
-              <a:t>empirique</a:t>
-            </a:r>
-          </a:p>
-          <a:p>
-            <a:r>
-              <a:rPr lang="fr-FR" dirty="0" smtClean="0"/>
-              <a:t>Le but étant de minimiser la moyenne de </a:t>
-            </a:r>
-            <a:r>
-              <a:rPr lang="fr-FR" smtClean="0"/>
-              <a:t>l’erreur quadratique</a:t>
-            </a:r>
-            <a:endParaRPr lang="fr-FR" dirty="0"/>
-          </a:p>
-        </p:txBody>
-      </p:sp>
-    </p:spTree>
-    <p:extLst>
-      <p:ext uri="{BB962C8B-B14F-4D97-AF65-F5344CB8AC3E}">
-        <p14:creationId xmlns:p14="http://schemas.microsoft.com/office/powerpoint/2010/main" val="2788917738"/>
-      </p:ext>
-    </p:extLst>
-  </p:cSld>
-  <p:clrMapOvr>
-    <a:masterClrMapping/>
-  </p:clrMapOvr>
-</p:sld>
-</file>
-
-<file path=ppt/slides/slide46.xml><?xml version="1.0" encoding="utf-8"?>
-<p:sld xmlns:a="http://schemas.openxmlformats.org/drawingml/2006/main" xmlns:r="http://schemas.openxmlformats.org/officeDocument/2006/relationships" xmlns:p="http://schemas.openxmlformats.org/presentationml/2006/main">
-  <p:cSld>
-    <p:spTree>
-      <p:nvGrpSpPr>
-        <p:cNvPr id="1" name=""/>
-        <p:cNvGrpSpPr/>
-        <p:nvPr/>
-      </p:nvGrpSpPr>
-      <p:grpSpPr>
-        <a:xfrm>
-          <a:off x="0" y="0"/>
-          <a:ext cx="0" cy="0"/>
-          <a:chOff x="0" y="0"/>
-          <a:chExt cx="0" cy="0"/>
-        </a:xfrm>
-      </p:grpSpPr>
-      <p:sp>
-        <p:nvSpPr>
-          <p:cNvPr id="2" name="Titre 1"/>
-          <p:cNvSpPr>
-            <a:spLocks noGrp="1"/>
-          </p:cNvSpPr>
-          <p:nvPr>
-            <p:ph type="title"/>
-          </p:nvPr>
-        </p:nvSpPr>
-        <p:spPr/>
-        <p:txBody>
-          <a:bodyPr/>
-          <a:lstStyle/>
-          <a:p>
-            <a:r>
-              <a:rPr lang="fr-FR" dirty="0" smtClean="0"/>
-              <a:t>Considération sur les tailles</a:t>
-            </a:r>
-            <a:endParaRPr lang="fr-FR" dirty="0"/>
-          </a:p>
-        </p:txBody>
-      </p:sp>
-      <p:sp>
-        <p:nvSpPr>
-          <p:cNvPr id="3" name="Espace réservé du contenu 2"/>
-          <p:cNvSpPr>
-            <a:spLocks noGrp="1"/>
-          </p:cNvSpPr>
-          <p:nvPr>
-            <p:ph idx="1"/>
-          </p:nvPr>
-        </p:nvSpPr>
-        <p:spPr/>
-        <p:txBody>
-          <a:bodyPr/>
-          <a:lstStyle/>
-          <a:p>
-            <a:r>
-              <a:rPr lang="fr-FR" dirty="0" smtClean="0"/>
-              <a:t>Les processeurs d’aujourd’hui en en 64 bits (x64)</a:t>
-            </a:r>
-          </a:p>
-          <a:p>
-            <a:pPr lvl="1"/>
-            <a:r>
-              <a:rPr lang="fr-FR" dirty="0" smtClean="0"/>
-              <a:t>Les GPU sont sur 128 bits</a:t>
-            </a:r>
-          </a:p>
-          <a:p>
-            <a:pPr lvl="1"/>
-            <a:r>
-              <a:rPr lang="fr-FR" dirty="0" smtClean="0"/>
-              <a:t>Les anciens processeurs sur 32 bits</a:t>
-            </a:r>
-          </a:p>
-          <a:p>
-            <a:pPr lvl="1"/>
-            <a:r>
-              <a:rPr lang="fr-FR" dirty="0" smtClean="0"/>
-              <a:t>Python existe en version 32 et 64 bits</a:t>
-            </a:r>
-          </a:p>
-          <a:p>
-            <a:r>
-              <a:rPr lang="fr-FR" dirty="0" smtClean="0"/>
-              <a:t>Un processeur 32 bits ne peut adresser que 2^32 bits soit 4Gbit</a:t>
-            </a:r>
-          </a:p>
-          <a:p>
-            <a:pPr lvl="1"/>
-            <a:r>
-              <a:rPr lang="fr-FR" dirty="0" smtClean="0"/>
-              <a:t>Une adresse mémoire est souvent sur 1 octet ce qui donne 4Go de mémoire maximum, sachant que près de la moitié est pris par l’OS</a:t>
-            </a:r>
-          </a:p>
-          <a:p>
-            <a:r>
-              <a:rPr lang="fr-FR" dirty="0" smtClean="0"/>
-              <a:t>Un processeur 64 bits sait adressé 8000 </a:t>
-            </a:r>
-            <a:r>
-              <a:rPr lang="fr-FR" dirty="0" err="1" smtClean="0"/>
-              <a:t>Pbit</a:t>
-            </a:r>
-            <a:endParaRPr lang="fr-FR" dirty="0" smtClean="0"/>
-          </a:p>
-        </p:txBody>
-      </p:sp>
-    </p:spTree>
-    <p:extLst>
-      <p:ext uri="{BB962C8B-B14F-4D97-AF65-F5344CB8AC3E}">
-        <p14:creationId xmlns:p14="http://schemas.microsoft.com/office/powerpoint/2010/main" val="1996995698"/>
-      </p:ext>
-    </p:extLst>
-  </p:cSld>
-  <p:clrMapOvr>
-    <a:masterClrMapping/>
-  </p:clrMapOvr>
-</p:sld>
-</file>
-
-<file path=ppt/slides/slide47.xml><?xml version="1.0" encoding="utf-8"?>
-<p:sld xmlns:a="http://schemas.openxmlformats.org/drawingml/2006/main" xmlns:r="http://schemas.openxmlformats.org/officeDocument/2006/relationships" xmlns:p="http://schemas.openxmlformats.org/presentationml/2006/main">
-  <p:cSld>
-    <p:spTree>
-      <p:nvGrpSpPr>
-        <p:cNvPr id="1" name=""/>
-        <p:cNvGrpSpPr/>
-        <p:nvPr/>
-      </p:nvGrpSpPr>
-      <p:grpSpPr>
-        <a:xfrm>
-          <a:off x="0" y="0"/>
-          <a:ext cx="0" cy="0"/>
-          <a:chOff x="0" y="0"/>
-          <a:chExt cx="0" cy="0"/>
-        </a:xfrm>
-      </p:grpSpPr>
-      <p:sp>
-        <p:nvSpPr>
-          <p:cNvPr id="2" name="Titre 1"/>
-          <p:cNvSpPr>
-            <a:spLocks noGrp="1"/>
-          </p:cNvSpPr>
-          <p:nvPr>
-            <p:ph type="title"/>
-          </p:nvPr>
-        </p:nvSpPr>
-        <p:spPr/>
-        <p:txBody>
-          <a:bodyPr/>
-          <a:lstStyle/>
-          <a:p>
-            <a:r>
-              <a:rPr lang="fr-FR" dirty="0" smtClean="0"/>
               <a:t>Considération sur les tailles</a:t>
             </a:r>
             <a:endParaRPr lang="fr-FR" dirty="0"/>
@@ -9157,7 +8910,7 @@
 </p:sld>
 </file>
 
-<file path=ppt/slides/slide48.xml><?xml version="1.0" encoding="utf-8"?>
+<file path=ppt/slides/slide46.xml><?xml version="1.0" encoding="utf-8"?>
 <p:sld xmlns:a="http://schemas.openxmlformats.org/drawingml/2006/main" xmlns:r="http://schemas.openxmlformats.org/officeDocument/2006/relationships" xmlns:p="http://schemas.openxmlformats.org/presentationml/2006/main">
   <p:cSld>
     <p:spTree>
@@ -9236,7 +8989,7 @@
 </p:sld>
 </file>
 
-<file path=ppt/slides/slide49.xml><?xml version="1.0" encoding="utf-8"?>
+<file path=ppt/slides/slide47.xml><?xml version="1.0" encoding="utf-8"?>
 <p:sld xmlns:a="http://schemas.openxmlformats.org/drawingml/2006/main" xmlns:r="http://schemas.openxmlformats.org/officeDocument/2006/relationships" xmlns:p="http://schemas.openxmlformats.org/presentationml/2006/main">
   <p:cSld>
     <p:spTree>
@@ -9413,123 +9166,6 @@
           <a:p>
             <a:r>
               <a:rPr lang="fr-FR" dirty="0" smtClean="0"/>
-              <a:t>But</a:t>
-            </a:r>
-            <a:endParaRPr lang="fr-FR" dirty="0"/>
-          </a:p>
-        </p:txBody>
-      </p:sp>
-      <p:sp>
-        <p:nvSpPr>
-          <p:cNvPr id="3" name="Espace réservé du contenu 2"/>
-          <p:cNvSpPr>
-            <a:spLocks noGrp="1"/>
-          </p:cNvSpPr>
-          <p:nvPr>
-            <p:ph idx="1"/>
-          </p:nvPr>
-        </p:nvSpPr>
-        <p:spPr/>
-        <p:txBody>
-          <a:bodyPr/>
-          <a:lstStyle/>
-          <a:p>
-            <a:r>
-              <a:rPr lang="fr-FR" dirty="0"/>
-              <a:t>En machine </a:t>
-            </a:r>
-            <a:r>
-              <a:rPr lang="fr-FR" dirty="0" err="1"/>
-              <a:t>learning</a:t>
-            </a:r>
-            <a:r>
-              <a:rPr lang="fr-FR" dirty="0"/>
-              <a:t> et en data science plus généralement, l'objectif est de trouver un modèle </a:t>
-            </a:r>
-            <a:r>
-              <a:rPr lang="fr-FR" dirty="0" smtClean="0"/>
-              <a:t>du </a:t>
-            </a:r>
-            <a:r>
-              <a:rPr lang="fr-FR" dirty="0"/>
-              <a:t>phénomène à l'origine des </a:t>
-            </a:r>
-            <a:r>
-              <a:rPr lang="fr-FR" dirty="0" smtClean="0"/>
-              <a:t>données</a:t>
-            </a:r>
-          </a:p>
-          <a:p>
-            <a:r>
-              <a:rPr lang="fr-FR" dirty="0" smtClean="0"/>
-              <a:t>C'est </a:t>
-            </a:r>
-            <a:r>
-              <a:rPr lang="fr-FR" dirty="0"/>
-              <a:t>à dire qu'on considère que chaque donnée observée est l'expression d'une variable aléatoire générée par une distribution de </a:t>
-            </a:r>
-            <a:r>
-              <a:rPr lang="fr-FR" dirty="0" smtClean="0"/>
-              <a:t>probabilité</a:t>
-            </a:r>
-          </a:p>
-          <a:p>
-            <a:pPr lvl="1"/>
-            <a:r>
-              <a:rPr lang="fr-FR" smtClean="0"/>
-              <a:t>Par exemple les sondages</a:t>
-            </a:r>
-            <a:endParaRPr lang="fr-FR" dirty="0"/>
-          </a:p>
-        </p:txBody>
-      </p:sp>
-    </p:spTree>
-    <p:extLst>
-      <p:ext uri="{BB962C8B-B14F-4D97-AF65-F5344CB8AC3E}">
-        <p14:creationId xmlns:p14="http://schemas.microsoft.com/office/powerpoint/2010/main" val="3282916395"/>
-      </p:ext>
-    </p:extLst>
-  </p:cSld>
-  <p:clrMapOvr>
-    <a:masterClrMapping/>
-  </p:clrMapOvr>
-</p:sld>
-</file>
-
-<file path=ppt/slides/slide6.xml><?xml version="1.0" encoding="utf-8"?>
-<p:sld xmlns:a="http://schemas.openxmlformats.org/drawingml/2006/main" xmlns:r="http://schemas.openxmlformats.org/officeDocument/2006/relationships" xmlns:p="http://schemas.openxmlformats.org/presentationml/2006/main">
-  <p:cSld>
-    <p:spTree>
-      <p:nvGrpSpPr>
-        <p:cNvPr id="1" name=""/>
-        <p:cNvGrpSpPr/>
-        <p:nvPr/>
-      </p:nvGrpSpPr>
-      <p:grpSpPr>
-        <a:xfrm>
-          <a:off x="0" y="0"/>
-          <a:ext cx="0" cy="0"/>
-          <a:chOff x="0" y="0"/>
-          <a:chExt cx="0" cy="0"/>
-        </a:xfrm>
-      </p:grpSpPr>
-      <p:sp>
-        <p:nvSpPr>
-          <p:cNvPr id="2" name="Titre 1"/>
-          <p:cNvSpPr>
-            <a:spLocks noGrp="1"/>
-          </p:cNvSpPr>
-          <p:nvPr>
-            <p:ph type="title"/>
-          </p:nvPr>
-        </p:nvSpPr>
-        <p:spPr/>
-        <p:txBody>
-          <a:bodyPr/>
-          <a:lstStyle/>
-          <a:p>
-            <a:r>
-              <a:rPr lang="fr-FR" dirty="0" smtClean="0"/>
               <a:t>Exemple</a:t>
             </a:r>
             <a:endParaRPr lang="fr-FR" dirty="0"/>
@@ -9613,7 +9249,7 @@
 </p:sld>
 </file>
 
-<file path=ppt/slides/slide7.xml><?xml version="1.0" encoding="utf-8"?>
+<file path=ppt/slides/slide6.xml><?xml version="1.0" encoding="utf-8"?>
 <p:sld xmlns:a="http://schemas.openxmlformats.org/drawingml/2006/main" xmlns:r="http://schemas.openxmlformats.org/officeDocument/2006/relationships" xmlns:p="http://schemas.openxmlformats.org/presentationml/2006/main">
   <p:cSld>
     <p:spTree>
@@ -9730,7 +9366,7 @@
 </p:sld>
 </file>
 
-<file path=ppt/slides/slide8.xml><?xml version="1.0" encoding="utf-8"?>
+<file path=ppt/slides/slide7.xml><?xml version="1.0" encoding="utf-8"?>
 <p:sld xmlns:a="http://schemas.openxmlformats.org/drawingml/2006/main" xmlns:r="http://schemas.openxmlformats.org/officeDocument/2006/relationships" xmlns:p="http://schemas.openxmlformats.org/presentationml/2006/main">
   <p:cSld>
     <p:spTree>
@@ -9847,7 +9483,7 @@
 </p:sld>
 </file>
 
-<file path=ppt/slides/slide9.xml><?xml version="1.0" encoding="utf-8"?>
+<file path=ppt/slides/slide8.xml><?xml version="1.0" encoding="utf-8"?>
 <p:sld xmlns:a="http://schemas.openxmlformats.org/drawingml/2006/main" xmlns:r="http://schemas.openxmlformats.org/officeDocument/2006/relationships" xmlns:p="http://schemas.openxmlformats.org/presentationml/2006/main">
   <p:cSld>
     <p:spTree>
@@ -9957,6 +9593,147 @@
     <p:extLst>
       <p:ext uri="{BB962C8B-B14F-4D97-AF65-F5344CB8AC3E}">
         <p14:creationId xmlns:p14="http://schemas.microsoft.com/office/powerpoint/2010/main" val="1466637708"/>
+      </p:ext>
+    </p:extLst>
+  </p:cSld>
+  <p:clrMapOvr>
+    <a:masterClrMapping/>
+  </p:clrMapOvr>
+</p:sld>
+</file>
+
+<file path=ppt/slides/slide9.xml><?xml version="1.0" encoding="utf-8"?>
+<p:sld xmlns:a="http://schemas.openxmlformats.org/drawingml/2006/main" xmlns:r="http://schemas.openxmlformats.org/officeDocument/2006/relationships" xmlns:p="http://schemas.openxmlformats.org/presentationml/2006/main">
+  <p:cSld>
+    <p:spTree>
+      <p:nvGrpSpPr>
+        <p:cNvPr id="1" name=""/>
+        <p:cNvGrpSpPr/>
+        <p:nvPr/>
+      </p:nvGrpSpPr>
+      <p:grpSpPr>
+        <a:xfrm>
+          <a:off x="0" y="0"/>
+          <a:ext cx="0" cy="0"/>
+          <a:chOff x="0" y="0"/>
+          <a:chExt cx="0" cy="0"/>
+        </a:xfrm>
+      </p:grpSpPr>
+      <p:sp>
+        <p:nvSpPr>
+          <p:cNvPr id="2" name="Titre 1"/>
+          <p:cNvSpPr>
+            <a:spLocks noGrp="1"/>
+          </p:cNvSpPr>
+          <p:nvPr>
+            <p:ph type="title"/>
+          </p:nvPr>
+        </p:nvSpPr>
+        <p:spPr/>
+        <p:txBody>
+          <a:bodyPr/>
+          <a:lstStyle/>
+          <a:p>
+            <a:r>
+              <a:rPr lang="fr-FR" dirty="0" smtClean="0"/>
+              <a:t>Erreur</a:t>
+            </a:r>
+            <a:endParaRPr lang="fr-FR" dirty="0"/>
+          </a:p>
+        </p:txBody>
+      </p:sp>
+      <p:sp>
+        <p:nvSpPr>
+          <p:cNvPr id="3" name="Espace réservé du contenu 2"/>
+          <p:cNvSpPr>
+            <a:spLocks noGrp="1"/>
+          </p:cNvSpPr>
+          <p:nvPr>
+            <p:ph idx="1"/>
+          </p:nvPr>
+        </p:nvSpPr>
+        <p:spPr/>
+        <p:txBody>
+          <a:bodyPr/>
+          <a:lstStyle/>
+          <a:p>
+            <a:r>
+              <a:rPr lang="fr-FR" dirty="0" smtClean="0"/>
+              <a:t>Un écart type et un taux de confiance peut être calculé</a:t>
+            </a:r>
+          </a:p>
+          <a:p>
+            <a:endParaRPr lang="fr-FR" dirty="0"/>
+          </a:p>
+          <a:p>
+            <a:endParaRPr lang="fr-FR" dirty="0" smtClean="0"/>
+          </a:p>
+          <a:p>
+            <a:endParaRPr lang="fr-FR" dirty="0"/>
+          </a:p>
+          <a:p>
+            <a:endParaRPr lang="fr-FR" dirty="0" smtClean="0"/>
+          </a:p>
+          <a:p>
+            <a:endParaRPr lang="fr-FR" dirty="0"/>
+          </a:p>
+          <a:p>
+            <a:endParaRPr lang="fr-FR" dirty="0" smtClean="0"/>
+          </a:p>
+          <a:p>
+            <a:r>
+              <a:rPr lang="fr-FR" dirty="0" smtClean="0"/>
+              <a:t>Exemple : taux de confiance à 90%</a:t>
+            </a:r>
+            <a:endParaRPr lang="fr-FR" dirty="0"/>
+          </a:p>
+        </p:txBody>
+      </p:sp>
+      <p:pic>
+        <p:nvPicPr>
+          <p:cNvPr id="3074" name="Picture 2" descr="l'intervalle de confiance (à 90%) que les point se trouvent dans cette zone"/>
+          <p:cNvPicPr>
+            <a:picLocks noChangeAspect="1" noChangeArrowheads="1"/>
+          </p:cNvPicPr>
+          <p:nvPr/>
+        </p:nvPicPr>
+        <p:blipFill>
+          <a:blip r:embed="rId2">
+            <a:extLst>
+              <a:ext uri="{28A0092B-C50C-407E-A947-70E740481C1C}">
+                <a14:useLocalDpi xmlns:a14="http://schemas.microsoft.com/office/drawing/2010/main" val="0"/>
+              </a:ext>
+            </a:extLst>
+          </a:blip>
+          <a:srcRect/>
+          <a:stretch>
+            <a:fillRect/>
+          </a:stretch>
+        </p:blipFill>
+        <p:spPr bwMode="auto">
+          <a:xfrm>
+            <a:off x="2195736" y="2276872"/>
+            <a:ext cx="4286250" cy="3000376"/>
+          </a:xfrm>
+          <a:prstGeom prst="rect">
+            <a:avLst/>
+          </a:prstGeom>
+          <a:noFill/>
+          <a:extLst>
+            <a:ext uri="{909E8E84-426E-40DD-AFC4-6F175D3DCCD1}">
+              <a14:hiddenFill xmlns:a14="http://schemas.microsoft.com/office/drawing/2010/main">
+                <a:solidFill>
+                  <a:srgbClr val="FFFFFF"/>
+                </a:solidFill>
+              </a14:hiddenFill>
+            </a:ext>
+          </a:extLst>
+        </p:spPr>
+      </p:pic>
+    </p:spTree>
+    <p:extLst>
+      <p:ext uri="{BB962C8B-B14F-4D97-AF65-F5344CB8AC3E}">
+        <p14:creationId xmlns:p14="http://schemas.microsoft.com/office/powerpoint/2010/main" val="2468921661"/>
       </p:ext>
     </p:extLst>
   </p:cSld>

--- a/PPT/MachineLearning11-MachineLearning.pptx
+++ b/PPT/MachineLearning11-MachineLearning.pptx
@@ -6628,15 +6628,7 @@
           <a:p>
             <a:r>
               <a:rPr lang="fr-FR" dirty="0" smtClean="0"/>
-              <a:t>Le jeu de </a:t>
-            </a:r>
-            <a:r>
-              <a:rPr lang="fr-FR" dirty="0" smtClean="0"/>
-              <a:t>données </a:t>
-            </a:r>
-            <a:r>
-              <a:rPr lang="fr-FR" dirty="0" smtClean="0"/>
-              <a:t>utilisé en machine </a:t>
+              <a:t>Le jeu de données utilisé en machine </a:t>
             </a:r>
             <a:r>
               <a:rPr lang="fr-FR" dirty="0" err="1" smtClean="0"/>
@@ -8868,27 +8860,18 @@
           <a:p>
             <a:r>
               <a:rPr lang="fr-FR" sz="2400" dirty="0" smtClean="0"/>
-              <a:t>Une image 4K RAW fait 16Go</a:t>
-            </a:r>
-          </a:p>
-          <a:p>
-            <a:pPr lvl="1"/>
-            <a:r>
-              <a:rPr lang="fr-FR" sz="2000" dirty="0" smtClean="0"/>
-              <a:t>Python </a:t>
-            </a:r>
-            <a:r>
-              <a:rPr lang="fr-FR" sz="2000" dirty="0"/>
-              <a:t>64 bits sait géré 10</a:t>
-            </a:r>
-            <a:r>
-              <a:rPr lang="fr-FR" sz="2000" dirty="0" smtClean="0"/>
-              <a:t>**9 images aucune pour 32 bits</a:t>
-            </a:r>
-            <a:endParaRPr lang="fr-FR" sz="2000" dirty="0"/>
-          </a:p>
-          <a:p>
-            <a:pPr lvl="1"/>
+              <a:t>Une image 4K RAW fait </a:t>
+            </a:r>
+            <a:r>
+              <a:rPr lang="fr-FR" sz="2400" dirty="0" smtClean="0"/>
+              <a:t>16Mo</a:t>
+            </a:r>
+            <a:endParaRPr lang="fr-FR" sz="2400" dirty="0" smtClean="0"/>
+          </a:p>
+          <a:p>
+            <a:pPr marL="457200" lvl="1" indent="0">
+              <a:buNone/>
+            </a:pPr>
             <a:endParaRPr lang="fr-FR" dirty="0"/>
           </a:p>
           <a:p>

--- a/PPT/MachineLearning11-MachineLearning.pptx
+++ b/PPT/MachineLearning11-MachineLearning.pptx
@@ -5,10 +5,10 @@
     <p:sldMasterId id="2147483653" r:id="rId1"/>
   </p:sldMasterIdLst>
   <p:notesMasterIdLst>
-    <p:notesMasterId r:id="rId49"/>
+    <p:notesMasterId r:id="rId50"/>
   </p:notesMasterIdLst>
   <p:handoutMasterIdLst>
-    <p:handoutMasterId r:id="rId50"/>
+    <p:handoutMasterId r:id="rId51"/>
   </p:handoutMasterIdLst>
   <p:sldIdLst>
     <p:sldId id="264" r:id="rId2"/>
@@ -54,10 +54,11 @@
     <p:sldId id="313" r:id="rId42"/>
     <p:sldId id="314" r:id="rId43"/>
     <p:sldId id="321" r:id="rId44"/>
-    <p:sldId id="297" r:id="rId45"/>
-    <p:sldId id="299" r:id="rId46"/>
-    <p:sldId id="318" r:id="rId47"/>
-    <p:sldId id="300" r:id="rId48"/>
+    <p:sldId id="322" r:id="rId45"/>
+    <p:sldId id="297" r:id="rId46"/>
+    <p:sldId id="299" r:id="rId47"/>
+    <p:sldId id="318" r:id="rId48"/>
+    <p:sldId id="300" r:id="rId49"/>
   </p:sldIdLst>
   <p:sldSz cx="9144000" cy="6858000" type="screen4x3"/>
   <p:notesSz cx="6648450" cy="9782175"/>
@@ -8640,8 +8641,12 @@
           <a:lstStyle/>
           <a:p>
             <a:r>
-              <a:rPr lang="fr-FR" dirty="0" smtClean="0"/>
-              <a:t>Considération sur les tailles</a:t>
+              <a:rPr lang="fr-FR" dirty="0" err="1" smtClean="0"/>
+              <a:t>Edmunt</a:t>
+            </a:r>
+            <a:r>
+              <a:rPr lang="fr-FR" dirty="0" smtClean="0"/>
+              <a:t> Husserl</a:t>
             </a:r>
             <a:endParaRPr lang="fr-FR" dirty="0"/>
           </a:p>
@@ -8664,60 +8669,20 @@
           <a:p>
             <a:r>
               <a:rPr lang="fr-FR" dirty="0" smtClean="0"/>
-              <a:t>Les processeurs d’aujourd’hui en en 64 bits (x64)</a:t>
-            </a:r>
-          </a:p>
-          <a:p>
-            <a:pPr lvl="1"/>
-            <a:r>
-              <a:rPr lang="fr-FR" dirty="0" smtClean="0"/>
-              <a:t>Les GPU sont sur 128 bits</a:t>
-            </a:r>
-          </a:p>
-          <a:p>
-            <a:pPr lvl="1"/>
-            <a:r>
-              <a:rPr lang="fr-FR" dirty="0" smtClean="0"/>
-              <a:t>Les anciens processeurs sur 32 bits</a:t>
-            </a:r>
-          </a:p>
-          <a:p>
-            <a:pPr lvl="1"/>
-            <a:r>
-              <a:rPr lang="fr-FR" dirty="0" smtClean="0"/>
-              <a:t>Python existe en version 32 et 64 bits</a:t>
-            </a:r>
-          </a:p>
-          <a:p>
-            <a:r>
-              <a:rPr lang="fr-FR" dirty="0" smtClean="0"/>
-              <a:t>Un processeur 32 bits ne peut adresser que 2^32 bits soit 4Gbit</a:t>
-            </a:r>
-          </a:p>
-          <a:p>
-            <a:pPr lvl="1"/>
-            <a:r>
-              <a:rPr lang="fr-FR" dirty="0" smtClean="0"/>
-              <a:t>Une adresse mémoire est souvent sur 1 octet ce qui donne 4Go de mémoire maximum, sachant que près de la moitié est pris par l’OS</a:t>
-            </a:r>
-          </a:p>
-          <a:p>
-            <a:r>
-              <a:rPr lang="fr-FR" dirty="0" smtClean="0"/>
-              <a:t>Un processeur 64 bits sait adressé 8000 </a:t>
-            </a:r>
-            <a:r>
-              <a:rPr lang="fr-FR" dirty="0" err="1" smtClean="0"/>
-              <a:t>Pbit</a:t>
-            </a:r>
-            <a:endParaRPr lang="fr-FR" dirty="0" smtClean="0"/>
+              <a:t>«</a:t>
+            </a:r>
+            <a:r>
+              <a:rPr lang="fr-FR" dirty="0"/>
+              <a:t> Les modèles sont les habits des idées, il y a toujours un modèle qui peut faire croire que votre idée est juste. »</a:t>
+            </a:r>
+            <a:endParaRPr lang="fr-FR" dirty="0"/>
           </a:p>
         </p:txBody>
       </p:sp>
     </p:spTree>
     <p:extLst>
       <p:ext uri="{BB962C8B-B14F-4D97-AF65-F5344CB8AC3E}">
-        <p14:creationId xmlns:p14="http://schemas.microsoft.com/office/powerpoint/2010/main" val="1996995698"/>
+        <p14:creationId xmlns:p14="http://schemas.microsoft.com/office/powerpoint/2010/main" val="3344571388"/>
       </p:ext>
     </p:extLst>
   </p:cSld>
@@ -8783,6 +8748,126 @@
           <a:lstStyle/>
           <a:p>
             <a:r>
+              <a:rPr lang="fr-FR" dirty="0" smtClean="0"/>
+              <a:t>Les processeurs d’aujourd’hui en en 64 bits (x64)</a:t>
+            </a:r>
+          </a:p>
+          <a:p>
+            <a:pPr lvl="1"/>
+            <a:r>
+              <a:rPr lang="fr-FR" dirty="0" smtClean="0"/>
+              <a:t>Les GPU sont sur 128 bits</a:t>
+            </a:r>
+          </a:p>
+          <a:p>
+            <a:pPr lvl="1"/>
+            <a:r>
+              <a:rPr lang="fr-FR" dirty="0" smtClean="0"/>
+              <a:t>Les anciens processeurs sur 32 bits</a:t>
+            </a:r>
+          </a:p>
+          <a:p>
+            <a:pPr lvl="1"/>
+            <a:r>
+              <a:rPr lang="fr-FR" dirty="0" smtClean="0"/>
+              <a:t>Python existe en version 32 et 64 bits</a:t>
+            </a:r>
+          </a:p>
+          <a:p>
+            <a:r>
+              <a:rPr lang="fr-FR" dirty="0" smtClean="0"/>
+              <a:t>Un processeur 32 bits ne peut adresser que 2^32 bits soit 4Gbit</a:t>
+            </a:r>
+          </a:p>
+          <a:p>
+            <a:pPr lvl="1"/>
+            <a:r>
+              <a:rPr lang="fr-FR" dirty="0" smtClean="0"/>
+              <a:t>Une adresse mémoire est souvent sur 1 octet ce qui donne 4Go de mémoire maximum, sachant que près de la moitié est pris par l’OS</a:t>
+            </a:r>
+          </a:p>
+          <a:p>
+            <a:r>
+              <a:rPr lang="fr-FR" dirty="0" smtClean="0"/>
+              <a:t>Un processeur 64 bits sait adressé 8000 </a:t>
+            </a:r>
+            <a:r>
+              <a:rPr lang="fr-FR" dirty="0" err="1" smtClean="0"/>
+              <a:t>Pbit</a:t>
+            </a:r>
+            <a:endParaRPr lang="fr-FR" dirty="0" smtClean="0"/>
+          </a:p>
+        </p:txBody>
+      </p:sp>
+    </p:spTree>
+    <p:extLst>
+      <p:ext uri="{BB962C8B-B14F-4D97-AF65-F5344CB8AC3E}">
+        <p14:creationId xmlns:p14="http://schemas.microsoft.com/office/powerpoint/2010/main" val="1996995698"/>
+      </p:ext>
+    </p:extLst>
+  </p:cSld>
+  <p:clrMapOvr>
+    <a:masterClrMapping/>
+  </p:clrMapOvr>
+</p:sld>
+</file>
+
+<file path=ppt/slides/slide46.xml><?xml version="1.0" encoding="utf-8"?>
+<p:sld xmlns:a="http://schemas.openxmlformats.org/drawingml/2006/main" xmlns:r="http://schemas.openxmlformats.org/officeDocument/2006/relationships" xmlns:p="http://schemas.openxmlformats.org/presentationml/2006/main">
+  <p:cSld>
+    <p:spTree>
+      <p:nvGrpSpPr>
+        <p:cNvPr id="1" name=""/>
+        <p:cNvGrpSpPr/>
+        <p:nvPr/>
+      </p:nvGrpSpPr>
+      <p:grpSpPr>
+        <a:xfrm>
+          <a:off x="0" y="0"/>
+          <a:ext cx="0" cy="0"/>
+          <a:chOff x="0" y="0"/>
+          <a:chExt cx="0" cy="0"/>
+        </a:xfrm>
+      </p:grpSpPr>
+      <p:sp>
+        <p:nvSpPr>
+          <p:cNvPr id="2" name="Titre 1"/>
+          <p:cNvSpPr>
+            <a:spLocks noGrp="1"/>
+          </p:cNvSpPr>
+          <p:nvPr>
+            <p:ph type="title"/>
+          </p:nvPr>
+        </p:nvSpPr>
+        <p:spPr/>
+        <p:txBody>
+          <a:bodyPr/>
+          <a:lstStyle/>
+          <a:p>
+            <a:r>
+              <a:rPr lang="fr-FR" dirty="0" smtClean="0"/>
+              <a:t>Considération sur les tailles</a:t>
+            </a:r>
+            <a:endParaRPr lang="fr-FR" dirty="0"/>
+          </a:p>
+        </p:txBody>
+      </p:sp>
+      <p:sp>
+        <p:nvSpPr>
+          <p:cNvPr id="3" name="Espace réservé du contenu 2"/>
+          <p:cNvSpPr>
+            <a:spLocks noGrp="1"/>
+          </p:cNvSpPr>
+          <p:nvPr>
+            <p:ph idx="1"/>
+          </p:nvPr>
+        </p:nvSpPr>
+        <p:spPr/>
+        <p:txBody>
+          <a:bodyPr/>
+          <a:lstStyle/>
+          <a:p>
+            <a:r>
               <a:rPr lang="fr-FR" sz="2400" dirty="0" smtClean="0"/>
               <a:t>En Python un flottant fait 32 bits</a:t>
             </a:r>
@@ -8860,13 +8945,8 @@
           <a:p>
             <a:r>
               <a:rPr lang="fr-FR" sz="2400" dirty="0" smtClean="0"/>
-              <a:t>Une image 4K RAW fait </a:t>
-            </a:r>
-            <a:r>
-              <a:rPr lang="fr-FR" sz="2400" dirty="0" smtClean="0"/>
-              <a:t>16Mo</a:t>
-            </a:r>
-            <a:endParaRPr lang="fr-FR" sz="2400" dirty="0" smtClean="0"/>
+              <a:t>Une image 4K RAW fait 16Mo</a:t>
+            </a:r>
           </a:p>
           <a:p>
             <a:pPr marL="457200" lvl="1" indent="0">
@@ -8893,7 +8973,7 @@
 </p:sld>
 </file>
 
-<file path=ppt/slides/slide46.xml><?xml version="1.0" encoding="utf-8"?>
+<file path=ppt/slides/slide47.xml><?xml version="1.0" encoding="utf-8"?>
 <p:sld xmlns:a="http://schemas.openxmlformats.org/drawingml/2006/main" xmlns:r="http://schemas.openxmlformats.org/officeDocument/2006/relationships" xmlns:p="http://schemas.openxmlformats.org/presentationml/2006/main">
   <p:cSld>
     <p:spTree>
@@ -8972,7 +9052,7 @@
 </p:sld>
 </file>
 
-<file path=ppt/slides/slide47.xml><?xml version="1.0" encoding="utf-8"?>
+<file path=ppt/slides/slide48.xml><?xml version="1.0" encoding="utf-8"?>
 <p:sld xmlns:a="http://schemas.openxmlformats.org/drawingml/2006/main" xmlns:r="http://schemas.openxmlformats.org/officeDocument/2006/relationships" xmlns:p="http://schemas.openxmlformats.org/presentationml/2006/main">
   <p:cSld>
     <p:spTree>

--- a/PPT/MachineLearning11-MachineLearning.pptx
+++ b/PPT/MachineLearning11-MachineLearning.pptx
@@ -5,60 +5,61 @@
     <p:sldMasterId id="2147483653" r:id="rId1"/>
   </p:sldMasterIdLst>
   <p:notesMasterIdLst>
-    <p:notesMasterId r:id="rId50"/>
+    <p:notesMasterId r:id="rId51"/>
   </p:notesMasterIdLst>
   <p:handoutMasterIdLst>
-    <p:handoutMasterId r:id="rId51"/>
+    <p:handoutMasterId r:id="rId52"/>
   </p:handoutMasterIdLst>
   <p:sldIdLst>
     <p:sldId id="264" r:id="rId2"/>
-    <p:sldId id="320" r:id="rId3"/>
-    <p:sldId id="266" r:id="rId4"/>
-    <p:sldId id="267" r:id="rId5"/>
-    <p:sldId id="268" r:id="rId6"/>
-    <p:sldId id="269" r:id="rId7"/>
-    <p:sldId id="270" r:id="rId8"/>
-    <p:sldId id="271" r:id="rId9"/>
-    <p:sldId id="272" r:id="rId10"/>
-    <p:sldId id="287" r:id="rId11"/>
-    <p:sldId id="273" r:id="rId12"/>
-    <p:sldId id="274" r:id="rId13"/>
-    <p:sldId id="306" r:id="rId14"/>
-    <p:sldId id="288" r:id="rId15"/>
-    <p:sldId id="289" r:id="rId16"/>
-    <p:sldId id="290" r:id="rId17"/>
-    <p:sldId id="275" r:id="rId18"/>
-    <p:sldId id="291" r:id="rId19"/>
-    <p:sldId id="292" r:id="rId20"/>
-    <p:sldId id="294" r:id="rId21"/>
-    <p:sldId id="295" r:id="rId22"/>
-    <p:sldId id="296" r:id="rId23"/>
-    <p:sldId id="276" r:id="rId24"/>
-    <p:sldId id="277" r:id="rId25"/>
-    <p:sldId id="319" r:id="rId26"/>
-    <p:sldId id="278" r:id="rId27"/>
-    <p:sldId id="279" r:id="rId28"/>
-    <p:sldId id="280" r:id="rId29"/>
-    <p:sldId id="281" r:id="rId30"/>
-    <p:sldId id="283" r:id="rId31"/>
-    <p:sldId id="284" r:id="rId32"/>
-    <p:sldId id="285" r:id="rId33"/>
-    <p:sldId id="286" r:id="rId34"/>
-    <p:sldId id="301" r:id="rId35"/>
-    <p:sldId id="303" r:id="rId36"/>
-    <p:sldId id="304" r:id="rId37"/>
-    <p:sldId id="317" r:id="rId38"/>
-    <p:sldId id="316" r:id="rId39"/>
-    <p:sldId id="311" r:id="rId40"/>
-    <p:sldId id="312" r:id="rId41"/>
-    <p:sldId id="313" r:id="rId42"/>
-    <p:sldId id="314" r:id="rId43"/>
-    <p:sldId id="321" r:id="rId44"/>
-    <p:sldId id="322" r:id="rId45"/>
-    <p:sldId id="297" r:id="rId46"/>
-    <p:sldId id="299" r:id="rId47"/>
-    <p:sldId id="318" r:id="rId48"/>
-    <p:sldId id="300" r:id="rId49"/>
+    <p:sldId id="323" r:id="rId3"/>
+    <p:sldId id="320" r:id="rId4"/>
+    <p:sldId id="266" r:id="rId5"/>
+    <p:sldId id="267" r:id="rId6"/>
+    <p:sldId id="268" r:id="rId7"/>
+    <p:sldId id="269" r:id="rId8"/>
+    <p:sldId id="270" r:id="rId9"/>
+    <p:sldId id="271" r:id="rId10"/>
+    <p:sldId id="272" r:id="rId11"/>
+    <p:sldId id="287" r:id="rId12"/>
+    <p:sldId id="273" r:id="rId13"/>
+    <p:sldId id="274" r:id="rId14"/>
+    <p:sldId id="306" r:id="rId15"/>
+    <p:sldId id="288" r:id="rId16"/>
+    <p:sldId id="289" r:id="rId17"/>
+    <p:sldId id="290" r:id="rId18"/>
+    <p:sldId id="275" r:id="rId19"/>
+    <p:sldId id="291" r:id="rId20"/>
+    <p:sldId id="292" r:id="rId21"/>
+    <p:sldId id="294" r:id="rId22"/>
+    <p:sldId id="295" r:id="rId23"/>
+    <p:sldId id="296" r:id="rId24"/>
+    <p:sldId id="276" r:id="rId25"/>
+    <p:sldId id="277" r:id="rId26"/>
+    <p:sldId id="319" r:id="rId27"/>
+    <p:sldId id="278" r:id="rId28"/>
+    <p:sldId id="279" r:id="rId29"/>
+    <p:sldId id="280" r:id="rId30"/>
+    <p:sldId id="281" r:id="rId31"/>
+    <p:sldId id="283" r:id="rId32"/>
+    <p:sldId id="284" r:id="rId33"/>
+    <p:sldId id="285" r:id="rId34"/>
+    <p:sldId id="286" r:id="rId35"/>
+    <p:sldId id="301" r:id="rId36"/>
+    <p:sldId id="303" r:id="rId37"/>
+    <p:sldId id="304" r:id="rId38"/>
+    <p:sldId id="317" r:id="rId39"/>
+    <p:sldId id="316" r:id="rId40"/>
+    <p:sldId id="311" r:id="rId41"/>
+    <p:sldId id="312" r:id="rId42"/>
+    <p:sldId id="313" r:id="rId43"/>
+    <p:sldId id="314" r:id="rId44"/>
+    <p:sldId id="321" r:id="rId45"/>
+    <p:sldId id="322" r:id="rId46"/>
+    <p:sldId id="297" r:id="rId47"/>
+    <p:sldId id="299" r:id="rId48"/>
+    <p:sldId id="318" r:id="rId49"/>
+    <p:sldId id="300" r:id="rId50"/>
   </p:sldIdLst>
   <p:sldSz cx="9144000" cy="6858000" type="screen4x3"/>
   <p:notesSz cx="6648450" cy="9782175"/>
@@ -651,35 +652,35 @@
           <a:p>
             <a:pPr lvl="0"/>
             <a:r>
-              <a:rPr lang="fr-FR" noProof="0" smtClean="0"/>
+              <a:rPr lang="fr-FR" noProof="0"/>
               <a:t>Cliquez pour modifier les styles du texte du masque</a:t>
             </a:r>
           </a:p>
           <a:p>
             <a:pPr lvl="1"/>
             <a:r>
-              <a:rPr lang="fr-FR" noProof="0" smtClean="0"/>
+              <a:rPr lang="fr-FR" noProof="0"/>
               <a:t>Deuxième niveau</a:t>
             </a:r>
           </a:p>
           <a:p>
             <a:pPr lvl="2"/>
             <a:r>
-              <a:rPr lang="fr-FR" noProof="0" smtClean="0"/>
+              <a:rPr lang="fr-FR" noProof="0"/>
               <a:t>Troisième niveau</a:t>
             </a:r>
           </a:p>
           <a:p>
             <a:pPr lvl="3"/>
             <a:r>
-              <a:rPr lang="fr-FR" noProof="0" smtClean="0"/>
+              <a:rPr lang="fr-FR" noProof="0"/>
               <a:t>Quatrième niveau</a:t>
             </a:r>
           </a:p>
           <a:p>
             <a:pPr lvl="4"/>
             <a:r>
-              <a:rPr lang="fr-FR" noProof="0" smtClean="0"/>
+              <a:rPr lang="fr-FR" noProof="0"/>
               <a:t>Cinquième niveau</a:t>
             </a:r>
           </a:p>
@@ -967,10 +968,9 @@
           <a:lstStyle/>
           <a:p>
             <a:r>
-              <a:rPr lang="fr-FR" smtClean="0"/>
+              <a:rPr lang="fr-FR"/>
               <a:t>Cliquez pour modifier le style du titre</a:t>
             </a:r>
-            <a:endParaRPr lang="fr-FR"/>
           </a:p>
         </p:txBody>
       </p:sp>
@@ -1032,10 +1032,9 @@
           </a:lstStyle>
           <a:p>
             <a:r>
-              <a:rPr lang="fr-FR" smtClean="0"/>
+              <a:rPr lang="fr-FR"/>
               <a:t>Cliquez pour modifier le style des sous-titres du masque</a:t>
             </a:r>
-            <a:endParaRPr lang="fr-FR"/>
           </a:p>
         </p:txBody>
       </p:sp>
@@ -1090,10 +1089,9 @@
           <a:lstStyle/>
           <a:p>
             <a:r>
-              <a:rPr lang="fr-FR" smtClean="0"/>
+              <a:rPr lang="fr-FR"/>
               <a:t>Cliquez pour modifier le style du titre</a:t>
             </a:r>
-            <a:endParaRPr lang="fr-FR"/>
           </a:p>
         </p:txBody>
       </p:sp>
@@ -1119,38 +1117,37 @@
           <a:p>
             <a:pPr lvl="0"/>
             <a:r>
-              <a:rPr lang="fr-FR" smtClean="0"/>
+              <a:rPr lang="fr-FR"/>
               <a:t>Cliquez pour modifier les styles du texte du masque</a:t>
             </a:r>
           </a:p>
           <a:p>
             <a:pPr lvl="1"/>
             <a:r>
-              <a:rPr lang="fr-FR" smtClean="0"/>
+              <a:rPr lang="fr-FR"/>
               <a:t>Deuxième niveau</a:t>
             </a:r>
           </a:p>
           <a:p>
             <a:pPr lvl="2"/>
             <a:r>
-              <a:rPr lang="fr-FR" smtClean="0"/>
+              <a:rPr lang="fr-FR"/>
               <a:t>Troisième niveau</a:t>
             </a:r>
           </a:p>
           <a:p>
             <a:pPr lvl="3"/>
             <a:r>
-              <a:rPr lang="fr-FR" smtClean="0"/>
+              <a:rPr lang="fr-FR"/>
               <a:t>Quatrième niveau</a:t>
             </a:r>
           </a:p>
           <a:p>
             <a:pPr lvl="4"/>
             <a:r>
-              <a:rPr lang="fr-FR" smtClean="0"/>
+              <a:rPr lang="fr-FR"/>
               <a:t>Cinquième niveau</a:t>
             </a:r>
-            <a:endParaRPr lang="fr-FR"/>
           </a:p>
         </p:txBody>
       </p:sp>
@@ -1209,10 +1206,9 @@
           </a:lstStyle>
           <a:p>
             <a:r>
-              <a:rPr lang="fr-FR" dirty="0" smtClean="0"/>
+              <a:rPr lang="fr-FR" dirty="0"/>
               <a:t>Cliquez pour modifier le style du titre</a:t>
             </a:r>
-            <a:endParaRPr lang="fr-FR" dirty="0"/>
           </a:p>
         </p:txBody>
       </p:sp>
@@ -1238,38 +1234,37 @@
           <a:p>
             <a:pPr lvl="0"/>
             <a:r>
-              <a:rPr lang="fr-FR" dirty="0" smtClean="0"/>
+              <a:rPr lang="fr-FR" dirty="0"/>
               <a:t>Cliquez pour modifier les styles du texte du masque</a:t>
             </a:r>
           </a:p>
           <a:p>
             <a:pPr lvl="1"/>
             <a:r>
-              <a:rPr lang="fr-FR" dirty="0" smtClean="0"/>
+              <a:rPr lang="fr-FR" dirty="0"/>
               <a:t>Deuxième niveau</a:t>
             </a:r>
           </a:p>
           <a:p>
             <a:pPr lvl="2"/>
             <a:r>
-              <a:rPr lang="fr-FR" dirty="0" smtClean="0"/>
+              <a:rPr lang="fr-FR" dirty="0"/>
               <a:t>Troisième niveau</a:t>
             </a:r>
           </a:p>
           <a:p>
             <a:pPr lvl="3"/>
             <a:r>
-              <a:rPr lang="fr-FR" dirty="0" smtClean="0"/>
+              <a:rPr lang="fr-FR" dirty="0"/>
               <a:t>Quatrième niveau</a:t>
             </a:r>
           </a:p>
           <a:p>
             <a:pPr lvl="4"/>
             <a:r>
-              <a:rPr lang="fr-FR" dirty="0" smtClean="0"/>
+              <a:rPr lang="fr-FR" dirty="0"/>
               <a:t>Cinquième niveau</a:t>
             </a:r>
-            <a:endParaRPr lang="fr-FR" dirty="0"/>
           </a:p>
         </p:txBody>
       </p:sp>
@@ -1319,10 +1314,9 @@
           <a:lstStyle/>
           <a:p>
             <a:r>
-              <a:rPr lang="fr-FR" smtClean="0"/>
+              <a:rPr lang="fr-FR"/>
               <a:t>Cliquez pour modifier le style du titre</a:t>
             </a:r>
-            <a:endParaRPr lang="fr-FR"/>
           </a:p>
         </p:txBody>
       </p:sp>
@@ -1376,38 +1370,37 @@
           <a:p>
             <a:pPr lvl="0"/>
             <a:r>
-              <a:rPr lang="fr-FR" smtClean="0"/>
+              <a:rPr lang="fr-FR"/>
               <a:t>Cliquez pour modifier les styles du texte du masque</a:t>
             </a:r>
           </a:p>
           <a:p>
             <a:pPr lvl="1"/>
             <a:r>
-              <a:rPr lang="fr-FR" smtClean="0"/>
+              <a:rPr lang="fr-FR"/>
               <a:t>Deuxième niveau</a:t>
             </a:r>
           </a:p>
           <a:p>
             <a:pPr lvl="2"/>
             <a:r>
-              <a:rPr lang="fr-FR" smtClean="0"/>
+              <a:rPr lang="fr-FR"/>
               <a:t>Troisième niveau</a:t>
             </a:r>
           </a:p>
           <a:p>
             <a:pPr lvl="3"/>
             <a:r>
-              <a:rPr lang="fr-FR" smtClean="0"/>
+              <a:rPr lang="fr-FR"/>
               <a:t>Quatrième niveau</a:t>
             </a:r>
           </a:p>
           <a:p>
             <a:pPr lvl="4"/>
             <a:r>
-              <a:rPr lang="fr-FR" smtClean="0"/>
+              <a:rPr lang="fr-FR"/>
               <a:t>Cinquième niveau</a:t>
             </a:r>
-            <a:endParaRPr lang="fr-FR"/>
           </a:p>
         </p:txBody>
       </p:sp>
@@ -1461,38 +1454,37 @@
           <a:p>
             <a:pPr lvl="0"/>
             <a:r>
-              <a:rPr lang="fr-FR" smtClean="0"/>
+              <a:rPr lang="fr-FR"/>
               <a:t>Cliquez pour modifier les styles du texte du masque</a:t>
             </a:r>
           </a:p>
           <a:p>
             <a:pPr lvl="1"/>
             <a:r>
-              <a:rPr lang="fr-FR" smtClean="0"/>
+              <a:rPr lang="fr-FR"/>
               <a:t>Deuxième niveau</a:t>
             </a:r>
           </a:p>
           <a:p>
             <a:pPr lvl="2"/>
             <a:r>
-              <a:rPr lang="fr-FR" smtClean="0"/>
+              <a:rPr lang="fr-FR"/>
               <a:t>Troisième niveau</a:t>
             </a:r>
           </a:p>
           <a:p>
             <a:pPr lvl="3"/>
             <a:r>
-              <a:rPr lang="fr-FR" smtClean="0"/>
+              <a:rPr lang="fr-FR"/>
               <a:t>Quatrième niveau</a:t>
             </a:r>
           </a:p>
           <a:p>
             <a:pPr lvl="4"/>
             <a:r>
-              <a:rPr lang="fr-FR" smtClean="0"/>
+              <a:rPr lang="fr-FR"/>
               <a:t>Cinquième niveau</a:t>
             </a:r>
-            <a:endParaRPr lang="fr-FR"/>
           </a:p>
         </p:txBody>
       </p:sp>
@@ -1551,10 +1543,9 @@
           </a:lstStyle>
           <a:p>
             <a:r>
-              <a:rPr lang="fr-FR" smtClean="0"/>
+              <a:rPr lang="fr-FR"/>
               <a:t>Cliquez pour modifier le style du titre</a:t>
             </a:r>
-            <a:endParaRPr lang="fr-FR"/>
           </a:p>
         </p:txBody>
       </p:sp>
@@ -1617,7 +1608,7 @@
           <a:p>
             <a:pPr lvl="0"/>
             <a:r>
-              <a:rPr lang="fr-FR" smtClean="0"/>
+              <a:rPr lang="fr-FR"/>
               <a:t>Cliquez pour modifier les styles du texte du masque</a:t>
             </a:r>
           </a:p>
@@ -1673,38 +1664,37 @@
           <a:p>
             <a:pPr lvl="0"/>
             <a:r>
-              <a:rPr lang="fr-FR" smtClean="0"/>
+              <a:rPr lang="fr-FR"/>
               <a:t>Cliquez pour modifier les styles du texte du masque</a:t>
             </a:r>
           </a:p>
           <a:p>
             <a:pPr lvl="1"/>
             <a:r>
-              <a:rPr lang="fr-FR" smtClean="0"/>
+              <a:rPr lang="fr-FR"/>
               <a:t>Deuxième niveau</a:t>
             </a:r>
           </a:p>
           <a:p>
             <a:pPr lvl="2"/>
             <a:r>
-              <a:rPr lang="fr-FR" smtClean="0"/>
+              <a:rPr lang="fr-FR"/>
               <a:t>Troisième niveau</a:t>
             </a:r>
           </a:p>
           <a:p>
             <a:pPr lvl="3"/>
             <a:r>
-              <a:rPr lang="fr-FR" smtClean="0"/>
+              <a:rPr lang="fr-FR"/>
               <a:t>Quatrième niveau</a:t>
             </a:r>
           </a:p>
           <a:p>
             <a:pPr lvl="4"/>
             <a:r>
-              <a:rPr lang="fr-FR" smtClean="0"/>
+              <a:rPr lang="fr-FR"/>
               <a:t>Cinquième niveau</a:t>
             </a:r>
-            <a:endParaRPr lang="fr-FR"/>
           </a:p>
         </p:txBody>
       </p:sp>
@@ -1767,7 +1757,7 @@
           <a:p>
             <a:pPr lvl="0"/>
             <a:r>
-              <a:rPr lang="fr-FR" smtClean="0"/>
+              <a:rPr lang="fr-FR"/>
               <a:t>Cliquez pour modifier les styles du texte du masque</a:t>
             </a:r>
           </a:p>
@@ -1823,38 +1813,37 @@
           <a:p>
             <a:pPr lvl="0"/>
             <a:r>
-              <a:rPr lang="fr-FR" smtClean="0"/>
+              <a:rPr lang="fr-FR"/>
               <a:t>Cliquez pour modifier les styles du texte du masque</a:t>
             </a:r>
           </a:p>
           <a:p>
             <a:pPr lvl="1"/>
             <a:r>
-              <a:rPr lang="fr-FR" smtClean="0"/>
+              <a:rPr lang="fr-FR"/>
               <a:t>Deuxième niveau</a:t>
             </a:r>
           </a:p>
           <a:p>
             <a:pPr lvl="2"/>
             <a:r>
-              <a:rPr lang="fr-FR" smtClean="0"/>
+              <a:rPr lang="fr-FR"/>
               <a:t>Troisième niveau</a:t>
             </a:r>
           </a:p>
           <a:p>
             <a:pPr lvl="3"/>
             <a:r>
-              <a:rPr lang="fr-FR" smtClean="0"/>
+              <a:rPr lang="fr-FR"/>
               <a:t>Quatrième niveau</a:t>
             </a:r>
           </a:p>
           <a:p>
             <a:pPr lvl="4"/>
             <a:r>
-              <a:rPr lang="fr-FR" smtClean="0"/>
+              <a:rPr lang="fr-FR"/>
               <a:t>Cinquième niveau</a:t>
             </a:r>
-            <a:endParaRPr lang="fr-FR"/>
           </a:p>
         </p:txBody>
       </p:sp>
@@ -1904,10 +1893,9 @@
           <a:lstStyle/>
           <a:p>
             <a:r>
-              <a:rPr lang="fr-FR" smtClean="0"/>
+              <a:rPr lang="fr-FR"/>
               <a:t>Cliquez pour modifier le style du titre</a:t>
             </a:r>
-            <a:endParaRPr lang="fr-FR"/>
           </a:p>
         </p:txBody>
       </p:sp>
@@ -1996,10 +1984,9 @@
           </a:lstStyle>
           <a:p>
             <a:r>
-              <a:rPr lang="fr-FR" smtClean="0"/>
+              <a:rPr lang="fr-FR"/>
               <a:t>Cliquez pour modifier le style du titre</a:t>
             </a:r>
-            <a:endParaRPr lang="fr-FR"/>
           </a:p>
         </p:txBody>
       </p:sp>
@@ -2053,38 +2040,37 @@
           <a:p>
             <a:pPr lvl="0"/>
             <a:r>
-              <a:rPr lang="fr-FR" smtClean="0"/>
+              <a:rPr lang="fr-FR"/>
               <a:t>Cliquez pour modifier les styles du texte du masque</a:t>
             </a:r>
           </a:p>
           <a:p>
             <a:pPr lvl="1"/>
             <a:r>
-              <a:rPr lang="fr-FR" smtClean="0"/>
+              <a:rPr lang="fr-FR"/>
               <a:t>Deuxième niveau</a:t>
             </a:r>
           </a:p>
           <a:p>
             <a:pPr lvl="2"/>
             <a:r>
-              <a:rPr lang="fr-FR" smtClean="0"/>
+              <a:rPr lang="fr-FR"/>
               <a:t>Troisième niveau</a:t>
             </a:r>
           </a:p>
           <a:p>
             <a:pPr lvl="3"/>
             <a:r>
-              <a:rPr lang="fr-FR" smtClean="0"/>
+              <a:rPr lang="fr-FR"/>
               <a:t>Quatrième niveau</a:t>
             </a:r>
           </a:p>
           <a:p>
             <a:pPr lvl="4"/>
             <a:r>
-              <a:rPr lang="fr-FR" smtClean="0"/>
+              <a:rPr lang="fr-FR"/>
               <a:t>Cinquième niveau</a:t>
             </a:r>
-            <a:endParaRPr lang="fr-FR"/>
           </a:p>
         </p:txBody>
       </p:sp>
@@ -2147,7 +2133,7 @@
           <a:p>
             <a:pPr lvl="0"/>
             <a:r>
-              <a:rPr lang="fr-FR" smtClean="0"/>
+              <a:rPr lang="fr-FR"/>
               <a:t>Cliquez pour modifier les styles du texte du masque</a:t>
             </a:r>
           </a:p>
@@ -2208,10 +2194,9 @@
           </a:lstStyle>
           <a:p>
             <a:r>
-              <a:rPr lang="fr-FR" smtClean="0"/>
+              <a:rPr lang="fr-FR"/>
               <a:t>Cliquez pour modifier le style du titre</a:t>
             </a:r>
-            <a:endParaRPr lang="fr-FR"/>
           </a:p>
         </p:txBody>
       </p:sp>
@@ -2273,7 +2258,7 @@
           </a:lstStyle>
           <a:p>
             <a:pPr lvl="0"/>
-            <a:endParaRPr lang="fr-FR" noProof="0" smtClean="0"/>
+            <a:endParaRPr lang="fr-FR" noProof="0"/>
           </a:p>
         </p:txBody>
       </p:sp>
@@ -2336,7 +2321,7 @@
           <a:p>
             <a:pPr lvl="0"/>
             <a:r>
-              <a:rPr lang="fr-FR" smtClean="0"/>
+              <a:rPr lang="fr-FR"/>
               <a:t>Cliquez pour modifier les styles du texte du masque</a:t>
             </a:r>
           </a:p>
@@ -2388,10 +2373,9 @@
           <a:lstStyle/>
           <a:p>
             <a:r>
-              <a:rPr lang="fr-FR" smtClean="0"/>
+              <a:rPr lang="fr-FR"/>
               <a:t>Cliquez pour modifier le style du titre</a:t>
             </a:r>
-            <a:endParaRPr lang="fr-FR"/>
           </a:p>
         </p:txBody>
       </p:sp>
@@ -2412,38 +2396,37 @@
           <a:p>
             <a:pPr lvl="0"/>
             <a:r>
-              <a:rPr lang="fr-FR" smtClean="0"/>
+              <a:rPr lang="fr-FR"/>
               <a:t>Cliquez pour modifier les styles du texte du masque</a:t>
             </a:r>
           </a:p>
           <a:p>
             <a:pPr lvl="1"/>
             <a:r>
-              <a:rPr lang="fr-FR" smtClean="0"/>
+              <a:rPr lang="fr-FR"/>
               <a:t>Deuxième niveau</a:t>
             </a:r>
           </a:p>
           <a:p>
             <a:pPr lvl="2"/>
             <a:r>
-              <a:rPr lang="fr-FR" smtClean="0"/>
+              <a:rPr lang="fr-FR"/>
               <a:t>Troisième niveau</a:t>
             </a:r>
           </a:p>
           <a:p>
             <a:pPr lvl="3"/>
             <a:r>
-              <a:rPr lang="fr-FR" smtClean="0"/>
+              <a:rPr lang="fr-FR"/>
               <a:t>Quatrième niveau</a:t>
             </a:r>
           </a:p>
           <a:p>
             <a:pPr lvl="4"/>
             <a:r>
-              <a:rPr lang="fr-FR" smtClean="0"/>
+              <a:rPr lang="fr-FR"/>
               <a:t>Cinquième niveau</a:t>
             </a:r>
-            <a:endParaRPr lang="fr-FR"/>
           </a:p>
         </p:txBody>
       </p:sp>
@@ -2624,7 +2607,7 @@
             <a:pPr eaLnBrk="1" hangingPunct="1">
               <a:defRPr/>
             </a:pPr>
-            <a:endParaRPr lang="fr-FR" altLang="fr-FR" smtClean="0"/>
+            <a:endParaRPr lang="fr-FR" altLang="fr-FR"/>
           </a:p>
         </p:txBody>
       </p:sp>
@@ -2778,7 +2761,7 @@
               <a:defRPr/>
             </a:pPr>
             <a:r>
-              <a:rPr lang="fr-FR" sz="1200" dirty="0" smtClean="0"/>
+              <a:rPr lang="fr-FR" sz="1200" dirty="0"/>
               <a:t>Page </a:t>
             </a:r>
             <a:fld id="{E218E9B1-FD08-4C80-902E-210BA2967D0D}" type="slidenum">
@@ -2791,7 +2774,7 @@
               </a:pPr>
               <a:t>‹N°›</a:t>
             </a:fld>
-            <a:endParaRPr lang="fr-FR" dirty="0" smtClean="0">
+            <a:endParaRPr lang="fr-FR" dirty="0">
               <a:latin typeface="Times New Roman" pitchFamily="18" charset="0"/>
             </a:endParaRPr>
           </a:p>
@@ -2947,10 +2930,10 @@
               <a:defRPr/>
             </a:pPr>
             <a:r>
-              <a:rPr lang="fr-FR" sz="1600" dirty="0" smtClean="0"/>
+              <a:rPr lang="fr-FR" sz="1600" dirty="0"/>
               <a:t>Python</a:t>
             </a:r>
-            <a:endParaRPr lang="fr-FR" dirty="0" smtClean="0">
+            <a:endParaRPr lang="fr-FR" dirty="0">
               <a:latin typeface="Times New Roman" pitchFamily="18" charset="0"/>
             </a:endParaRPr>
           </a:p>
@@ -3008,7 +2991,7 @@
           <a:p>
             <a:pPr lvl="0"/>
             <a:r>
-              <a:rPr lang="fr-FR" altLang="fr-FR" smtClean="0"/>
+              <a:rPr lang="fr-FR" altLang="fr-FR"/>
               <a:t>Cliquez pour modifier le style du titre du masque</a:t>
             </a:r>
           </a:p>
@@ -3066,35 +3049,35 @@
           <a:p>
             <a:pPr lvl="0"/>
             <a:r>
-              <a:rPr lang="fr-FR" altLang="fr-FR" smtClean="0"/>
+              <a:rPr lang="fr-FR" altLang="fr-FR"/>
               <a:t>Cliquez pour modifier les styles du texte du masque</a:t>
             </a:r>
           </a:p>
           <a:p>
             <a:pPr lvl="1"/>
             <a:r>
-              <a:rPr lang="fr-FR" altLang="fr-FR" smtClean="0"/>
+              <a:rPr lang="fr-FR" altLang="fr-FR"/>
               <a:t>Deuxième niveau</a:t>
             </a:r>
           </a:p>
           <a:p>
             <a:pPr lvl="2"/>
             <a:r>
-              <a:rPr lang="fr-FR" altLang="fr-FR" smtClean="0"/>
+              <a:rPr lang="fr-FR" altLang="fr-FR"/>
               <a:t>Troisième niveau</a:t>
             </a:r>
           </a:p>
           <a:p>
             <a:pPr lvl="3"/>
             <a:r>
-              <a:rPr lang="fr-FR" altLang="fr-FR" smtClean="0"/>
+              <a:rPr lang="fr-FR" altLang="fr-FR"/>
               <a:t>Quatrième niveau</a:t>
             </a:r>
           </a:p>
           <a:p>
             <a:pPr lvl="4"/>
             <a:r>
-              <a:rPr lang="fr-FR" altLang="fr-FR" smtClean="0"/>
+              <a:rPr lang="fr-FR" altLang="fr-FR"/>
               <a:t>Cinquième niveau</a:t>
             </a:r>
           </a:p>
@@ -3250,10 +3233,10 @@
               <a:defRPr/>
             </a:pPr>
             <a:r>
-              <a:rPr lang="fr-FR" sz="1200" smtClean="0"/>
+              <a:rPr lang="fr-FR" sz="1200"/>
               <a:t>© Cyril Vincent Conseil</a:t>
             </a:r>
-            <a:endParaRPr lang="fr-FR" smtClean="0">
+            <a:endParaRPr lang="fr-FR">
               <a:latin typeface="Times New Roman" pitchFamily="18" charset="0"/>
             </a:endParaRPr>
           </a:p>
@@ -3735,14 +3718,14 @@
           <a:p>
             <a:pPr eaLnBrk="1" hangingPunct="1"/>
             <a:r>
-              <a:rPr lang="fr-FR" altLang="fr-FR" dirty="0" smtClean="0"/>
+              <a:rPr lang="fr-FR" altLang="fr-FR" dirty="0"/>
               <a:t>Chapitre 7</a:t>
             </a:r>
           </a:p>
           <a:p>
             <a:pPr eaLnBrk="1" hangingPunct="1"/>
             <a:r>
-              <a:rPr lang="fr-FR" altLang="fr-FR" dirty="0" smtClean="0"/>
+              <a:rPr lang="fr-FR" altLang="fr-FR" dirty="0"/>
               <a:t>Machine Learning</a:t>
             </a:r>
           </a:p>
@@ -3795,10 +3778,9 @@
           <a:lstStyle/>
           <a:p>
             <a:r>
-              <a:rPr lang="fr-FR" sz="3600" dirty="0" smtClean="0"/>
+              <a:rPr lang="fr-FR" sz="3600" dirty="0"/>
               <a:t>Data Science</a:t>
             </a:r>
-            <a:endParaRPr lang="fr-FR" sz="3600" dirty="0"/>
           </a:p>
         </p:txBody>
       </p:sp>
@@ -3807,13 +3789,6 @@
   <p:clrMapOvr>
     <a:masterClrMapping/>
   </p:clrMapOvr>
-  <p:timing>
-    <p:tnLst>
-      <p:par>
-        <p:cTn id="1" dur="indefinite" restart="never" nodeType="tmRoot"/>
-      </p:par>
-    </p:tnLst>
-  </p:timing>
 </p:sld>
 </file>
 
@@ -3850,10 +3825,9 @@
           <a:lstStyle/>
           <a:p>
             <a:r>
-              <a:rPr lang="fr-FR" dirty="0" smtClean="0"/>
-              <a:t>Classification</a:t>
-            </a:r>
-            <a:endParaRPr lang="fr-FR" dirty="0"/>
+              <a:rPr lang="fr-FR" dirty="0"/>
+              <a:t>Erreur</a:t>
+            </a:r>
           </a:p>
         </p:txBody>
       </p:sp>
@@ -3874,6 +3848,145 @@
           <a:p>
             <a:r>
               <a:rPr lang="fr-FR" dirty="0"/>
+              <a:t>Un écart type et un taux de confiance peut être calculé</a:t>
+            </a:r>
+          </a:p>
+          <a:p>
+            <a:endParaRPr lang="fr-FR" dirty="0"/>
+          </a:p>
+          <a:p>
+            <a:endParaRPr lang="fr-FR" dirty="0"/>
+          </a:p>
+          <a:p>
+            <a:endParaRPr lang="fr-FR" dirty="0"/>
+          </a:p>
+          <a:p>
+            <a:endParaRPr lang="fr-FR" dirty="0"/>
+          </a:p>
+          <a:p>
+            <a:endParaRPr lang="fr-FR" dirty="0"/>
+          </a:p>
+          <a:p>
+            <a:endParaRPr lang="fr-FR" dirty="0"/>
+          </a:p>
+          <a:p>
+            <a:r>
+              <a:rPr lang="fr-FR" dirty="0"/>
+              <a:t>Exemple : taux de confiance à 90%</a:t>
+            </a:r>
+          </a:p>
+        </p:txBody>
+      </p:sp>
+      <p:pic>
+        <p:nvPicPr>
+          <p:cNvPr id="3074" name="Picture 2" descr="l'intervalle de confiance (à 90%) que les point se trouvent dans cette zone"/>
+          <p:cNvPicPr>
+            <a:picLocks noChangeAspect="1" noChangeArrowheads="1"/>
+          </p:cNvPicPr>
+          <p:nvPr/>
+        </p:nvPicPr>
+        <p:blipFill>
+          <a:blip r:embed="rId2">
+            <a:extLst>
+              <a:ext uri="{28A0092B-C50C-407E-A947-70E740481C1C}">
+                <a14:useLocalDpi xmlns:a14="http://schemas.microsoft.com/office/drawing/2010/main" val="0"/>
+              </a:ext>
+            </a:extLst>
+          </a:blip>
+          <a:srcRect/>
+          <a:stretch>
+            <a:fillRect/>
+          </a:stretch>
+        </p:blipFill>
+        <p:spPr bwMode="auto">
+          <a:xfrm>
+            <a:off x="2195736" y="2276872"/>
+            <a:ext cx="4286250" cy="3000376"/>
+          </a:xfrm>
+          <a:prstGeom prst="rect">
+            <a:avLst/>
+          </a:prstGeom>
+          <a:noFill/>
+          <a:extLst>
+            <a:ext uri="{909E8E84-426E-40DD-AFC4-6F175D3DCCD1}">
+              <a14:hiddenFill xmlns:a14="http://schemas.microsoft.com/office/drawing/2010/main">
+                <a:solidFill>
+                  <a:srgbClr val="FFFFFF"/>
+                </a:solidFill>
+              </a14:hiddenFill>
+            </a:ext>
+          </a:extLst>
+        </p:spPr>
+      </p:pic>
+    </p:spTree>
+    <p:extLst>
+      <p:ext uri="{BB962C8B-B14F-4D97-AF65-F5344CB8AC3E}">
+        <p14:creationId xmlns:p14="http://schemas.microsoft.com/office/powerpoint/2010/main" val="2468921661"/>
+      </p:ext>
+    </p:extLst>
+  </p:cSld>
+  <p:clrMapOvr>
+    <a:masterClrMapping/>
+  </p:clrMapOvr>
+</p:sld>
+</file>
+
+<file path=ppt/slides/slide11.xml><?xml version="1.0" encoding="utf-8"?>
+<p:sld xmlns:a="http://schemas.openxmlformats.org/drawingml/2006/main" xmlns:r="http://schemas.openxmlformats.org/officeDocument/2006/relationships" xmlns:p="http://schemas.openxmlformats.org/presentationml/2006/main">
+  <p:cSld>
+    <p:spTree>
+      <p:nvGrpSpPr>
+        <p:cNvPr id="1" name=""/>
+        <p:cNvGrpSpPr/>
+        <p:nvPr/>
+      </p:nvGrpSpPr>
+      <p:grpSpPr>
+        <a:xfrm>
+          <a:off x="0" y="0"/>
+          <a:ext cx="0" cy="0"/>
+          <a:chOff x="0" y="0"/>
+          <a:chExt cx="0" cy="0"/>
+        </a:xfrm>
+      </p:grpSpPr>
+      <p:sp>
+        <p:nvSpPr>
+          <p:cNvPr id="2" name="Titre 1"/>
+          <p:cNvSpPr>
+            <a:spLocks noGrp="1"/>
+          </p:cNvSpPr>
+          <p:nvPr>
+            <p:ph type="title"/>
+          </p:nvPr>
+        </p:nvSpPr>
+        <p:spPr/>
+        <p:txBody>
+          <a:bodyPr/>
+          <a:lstStyle/>
+          <a:p>
+            <a:r>
+              <a:rPr lang="fr-FR" dirty="0"/>
+              <a:t>Classification</a:t>
+            </a:r>
+          </a:p>
+        </p:txBody>
+      </p:sp>
+      <p:sp>
+        <p:nvSpPr>
+          <p:cNvPr id="3" name="Espace réservé du contenu 2"/>
+          <p:cNvSpPr>
+            <a:spLocks noGrp="1"/>
+          </p:cNvSpPr>
+          <p:nvPr>
+            <p:ph idx="1"/>
+          </p:nvPr>
+        </p:nvSpPr>
+        <p:spPr/>
+        <p:txBody>
+          <a:bodyPr/>
+          <a:lstStyle/>
+          <a:p>
+            <a:r>
+              <a:rPr lang="fr-FR" dirty="0"/>
               <a:t>Une autre distinction qui vous aidera dans le choix d'un algorithme de machine </a:t>
             </a:r>
             <a:r>
@@ -3882,51 +3995,27 @@
             </a:r>
             <a:r>
               <a:rPr lang="fr-FR" dirty="0"/>
-              <a:t> est le type de sortie que l'on attend de notre </a:t>
-            </a:r>
-            <a:r>
-              <a:rPr lang="fr-FR" dirty="0" smtClean="0"/>
-              <a:t>programme</a:t>
+              <a:t> est le type de sortie que l'on attend de notre programme</a:t>
             </a:r>
           </a:p>
           <a:p>
             <a:pPr lvl="1"/>
             <a:r>
-              <a:rPr lang="fr-FR" dirty="0" smtClean="0"/>
-              <a:t>Est-ce </a:t>
-            </a:r>
-            <a:r>
-              <a:rPr lang="fr-FR" dirty="0"/>
-              <a:t>une valeur continue (un </a:t>
-            </a:r>
-            <a:r>
-              <a:rPr lang="fr-FR" dirty="0" smtClean="0"/>
-              <a:t>nombre)</a:t>
+              <a:rPr lang="fr-FR" dirty="0"/>
+              <a:t>Est-ce une valeur continue (un nombre)</a:t>
             </a:r>
           </a:p>
           <a:p>
             <a:pPr lvl="1"/>
             <a:r>
-              <a:rPr lang="fr-FR" dirty="0" smtClean="0"/>
-              <a:t>ou </a:t>
-            </a:r>
-            <a:r>
-              <a:rPr lang="fr-FR" dirty="0"/>
-              <a:t>bien une valeur discrète (une catégorie) </a:t>
-            </a:r>
-            <a:r>
-              <a:rPr lang="fr-FR" dirty="0" smtClean="0"/>
-              <a:t>?</a:t>
-            </a:r>
-          </a:p>
-          <a:p>
-            <a:r>
-              <a:rPr lang="fr-FR" dirty="0" smtClean="0"/>
-              <a:t>Le </a:t>
-            </a:r>
-            <a:r>
-              <a:rPr lang="fr-FR" dirty="0"/>
-              <a:t>premier cas est appelé une régression, le second une classification</a:t>
+              <a:rPr lang="fr-FR" dirty="0"/>
+              <a:t>ou bien une valeur discrète (une catégorie) ?</a:t>
+            </a:r>
+          </a:p>
+          <a:p>
+            <a:r>
+              <a:rPr lang="fr-FR" dirty="0"/>
+              <a:t>Le premier cas est appelé une régression, le second une classification</a:t>
             </a:r>
           </a:p>
         </p:txBody>
@@ -3985,126 +4074,6 @@
 </p:sld>
 </file>
 
-<file path=ppt/slides/slide11.xml><?xml version="1.0" encoding="utf-8"?>
-<p:sld xmlns:a="http://schemas.openxmlformats.org/drawingml/2006/main" xmlns:r="http://schemas.openxmlformats.org/officeDocument/2006/relationships" xmlns:p="http://schemas.openxmlformats.org/presentationml/2006/main">
-  <p:cSld>
-    <p:spTree>
-      <p:nvGrpSpPr>
-        <p:cNvPr id="1" name=""/>
-        <p:cNvGrpSpPr/>
-        <p:nvPr/>
-      </p:nvGrpSpPr>
-      <p:grpSpPr>
-        <a:xfrm>
-          <a:off x="0" y="0"/>
-          <a:ext cx="0" cy="0"/>
-          <a:chOff x="0" y="0"/>
-          <a:chExt cx="0" cy="0"/>
-        </a:xfrm>
-      </p:grpSpPr>
-      <p:sp>
-        <p:nvSpPr>
-          <p:cNvPr id="2" name="Titre 1"/>
-          <p:cNvSpPr>
-            <a:spLocks noGrp="1"/>
-          </p:cNvSpPr>
-          <p:nvPr>
-            <p:ph type="title"/>
-          </p:nvPr>
-        </p:nvSpPr>
-        <p:spPr/>
-        <p:txBody>
-          <a:bodyPr/>
-          <a:lstStyle/>
-          <a:p>
-            <a:r>
-              <a:rPr lang="fr-FR" dirty="0" smtClean="0"/>
-              <a:t>Trouver le bon modèle</a:t>
-            </a:r>
-            <a:endParaRPr lang="fr-FR" dirty="0"/>
-          </a:p>
-        </p:txBody>
-      </p:sp>
-      <p:sp>
-        <p:nvSpPr>
-          <p:cNvPr id="3" name="Espace réservé du contenu 2"/>
-          <p:cNvSpPr>
-            <a:spLocks noGrp="1"/>
-          </p:cNvSpPr>
-          <p:nvPr>
-            <p:ph idx="1"/>
-          </p:nvPr>
-        </p:nvSpPr>
-        <p:spPr/>
-        <p:txBody>
-          <a:bodyPr/>
-          <a:lstStyle/>
-          <a:p>
-            <a:r>
-              <a:rPr lang="fr-FR" dirty="0"/>
-              <a:t>Pour résumer, le travail de modélisation consiste à trouver le bon modèle statistique </a:t>
-            </a:r>
-            <a:r>
-              <a:rPr lang="fr-FR" dirty="0" smtClean="0"/>
-              <a:t>qui </a:t>
-            </a:r>
-            <a:r>
-              <a:rPr lang="fr-FR" dirty="0"/>
-              <a:t>colle le mieux aux données </a:t>
-            </a:r>
-            <a:r>
-              <a:rPr lang="fr-FR" dirty="0" smtClean="0"/>
-              <a:t>d'exemple</a:t>
-            </a:r>
-          </a:p>
-          <a:p>
-            <a:r>
-              <a:rPr lang="fr-FR" dirty="0" smtClean="0"/>
-              <a:t>Le </a:t>
-            </a:r>
-            <a:r>
-              <a:rPr lang="fr-FR" dirty="0"/>
-              <a:t>machine </a:t>
-            </a:r>
-            <a:r>
-              <a:rPr lang="fr-FR" dirty="0" err="1"/>
-              <a:t>learning</a:t>
-            </a:r>
-            <a:r>
-              <a:rPr lang="fr-FR" dirty="0"/>
-              <a:t> en particulier intervient pour trouver ce modèle de manière </a:t>
-            </a:r>
-            <a:r>
-              <a:rPr lang="fr-FR" dirty="0" smtClean="0"/>
-              <a:t>automatisée</a:t>
-            </a:r>
-          </a:p>
-          <a:p>
-            <a:r>
-              <a:rPr lang="fr-FR" dirty="0" smtClean="0"/>
-              <a:t>Problème du quartet d’</a:t>
-            </a:r>
-            <a:r>
-              <a:rPr lang="fr-FR" dirty="0" err="1" smtClean="0"/>
-              <a:t>Ascombe</a:t>
-            </a:r>
-            <a:endParaRPr lang="fr-FR" dirty="0"/>
-          </a:p>
-        </p:txBody>
-      </p:sp>
-    </p:spTree>
-    <p:extLst>
-      <p:ext uri="{BB962C8B-B14F-4D97-AF65-F5344CB8AC3E}">
-        <p14:creationId xmlns:p14="http://schemas.microsoft.com/office/powerpoint/2010/main" val="374821470"/>
-      </p:ext>
-    </p:extLst>
-  </p:cSld>
-  <p:clrMapOvr>
-    <a:masterClrMapping/>
-  </p:clrMapOvr>
-</p:sld>
-</file>
-
 <file path=ppt/slides/slide12.xml><?xml version="1.0" encoding="utf-8"?>
 <p:sld xmlns:a="http://schemas.openxmlformats.org/drawingml/2006/main" xmlns:r="http://schemas.openxmlformats.org/officeDocument/2006/relationships" xmlns:p="http://schemas.openxmlformats.org/presentationml/2006/main">
   <p:cSld>
@@ -4138,14 +4107,9 @@
           <a:lstStyle/>
           <a:p>
             <a:r>
-              <a:rPr lang="fr-FR" dirty="0" smtClean="0"/>
-              <a:t>Quartet d’</a:t>
-            </a:r>
-            <a:r>
-              <a:rPr lang="fr-FR" dirty="0" err="1" smtClean="0"/>
-              <a:t>Ascombe</a:t>
-            </a:r>
-            <a:endParaRPr lang="fr-FR" dirty="0"/>
+              <a:rPr lang="fr-FR" dirty="0"/>
+              <a:t>Trouver le bon modèle</a:t>
+            </a:r>
           </a:p>
         </p:txBody>
       </p:sp>
@@ -4165,17 +4129,120 @@
           <a:lstStyle/>
           <a:p>
             <a:r>
-              <a:rPr lang="fr-FR" dirty="0" smtClean="0"/>
+              <a:rPr lang="fr-FR" dirty="0"/>
+              <a:t>Pour résumer, le travail de modélisation consiste à trouver le bon modèle statistique qui colle le mieux aux données d'exemple</a:t>
+            </a:r>
+          </a:p>
+          <a:p>
+            <a:r>
+              <a:rPr lang="fr-FR" dirty="0"/>
+              <a:t>Le machine </a:t>
+            </a:r>
+            <a:r>
+              <a:rPr lang="fr-FR" dirty="0" err="1"/>
+              <a:t>learning</a:t>
+            </a:r>
+            <a:r>
+              <a:rPr lang="fr-FR" dirty="0"/>
+              <a:t> en particulier intervient pour trouver ce modèle de manière automatisée</a:t>
+            </a:r>
+          </a:p>
+          <a:p>
+            <a:r>
+              <a:rPr lang="fr-FR" dirty="0"/>
+              <a:t>Problème du quartet d’</a:t>
+            </a:r>
+            <a:r>
+              <a:rPr lang="fr-FR" dirty="0" err="1"/>
+              <a:t>Ascombe</a:t>
+            </a:r>
+            <a:endParaRPr lang="fr-FR" dirty="0"/>
+          </a:p>
+        </p:txBody>
+      </p:sp>
+    </p:spTree>
+    <p:extLst>
+      <p:ext uri="{BB962C8B-B14F-4D97-AF65-F5344CB8AC3E}">
+        <p14:creationId xmlns:p14="http://schemas.microsoft.com/office/powerpoint/2010/main" val="374821470"/>
+      </p:ext>
+    </p:extLst>
+  </p:cSld>
+  <p:clrMapOvr>
+    <a:masterClrMapping/>
+  </p:clrMapOvr>
+</p:sld>
+</file>
+
+<file path=ppt/slides/slide13.xml><?xml version="1.0" encoding="utf-8"?>
+<p:sld xmlns:a="http://schemas.openxmlformats.org/drawingml/2006/main" xmlns:r="http://schemas.openxmlformats.org/officeDocument/2006/relationships" xmlns:p="http://schemas.openxmlformats.org/presentationml/2006/main">
+  <p:cSld>
+    <p:spTree>
+      <p:nvGrpSpPr>
+        <p:cNvPr id="1" name=""/>
+        <p:cNvGrpSpPr/>
+        <p:nvPr/>
+      </p:nvGrpSpPr>
+      <p:grpSpPr>
+        <a:xfrm>
+          <a:off x="0" y="0"/>
+          <a:ext cx="0" cy="0"/>
+          <a:chOff x="0" y="0"/>
+          <a:chExt cx="0" cy="0"/>
+        </a:xfrm>
+      </p:grpSpPr>
+      <p:sp>
+        <p:nvSpPr>
+          <p:cNvPr id="2" name="Titre 1"/>
+          <p:cNvSpPr>
+            <a:spLocks noGrp="1"/>
+          </p:cNvSpPr>
+          <p:nvPr>
+            <p:ph type="title"/>
+          </p:nvPr>
+        </p:nvSpPr>
+        <p:spPr/>
+        <p:txBody>
+          <a:bodyPr/>
+          <a:lstStyle/>
+          <a:p>
+            <a:r>
+              <a:rPr lang="fr-FR" dirty="0"/>
+              <a:t>Quartet d’</a:t>
+            </a:r>
+            <a:r>
+              <a:rPr lang="fr-FR" dirty="0" err="1"/>
+              <a:t>Ascombe</a:t>
+            </a:r>
+            <a:endParaRPr lang="fr-FR" dirty="0"/>
+          </a:p>
+        </p:txBody>
+      </p:sp>
+      <p:sp>
+        <p:nvSpPr>
+          <p:cNvPr id="3" name="Espace réservé du contenu 2"/>
+          <p:cNvSpPr>
+            <a:spLocks noGrp="1"/>
+          </p:cNvSpPr>
+          <p:nvPr>
+            <p:ph idx="1"/>
+          </p:nvPr>
+        </p:nvSpPr>
+        <p:spPr/>
+        <p:txBody>
+          <a:bodyPr/>
+          <a:lstStyle/>
+          <a:p>
+            <a:r>
+              <a:rPr lang="fr-FR" dirty="0"/>
               <a:t>Ces 4 modèles possède la même régression linéaire</a:t>
             </a:r>
           </a:p>
           <a:p>
             <a:pPr lvl="1"/>
             <a:r>
-              <a:rPr lang="fr-FR" dirty="0" smtClean="0"/>
+              <a:rPr lang="fr-FR" dirty="0"/>
               <a:t>Trouver les erreurs</a:t>
             </a:r>
-            <a:endParaRPr lang="fr-FR" dirty="0"/>
           </a:p>
         </p:txBody>
       </p:sp>
@@ -4233,7 +4300,7 @@
 </p:sld>
 </file>
 
-<file path=ppt/slides/slide13.xml><?xml version="1.0" encoding="utf-8"?>
+<file path=ppt/slides/slide14.xml><?xml version="1.0" encoding="utf-8"?>
 <p:sld xmlns:a="http://schemas.openxmlformats.org/drawingml/2006/main" xmlns:r="http://schemas.openxmlformats.org/officeDocument/2006/relationships" xmlns:p="http://schemas.openxmlformats.org/presentationml/2006/main">
   <p:cSld>
     <p:spTree>
@@ -4266,10 +4333,9 @@
           <a:lstStyle/>
           <a:p>
             <a:r>
-              <a:rPr lang="fr-FR" dirty="0" smtClean="0"/>
+              <a:rPr lang="fr-FR" dirty="0"/>
               <a:t>La régression n’est pas tous les temps linéaire</a:t>
             </a:r>
-            <a:endParaRPr lang="fr-FR" dirty="0"/>
           </a:p>
         </p:txBody>
       </p:sp>
@@ -4289,10 +4355,9 @@
           <a:lstStyle/>
           <a:p>
             <a:r>
-              <a:rPr lang="fr-FR" dirty="0" smtClean="0"/>
+              <a:rPr lang="fr-FR" dirty="0"/>
               <a:t>Dans cette exemple il est impossible de faire filer une droite</a:t>
             </a:r>
-            <a:endParaRPr lang="fr-FR" dirty="0"/>
           </a:p>
         </p:txBody>
       </p:sp>
@@ -4350,7 +4415,7 @@
 </p:sld>
 </file>
 
-<file path=ppt/slides/slide14.xml><?xml version="1.0" encoding="utf-8"?>
+<file path=ppt/slides/slide15.xml><?xml version="1.0" encoding="utf-8"?>
 <p:sld xmlns:a="http://schemas.openxmlformats.org/drawingml/2006/main" xmlns:r="http://schemas.openxmlformats.org/officeDocument/2006/relationships" xmlns:p="http://schemas.openxmlformats.org/presentationml/2006/main">
   <p:cSld>
     <p:spTree>
@@ -4383,10 +4448,9 @@
           <a:lstStyle/>
           <a:p>
             <a:r>
-              <a:rPr lang="fr-FR" dirty="0" smtClean="0"/>
+              <a:rPr lang="fr-FR" dirty="0"/>
               <a:t>Les différents types de régression</a:t>
             </a:r>
-            <a:endParaRPr lang="fr-FR" dirty="0"/>
           </a:p>
         </p:txBody>
       </p:sp>
@@ -4406,7 +4470,7 @@
           <a:lstStyle/>
           <a:p>
             <a:r>
-              <a:rPr lang="fr-FR" dirty="0" smtClean="0"/>
+              <a:rPr lang="fr-FR" dirty="0"/>
               <a:t>Linéaire</a:t>
             </a:r>
           </a:p>
@@ -4414,32 +4478,27 @@
             <a:pPr lvl="1"/>
             <a:r>
               <a:rPr lang="fr-FR" dirty="0"/>
-              <a:t>f</a:t>
-            </a:r>
-            <a:r>
-              <a:rPr lang="fr-FR" dirty="0" smtClean="0"/>
-              <a:t> = </a:t>
-            </a:r>
-            <a:r>
-              <a:rPr lang="fr-FR" dirty="0" err="1" smtClean="0"/>
+              <a:t>f = </a:t>
+            </a:r>
+            <a:r>
+              <a:rPr lang="fr-FR" dirty="0" err="1"/>
               <a:t>ax</a:t>
             </a:r>
             <a:r>
-              <a:rPr lang="fr-FR" dirty="0" smtClean="0"/>
+              <a:rPr lang="fr-FR" dirty="0"/>
               <a:t>  + b</a:t>
             </a:r>
           </a:p>
           <a:p>
             <a:pPr lvl="1"/>
             <a:r>
-              <a:rPr lang="fr-FR" dirty="0" smtClean="0"/>
+              <a:rPr lang="fr-FR" dirty="0"/>
               <a:t>Moyenne est un cas particulier : f = mx</a:t>
             </a:r>
-            <a:endParaRPr lang="fr-FR" dirty="0"/>
-          </a:p>
-          <a:p>
-            <a:r>
-              <a:rPr lang="fr-FR" dirty="0" smtClean="0"/>
+          </a:p>
+          <a:p>
+            <a:r>
+              <a:rPr lang="fr-FR" dirty="0"/>
               <a:t>Second degré (binomiale)</a:t>
             </a:r>
           </a:p>
@@ -4447,32 +4506,28 @@
             <a:pPr lvl="1"/>
             <a:r>
               <a:rPr lang="fr-FR" dirty="0"/>
-              <a:t>f</a:t>
-            </a:r>
-            <a:r>
-              <a:rPr lang="fr-FR" dirty="0" smtClean="0"/>
-              <a:t> = ax² + </a:t>
-            </a:r>
-            <a:r>
-              <a:rPr lang="fr-FR" dirty="0" err="1" smtClean="0"/>
+              <a:t>f = ax² + </a:t>
+            </a:r>
+            <a:r>
+              <a:rPr lang="fr-FR" dirty="0" err="1"/>
               <a:t>bx</a:t>
             </a:r>
             <a:r>
-              <a:rPr lang="fr-FR" dirty="0" smtClean="0"/>
+              <a:rPr lang="fr-FR" dirty="0"/>
               <a:t> + c</a:t>
             </a:r>
           </a:p>
           <a:p>
             <a:r>
-              <a:rPr lang="fr-FR" dirty="0" smtClean="0"/>
+              <a:rPr lang="fr-FR" dirty="0"/>
               <a:t>Troisième degré (</a:t>
             </a:r>
             <a:r>
-              <a:rPr lang="fr-FR" dirty="0" err="1" smtClean="0"/>
+              <a:rPr lang="fr-FR" dirty="0" err="1"/>
               <a:t>trinomiale</a:t>
             </a:r>
             <a:r>
-              <a:rPr lang="fr-FR" dirty="0" smtClean="0"/>
+              <a:rPr lang="fr-FR" dirty="0"/>
               <a:t>)</a:t>
             </a:r>
           </a:p>
@@ -4480,11 +4535,7 @@
             <a:pPr lvl="1"/>
             <a:r>
               <a:rPr lang="fr-FR" dirty="0"/>
-              <a:t>f</a:t>
-            </a:r>
-            <a:r>
-              <a:rPr lang="fr-FR" dirty="0" smtClean="0"/>
-              <a:t> = ax3 + bx² + cx + d</a:t>
+              <a:t>f = ax3 + bx² + cx + d</a:t>
             </a:r>
           </a:p>
         </p:txBody>
@@ -4550,7 +4601,7 @@
 </p:sld>
 </file>
 
-<file path=ppt/slides/slide15.xml><?xml version="1.0" encoding="utf-8"?>
+<file path=ppt/slides/slide16.xml><?xml version="1.0" encoding="utf-8"?>
 <p:sld xmlns:a="http://schemas.openxmlformats.org/drawingml/2006/main" xmlns:r="http://schemas.openxmlformats.org/officeDocument/2006/relationships" xmlns:p="http://schemas.openxmlformats.org/presentationml/2006/main">
   <p:cSld>
     <p:spTree>
@@ -4583,10 +4634,9 @@
           <a:lstStyle/>
           <a:p>
             <a:r>
-              <a:rPr lang="fr-FR" dirty="0" smtClean="0"/>
+              <a:rPr lang="fr-FR" dirty="0"/>
               <a:t>Les différents types de régression</a:t>
             </a:r>
-            <a:endParaRPr lang="fr-FR" dirty="0"/>
           </a:p>
         </p:txBody>
       </p:sp>
@@ -4606,7 +4656,7 @@
           <a:lstStyle/>
           <a:p>
             <a:r>
-              <a:rPr lang="fr-FR" dirty="0" smtClean="0"/>
+              <a:rPr lang="fr-FR" dirty="0"/>
               <a:t>Polynomiale</a:t>
             </a:r>
           </a:p>
@@ -4614,21 +4664,17 @@
             <a:pPr lvl="1"/>
             <a:r>
               <a:rPr lang="fr-FR" dirty="0"/>
-              <a:t>f</a:t>
-            </a:r>
-            <a:r>
-              <a:rPr lang="fr-FR" dirty="0" smtClean="0"/>
-              <a:t> = </a:t>
-            </a:r>
-            <a:r>
-              <a:rPr lang="fr-FR" dirty="0" err="1" smtClean="0"/>
+              <a:t>f = </a:t>
+            </a:r>
+            <a:r>
+              <a:rPr lang="fr-FR" dirty="0" err="1"/>
               <a:t>polynome</a:t>
             </a:r>
-            <a:endParaRPr lang="fr-FR" dirty="0" smtClean="0"/>
-          </a:p>
-          <a:p>
-            <a:r>
-              <a:rPr lang="fr-FR" dirty="0" smtClean="0"/>
+            <a:endParaRPr lang="fr-FR" dirty="0"/>
+          </a:p>
+          <a:p>
+            <a:r>
+              <a:rPr lang="fr-FR" dirty="0"/>
               <a:t>Exponentielle</a:t>
             </a:r>
           </a:p>
@@ -4636,24 +4682,20 @@
             <a:pPr lvl="1"/>
             <a:r>
               <a:rPr lang="fr-FR" dirty="0"/>
-              <a:t>f</a:t>
-            </a:r>
-            <a:r>
-              <a:rPr lang="fr-FR" dirty="0" smtClean="0"/>
-              <a:t> = </a:t>
-            </a:r>
-            <a:r>
-              <a:rPr lang="fr-FR" dirty="0" err="1" smtClean="0"/>
+              <a:t>f = </a:t>
+            </a:r>
+            <a:r>
+              <a:rPr lang="fr-FR" dirty="0" err="1"/>
               <a:t>exp</a:t>
             </a:r>
             <a:r>
-              <a:rPr lang="fr-FR" dirty="0" smtClean="0"/>
+              <a:rPr lang="fr-FR" dirty="0"/>
               <a:t>(x)</a:t>
             </a:r>
           </a:p>
           <a:p>
             <a:r>
-              <a:rPr lang="fr-FR" dirty="0" smtClean="0"/>
+              <a:rPr lang="fr-FR" dirty="0"/>
               <a:t>Logarithmique</a:t>
             </a:r>
           </a:p>
@@ -4661,23 +4703,19 @@
             <a:pPr lvl="1"/>
             <a:r>
               <a:rPr lang="fr-FR" dirty="0"/>
-              <a:t>f</a:t>
-            </a:r>
-            <a:r>
-              <a:rPr lang="fr-FR" dirty="0" smtClean="0"/>
-              <a:t> = log(x)</a:t>
-            </a:r>
-          </a:p>
-          <a:p>
-            <a:r>
-              <a:rPr lang="fr-FR" dirty="0" smtClean="0"/>
+              <a:t>f = log(x)</a:t>
+            </a:r>
+          </a:p>
+          <a:p>
+            <a:r>
+              <a:rPr lang="fr-FR" dirty="0"/>
               <a:t>Asymptotique</a:t>
             </a:r>
           </a:p>
           <a:p>
             <a:pPr lvl="1"/>
             <a:r>
-              <a:rPr lang="fr-FR" dirty="0" smtClean="0"/>
+              <a:rPr lang="fr-FR" dirty="0"/>
               <a:t>F = 1/x</a:t>
             </a:r>
           </a:p>
@@ -4720,7 +4758,7 @@
 </p:sld>
 </file>
 
-<file path=ppt/slides/slide16.xml><?xml version="1.0" encoding="utf-8"?>
+<file path=ppt/slides/slide17.xml><?xml version="1.0" encoding="utf-8"?>
 <p:sld xmlns:a="http://schemas.openxmlformats.org/drawingml/2006/main" xmlns:r="http://schemas.openxmlformats.org/officeDocument/2006/relationships" xmlns:p="http://schemas.openxmlformats.org/presentationml/2006/main">
   <p:cSld>
     <p:spTree>
@@ -4753,10 +4791,9 @@
           <a:lstStyle/>
           <a:p>
             <a:r>
-              <a:rPr lang="fr-FR" dirty="0" smtClean="0"/>
+              <a:rPr lang="fr-FR" dirty="0"/>
               <a:t>Les différents types de régression</a:t>
             </a:r>
-            <a:endParaRPr lang="fr-FR" dirty="0"/>
           </a:p>
         </p:txBody>
       </p:sp>
@@ -4776,29 +4813,25 @@
           <a:lstStyle/>
           <a:p>
             <a:r>
-              <a:rPr lang="fr-FR" dirty="0" err="1" smtClean="0"/>
+              <a:rPr lang="fr-FR" dirty="0" err="1"/>
               <a:t>Sinusoidale</a:t>
             </a:r>
-            <a:endParaRPr lang="fr-FR" dirty="0" smtClean="0"/>
+            <a:endParaRPr lang="fr-FR" dirty="0"/>
           </a:p>
           <a:p>
             <a:pPr lvl="1"/>
             <a:r>
               <a:rPr lang="fr-FR" dirty="0"/>
-              <a:t>f</a:t>
-            </a:r>
-            <a:r>
-              <a:rPr lang="fr-FR" dirty="0" smtClean="0"/>
-              <a:t> = a sin(x / b)</a:t>
-            </a:r>
-          </a:p>
-          <a:p>
-            <a:r>
-              <a:rPr lang="fr-FR" dirty="0" err="1" smtClean="0"/>
+              <a:t>f = a sin(x / b)</a:t>
+            </a:r>
+          </a:p>
+          <a:p>
+            <a:r>
+              <a:rPr lang="fr-FR" dirty="0" err="1"/>
               <a:t>Sinusoidale</a:t>
             </a:r>
             <a:r>
-              <a:rPr lang="fr-FR" dirty="0" smtClean="0"/>
+              <a:rPr lang="fr-FR" dirty="0"/>
               <a:t> amortie</a:t>
             </a:r>
           </a:p>
@@ -4809,17 +4842,17 @@
               <a:t>f = a sin(x / b) </a:t>
             </a:r>
             <a:r>
-              <a:rPr lang="fr-FR" dirty="0" err="1" smtClean="0"/>
+              <a:rPr lang="fr-FR" dirty="0" err="1"/>
               <a:t>exp</a:t>
             </a:r>
             <a:r>
-              <a:rPr lang="fr-FR" dirty="0" smtClean="0"/>
+              <a:rPr lang="fr-FR" dirty="0"/>
               <a:t>(-x / c)</a:t>
             </a:r>
           </a:p>
           <a:p>
             <a:pPr lvl="1"/>
-            <a:endParaRPr lang="fr-FR" dirty="0" smtClean="0"/>
+            <a:endParaRPr lang="fr-FR" dirty="0"/>
           </a:p>
         </p:txBody>
       </p:sp>
@@ -4884,7 +4917,7 @@
 </p:sld>
 </file>
 
-<file path=ppt/slides/slide17.xml><?xml version="1.0" encoding="utf-8"?>
+<file path=ppt/slides/slide18.xml><?xml version="1.0" encoding="utf-8"?>
 <p:sld xmlns:a="http://schemas.openxmlformats.org/drawingml/2006/main" xmlns:r="http://schemas.openxmlformats.org/officeDocument/2006/relationships" xmlns:p="http://schemas.openxmlformats.org/presentationml/2006/main">
   <p:cSld>
     <p:spTree>
@@ -4917,10 +4950,9 @@
           <a:lstStyle/>
           <a:p>
             <a:r>
-              <a:rPr lang="fr-FR" dirty="0" smtClean="0"/>
+              <a:rPr lang="fr-FR" dirty="0"/>
               <a:t>Machine Learning</a:t>
             </a:r>
-            <a:endParaRPr lang="fr-FR" dirty="0"/>
           </a:p>
         </p:txBody>
       </p:sp>
@@ -4980,7 +5012,7 @@
 </p:sld>
 </file>
 
-<file path=ppt/slides/slide18.xml><?xml version="1.0" encoding="utf-8"?>
+<file path=ppt/slides/slide19.xml><?xml version="1.0" encoding="utf-8"?>
 <p:sld xmlns:a="http://schemas.openxmlformats.org/drawingml/2006/main" xmlns:r="http://schemas.openxmlformats.org/officeDocument/2006/relationships" xmlns:p="http://schemas.openxmlformats.org/presentationml/2006/main">
   <p:cSld>
     <p:spTree>
@@ -5013,10 +5045,9 @@
           <a:lstStyle/>
           <a:p>
             <a:r>
-              <a:rPr lang="fr-FR" dirty="0" smtClean="0"/>
+              <a:rPr lang="fr-FR" dirty="0"/>
               <a:t>Filtrage</a:t>
             </a:r>
-            <a:endParaRPr lang="fr-FR" dirty="0"/>
           </a:p>
         </p:txBody>
       </p:sp>
@@ -5036,22 +5067,21 @@
           <a:lstStyle/>
           <a:p>
             <a:r>
-              <a:rPr lang="fr-FR" dirty="0" smtClean="0"/>
+              <a:rPr lang="fr-FR" dirty="0"/>
               <a:t>Il faut pouvoir enlever les données aberrante</a:t>
             </a:r>
           </a:p>
           <a:p>
             <a:r>
-              <a:rPr lang="fr-FR" dirty="0" smtClean="0"/>
+              <a:rPr lang="fr-FR" dirty="0"/>
               <a:t>Ou les données non significatives</a:t>
             </a:r>
           </a:p>
           <a:p>
             <a:r>
-              <a:rPr lang="fr-FR" dirty="0" smtClean="0"/>
+              <a:rPr lang="fr-FR" dirty="0"/>
               <a:t>Ou les données trop en dehors de l’écart type</a:t>
             </a:r>
-            <a:endParaRPr lang="fr-FR" dirty="0"/>
           </a:p>
         </p:txBody>
       </p:sp>
@@ -5109,7 +5139,7 @@
 </p:sld>
 </file>
 
-<file path=ppt/slides/slide19.xml><?xml version="1.0" encoding="utf-8"?>
+<file path=ppt/slides/slide2.xml><?xml version="1.0" encoding="utf-8"?>
 <p:sld xmlns:a="http://schemas.openxmlformats.org/drawingml/2006/main" xmlns:r="http://schemas.openxmlformats.org/officeDocument/2006/relationships" xmlns:p="http://schemas.openxmlformats.org/presentationml/2006/main">
   <p:cSld>
     <p:spTree>
@@ -5128,7 +5158,13 @@
       </p:grpSpPr>
       <p:sp>
         <p:nvSpPr>
-          <p:cNvPr id="2" name="Titre 1"/>
+          <p:cNvPr id="2" name="Titre 1">
+            <a:extLst>
+              <a:ext uri="{FF2B5EF4-FFF2-40B4-BE49-F238E27FC236}">
+                <a16:creationId xmlns:a16="http://schemas.microsoft.com/office/drawing/2014/main" id="{9B42ED8F-11AB-C149-14DE-0ECEEA2E5B23}"/>
+              </a:ext>
+            </a:extLst>
+          </p:cNvPr>
           <p:cNvSpPr>
             <a:spLocks noGrp="1"/>
           </p:cNvSpPr>
@@ -5141,17 +5177,19 @@
           <a:bodyPr/>
           <a:lstStyle/>
           <a:p>
-            <a:r>
-              <a:rPr lang="fr-FR" dirty="0" smtClean="0"/>
-              <a:t>Ecart type</a:t>
-            </a:r>
-            <a:endParaRPr lang="fr-FR" dirty="0"/>
-          </a:p>
-        </p:txBody>
-      </p:sp>
-      <p:sp>
-        <p:nvSpPr>
-          <p:cNvPr id="3" name="Espace réservé du contenu 2"/>
+            <a:endParaRPr lang="fr-FR"/>
+          </a:p>
+        </p:txBody>
+      </p:sp>
+      <p:sp>
+        <p:nvSpPr>
+          <p:cNvPr id="3" name="Espace réservé du contenu 2">
+            <a:extLst>
+              <a:ext uri="{FF2B5EF4-FFF2-40B4-BE49-F238E27FC236}">
+                <a16:creationId xmlns:a16="http://schemas.microsoft.com/office/drawing/2014/main" id="{A164126B-6D65-4283-A1F1-8A8BB03CBF63}"/>
+              </a:ext>
+            </a:extLst>
+          </p:cNvPr>
           <p:cNvSpPr>
             <a:spLocks noGrp="1"/>
           </p:cNvSpPr>
@@ -5164,38 +5202,155 @@
           <a:bodyPr/>
           <a:lstStyle/>
           <a:p>
-            <a:r>
-              <a:rPr lang="fr-FR" dirty="0" smtClean="0"/>
+            <a:endParaRPr lang="fr-FR"/>
+          </a:p>
+        </p:txBody>
+      </p:sp>
+      <p:pic>
+        <p:nvPicPr>
+          <p:cNvPr id="1026" name="Picture 2" descr="1_hfyjxxcfingbcyzcgksaiq">
+            <a:extLst>
+              <a:ext uri="{FF2B5EF4-FFF2-40B4-BE49-F238E27FC236}">
+                <a16:creationId xmlns:a16="http://schemas.microsoft.com/office/drawing/2014/main" id="{0248DE54-DD5F-56BD-F121-1923D3F5964A}"/>
+              </a:ext>
+            </a:extLst>
+          </p:cNvPr>
+          <p:cNvPicPr>
+            <a:picLocks noChangeAspect="1" noChangeArrowheads="1"/>
+          </p:cNvPicPr>
+          <p:nvPr/>
+        </p:nvPicPr>
+        <p:blipFill>
+          <a:blip r:embed="rId2">
+            <a:extLst>
+              <a:ext uri="{28A0092B-C50C-407E-A947-70E740481C1C}">
+                <a14:useLocalDpi xmlns:a14="http://schemas.microsoft.com/office/drawing/2010/main" val="0"/>
+              </a:ext>
+            </a:extLst>
+          </a:blip>
+          <a:srcRect/>
+          <a:stretch>
+            <a:fillRect/>
+          </a:stretch>
+        </p:blipFill>
+        <p:spPr bwMode="auto">
+          <a:xfrm>
+            <a:off x="25648" y="1156208"/>
+            <a:ext cx="9123224" cy="5225119"/>
+          </a:xfrm>
+          <a:prstGeom prst="rect">
+            <a:avLst/>
+          </a:prstGeom>
+          <a:noFill/>
+          <a:extLst>
+            <a:ext uri="{909E8E84-426E-40DD-AFC4-6F175D3DCCD1}">
+              <a14:hiddenFill xmlns:a14="http://schemas.microsoft.com/office/drawing/2010/main">
+                <a:solidFill>
+                  <a:srgbClr val="FFFFFF"/>
+                </a:solidFill>
+              </a14:hiddenFill>
+            </a:ext>
+          </a:extLst>
+        </p:spPr>
+      </p:pic>
+    </p:spTree>
+    <p:extLst>
+      <p:ext uri="{BB962C8B-B14F-4D97-AF65-F5344CB8AC3E}">
+        <p14:creationId xmlns:p14="http://schemas.microsoft.com/office/powerpoint/2010/main" val="340138480"/>
+      </p:ext>
+    </p:extLst>
+  </p:cSld>
+  <p:clrMapOvr>
+    <a:masterClrMapping/>
+  </p:clrMapOvr>
+</p:sld>
+</file>
+
+<file path=ppt/slides/slide20.xml><?xml version="1.0" encoding="utf-8"?>
+<p:sld xmlns:a="http://schemas.openxmlformats.org/drawingml/2006/main" xmlns:r="http://schemas.openxmlformats.org/officeDocument/2006/relationships" xmlns:p="http://schemas.openxmlformats.org/presentationml/2006/main">
+  <p:cSld>
+    <p:spTree>
+      <p:nvGrpSpPr>
+        <p:cNvPr id="1" name=""/>
+        <p:cNvGrpSpPr/>
+        <p:nvPr/>
+      </p:nvGrpSpPr>
+      <p:grpSpPr>
+        <a:xfrm>
+          <a:off x="0" y="0"/>
+          <a:ext cx="0" cy="0"/>
+          <a:chOff x="0" y="0"/>
+          <a:chExt cx="0" cy="0"/>
+        </a:xfrm>
+      </p:grpSpPr>
+      <p:sp>
+        <p:nvSpPr>
+          <p:cNvPr id="2" name="Titre 1"/>
+          <p:cNvSpPr>
+            <a:spLocks noGrp="1"/>
+          </p:cNvSpPr>
+          <p:nvPr>
+            <p:ph type="title"/>
+          </p:nvPr>
+        </p:nvSpPr>
+        <p:spPr/>
+        <p:txBody>
+          <a:bodyPr/>
+          <a:lstStyle/>
+          <a:p>
+            <a:r>
+              <a:rPr lang="fr-FR" dirty="0"/>
+              <a:t>Ecart type</a:t>
+            </a:r>
+          </a:p>
+        </p:txBody>
+      </p:sp>
+      <p:sp>
+        <p:nvSpPr>
+          <p:cNvPr id="3" name="Espace réservé du contenu 2"/>
+          <p:cNvSpPr>
+            <a:spLocks noGrp="1"/>
+          </p:cNvSpPr>
+          <p:nvPr>
+            <p:ph idx="1"/>
+          </p:nvPr>
+        </p:nvSpPr>
+        <p:spPr/>
+        <p:txBody>
+          <a:bodyPr/>
+          <a:lstStyle/>
+          <a:p>
+            <a:r>
+              <a:rPr lang="fr-FR" dirty="0"/>
               <a:t>Mesure la dispersion des variables</a:t>
             </a:r>
           </a:p>
           <a:p>
             <a:pPr lvl="1"/>
             <a:r>
-              <a:rPr lang="fr-FR" dirty="0" smtClean="0"/>
+              <a:rPr lang="fr-FR" dirty="0"/>
               <a:t>Racine carrée de la variance</a:t>
             </a:r>
           </a:p>
           <a:p>
             <a:pPr lvl="1"/>
             <a:r>
-              <a:rPr lang="fr-FR" dirty="0" smtClean="0"/>
+              <a:rPr lang="fr-FR" dirty="0"/>
               <a:t>Moyenne est écarts par rapport à une moyenne</a:t>
             </a:r>
           </a:p>
           <a:p>
             <a:pPr lvl="1"/>
             <a:r>
-              <a:rPr lang="fr-FR" dirty="0" smtClean="0"/>
+              <a:rPr lang="fr-FR" dirty="0"/>
               <a:t>Souvent noté sigma</a:t>
             </a:r>
           </a:p>
           <a:p>
             <a:r>
-              <a:rPr lang="fr-FR" dirty="0" smtClean="0"/>
+              <a:rPr lang="fr-FR" dirty="0"/>
               <a:t>Voici 2 échantillons avec la même moyenne mais des écarts types différents</a:t>
             </a:r>
-            <a:endParaRPr lang="fr-FR" dirty="0"/>
           </a:p>
         </p:txBody>
       </p:sp>
@@ -5253,7 +5408,7 @@
 </p:sld>
 </file>
 
-<file path=ppt/slides/slide2.xml><?xml version="1.0" encoding="utf-8"?>
+<file path=ppt/slides/slide21.xml><?xml version="1.0" encoding="utf-8"?>
 <p:sld xmlns:a="http://schemas.openxmlformats.org/drawingml/2006/main" xmlns:r="http://schemas.openxmlformats.org/officeDocument/2006/relationships" xmlns:p="http://schemas.openxmlformats.org/presentationml/2006/main">
   <p:cSld>
     <p:spTree>
@@ -5286,10 +5441,998 @@
           <a:lstStyle/>
           <a:p>
             <a:r>
-              <a:rPr lang="fr-FR" dirty="0" smtClean="0"/>
+              <a:rPr lang="fr-FR" dirty="0"/>
+              <a:t>Loi normale</a:t>
+            </a:r>
+          </a:p>
+        </p:txBody>
+      </p:sp>
+      <p:sp>
+        <p:nvSpPr>
+          <p:cNvPr id="3" name="Espace réservé du contenu 2"/>
+          <p:cNvSpPr>
+            <a:spLocks noGrp="1"/>
+          </p:cNvSpPr>
+          <p:nvPr>
+            <p:ph idx="1"/>
+          </p:nvPr>
+        </p:nvSpPr>
+        <p:spPr/>
+        <p:txBody>
+          <a:bodyPr/>
+          <a:lstStyle/>
+          <a:p>
+            <a:r>
+              <a:rPr lang="fr-FR" dirty="0"/>
+              <a:t>Il est fréquent de considérer que les valeurs se répartissent selon une courbe de Gauss</a:t>
+            </a:r>
+          </a:p>
+          <a:p>
+            <a:pPr lvl="1"/>
+            <a:r>
+              <a:rPr lang="fr-FR" dirty="0"/>
+              <a:t>Dans le cas des sciences sociales, par exemple, la moyenne et l'écart type permettent de déterminer un intervalle dans lequel on trouve une majorité de la population</a:t>
+            </a:r>
+          </a:p>
+          <a:p>
+            <a:pPr lvl="1"/>
+            <a:endParaRPr lang="fr-FR" dirty="0"/>
+          </a:p>
+        </p:txBody>
+      </p:sp>
+      <p:pic>
+        <p:nvPicPr>
+          <p:cNvPr id="4098" name="Picture 2" descr="https://upload.wikimedia.org/wikipedia/commons/thumb/8/8c/Standard_deviation_diagram.svg/400px-Standard_deviation_diagram.svg.png"/>
+          <p:cNvPicPr>
+            <a:picLocks noChangeAspect="1" noChangeArrowheads="1"/>
+          </p:cNvPicPr>
+          <p:nvPr/>
+        </p:nvPicPr>
+        <p:blipFill>
+          <a:blip r:embed="rId2">
+            <a:extLst>
+              <a:ext uri="{28A0092B-C50C-407E-A947-70E740481C1C}">
+                <a14:useLocalDpi xmlns:a14="http://schemas.microsoft.com/office/drawing/2010/main" val="0"/>
+              </a:ext>
+            </a:extLst>
+          </a:blip>
+          <a:srcRect/>
+          <a:stretch>
+            <a:fillRect/>
+          </a:stretch>
+        </p:blipFill>
+        <p:spPr bwMode="auto">
+          <a:xfrm>
+            <a:off x="2339752" y="4221088"/>
+            <a:ext cx="3810000" cy="1905000"/>
+          </a:xfrm>
+          <a:prstGeom prst="rect">
+            <a:avLst/>
+          </a:prstGeom>
+          <a:noFill/>
+          <a:extLst>
+            <a:ext uri="{909E8E84-426E-40DD-AFC4-6F175D3DCCD1}">
+              <a14:hiddenFill xmlns:a14="http://schemas.microsoft.com/office/drawing/2010/main">
+                <a:solidFill>
+                  <a:srgbClr val="FFFFFF"/>
+                </a:solidFill>
+              </a14:hiddenFill>
+            </a:ext>
+          </a:extLst>
+        </p:spPr>
+      </p:pic>
+    </p:spTree>
+    <p:extLst>
+      <p:ext uri="{BB962C8B-B14F-4D97-AF65-F5344CB8AC3E}">
+        <p14:creationId xmlns:p14="http://schemas.microsoft.com/office/powerpoint/2010/main" val="2677704954"/>
+      </p:ext>
+    </p:extLst>
+  </p:cSld>
+  <p:clrMapOvr>
+    <a:masterClrMapping/>
+  </p:clrMapOvr>
+</p:sld>
+</file>
+
+<file path=ppt/slides/slide22.xml><?xml version="1.0" encoding="utf-8"?>
+<p:sld xmlns:a="http://schemas.openxmlformats.org/drawingml/2006/main" xmlns:r="http://schemas.openxmlformats.org/officeDocument/2006/relationships" xmlns:p="http://schemas.openxmlformats.org/presentationml/2006/main">
+  <p:cSld>
+    <p:spTree>
+      <p:nvGrpSpPr>
+        <p:cNvPr id="1" name=""/>
+        <p:cNvGrpSpPr/>
+        <p:nvPr/>
+      </p:nvGrpSpPr>
+      <p:grpSpPr>
+        <a:xfrm>
+          <a:off x="0" y="0"/>
+          <a:ext cx="0" cy="0"/>
+          <a:chOff x="0" y="0"/>
+          <a:chExt cx="0" cy="0"/>
+        </a:xfrm>
+      </p:grpSpPr>
+      <p:sp>
+        <p:nvSpPr>
+          <p:cNvPr id="2" name="Titre 1"/>
+          <p:cNvSpPr>
+            <a:spLocks noGrp="1"/>
+          </p:cNvSpPr>
+          <p:nvPr>
+            <p:ph type="title"/>
+          </p:nvPr>
+        </p:nvSpPr>
+        <p:spPr/>
+        <p:txBody>
+          <a:bodyPr/>
+          <a:lstStyle/>
+          <a:p>
+            <a:r>
+              <a:rPr lang="fr-FR" dirty="0"/>
+              <a:t>Loi normale</a:t>
+            </a:r>
+          </a:p>
+        </p:txBody>
+      </p:sp>
+      <p:sp>
+        <p:nvSpPr>
+          <p:cNvPr id="3" name="Espace réservé du contenu 2"/>
+          <p:cNvSpPr>
+            <a:spLocks noGrp="1"/>
+          </p:cNvSpPr>
+          <p:nvPr>
+            <p:ph idx="1"/>
+          </p:nvPr>
+        </p:nvSpPr>
+        <p:spPr/>
+        <p:txBody>
+          <a:bodyPr/>
+          <a:lstStyle/>
+          <a:p>
+            <a:r>
+              <a:rPr lang="fr-FR" dirty="0"/>
+              <a:t>Avec le calcul de la distribution des données il est possible de filtrer les données trop éloignée de la loi normale</a:t>
+            </a:r>
+          </a:p>
+          <a:p>
+            <a:pPr lvl="1"/>
+            <a:r>
+              <a:rPr lang="fr-FR" dirty="0"/>
+              <a:t>Possibilité de filtrer les données &gt; 3 * Sigma</a:t>
+            </a:r>
+          </a:p>
+          <a:p>
+            <a:r>
+              <a:rPr lang="fr-FR" dirty="0"/>
+              <a:t>Possibilité de calculer la médiane, quartile, décile, centile</a:t>
+            </a:r>
+          </a:p>
+          <a:p>
+            <a:pPr lvl="1"/>
+            <a:endParaRPr lang="fr-FR" dirty="0"/>
+          </a:p>
+        </p:txBody>
+      </p:sp>
+    </p:spTree>
+    <p:extLst>
+      <p:ext uri="{BB962C8B-B14F-4D97-AF65-F5344CB8AC3E}">
+        <p14:creationId xmlns:p14="http://schemas.microsoft.com/office/powerpoint/2010/main" val="2894000027"/>
+      </p:ext>
+    </p:extLst>
+  </p:cSld>
+  <p:clrMapOvr>
+    <a:masterClrMapping/>
+  </p:clrMapOvr>
+</p:sld>
+</file>
+
+<file path=ppt/slides/slide23.xml><?xml version="1.0" encoding="utf-8"?>
+<p:sld xmlns:a="http://schemas.openxmlformats.org/drawingml/2006/main" xmlns:r="http://schemas.openxmlformats.org/officeDocument/2006/relationships" xmlns:p="http://schemas.openxmlformats.org/presentationml/2006/main">
+  <p:cSld>
+    <p:spTree>
+      <p:nvGrpSpPr>
+        <p:cNvPr id="1" name=""/>
+        <p:cNvGrpSpPr/>
+        <p:nvPr/>
+      </p:nvGrpSpPr>
+      <p:grpSpPr>
+        <a:xfrm>
+          <a:off x="0" y="0"/>
+          <a:ext cx="0" cy="0"/>
+          <a:chOff x="0" y="0"/>
+          <a:chExt cx="0" cy="0"/>
+        </a:xfrm>
+      </p:grpSpPr>
+      <p:sp>
+        <p:nvSpPr>
+          <p:cNvPr id="2" name="Titre 1"/>
+          <p:cNvSpPr>
+            <a:spLocks noGrp="1"/>
+          </p:cNvSpPr>
+          <p:nvPr>
+            <p:ph type="title"/>
+          </p:nvPr>
+        </p:nvSpPr>
+        <p:spPr/>
+        <p:txBody>
+          <a:bodyPr/>
+          <a:lstStyle/>
+          <a:p>
+            <a:r>
+              <a:rPr lang="fr-FR" dirty="0"/>
+              <a:t>Cas non gaussien</a:t>
+            </a:r>
+          </a:p>
+        </p:txBody>
+      </p:sp>
+      <p:sp>
+        <p:nvSpPr>
+          <p:cNvPr id="3" name="Espace réservé du contenu 2"/>
+          <p:cNvSpPr>
+            <a:spLocks noGrp="1"/>
+          </p:cNvSpPr>
+          <p:nvPr>
+            <p:ph idx="1"/>
+          </p:nvPr>
+        </p:nvSpPr>
+        <p:spPr/>
+        <p:txBody>
+          <a:bodyPr/>
+          <a:lstStyle/>
+          <a:p>
+            <a:r>
+              <a:rPr lang="fr-FR" dirty="0"/>
+              <a:t>Les distribution des salaire en France ne suit pas une gaussienne</a:t>
+            </a:r>
+          </a:p>
+          <a:p>
+            <a:pPr lvl="1"/>
+            <a:r>
+              <a:rPr lang="fr-FR" dirty="0"/>
+              <a:t>C’est une gaussienne asymétrique</a:t>
+            </a:r>
+          </a:p>
+          <a:p>
+            <a:r>
+              <a:rPr lang="fr-FR" dirty="0"/>
+              <a:t>La moyenne et l’écart type n’ont pas de sens</a:t>
+            </a:r>
+          </a:p>
+          <a:p>
+            <a:r>
+              <a:rPr lang="fr-FR" dirty="0"/>
+              <a:t>Il faut utilise la médiane et les *iles</a:t>
+            </a:r>
+          </a:p>
+          <a:p>
+            <a:r>
+              <a:rPr lang="fr-FR" dirty="0"/>
+              <a:t>Exemple</a:t>
+            </a:r>
+          </a:p>
+          <a:p>
+            <a:pPr lvl="1"/>
+            <a:r>
+              <a:rPr lang="fr-FR" dirty="0"/>
+              <a:t>Salaire équivalent temps plein net</a:t>
+            </a:r>
+          </a:p>
+          <a:p>
+            <a:pPr lvl="1"/>
+            <a:r>
+              <a:rPr lang="fr-FR" dirty="0"/>
+              <a:t>Salaire moyen : 2250 €</a:t>
+            </a:r>
+          </a:p>
+          <a:p>
+            <a:pPr lvl="1"/>
+            <a:r>
+              <a:rPr lang="fr-FR" dirty="0"/>
+              <a:t>Salaire médian : 1797 €</a:t>
+            </a:r>
+          </a:p>
+          <a:p>
+            <a:pPr lvl="1"/>
+            <a:endParaRPr lang="fr-FR" dirty="0"/>
+          </a:p>
+        </p:txBody>
+      </p:sp>
+      <p:pic>
+        <p:nvPicPr>
+          <p:cNvPr id="5122" name="Picture 2" descr="Résultat de recherche d'images pour &quot;distribution des salaires en france&quot;"/>
+          <p:cNvPicPr>
+            <a:picLocks noChangeAspect="1" noChangeArrowheads="1"/>
+          </p:cNvPicPr>
+          <p:nvPr/>
+        </p:nvPicPr>
+        <p:blipFill>
+          <a:blip r:embed="rId2" cstate="print">
+            <a:extLst>
+              <a:ext uri="{28A0092B-C50C-407E-A947-70E740481C1C}">
+                <a14:useLocalDpi xmlns:a14="http://schemas.microsoft.com/office/drawing/2010/main" val="0"/>
+              </a:ext>
+            </a:extLst>
+          </a:blip>
+          <a:srcRect/>
+          <a:stretch>
+            <a:fillRect/>
+          </a:stretch>
+        </p:blipFill>
+        <p:spPr bwMode="auto">
+          <a:xfrm>
+            <a:off x="5657864" y="3789040"/>
+            <a:ext cx="3367370" cy="2262577"/>
+          </a:xfrm>
+          <a:prstGeom prst="rect">
+            <a:avLst/>
+          </a:prstGeom>
+          <a:noFill/>
+          <a:extLst>
+            <a:ext uri="{909E8E84-426E-40DD-AFC4-6F175D3DCCD1}">
+              <a14:hiddenFill xmlns:a14="http://schemas.microsoft.com/office/drawing/2010/main">
+                <a:solidFill>
+                  <a:srgbClr val="FFFFFF"/>
+                </a:solidFill>
+              </a14:hiddenFill>
+            </a:ext>
+          </a:extLst>
+        </p:spPr>
+      </p:pic>
+    </p:spTree>
+    <p:extLst>
+      <p:ext uri="{BB962C8B-B14F-4D97-AF65-F5344CB8AC3E}">
+        <p14:creationId xmlns:p14="http://schemas.microsoft.com/office/powerpoint/2010/main" val="4195433927"/>
+      </p:ext>
+    </p:extLst>
+  </p:cSld>
+  <p:clrMapOvr>
+    <a:masterClrMapping/>
+  </p:clrMapOvr>
+</p:sld>
+</file>
+
+<file path=ppt/slides/slide24.xml><?xml version="1.0" encoding="utf-8"?>
+<p:sld xmlns:a="http://schemas.openxmlformats.org/drawingml/2006/main" xmlns:r="http://schemas.openxmlformats.org/officeDocument/2006/relationships" xmlns:p="http://schemas.openxmlformats.org/presentationml/2006/main">
+  <p:cSld>
+    <p:spTree>
+      <p:nvGrpSpPr>
+        <p:cNvPr id="1" name=""/>
+        <p:cNvGrpSpPr/>
+        <p:nvPr/>
+      </p:nvGrpSpPr>
+      <p:grpSpPr>
+        <a:xfrm>
+          <a:off x="0" y="0"/>
+          <a:ext cx="0" cy="0"/>
+          <a:chOff x="0" y="0"/>
+          <a:chExt cx="0" cy="0"/>
+        </a:xfrm>
+      </p:grpSpPr>
+      <p:sp>
+        <p:nvSpPr>
+          <p:cNvPr id="2" name="Titre 1"/>
+          <p:cNvSpPr>
+            <a:spLocks noGrp="1"/>
+          </p:cNvSpPr>
+          <p:nvPr>
+            <p:ph type="title"/>
+          </p:nvPr>
+        </p:nvSpPr>
+        <p:spPr/>
+        <p:txBody>
+          <a:bodyPr/>
+          <a:lstStyle/>
+          <a:p>
+            <a:r>
+              <a:rPr lang="fr-FR" dirty="0"/>
+              <a:t>Modélisation</a:t>
+            </a:r>
+          </a:p>
+        </p:txBody>
+      </p:sp>
+      <p:sp>
+        <p:nvSpPr>
+          <p:cNvPr id="3" name="Espace réservé du contenu 2"/>
+          <p:cNvSpPr>
+            <a:spLocks noGrp="1"/>
+          </p:cNvSpPr>
+          <p:nvPr>
+            <p:ph idx="1"/>
+          </p:nvPr>
+        </p:nvSpPr>
+        <p:spPr/>
+        <p:txBody>
+          <a:bodyPr/>
+          <a:lstStyle/>
+          <a:p>
+            <a:r>
+              <a:rPr lang="fr-FR" dirty="0"/>
+              <a:t>Imaginez que vous êtes un data </a:t>
+            </a:r>
+            <a:r>
+              <a:rPr lang="fr-FR" dirty="0" err="1"/>
+              <a:t>scientist</a:t>
+            </a:r>
+            <a:endParaRPr lang="fr-FR" dirty="0"/>
+          </a:p>
+          <a:p>
+            <a:pPr lvl="1"/>
+            <a:r>
+              <a:rPr lang="fr-FR" dirty="0"/>
+              <a:t>Vous êtes maintenant confortable avec l'ensemble des données récupérées pour vos analyses</a:t>
+            </a:r>
+          </a:p>
+          <a:p>
+            <a:pPr lvl="1"/>
+            <a:r>
+              <a:rPr lang="fr-FR" dirty="0"/>
+              <a:t>Vous avez une connaissance des objectifs principaux de l'entreprise, ce qui vous a aidé à synthétiser les différentes variables qui interviennent, ainsi que visualiser les différents comportements et corrélations présents au sein de ces données</a:t>
+            </a:r>
+          </a:p>
+        </p:txBody>
+      </p:sp>
+    </p:spTree>
+    <p:extLst>
+      <p:ext uri="{BB962C8B-B14F-4D97-AF65-F5344CB8AC3E}">
+        <p14:creationId xmlns:p14="http://schemas.microsoft.com/office/powerpoint/2010/main" val="1213284648"/>
+      </p:ext>
+    </p:extLst>
+  </p:cSld>
+  <p:clrMapOvr>
+    <a:masterClrMapping/>
+  </p:clrMapOvr>
+</p:sld>
+</file>
+
+<file path=ppt/slides/slide25.xml><?xml version="1.0" encoding="utf-8"?>
+<p:sld xmlns:a="http://schemas.openxmlformats.org/drawingml/2006/main" xmlns:r="http://schemas.openxmlformats.org/officeDocument/2006/relationships" xmlns:p="http://schemas.openxmlformats.org/presentationml/2006/main">
+  <p:cSld>
+    <p:spTree>
+      <p:nvGrpSpPr>
+        <p:cNvPr id="1" name=""/>
+        <p:cNvGrpSpPr/>
+        <p:nvPr/>
+      </p:nvGrpSpPr>
+      <p:grpSpPr>
+        <a:xfrm>
+          <a:off x="0" y="0"/>
+          <a:ext cx="0" cy="0"/>
+          <a:chOff x="0" y="0"/>
+          <a:chExt cx="0" cy="0"/>
+        </a:xfrm>
+      </p:grpSpPr>
+      <p:sp>
+        <p:nvSpPr>
+          <p:cNvPr id="2" name="Titre 1"/>
+          <p:cNvSpPr>
+            <a:spLocks noGrp="1"/>
+          </p:cNvSpPr>
+          <p:nvPr>
+            <p:ph type="title"/>
+          </p:nvPr>
+        </p:nvSpPr>
+        <p:spPr/>
+        <p:txBody>
+          <a:bodyPr/>
+          <a:lstStyle/>
+          <a:p>
+            <a:r>
+              <a:rPr lang="fr-FR" dirty="0"/>
+              <a:t>Apprentissage</a:t>
+            </a:r>
+          </a:p>
+        </p:txBody>
+      </p:sp>
+      <p:sp>
+        <p:nvSpPr>
+          <p:cNvPr id="3" name="Espace réservé du contenu 2"/>
+          <p:cNvSpPr>
+            <a:spLocks noGrp="1"/>
+          </p:cNvSpPr>
+          <p:nvPr>
+            <p:ph idx="1"/>
+          </p:nvPr>
+        </p:nvSpPr>
+        <p:spPr/>
+        <p:txBody>
+          <a:bodyPr/>
+          <a:lstStyle/>
+          <a:p>
+            <a:r>
+              <a:rPr lang="fr-FR" dirty="0"/>
+              <a:t>En machine </a:t>
+            </a:r>
+            <a:r>
+              <a:rPr lang="fr-FR" dirty="0" err="1"/>
+              <a:t>learning</a:t>
+            </a:r>
+            <a:r>
+              <a:rPr lang="fr-FR" dirty="0"/>
+              <a:t>, l'idée est que l'algorithme construise une "représentation interne" tout seul afin de pouvoir effectuer la tâche qui lui est demandée (prédiction, identification, </a:t>
+            </a:r>
+            <a:r>
+              <a:rPr lang="fr-FR" dirty="0" err="1"/>
+              <a:t>etc</a:t>
+            </a:r>
+            <a:r>
+              <a:rPr lang="fr-FR" dirty="0"/>
+              <a:t>)</a:t>
+            </a:r>
+          </a:p>
+          <a:p>
+            <a:r>
+              <a:rPr lang="fr-FR" dirty="0"/>
+              <a:t>L’être humain est quasiment incapable d’écrire l’algorithme</a:t>
+            </a:r>
+          </a:p>
+          <a:p>
+            <a:r>
+              <a:rPr lang="fr-FR" dirty="0"/>
+              <a:t>Pour cela, il va d'abord falloir lui entrer un jeu de données d'exemples afin qu'il puisse s'entraîner et s'améliorer, d'où le mot apprentissage</a:t>
+            </a:r>
+          </a:p>
+          <a:p>
+            <a:r>
+              <a:rPr lang="fr-FR" dirty="0"/>
+              <a:t>Ce jeu de données s'appelle le training set</a:t>
+            </a:r>
+          </a:p>
+          <a:p>
+            <a:endParaRPr lang="fr-FR" dirty="0"/>
+          </a:p>
+        </p:txBody>
+      </p:sp>
+    </p:spTree>
+    <p:extLst>
+      <p:ext uri="{BB962C8B-B14F-4D97-AF65-F5344CB8AC3E}">
+        <p14:creationId xmlns:p14="http://schemas.microsoft.com/office/powerpoint/2010/main" val="1896891291"/>
+      </p:ext>
+    </p:extLst>
+  </p:cSld>
+  <p:clrMapOvr>
+    <a:masterClrMapping/>
+  </p:clrMapOvr>
+</p:sld>
+</file>
+
+<file path=ppt/slides/slide26.xml><?xml version="1.0" encoding="utf-8"?>
+<p:sld xmlns:a="http://schemas.openxmlformats.org/drawingml/2006/main" xmlns:r="http://schemas.openxmlformats.org/officeDocument/2006/relationships" xmlns:p="http://schemas.openxmlformats.org/presentationml/2006/main">
+  <p:cSld>
+    <p:spTree>
+      <p:nvGrpSpPr>
+        <p:cNvPr id="1" name=""/>
+        <p:cNvGrpSpPr/>
+        <p:nvPr/>
+      </p:nvGrpSpPr>
+      <p:grpSpPr>
+        <a:xfrm>
+          <a:off x="0" y="0"/>
+          <a:ext cx="0" cy="0"/>
+          <a:chOff x="0" y="0"/>
+          <a:chExt cx="0" cy="0"/>
+        </a:xfrm>
+      </p:grpSpPr>
+      <p:sp>
+        <p:nvSpPr>
+          <p:cNvPr id="2" name="Titre 1"/>
+          <p:cNvSpPr>
+            <a:spLocks noGrp="1"/>
+          </p:cNvSpPr>
+          <p:nvPr>
+            <p:ph type="title"/>
+          </p:nvPr>
+        </p:nvSpPr>
+        <p:spPr/>
+        <p:txBody>
+          <a:bodyPr/>
+          <a:lstStyle/>
+          <a:p>
+            <a:r>
+              <a:rPr lang="fr-FR" dirty="0"/>
+              <a:t>Machine Learning </a:t>
+            </a:r>
+            <a:r>
+              <a:rPr lang="fr-FR"/>
+              <a:t>vs Programmation</a:t>
+            </a:r>
+            <a:endParaRPr lang="fr-FR" dirty="0"/>
+          </a:p>
+        </p:txBody>
+      </p:sp>
+      <p:pic>
+        <p:nvPicPr>
+          <p:cNvPr id="1026" name="Picture 2" descr="https://dpzbhybb2pdcj.cloudfront.net/allaire/Figures/01fig02.jpg"/>
+          <p:cNvPicPr>
+            <a:picLocks noChangeAspect="1" noChangeArrowheads="1"/>
+          </p:cNvPicPr>
+          <p:nvPr/>
+        </p:nvPicPr>
+        <p:blipFill>
+          <a:blip r:embed="rId2">
+            <a:extLst>
+              <a:ext uri="{28A0092B-C50C-407E-A947-70E740481C1C}">
+                <a14:useLocalDpi xmlns:a14="http://schemas.microsoft.com/office/drawing/2010/main" val="0"/>
+              </a:ext>
+            </a:extLst>
+          </a:blip>
+          <a:srcRect/>
+          <a:stretch>
+            <a:fillRect/>
+          </a:stretch>
+        </p:blipFill>
+        <p:spPr bwMode="auto">
+          <a:xfrm>
+            <a:off x="1979712" y="2420888"/>
+            <a:ext cx="6048672" cy="3069477"/>
+          </a:xfrm>
+          <a:prstGeom prst="rect">
+            <a:avLst/>
+          </a:prstGeom>
+          <a:noFill/>
+          <a:extLst>
+            <a:ext uri="{909E8E84-426E-40DD-AFC4-6F175D3DCCD1}">
+              <a14:hiddenFill xmlns:a14="http://schemas.microsoft.com/office/drawing/2010/main">
+                <a:solidFill>
+                  <a:srgbClr val="FFFFFF"/>
+                </a:solidFill>
+              </a14:hiddenFill>
+            </a:ext>
+          </a:extLst>
+        </p:spPr>
+      </p:pic>
+    </p:spTree>
+    <p:extLst>
+      <p:ext uri="{BB962C8B-B14F-4D97-AF65-F5344CB8AC3E}">
+        <p14:creationId xmlns:p14="http://schemas.microsoft.com/office/powerpoint/2010/main" val="89981574"/>
+      </p:ext>
+    </p:extLst>
+  </p:cSld>
+  <p:clrMapOvr>
+    <a:masterClrMapping/>
+  </p:clrMapOvr>
+</p:sld>
+</file>
+
+<file path=ppt/slides/slide27.xml><?xml version="1.0" encoding="utf-8"?>
+<p:sld xmlns:a="http://schemas.openxmlformats.org/drawingml/2006/main" xmlns:r="http://schemas.openxmlformats.org/officeDocument/2006/relationships" xmlns:p="http://schemas.openxmlformats.org/presentationml/2006/main">
+  <p:cSld>
+    <p:spTree>
+      <p:nvGrpSpPr>
+        <p:cNvPr id="1" name=""/>
+        <p:cNvGrpSpPr/>
+        <p:nvPr/>
+      </p:nvGrpSpPr>
+      <p:grpSpPr>
+        <a:xfrm>
+          <a:off x="0" y="0"/>
+          <a:ext cx="0" cy="0"/>
+          <a:chOff x="0" y="0"/>
+          <a:chExt cx="0" cy="0"/>
+        </a:xfrm>
+      </p:grpSpPr>
+      <p:sp>
+        <p:nvSpPr>
+          <p:cNvPr id="2" name="Titre 1"/>
+          <p:cNvSpPr>
+            <a:spLocks noGrp="1"/>
+          </p:cNvSpPr>
+          <p:nvPr>
+            <p:ph type="title"/>
+          </p:nvPr>
+        </p:nvSpPr>
+        <p:spPr/>
+        <p:txBody>
+          <a:bodyPr/>
+          <a:lstStyle/>
+          <a:p>
+            <a:r>
+              <a:rPr lang="fr-FR" dirty="0"/>
+              <a:t>Exemple</a:t>
+            </a:r>
+          </a:p>
+        </p:txBody>
+      </p:sp>
+      <p:pic>
+        <p:nvPicPr>
+          <p:cNvPr id="6146" name="Picture 2" descr="Un exemple de jeu de données classique (appelé CIFAR-10) qui permet d'entraîner un modèle de machine learning"/>
+          <p:cNvPicPr>
+            <a:picLocks noGrp="1" noChangeAspect="1" noChangeArrowheads="1"/>
+          </p:cNvPicPr>
+          <p:nvPr>
+            <p:ph idx="1"/>
+          </p:nvPr>
+        </p:nvPicPr>
+        <p:blipFill>
+          <a:blip r:embed="rId2">
+            <a:extLst>
+              <a:ext uri="{28A0092B-C50C-407E-A947-70E740481C1C}">
+                <a14:useLocalDpi xmlns:a14="http://schemas.microsoft.com/office/drawing/2010/main" val="0"/>
+              </a:ext>
+            </a:extLst>
+          </a:blip>
+          <a:srcRect/>
+          <a:stretch>
+            <a:fillRect/>
+          </a:stretch>
+        </p:blipFill>
+        <p:spPr bwMode="auto">
+          <a:xfrm>
+            <a:off x="970716" y="1156209"/>
+            <a:ext cx="6697627" cy="5177997"/>
+          </a:xfrm>
+          <a:prstGeom prst="rect">
+            <a:avLst/>
+          </a:prstGeom>
+          <a:noFill/>
+          <a:extLst>
+            <a:ext uri="{909E8E84-426E-40DD-AFC4-6F175D3DCCD1}">
+              <a14:hiddenFill xmlns:a14="http://schemas.microsoft.com/office/drawing/2010/main">
+                <a:solidFill>
+                  <a:srgbClr val="FFFFFF"/>
+                </a:solidFill>
+              </a14:hiddenFill>
+            </a:ext>
+          </a:extLst>
+        </p:spPr>
+      </p:pic>
+    </p:spTree>
+    <p:extLst>
+      <p:ext uri="{BB962C8B-B14F-4D97-AF65-F5344CB8AC3E}">
+        <p14:creationId xmlns:p14="http://schemas.microsoft.com/office/powerpoint/2010/main" val="3094425722"/>
+      </p:ext>
+    </p:extLst>
+  </p:cSld>
+  <p:clrMapOvr>
+    <a:masterClrMapping/>
+  </p:clrMapOvr>
+</p:sld>
+</file>
+
+<file path=ppt/slides/slide28.xml><?xml version="1.0" encoding="utf-8"?>
+<p:sld xmlns:a="http://schemas.openxmlformats.org/drawingml/2006/main" xmlns:r="http://schemas.openxmlformats.org/officeDocument/2006/relationships" xmlns:p="http://schemas.openxmlformats.org/presentationml/2006/main">
+  <p:cSld>
+    <p:spTree>
+      <p:nvGrpSpPr>
+        <p:cNvPr id="1" name=""/>
+        <p:cNvGrpSpPr/>
+        <p:nvPr/>
+      </p:nvGrpSpPr>
+      <p:grpSpPr>
+        <a:xfrm>
+          <a:off x="0" y="0"/>
+          <a:ext cx="0" cy="0"/>
+          <a:chOff x="0" y="0"/>
+          <a:chExt cx="0" cy="0"/>
+        </a:xfrm>
+      </p:grpSpPr>
+      <p:sp>
+        <p:nvSpPr>
+          <p:cNvPr id="2" name="Titre 1"/>
+          <p:cNvSpPr>
+            <a:spLocks noGrp="1"/>
+          </p:cNvSpPr>
+          <p:nvPr>
+            <p:ph type="title"/>
+          </p:nvPr>
+        </p:nvSpPr>
+        <p:spPr/>
+        <p:txBody>
+          <a:bodyPr/>
+          <a:lstStyle/>
+          <a:p>
+            <a:r>
+              <a:rPr lang="fr-FR" dirty="0"/>
+              <a:t>Workflow</a:t>
+            </a:r>
+          </a:p>
+        </p:txBody>
+      </p:sp>
+      <p:pic>
+        <p:nvPicPr>
+          <p:cNvPr id="7170" name="Picture 2" descr="Un détail de des deux phases du process de machine learning."/>
+          <p:cNvPicPr>
+            <a:picLocks noGrp="1" noChangeAspect="1" noChangeArrowheads="1"/>
+          </p:cNvPicPr>
+          <p:nvPr>
+            <p:ph idx="1"/>
+          </p:nvPr>
+        </p:nvPicPr>
+        <p:blipFill>
+          <a:blip r:embed="rId2">
+            <a:extLst>
+              <a:ext uri="{28A0092B-C50C-407E-A947-70E740481C1C}">
+                <a14:useLocalDpi xmlns:a14="http://schemas.microsoft.com/office/drawing/2010/main" val="0"/>
+              </a:ext>
+            </a:extLst>
+          </a:blip>
+          <a:srcRect/>
+          <a:stretch>
+            <a:fillRect/>
+          </a:stretch>
+        </p:blipFill>
+        <p:spPr bwMode="auto">
+          <a:xfrm>
+            <a:off x="1187624" y="1268760"/>
+            <a:ext cx="6902073" cy="4678809"/>
+          </a:xfrm>
+          <a:prstGeom prst="rect">
+            <a:avLst/>
+          </a:prstGeom>
+          <a:noFill/>
+          <a:extLst>
+            <a:ext uri="{909E8E84-426E-40DD-AFC4-6F175D3DCCD1}">
+              <a14:hiddenFill xmlns:a14="http://schemas.microsoft.com/office/drawing/2010/main">
+                <a:solidFill>
+                  <a:srgbClr val="FFFFFF"/>
+                </a:solidFill>
+              </a14:hiddenFill>
+            </a:ext>
+          </a:extLst>
+        </p:spPr>
+      </p:pic>
+    </p:spTree>
+    <p:extLst>
+      <p:ext uri="{BB962C8B-B14F-4D97-AF65-F5344CB8AC3E}">
+        <p14:creationId xmlns:p14="http://schemas.microsoft.com/office/powerpoint/2010/main" val="4097198819"/>
+      </p:ext>
+    </p:extLst>
+  </p:cSld>
+  <p:clrMapOvr>
+    <a:masterClrMapping/>
+  </p:clrMapOvr>
+</p:sld>
+</file>
+
+<file path=ppt/slides/slide29.xml><?xml version="1.0" encoding="utf-8"?>
+<p:sld xmlns:a="http://schemas.openxmlformats.org/drawingml/2006/main" xmlns:r="http://schemas.openxmlformats.org/officeDocument/2006/relationships" xmlns:p="http://schemas.openxmlformats.org/presentationml/2006/main">
+  <p:cSld>
+    <p:spTree>
+      <p:nvGrpSpPr>
+        <p:cNvPr id="1" name=""/>
+        <p:cNvGrpSpPr/>
+        <p:nvPr/>
+      </p:nvGrpSpPr>
+      <p:grpSpPr>
+        <a:xfrm>
+          <a:off x="0" y="0"/>
+          <a:ext cx="0" cy="0"/>
+          <a:chOff x="0" y="0"/>
+          <a:chExt cx="0" cy="0"/>
+        </a:xfrm>
+      </p:grpSpPr>
+      <p:sp>
+        <p:nvSpPr>
+          <p:cNvPr id="2" name="Titre 1"/>
+          <p:cNvSpPr>
+            <a:spLocks noGrp="1"/>
+          </p:cNvSpPr>
+          <p:nvPr>
+            <p:ph type="title"/>
+          </p:nvPr>
+        </p:nvSpPr>
+        <p:spPr/>
+        <p:txBody>
+          <a:bodyPr/>
+          <a:lstStyle/>
+          <a:p>
+            <a:r>
+              <a:rPr lang="fr-FR" dirty="0"/>
+              <a:t>Notre travail</a:t>
+            </a:r>
+          </a:p>
+        </p:txBody>
+      </p:sp>
+      <p:sp>
+        <p:nvSpPr>
+          <p:cNvPr id="3" name="Espace réservé du contenu 2"/>
+          <p:cNvSpPr>
+            <a:spLocks noGrp="1"/>
+          </p:cNvSpPr>
+          <p:nvPr>
+            <p:ph idx="1"/>
+          </p:nvPr>
+        </p:nvSpPr>
+        <p:spPr/>
+        <p:txBody>
+          <a:bodyPr/>
+          <a:lstStyle/>
+          <a:p>
+            <a:r>
+              <a:rPr lang="fr-FR" dirty="0"/>
+              <a:t>Le travail du data </a:t>
+            </a:r>
+            <a:r>
+              <a:rPr lang="fr-FR" dirty="0" err="1"/>
+              <a:t>scientist</a:t>
+            </a:r>
+            <a:r>
+              <a:rPr lang="fr-FR" dirty="0"/>
+              <a:t> en machine </a:t>
+            </a:r>
+            <a:r>
+              <a:rPr lang="fr-FR" dirty="0" err="1"/>
+              <a:t>learning</a:t>
+            </a:r>
+            <a:r>
+              <a:rPr lang="fr-FR" dirty="0"/>
+              <a:t> consiste à sélectionner les bonnes données test, choisir et entraîner le bon algorithme en vérifiant grâce à l'analyse d'erreurs que le modèle devient de plus en plus performant et robuste</a:t>
+            </a:r>
+          </a:p>
+          <a:p>
+            <a:r>
+              <a:rPr lang="fr-FR" dirty="0"/>
+              <a:t>Si les performances s'améliorent lorsqu'on lui fourni les données d'entraînement, on dit alors que la machine "apprend".</a:t>
+            </a:r>
+          </a:p>
+          <a:p>
+            <a:r>
+              <a:rPr lang="fr-FR" dirty="0"/>
+              <a:t>Le data </a:t>
+            </a:r>
+            <a:r>
+              <a:rPr lang="fr-FR" dirty="0" err="1"/>
+              <a:t>scientist</a:t>
+            </a:r>
+            <a:r>
+              <a:rPr lang="fr-FR" dirty="0"/>
+              <a:t> peut ensuite déployer le modèle afin qu'il traite de nouvelles données, pour accomplir la tâche (prédiction</a:t>
+            </a:r>
+            <a:r>
+              <a:rPr lang="fr-FR"/>
+              <a:t>, décision, ...).</a:t>
+            </a:r>
+            <a:endParaRPr lang="fr-FR" dirty="0"/>
+          </a:p>
+        </p:txBody>
+      </p:sp>
+    </p:spTree>
+    <p:extLst>
+      <p:ext uri="{BB962C8B-B14F-4D97-AF65-F5344CB8AC3E}">
+        <p14:creationId xmlns:p14="http://schemas.microsoft.com/office/powerpoint/2010/main" val="2335869725"/>
+      </p:ext>
+    </p:extLst>
+  </p:cSld>
+  <p:clrMapOvr>
+    <a:masterClrMapping/>
+  </p:clrMapOvr>
+</p:sld>
+</file>
+
+<file path=ppt/slides/slide3.xml><?xml version="1.0" encoding="utf-8"?>
+<p:sld xmlns:a="http://schemas.openxmlformats.org/drawingml/2006/main" xmlns:r="http://schemas.openxmlformats.org/officeDocument/2006/relationships" xmlns:p="http://schemas.openxmlformats.org/presentationml/2006/main">
+  <p:cSld>
+    <p:spTree>
+      <p:nvGrpSpPr>
+        <p:cNvPr id="1" name=""/>
+        <p:cNvGrpSpPr/>
+        <p:nvPr/>
+      </p:nvGrpSpPr>
+      <p:grpSpPr>
+        <a:xfrm>
+          <a:off x="0" y="0"/>
+          <a:ext cx="0" cy="0"/>
+          <a:chOff x="0" y="0"/>
+          <a:chExt cx="0" cy="0"/>
+        </a:xfrm>
+      </p:grpSpPr>
+      <p:sp>
+        <p:nvSpPr>
+          <p:cNvPr id="2" name="Titre 1"/>
+          <p:cNvSpPr>
+            <a:spLocks noGrp="1"/>
+          </p:cNvSpPr>
+          <p:nvPr>
+            <p:ph type="title"/>
+          </p:nvPr>
+        </p:nvSpPr>
+        <p:spPr/>
+        <p:txBody>
+          <a:bodyPr/>
+          <a:lstStyle/>
+          <a:p>
+            <a:r>
+              <a:rPr lang="fr-FR" dirty="0"/>
               <a:t>IA - ML - DL</a:t>
             </a:r>
-            <a:endParaRPr lang="fr-FR" dirty="0"/>
           </a:p>
         </p:txBody>
       </p:sp>
@@ -5347,1319 +6490,6 @@
 </p:sld>
 </file>
 
-<file path=ppt/slides/slide20.xml><?xml version="1.0" encoding="utf-8"?>
-<p:sld xmlns:a="http://schemas.openxmlformats.org/drawingml/2006/main" xmlns:r="http://schemas.openxmlformats.org/officeDocument/2006/relationships" xmlns:p="http://schemas.openxmlformats.org/presentationml/2006/main">
-  <p:cSld>
-    <p:spTree>
-      <p:nvGrpSpPr>
-        <p:cNvPr id="1" name=""/>
-        <p:cNvGrpSpPr/>
-        <p:nvPr/>
-      </p:nvGrpSpPr>
-      <p:grpSpPr>
-        <a:xfrm>
-          <a:off x="0" y="0"/>
-          <a:ext cx="0" cy="0"/>
-          <a:chOff x="0" y="0"/>
-          <a:chExt cx="0" cy="0"/>
-        </a:xfrm>
-      </p:grpSpPr>
-      <p:sp>
-        <p:nvSpPr>
-          <p:cNvPr id="2" name="Titre 1"/>
-          <p:cNvSpPr>
-            <a:spLocks noGrp="1"/>
-          </p:cNvSpPr>
-          <p:nvPr>
-            <p:ph type="title"/>
-          </p:nvPr>
-        </p:nvSpPr>
-        <p:spPr/>
-        <p:txBody>
-          <a:bodyPr/>
-          <a:lstStyle/>
-          <a:p>
-            <a:r>
-              <a:rPr lang="fr-FR" dirty="0" smtClean="0"/>
-              <a:t>Loi normale</a:t>
-            </a:r>
-            <a:endParaRPr lang="fr-FR" dirty="0"/>
-          </a:p>
-        </p:txBody>
-      </p:sp>
-      <p:sp>
-        <p:nvSpPr>
-          <p:cNvPr id="3" name="Espace réservé du contenu 2"/>
-          <p:cNvSpPr>
-            <a:spLocks noGrp="1"/>
-          </p:cNvSpPr>
-          <p:nvPr>
-            <p:ph idx="1"/>
-          </p:nvPr>
-        </p:nvSpPr>
-        <p:spPr/>
-        <p:txBody>
-          <a:bodyPr/>
-          <a:lstStyle/>
-          <a:p>
-            <a:r>
-              <a:rPr lang="fr-FR" dirty="0"/>
-              <a:t>I</a:t>
-            </a:r>
-            <a:r>
-              <a:rPr lang="fr-FR" dirty="0" smtClean="0"/>
-              <a:t>l </a:t>
-            </a:r>
-            <a:r>
-              <a:rPr lang="fr-FR" dirty="0"/>
-              <a:t>est fréquent de considérer que les valeurs se répartissent selon une courbe de </a:t>
-            </a:r>
-            <a:r>
-              <a:rPr lang="fr-FR" dirty="0" smtClean="0"/>
-              <a:t>Gauss</a:t>
-            </a:r>
-          </a:p>
-          <a:p>
-            <a:pPr lvl="1"/>
-            <a:r>
-              <a:rPr lang="fr-FR" dirty="0" smtClean="0"/>
-              <a:t>Dans </a:t>
-            </a:r>
-            <a:r>
-              <a:rPr lang="fr-FR" dirty="0"/>
-              <a:t>le cas des sciences sociales, par exemple, la moyenne et l'écart type permettent de déterminer un intervalle dans lequel on trouve une majorité de la </a:t>
-            </a:r>
-            <a:r>
-              <a:rPr lang="fr-FR" dirty="0" smtClean="0"/>
-              <a:t>population</a:t>
-            </a:r>
-          </a:p>
-          <a:p>
-            <a:pPr lvl="1"/>
-            <a:endParaRPr lang="fr-FR" dirty="0"/>
-          </a:p>
-        </p:txBody>
-      </p:sp>
-      <p:pic>
-        <p:nvPicPr>
-          <p:cNvPr id="4098" name="Picture 2" descr="https://upload.wikimedia.org/wikipedia/commons/thumb/8/8c/Standard_deviation_diagram.svg/400px-Standard_deviation_diagram.svg.png"/>
-          <p:cNvPicPr>
-            <a:picLocks noChangeAspect="1" noChangeArrowheads="1"/>
-          </p:cNvPicPr>
-          <p:nvPr/>
-        </p:nvPicPr>
-        <p:blipFill>
-          <a:blip r:embed="rId2">
-            <a:extLst>
-              <a:ext uri="{28A0092B-C50C-407E-A947-70E740481C1C}">
-                <a14:useLocalDpi xmlns:a14="http://schemas.microsoft.com/office/drawing/2010/main" val="0"/>
-              </a:ext>
-            </a:extLst>
-          </a:blip>
-          <a:srcRect/>
-          <a:stretch>
-            <a:fillRect/>
-          </a:stretch>
-        </p:blipFill>
-        <p:spPr bwMode="auto">
-          <a:xfrm>
-            <a:off x="2339752" y="4221088"/>
-            <a:ext cx="3810000" cy="1905000"/>
-          </a:xfrm>
-          <a:prstGeom prst="rect">
-            <a:avLst/>
-          </a:prstGeom>
-          <a:noFill/>
-          <a:extLst>
-            <a:ext uri="{909E8E84-426E-40DD-AFC4-6F175D3DCCD1}">
-              <a14:hiddenFill xmlns:a14="http://schemas.microsoft.com/office/drawing/2010/main">
-                <a:solidFill>
-                  <a:srgbClr val="FFFFFF"/>
-                </a:solidFill>
-              </a14:hiddenFill>
-            </a:ext>
-          </a:extLst>
-        </p:spPr>
-      </p:pic>
-    </p:spTree>
-    <p:extLst>
-      <p:ext uri="{BB962C8B-B14F-4D97-AF65-F5344CB8AC3E}">
-        <p14:creationId xmlns:p14="http://schemas.microsoft.com/office/powerpoint/2010/main" val="2677704954"/>
-      </p:ext>
-    </p:extLst>
-  </p:cSld>
-  <p:clrMapOvr>
-    <a:masterClrMapping/>
-  </p:clrMapOvr>
-</p:sld>
-</file>
-
-<file path=ppt/slides/slide21.xml><?xml version="1.0" encoding="utf-8"?>
-<p:sld xmlns:a="http://schemas.openxmlformats.org/drawingml/2006/main" xmlns:r="http://schemas.openxmlformats.org/officeDocument/2006/relationships" xmlns:p="http://schemas.openxmlformats.org/presentationml/2006/main">
-  <p:cSld>
-    <p:spTree>
-      <p:nvGrpSpPr>
-        <p:cNvPr id="1" name=""/>
-        <p:cNvGrpSpPr/>
-        <p:nvPr/>
-      </p:nvGrpSpPr>
-      <p:grpSpPr>
-        <a:xfrm>
-          <a:off x="0" y="0"/>
-          <a:ext cx="0" cy="0"/>
-          <a:chOff x="0" y="0"/>
-          <a:chExt cx="0" cy="0"/>
-        </a:xfrm>
-      </p:grpSpPr>
-      <p:sp>
-        <p:nvSpPr>
-          <p:cNvPr id="2" name="Titre 1"/>
-          <p:cNvSpPr>
-            <a:spLocks noGrp="1"/>
-          </p:cNvSpPr>
-          <p:nvPr>
-            <p:ph type="title"/>
-          </p:nvPr>
-        </p:nvSpPr>
-        <p:spPr/>
-        <p:txBody>
-          <a:bodyPr/>
-          <a:lstStyle/>
-          <a:p>
-            <a:r>
-              <a:rPr lang="fr-FR" dirty="0" smtClean="0"/>
-              <a:t>Loi normale</a:t>
-            </a:r>
-            <a:endParaRPr lang="fr-FR" dirty="0"/>
-          </a:p>
-        </p:txBody>
-      </p:sp>
-      <p:sp>
-        <p:nvSpPr>
-          <p:cNvPr id="3" name="Espace réservé du contenu 2"/>
-          <p:cNvSpPr>
-            <a:spLocks noGrp="1"/>
-          </p:cNvSpPr>
-          <p:nvPr>
-            <p:ph idx="1"/>
-          </p:nvPr>
-        </p:nvSpPr>
-        <p:spPr/>
-        <p:txBody>
-          <a:bodyPr/>
-          <a:lstStyle/>
-          <a:p>
-            <a:r>
-              <a:rPr lang="fr-FR" dirty="0" smtClean="0"/>
-              <a:t>Avec le calcul de la distribution des données il est possible de filtrer les données trop éloignée de la loi normale</a:t>
-            </a:r>
-          </a:p>
-          <a:p>
-            <a:pPr lvl="1"/>
-            <a:r>
-              <a:rPr lang="fr-FR" dirty="0" smtClean="0"/>
-              <a:t>Possibilité de filtrer les données &gt; 3 * Sigma</a:t>
-            </a:r>
-          </a:p>
-          <a:p>
-            <a:r>
-              <a:rPr lang="fr-FR" dirty="0" smtClean="0"/>
-              <a:t>Possibilité de calculer la médiane, quartile, décile, centile</a:t>
-            </a:r>
-          </a:p>
-          <a:p>
-            <a:pPr lvl="1"/>
-            <a:endParaRPr lang="fr-FR" dirty="0" smtClean="0"/>
-          </a:p>
-        </p:txBody>
-      </p:sp>
-    </p:spTree>
-    <p:extLst>
-      <p:ext uri="{BB962C8B-B14F-4D97-AF65-F5344CB8AC3E}">
-        <p14:creationId xmlns:p14="http://schemas.microsoft.com/office/powerpoint/2010/main" val="2894000027"/>
-      </p:ext>
-    </p:extLst>
-  </p:cSld>
-  <p:clrMapOvr>
-    <a:masterClrMapping/>
-  </p:clrMapOvr>
-</p:sld>
-</file>
-
-<file path=ppt/slides/slide22.xml><?xml version="1.0" encoding="utf-8"?>
-<p:sld xmlns:a="http://schemas.openxmlformats.org/drawingml/2006/main" xmlns:r="http://schemas.openxmlformats.org/officeDocument/2006/relationships" xmlns:p="http://schemas.openxmlformats.org/presentationml/2006/main">
-  <p:cSld>
-    <p:spTree>
-      <p:nvGrpSpPr>
-        <p:cNvPr id="1" name=""/>
-        <p:cNvGrpSpPr/>
-        <p:nvPr/>
-      </p:nvGrpSpPr>
-      <p:grpSpPr>
-        <a:xfrm>
-          <a:off x="0" y="0"/>
-          <a:ext cx="0" cy="0"/>
-          <a:chOff x="0" y="0"/>
-          <a:chExt cx="0" cy="0"/>
-        </a:xfrm>
-      </p:grpSpPr>
-      <p:sp>
-        <p:nvSpPr>
-          <p:cNvPr id="2" name="Titre 1"/>
-          <p:cNvSpPr>
-            <a:spLocks noGrp="1"/>
-          </p:cNvSpPr>
-          <p:nvPr>
-            <p:ph type="title"/>
-          </p:nvPr>
-        </p:nvSpPr>
-        <p:spPr/>
-        <p:txBody>
-          <a:bodyPr/>
-          <a:lstStyle/>
-          <a:p>
-            <a:r>
-              <a:rPr lang="fr-FR" dirty="0" smtClean="0"/>
-              <a:t>Cas non gaussien</a:t>
-            </a:r>
-            <a:endParaRPr lang="fr-FR" dirty="0"/>
-          </a:p>
-        </p:txBody>
-      </p:sp>
-      <p:sp>
-        <p:nvSpPr>
-          <p:cNvPr id="3" name="Espace réservé du contenu 2"/>
-          <p:cNvSpPr>
-            <a:spLocks noGrp="1"/>
-          </p:cNvSpPr>
-          <p:nvPr>
-            <p:ph idx="1"/>
-          </p:nvPr>
-        </p:nvSpPr>
-        <p:spPr/>
-        <p:txBody>
-          <a:bodyPr/>
-          <a:lstStyle/>
-          <a:p>
-            <a:r>
-              <a:rPr lang="fr-FR" dirty="0" smtClean="0"/>
-              <a:t>Les distribution des salaire en France ne suit pas une gaussienne</a:t>
-            </a:r>
-          </a:p>
-          <a:p>
-            <a:pPr lvl="1"/>
-            <a:r>
-              <a:rPr lang="fr-FR" dirty="0" smtClean="0"/>
-              <a:t>C’est une gaussienne asymétrique</a:t>
-            </a:r>
-          </a:p>
-          <a:p>
-            <a:r>
-              <a:rPr lang="fr-FR" dirty="0" smtClean="0"/>
-              <a:t>La moyenne et l’écart type n’ont pas de sens</a:t>
-            </a:r>
-          </a:p>
-          <a:p>
-            <a:r>
-              <a:rPr lang="fr-FR" dirty="0" smtClean="0"/>
-              <a:t>Il faut utilise la médiane et les *iles</a:t>
-            </a:r>
-          </a:p>
-          <a:p>
-            <a:r>
-              <a:rPr lang="fr-FR" dirty="0" smtClean="0"/>
-              <a:t>Exemple</a:t>
-            </a:r>
-          </a:p>
-          <a:p>
-            <a:pPr lvl="1"/>
-            <a:r>
-              <a:rPr lang="fr-FR" dirty="0" smtClean="0"/>
-              <a:t>Salaire équivalent temps plein net</a:t>
-            </a:r>
-          </a:p>
-          <a:p>
-            <a:pPr lvl="1"/>
-            <a:r>
-              <a:rPr lang="fr-FR" dirty="0" smtClean="0"/>
-              <a:t>Salaire moyen : 2250 €</a:t>
-            </a:r>
-          </a:p>
-          <a:p>
-            <a:pPr lvl="1"/>
-            <a:r>
-              <a:rPr lang="fr-FR" dirty="0" smtClean="0"/>
-              <a:t>Salaire médian : 1797 €</a:t>
-            </a:r>
-          </a:p>
-          <a:p>
-            <a:pPr lvl="1"/>
-            <a:endParaRPr lang="fr-FR" dirty="0"/>
-          </a:p>
-        </p:txBody>
-      </p:sp>
-      <p:pic>
-        <p:nvPicPr>
-          <p:cNvPr id="5122" name="Picture 2" descr="Résultat de recherche d'images pour &quot;distribution des salaires en france&quot;"/>
-          <p:cNvPicPr>
-            <a:picLocks noChangeAspect="1" noChangeArrowheads="1"/>
-          </p:cNvPicPr>
-          <p:nvPr/>
-        </p:nvPicPr>
-        <p:blipFill>
-          <a:blip r:embed="rId2" cstate="print">
-            <a:extLst>
-              <a:ext uri="{28A0092B-C50C-407E-A947-70E740481C1C}">
-                <a14:useLocalDpi xmlns:a14="http://schemas.microsoft.com/office/drawing/2010/main" val="0"/>
-              </a:ext>
-            </a:extLst>
-          </a:blip>
-          <a:srcRect/>
-          <a:stretch>
-            <a:fillRect/>
-          </a:stretch>
-        </p:blipFill>
-        <p:spPr bwMode="auto">
-          <a:xfrm>
-            <a:off x="5657864" y="3789040"/>
-            <a:ext cx="3367370" cy="2262577"/>
-          </a:xfrm>
-          <a:prstGeom prst="rect">
-            <a:avLst/>
-          </a:prstGeom>
-          <a:noFill/>
-          <a:extLst>
-            <a:ext uri="{909E8E84-426E-40DD-AFC4-6F175D3DCCD1}">
-              <a14:hiddenFill xmlns:a14="http://schemas.microsoft.com/office/drawing/2010/main">
-                <a:solidFill>
-                  <a:srgbClr val="FFFFFF"/>
-                </a:solidFill>
-              </a14:hiddenFill>
-            </a:ext>
-          </a:extLst>
-        </p:spPr>
-      </p:pic>
-    </p:spTree>
-    <p:extLst>
-      <p:ext uri="{BB962C8B-B14F-4D97-AF65-F5344CB8AC3E}">
-        <p14:creationId xmlns:p14="http://schemas.microsoft.com/office/powerpoint/2010/main" val="4195433927"/>
-      </p:ext>
-    </p:extLst>
-  </p:cSld>
-  <p:clrMapOvr>
-    <a:masterClrMapping/>
-  </p:clrMapOvr>
-</p:sld>
-</file>
-
-<file path=ppt/slides/slide23.xml><?xml version="1.0" encoding="utf-8"?>
-<p:sld xmlns:a="http://schemas.openxmlformats.org/drawingml/2006/main" xmlns:r="http://schemas.openxmlformats.org/officeDocument/2006/relationships" xmlns:p="http://schemas.openxmlformats.org/presentationml/2006/main">
-  <p:cSld>
-    <p:spTree>
-      <p:nvGrpSpPr>
-        <p:cNvPr id="1" name=""/>
-        <p:cNvGrpSpPr/>
-        <p:nvPr/>
-      </p:nvGrpSpPr>
-      <p:grpSpPr>
-        <a:xfrm>
-          <a:off x="0" y="0"/>
-          <a:ext cx="0" cy="0"/>
-          <a:chOff x="0" y="0"/>
-          <a:chExt cx="0" cy="0"/>
-        </a:xfrm>
-      </p:grpSpPr>
-      <p:sp>
-        <p:nvSpPr>
-          <p:cNvPr id="2" name="Titre 1"/>
-          <p:cNvSpPr>
-            <a:spLocks noGrp="1"/>
-          </p:cNvSpPr>
-          <p:nvPr>
-            <p:ph type="title"/>
-          </p:nvPr>
-        </p:nvSpPr>
-        <p:spPr/>
-        <p:txBody>
-          <a:bodyPr/>
-          <a:lstStyle/>
-          <a:p>
-            <a:r>
-              <a:rPr lang="fr-FR" dirty="0" smtClean="0"/>
-              <a:t>Modélisation</a:t>
-            </a:r>
-            <a:endParaRPr lang="fr-FR" dirty="0"/>
-          </a:p>
-        </p:txBody>
-      </p:sp>
-      <p:sp>
-        <p:nvSpPr>
-          <p:cNvPr id="3" name="Espace réservé du contenu 2"/>
-          <p:cNvSpPr>
-            <a:spLocks noGrp="1"/>
-          </p:cNvSpPr>
-          <p:nvPr>
-            <p:ph idx="1"/>
-          </p:nvPr>
-        </p:nvSpPr>
-        <p:spPr/>
-        <p:txBody>
-          <a:bodyPr/>
-          <a:lstStyle/>
-          <a:p>
-            <a:r>
-              <a:rPr lang="fr-FR" dirty="0"/>
-              <a:t>Imaginez que vous êtes un data </a:t>
-            </a:r>
-            <a:r>
-              <a:rPr lang="fr-FR" dirty="0" err="1" smtClean="0"/>
-              <a:t>scientist</a:t>
-            </a:r>
-            <a:endParaRPr lang="fr-FR" dirty="0" smtClean="0"/>
-          </a:p>
-          <a:p>
-            <a:pPr lvl="1"/>
-            <a:r>
-              <a:rPr lang="fr-FR" dirty="0" smtClean="0"/>
-              <a:t>Vous </a:t>
-            </a:r>
-            <a:r>
-              <a:rPr lang="fr-FR" dirty="0"/>
-              <a:t>êtes maintenant confortable avec l'ensemble des données récupérées pour vos </a:t>
-            </a:r>
-            <a:r>
-              <a:rPr lang="fr-FR" dirty="0" smtClean="0"/>
-              <a:t>analyses</a:t>
-            </a:r>
-          </a:p>
-          <a:p>
-            <a:pPr lvl="1"/>
-            <a:r>
-              <a:rPr lang="fr-FR" dirty="0" smtClean="0"/>
-              <a:t>Vous </a:t>
-            </a:r>
-            <a:r>
-              <a:rPr lang="fr-FR" dirty="0"/>
-              <a:t>avez une connaissance des objectifs principaux de l'entreprise, ce qui vous a aidé à synthétiser les différentes variables qui interviennent, ainsi que visualiser les différents comportements et corrélations présents au sein de ces données</a:t>
-            </a:r>
-          </a:p>
-        </p:txBody>
-      </p:sp>
-    </p:spTree>
-    <p:extLst>
-      <p:ext uri="{BB962C8B-B14F-4D97-AF65-F5344CB8AC3E}">
-        <p14:creationId xmlns:p14="http://schemas.microsoft.com/office/powerpoint/2010/main" val="1213284648"/>
-      </p:ext>
-    </p:extLst>
-  </p:cSld>
-  <p:clrMapOvr>
-    <a:masterClrMapping/>
-  </p:clrMapOvr>
-</p:sld>
-</file>
-
-<file path=ppt/slides/slide24.xml><?xml version="1.0" encoding="utf-8"?>
-<p:sld xmlns:a="http://schemas.openxmlformats.org/drawingml/2006/main" xmlns:r="http://schemas.openxmlformats.org/officeDocument/2006/relationships" xmlns:p="http://schemas.openxmlformats.org/presentationml/2006/main">
-  <p:cSld>
-    <p:spTree>
-      <p:nvGrpSpPr>
-        <p:cNvPr id="1" name=""/>
-        <p:cNvGrpSpPr/>
-        <p:nvPr/>
-      </p:nvGrpSpPr>
-      <p:grpSpPr>
-        <a:xfrm>
-          <a:off x="0" y="0"/>
-          <a:ext cx="0" cy="0"/>
-          <a:chOff x="0" y="0"/>
-          <a:chExt cx="0" cy="0"/>
-        </a:xfrm>
-      </p:grpSpPr>
-      <p:sp>
-        <p:nvSpPr>
-          <p:cNvPr id="2" name="Titre 1"/>
-          <p:cNvSpPr>
-            <a:spLocks noGrp="1"/>
-          </p:cNvSpPr>
-          <p:nvPr>
-            <p:ph type="title"/>
-          </p:nvPr>
-        </p:nvSpPr>
-        <p:spPr/>
-        <p:txBody>
-          <a:bodyPr/>
-          <a:lstStyle/>
-          <a:p>
-            <a:r>
-              <a:rPr lang="fr-FR" dirty="0" smtClean="0"/>
-              <a:t>Apprentissage</a:t>
-            </a:r>
-            <a:endParaRPr lang="fr-FR" dirty="0"/>
-          </a:p>
-        </p:txBody>
-      </p:sp>
-      <p:sp>
-        <p:nvSpPr>
-          <p:cNvPr id="3" name="Espace réservé du contenu 2"/>
-          <p:cNvSpPr>
-            <a:spLocks noGrp="1"/>
-          </p:cNvSpPr>
-          <p:nvPr>
-            <p:ph idx="1"/>
-          </p:nvPr>
-        </p:nvSpPr>
-        <p:spPr/>
-        <p:txBody>
-          <a:bodyPr/>
-          <a:lstStyle/>
-          <a:p>
-            <a:r>
-              <a:rPr lang="fr-FR" dirty="0"/>
-              <a:t>En machine </a:t>
-            </a:r>
-            <a:r>
-              <a:rPr lang="fr-FR" dirty="0" err="1"/>
-              <a:t>learning</a:t>
-            </a:r>
-            <a:r>
-              <a:rPr lang="fr-FR" dirty="0"/>
-              <a:t>, l'idée est que l'algorithme construise une "représentation interne" tout seul afin de pouvoir effectuer la tâche qui lui est demandée (prédiction, identification, </a:t>
-            </a:r>
-            <a:r>
-              <a:rPr lang="fr-FR" dirty="0" err="1" smtClean="0"/>
-              <a:t>etc</a:t>
-            </a:r>
-            <a:r>
-              <a:rPr lang="fr-FR" dirty="0" smtClean="0"/>
-              <a:t>)</a:t>
-            </a:r>
-          </a:p>
-          <a:p>
-            <a:r>
-              <a:rPr lang="fr-FR" dirty="0" smtClean="0"/>
-              <a:t>L’être humain est quasiment incapable d’écrire l’algorithme</a:t>
-            </a:r>
-          </a:p>
-          <a:p>
-            <a:r>
-              <a:rPr lang="fr-FR" dirty="0" smtClean="0"/>
-              <a:t>Pour </a:t>
-            </a:r>
-            <a:r>
-              <a:rPr lang="fr-FR" dirty="0"/>
-              <a:t>cela, il va d'abord falloir lui entrer un jeu de données d'exemples afin qu'il puisse s'entraîner et s'améliorer, d'où le mot </a:t>
-            </a:r>
-            <a:r>
-              <a:rPr lang="fr-FR" dirty="0" smtClean="0"/>
-              <a:t>apprentissage</a:t>
-            </a:r>
-          </a:p>
-          <a:p>
-            <a:r>
-              <a:rPr lang="fr-FR" dirty="0" smtClean="0"/>
-              <a:t>Ce </a:t>
-            </a:r>
-            <a:r>
-              <a:rPr lang="fr-FR" dirty="0"/>
-              <a:t>jeu de données s'appelle le </a:t>
-            </a:r>
-            <a:r>
-              <a:rPr lang="fr-FR" dirty="0" smtClean="0"/>
-              <a:t>training set</a:t>
-            </a:r>
-          </a:p>
-          <a:p>
-            <a:endParaRPr lang="fr-FR" dirty="0"/>
-          </a:p>
-        </p:txBody>
-      </p:sp>
-    </p:spTree>
-    <p:extLst>
-      <p:ext uri="{BB962C8B-B14F-4D97-AF65-F5344CB8AC3E}">
-        <p14:creationId xmlns:p14="http://schemas.microsoft.com/office/powerpoint/2010/main" val="1896891291"/>
-      </p:ext>
-    </p:extLst>
-  </p:cSld>
-  <p:clrMapOvr>
-    <a:masterClrMapping/>
-  </p:clrMapOvr>
-</p:sld>
-</file>
-
-<file path=ppt/slides/slide25.xml><?xml version="1.0" encoding="utf-8"?>
-<p:sld xmlns:a="http://schemas.openxmlformats.org/drawingml/2006/main" xmlns:r="http://schemas.openxmlformats.org/officeDocument/2006/relationships" xmlns:p="http://schemas.openxmlformats.org/presentationml/2006/main">
-  <p:cSld>
-    <p:spTree>
-      <p:nvGrpSpPr>
-        <p:cNvPr id="1" name=""/>
-        <p:cNvGrpSpPr/>
-        <p:nvPr/>
-      </p:nvGrpSpPr>
-      <p:grpSpPr>
-        <a:xfrm>
-          <a:off x="0" y="0"/>
-          <a:ext cx="0" cy="0"/>
-          <a:chOff x="0" y="0"/>
-          <a:chExt cx="0" cy="0"/>
-        </a:xfrm>
-      </p:grpSpPr>
-      <p:sp>
-        <p:nvSpPr>
-          <p:cNvPr id="2" name="Titre 1"/>
-          <p:cNvSpPr>
-            <a:spLocks noGrp="1"/>
-          </p:cNvSpPr>
-          <p:nvPr>
-            <p:ph type="title"/>
-          </p:nvPr>
-        </p:nvSpPr>
-        <p:spPr/>
-        <p:txBody>
-          <a:bodyPr/>
-          <a:lstStyle/>
-          <a:p>
-            <a:r>
-              <a:rPr lang="fr-FR" dirty="0" smtClean="0"/>
-              <a:t>Machine Learning </a:t>
-            </a:r>
-            <a:r>
-              <a:rPr lang="fr-FR" smtClean="0"/>
-              <a:t>vs Programmation</a:t>
-            </a:r>
-            <a:endParaRPr lang="fr-FR" dirty="0"/>
-          </a:p>
-        </p:txBody>
-      </p:sp>
-      <p:pic>
-        <p:nvPicPr>
-          <p:cNvPr id="1026" name="Picture 2" descr="https://dpzbhybb2pdcj.cloudfront.net/allaire/Figures/01fig02.jpg"/>
-          <p:cNvPicPr>
-            <a:picLocks noChangeAspect="1" noChangeArrowheads="1"/>
-          </p:cNvPicPr>
-          <p:nvPr/>
-        </p:nvPicPr>
-        <p:blipFill>
-          <a:blip r:embed="rId2">
-            <a:extLst>
-              <a:ext uri="{28A0092B-C50C-407E-A947-70E740481C1C}">
-                <a14:useLocalDpi xmlns:a14="http://schemas.microsoft.com/office/drawing/2010/main" val="0"/>
-              </a:ext>
-            </a:extLst>
-          </a:blip>
-          <a:srcRect/>
-          <a:stretch>
-            <a:fillRect/>
-          </a:stretch>
-        </p:blipFill>
-        <p:spPr bwMode="auto">
-          <a:xfrm>
-            <a:off x="1979712" y="2420888"/>
-            <a:ext cx="6048672" cy="3069477"/>
-          </a:xfrm>
-          <a:prstGeom prst="rect">
-            <a:avLst/>
-          </a:prstGeom>
-          <a:noFill/>
-          <a:extLst>
-            <a:ext uri="{909E8E84-426E-40DD-AFC4-6F175D3DCCD1}">
-              <a14:hiddenFill xmlns:a14="http://schemas.microsoft.com/office/drawing/2010/main">
-                <a:solidFill>
-                  <a:srgbClr val="FFFFFF"/>
-                </a:solidFill>
-              </a14:hiddenFill>
-            </a:ext>
-          </a:extLst>
-        </p:spPr>
-      </p:pic>
-    </p:spTree>
-    <p:extLst>
-      <p:ext uri="{BB962C8B-B14F-4D97-AF65-F5344CB8AC3E}">
-        <p14:creationId xmlns:p14="http://schemas.microsoft.com/office/powerpoint/2010/main" val="89981574"/>
-      </p:ext>
-    </p:extLst>
-  </p:cSld>
-  <p:clrMapOvr>
-    <a:masterClrMapping/>
-  </p:clrMapOvr>
-</p:sld>
-</file>
-
-<file path=ppt/slides/slide26.xml><?xml version="1.0" encoding="utf-8"?>
-<p:sld xmlns:a="http://schemas.openxmlformats.org/drawingml/2006/main" xmlns:r="http://schemas.openxmlformats.org/officeDocument/2006/relationships" xmlns:p="http://schemas.openxmlformats.org/presentationml/2006/main">
-  <p:cSld>
-    <p:spTree>
-      <p:nvGrpSpPr>
-        <p:cNvPr id="1" name=""/>
-        <p:cNvGrpSpPr/>
-        <p:nvPr/>
-      </p:nvGrpSpPr>
-      <p:grpSpPr>
-        <a:xfrm>
-          <a:off x="0" y="0"/>
-          <a:ext cx="0" cy="0"/>
-          <a:chOff x="0" y="0"/>
-          <a:chExt cx="0" cy="0"/>
-        </a:xfrm>
-      </p:grpSpPr>
-      <p:sp>
-        <p:nvSpPr>
-          <p:cNvPr id="2" name="Titre 1"/>
-          <p:cNvSpPr>
-            <a:spLocks noGrp="1"/>
-          </p:cNvSpPr>
-          <p:nvPr>
-            <p:ph type="title"/>
-          </p:nvPr>
-        </p:nvSpPr>
-        <p:spPr/>
-        <p:txBody>
-          <a:bodyPr/>
-          <a:lstStyle/>
-          <a:p>
-            <a:r>
-              <a:rPr lang="fr-FR" dirty="0" smtClean="0"/>
-              <a:t>Exemple</a:t>
-            </a:r>
-            <a:endParaRPr lang="fr-FR" dirty="0"/>
-          </a:p>
-        </p:txBody>
-      </p:sp>
-      <p:pic>
-        <p:nvPicPr>
-          <p:cNvPr id="6146" name="Picture 2" descr="Un exemple de jeu de données classique (appelé CIFAR-10) qui permet d'entraîner un modèle de machine learning"/>
-          <p:cNvPicPr>
-            <a:picLocks noGrp="1" noChangeAspect="1" noChangeArrowheads="1"/>
-          </p:cNvPicPr>
-          <p:nvPr>
-            <p:ph idx="1"/>
-          </p:nvPr>
-        </p:nvPicPr>
-        <p:blipFill>
-          <a:blip r:embed="rId2">
-            <a:extLst>
-              <a:ext uri="{28A0092B-C50C-407E-A947-70E740481C1C}">
-                <a14:useLocalDpi xmlns:a14="http://schemas.microsoft.com/office/drawing/2010/main" val="0"/>
-              </a:ext>
-            </a:extLst>
-          </a:blip>
-          <a:srcRect/>
-          <a:stretch>
-            <a:fillRect/>
-          </a:stretch>
-        </p:blipFill>
-        <p:spPr bwMode="auto">
-          <a:xfrm>
-            <a:off x="970716" y="1156209"/>
-            <a:ext cx="6697627" cy="5177997"/>
-          </a:xfrm>
-          <a:prstGeom prst="rect">
-            <a:avLst/>
-          </a:prstGeom>
-          <a:noFill/>
-          <a:extLst>
-            <a:ext uri="{909E8E84-426E-40DD-AFC4-6F175D3DCCD1}">
-              <a14:hiddenFill xmlns:a14="http://schemas.microsoft.com/office/drawing/2010/main">
-                <a:solidFill>
-                  <a:srgbClr val="FFFFFF"/>
-                </a:solidFill>
-              </a14:hiddenFill>
-            </a:ext>
-          </a:extLst>
-        </p:spPr>
-      </p:pic>
-    </p:spTree>
-    <p:extLst>
-      <p:ext uri="{BB962C8B-B14F-4D97-AF65-F5344CB8AC3E}">
-        <p14:creationId xmlns:p14="http://schemas.microsoft.com/office/powerpoint/2010/main" val="3094425722"/>
-      </p:ext>
-    </p:extLst>
-  </p:cSld>
-  <p:clrMapOvr>
-    <a:masterClrMapping/>
-  </p:clrMapOvr>
-</p:sld>
-</file>
-
-<file path=ppt/slides/slide27.xml><?xml version="1.0" encoding="utf-8"?>
-<p:sld xmlns:a="http://schemas.openxmlformats.org/drawingml/2006/main" xmlns:r="http://schemas.openxmlformats.org/officeDocument/2006/relationships" xmlns:p="http://schemas.openxmlformats.org/presentationml/2006/main">
-  <p:cSld>
-    <p:spTree>
-      <p:nvGrpSpPr>
-        <p:cNvPr id="1" name=""/>
-        <p:cNvGrpSpPr/>
-        <p:nvPr/>
-      </p:nvGrpSpPr>
-      <p:grpSpPr>
-        <a:xfrm>
-          <a:off x="0" y="0"/>
-          <a:ext cx="0" cy="0"/>
-          <a:chOff x="0" y="0"/>
-          <a:chExt cx="0" cy="0"/>
-        </a:xfrm>
-      </p:grpSpPr>
-      <p:sp>
-        <p:nvSpPr>
-          <p:cNvPr id="2" name="Titre 1"/>
-          <p:cNvSpPr>
-            <a:spLocks noGrp="1"/>
-          </p:cNvSpPr>
-          <p:nvPr>
-            <p:ph type="title"/>
-          </p:nvPr>
-        </p:nvSpPr>
-        <p:spPr/>
-        <p:txBody>
-          <a:bodyPr/>
-          <a:lstStyle/>
-          <a:p>
-            <a:r>
-              <a:rPr lang="fr-FR" dirty="0" smtClean="0"/>
-              <a:t>Workflow</a:t>
-            </a:r>
-            <a:endParaRPr lang="fr-FR" dirty="0"/>
-          </a:p>
-        </p:txBody>
-      </p:sp>
-      <p:pic>
-        <p:nvPicPr>
-          <p:cNvPr id="7170" name="Picture 2" descr="Un détail de des deux phases du process de machine learning."/>
-          <p:cNvPicPr>
-            <a:picLocks noGrp="1" noChangeAspect="1" noChangeArrowheads="1"/>
-          </p:cNvPicPr>
-          <p:nvPr>
-            <p:ph idx="1"/>
-          </p:nvPr>
-        </p:nvPicPr>
-        <p:blipFill>
-          <a:blip r:embed="rId2">
-            <a:extLst>
-              <a:ext uri="{28A0092B-C50C-407E-A947-70E740481C1C}">
-                <a14:useLocalDpi xmlns:a14="http://schemas.microsoft.com/office/drawing/2010/main" val="0"/>
-              </a:ext>
-            </a:extLst>
-          </a:blip>
-          <a:srcRect/>
-          <a:stretch>
-            <a:fillRect/>
-          </a:stretch>
-        </p:blipFill>
-        <p:spPr bwMode="auto">
-          <a:xfrm>
-            <a:off x="1187624" y="1268760"/>
-            <a:ext cx="6902073" cy="4678809"/>
-          </a:xfrm>
-          <a:prstGeom prst="rect">
-            <a:avLst/>
-          </a:prstGeom>
-          <a:noFill/>
-          <a:extLst>
-            <a:ext uri="{909E8E84-426E-40DD-AFC4-6F175D3DCCD1}">
-              <a14:hiddenFill xmlns:a14="http://schemas.microsoft.com/office/drawing/2010/main">
-                <a:solidFill>
-                  <a:srgbClr val="FFFFFF"/>
-                </a:solidFill>
-              </a14:hiddenFill>
-            </a:ext>
-          </a:extLst>
-        </p:spPr>
-      </p:pic>
-    </p:spTree>
-    <p:extLst>
-      <p:ext uri="{BB962C8B-B14F-4D97-AF65-F5344CB8AC3E}">
-        <p14:creationId xmlns:p14="http://schemas.microsoft.com/office/powerpoint/2010/main" val="4097198819"/>
-      </p:ext>
-    </p:extLst>
-  </p:cSld>
-  <p:clrMapOvr>
-    <a:masterClrMapping/>
-  </p:clrMapOvr>
-</p:sld>
-</file>
-
-<file path=ppt/slides/slide28.xml><?xml version="1.0" encoding="utf-8"?>
-<p:sld xmlns:a="http://schemas.openxmlformats.org/drawingml/2006/main" xmlns:r="http://schemas.openxmlformats.org/officeDocument/2006/relationships" xmlns:p="http://schemas.openxmlformats.org/presentationml/2006/main">
-  <p:cSld>
-    <p:spTree>
-      <p:nvGrpSpPr>
-        <p:cNvPr id="1" name=""/>
-        <p:cNvGrpSpPr/>
-        <p:nvPr/>
-      </p:nvGrpSpPr>
-      <p:grpSpPr>
-        <a:xfrm>
-          <a:off x="0" y="0"/>
-          <a:ext cx="0" cy="0"/>
-          <a:chOff x="0" y="0"/>
-          <a:chExt cx="0" cy="0"/>
-        </a:xfrm>
-      </p:grpSpPr>
-      <p:sp>
-        <p:nvSpPr>
-          <p:cNvPr id="2" name="Titre 1"/>
-          <p:cNvSpPr>
-            <a:spLocks noGrp="1"/>
-          </p:cNvSpPr>
-          <p:nvPr>
-            <p:ph type="title"/>
-          </p:nvPr>
-        </p:nvSpPr>
-        <p:spPr/>
-        <p:txBody>
-          <a:bodyPr/>
-          <a:lstStyle/>
-          <a:p>
-            <a:r>
-              <a:rPr lang="fr-FR" dirty="0" smtClean="0"/>
-              <a:t>Notre travail</a:t>
-            </a:r>
-            <a:endParaRPr lang="fr-FR" dirty="0"/>
-          </a:p>
-        </p:txBody>
-      </p:sp>
-      <p:sp>
-        <p:nvSpPr>
-          <p:cNvPr id="3" name="Espace réservé du contenu 2"/>
-          <p:cNvSpPr>
-            <a:spLocks noGrp="1"/>
-          </p:cNvSpPr>
-          <p:nvPr>
-            <p:ph idx="1"/>
-          </p:nvPr>
-        </p:nvSpPr>
-        <p:spPr/>
-        <p:txBody>
-          <a:bodyPr/>
-          <a:lstStyle/>
-          <a:p>
-            <a:r>
-              <a:rPr lang="fr-FR" dirty="0"/>
-              <a:t>L</a:t>
-            </a:r>
-            <a:r>
-              <a:rPr lang="fr-FR" dirty="0" smtClean="0"/>
-              <a:t>e </a:t>
-            </a:r>
-            <a:r>
-              <a:rPr lang="fr-FR" dirty="0"/>
-              <a:t>travail du data </a:t>
-            </a:r>
-            <a:r>
-              <a:rPr lang="fr-FR" dirty="0" err="1"/>
-              <a:t>scientist</a:t>
-            </a:r>
-            <a:r>
-              <a:rPr lang="fr-FR" dirty="0"/>
-              <a:t> en machine </a:t>
-            </a:r>
-            <a:r>
-              <a:rPr lang="fr-FR" dirty="0" err="1"/>
-              <a:t>learning</a:t>
-            </a:r>
-            <a:r>
-              <a:rPr lang="fr-FR" dirty="0"/>
-              <a:t> consiste à sélectionner les bonnes données test, choisir et entraîner le bon algorithme en vérifiant grâce à l'analyse d'erreurs que le modèle devient de plus en plus performant et </a:t>
-            </a:r>
-            <a:r>
-              <a:rPr lang="fr-FR" dirty="0" smtClean="0"/>
-              <a:t>robuste</a:t>
-            </a:r>
-          </a:p>
-          <a:p>
-            <a:r>
-              <a:rPr lang="fr-FR" dirty="0" smtClean="0"/>
-              <a:t>Si </a:t>
-            </a:r>
-            <a:r>
-              <a:rPr lang="fr-FR" dirty="0"/>
-              <a:t>les performances s'améliorent lorsqu'on lui fourni les données d'entraînement, on dit alors que la machine "apprend".</a:t>
-            </a:r>
-          </a:p>
-          <a:p>
-            <a:r>
-              <a:rPr lang="fr-FR" dirty="0" smtClean="0"/>
-              <a:t>Le </a:t>
-            </a:r>
-            <a:r>
-              <a:rPr lang="fr-FR" dirty="0"/>
-              <a:t>data </a:t>
-            </a:r>
-            <a:r>
-              <a:rPr lang="fr-FR" dirty="0" err="1"/>
-              <a:t>scientist</a:t>
-            </a:r>
-            <a:r>
-              <a:rPr lang="fr-FR" dirty="0"/>
-              <a:t> peut ensuite </a:t>
-            </a:r>
-            <a:r>
-              <a:rPr lang="fr-FR" dirty="0" smtClean="0"/>
-              <a:t>déployer le modèle </a:t>
-            </a:r>
-            <a:r>
-              <a:rPr lang="fr-FR" dirty="0"/>
-              <a:t>afin qu'il traite de nouvelles données, pour accomplir la tâche </a:t>
-            </a:r>
-            <a:r>
-              <a:rPr lang="fr-FR" dirty="0" smtClean="0"/>
-              <a:t>(prédiction</a:t>
-            </a:r>
-            <a:r>
-              <a:rPr lang="fr-FR" smtClean="0"/>
-              <a:t>, décision, ...).</a:t>
-            </a:r>
-            <a:endParaRPr lang="fr-FR" dirty="0"/>
-          </a:p>
-        </p:txBody>
-      </p:sp>
-    </p:spTree>
-    <p:extLst>
-      <p:ext uri="{BB962C8B-B14F-4D97-AF65-F5344CB8AC3E}">
-        <p14:creationId xmlns:p14="http://schemas.microsoft.com/office/powerpoint/2010/main" val="2335869725"/>
-      </p:ext>
-    </p:extLst>
-  </p:cSld>
-  <p:clrMapOvr>
-    <a:masterClrMapping/>
-  </p:clrMapOvr>
-</p:sld>
-</file>
-
-<file path=ppt/slides/slide29.xml><?xml version="1.0" encoding="utf-8"?>
-<p:sld xmlns:a="http://schemas.openxmlformats.org/drawingml/2006/main" xmlns:r="http://schemas.openxmlformats.org/officeDocument/2006/relationships" xmlns:p="http://schemas.openxmlformats.org/presentationml/2006/main">
-  <p:cSld>
-    <p:spTree>
-      <p:nvGrpSpPr>
-        <p:cNvPr id="1" name=""/>
-        <p:cNvGrpSpPr/>
-        <p:nvPr/>
-      </p:nvGrpSpPr>
-      <p:grpSpPr>
-        <a:xfrm>
-          <a:off x="0" y="0"/>
-          <a:ext cx="0" cy="0"/>
-          <a:chOff x="0" y="0"/>
-          <a:chExt cx="0" cy="0"/>
-        </a:xfrm>
-      </p:grpSpPr>
-      <p:sp>
-        <p:nvSpPr>
-          <p:cNvPr id="2" name="Titre 1"/>
-          <p:cNvSpPr>
-            <a:spLocks noGrp="1"/>
-          </p:cNvSpPr>
-          <p:nvPr>
-            <p:ph type="title"/>
-          </p:nvPr>
-        </p:nvSpPr>
-        <p:spPr/>
-        <p:txBody>
-          <a:bodyPr/>
-          <a:lstStyle/>
-          <a:p>
-            <a:r>
-              <a:rPr lang="fr-FR" dirty="0"/>
-              <a:t>L'algorithme </a:t>
-            </a:r>
-            <a:r>
-              <a:rPr lang="fr-FR" dirty="0" smtClean="0"/>
-              <a:t>d'apprentissage</a:t>
-            </a:r>
-            <a:endParaRPr lang="fr-FR" dirty="0"/>
-          </a:p>
-        </p:txBody>
-      </p:sp>
-      <p:sp>
-        <p:nvSpPr>
-          <p:cNvPr id="3" name="Espace réservé du contenu 2"/>
-          <p:cNvSpPr>
-            <a:spLocks noGrp="1"/>
-          </p:cNvSpPr>
-          <p:nvPr>
-            <p:ph idx="1"/>
-          </p:nvPr>
-        </p:nvSpPr>
-        <p:spPr/>
-        <p:txBody>
-          <a:bodyPr/>
-          <a:lstStyle/>
-          <a:p>
-            <a:r>
-              <a:rPr lang="fr-FR" dirty="0"/>
-              <a:t>L'algorithme d'apprentissage constitue la méthode avec laquelle le modèle statistique va se paramétrer à partir des données </a:t>
-            </a:r>
-            <a:r>
-              <a:rPr lang="fr-FR" dirty="0" smtClean="0"/>
-              <a:t>d'exemple</a:t>
-            </a:r>
-          </a:p>
-          <a:p>
-            <a:pPr lvl="1"/>
-            <a:r>
-              <a:rPr lang="fr-FR" dirty="0" smtClean="0"/>
-              <a:t>Il </a:t>
-            </a:r>
-            <a:r>
-              <a:rPr lang="fr-FR" dirty="0"/>
-              <a:t>existe de nombreux algorithmes différents </a:t>
-            </a:r>
-            <a:r>
-              <a:rPr lang="fr-FR" dirty="0" smtClean="0"/>
-              <a:t>!</a:t>
-            </a:r>
-          </a:p>
-          <a:p>
-            <a:pPr lvl="1"/>
-            <a:r>
-              <a:rPr lang="fr-FR" dirty="0" smtClean="0"/>
-              <a:t>On </a:t>
-            </a:r>
-            <a:r>
-              <a:rPr lang="fr-FR" dirty="0"/>
-              <a:t>choisira un type d'algorithme particulier en fonction du type de tâche que l'on souhaite accomplir et du type de données dont on </a:t>
-            </a:r>
-            <a:r>
-              <a:rPr lang="fr-FR" dirty="0" smtClean="0"/>
-              <a:t>dispose</a:t>
-            </a:r>
-            <a:endParaRPr lang="fr-FR" dirty="0"/>
-          </a:p>
-        </p:txBody>
-      </p:sp>
-    </p:spTree>
-    <p:extLst>
-      <p:ext uri="{BB962C8B-B14F-4D97-AF65-F5344CB8AC3E}">
-        <p14:creationId xmlns:p14="http://schemas.microsoft.com/office/powerpoint/2010/main" val="1834491022"/>
-      </p:ext>
-    </p:extLst>
-  </p:cSld>
-  <p:clrMapOvr>
-    <a:masterClrMapping/>
-  </p:clrMapOvr>
-</p:sld>
-</file>
-
-<file path=ppt/slides/slide3.xml><?xml version="1.0" encoding="utf-8"?>
-<p:sld xmlns:a="http://schemas.openxmlformats.org/drawingml/2006/main" xmlns:r="http://schemas.openxmlformats.org/officeDocument/2006/relationships" xmlns:p="http://schemas.openxmlformats.org/presentationml/2006/main">
-  <p:cSld>
-    <p:spTree>
-      <p:nvGrpSpPr>
-        <p:cNvPr id="1" name=""/>
-        <p:cNvGrpSpPr/>
-        <p:nvPr/>
-      </p:nvGrpSpPr>
-      <p:grpSpPr>
-        <a:xfrm>
-          <a:off x="0" y="0"/>
-          <a:ext cx="0" cy="0"/>
-          <a:chOff x="0" y="0"/>
-          <a:chExt cx="0" cy="0"/>
-        </a:xfrm>
-      </p:grpSpPr>
-      <p:sp>
-        <p:nvSpPr>
-          <p:cNvPr id="2" name="Titre 1"/>
-          <p:cNvSpPr>
-            <a:spLocks noGrp="1"/>
-          </p:cNvSpPr>
-          <p:nvPr>
-            <p:ph type="title"/>
-          </p:nvPr>
-        </p:nvSpPr>
-        <p:spPr/>
-        <p:txBody>
-          <a:bodyPr/>
-          <a:lstStyle/>
-          <a:p>
-            <a:r>
-              <a:rPr lang="fr-FR" dirty="0" smtClean="0"/>
-              <a:t>1</a:t>
-            </a:r>
-            <a:r>
-              <a:rPr lang="fr-FR" baseline="30000" dirty="0" smtClean="0"/>
-              <a:t>ère</a:t>
-            </a:r>
-            <a:r>
-              <a:rPr lang="fr-FR" dirty="0" smtClean="0"/>
-              <a:t> étape</a:t>
-            </a:r>
-            <a:endParaRPr lang="fr-FR" dirty="0"/>
-          </a:p>
-        </p:txBody>
-      </p:sp>
-      <p:sp>
-        <p:nvSpPr>
-          <p:cNvPr id="3" name="Espace réservé du contenu 2"/>
-          <p:cNvSpPr>
-            <a:spLocks noGrp="1"/>
-          </p:cNvSpPr>
-          <p:nvPr>
-            <p:ph idx="1"/>
-          </p:nvPr>
-        </p:nvSpPr>
-        <p:spPr/>
-        <p:txBody>
-          <a:bodyPr/>
-          <a:lstStyle/>
-          <a:p>
-            <a:r>
-              <a:rPr lang="fr-FR" dirty="0" smtClean="0"/>
-              <a:t>Trouver les données</a:t>
-            </a:r>
-          </a:p>
-          <a:p>
-            <a:pPr lvl="1"/>
-            <a:r>
-              <a:rPr lang="fr-FR" dirty="0" smtClean="0"/>
-              <a:t>Mise à disposition d’un data </a:t>
-            </a:r>
-            <a:r>
-              <a:rPr lang="fr-FR" dirty="0" err="1" smtClean="0"/>
-              <a:t>lake</a:t>
-            </a:r>
-            <a:r>
-              <a:rPr lang="fr-FR" dirty="0" smtClean="0"/>
-              <a:t> ou d’un data </a:t>
-            </a:r>
-            <a:r>
-              <a:rPr lang="fr-FR" dirty="0" err="1" smtClean="0"/>
-              <a:t>mart</a:t>
-            </a:r>
-            <a:endParaRPr lang="fr-FR" dirty="0" smtClean="0"/>
-          </a:p>
-          <a:p>
-            <a:r>
-              <a:rPr lang="fr-FR" dirty="0" smtClean="0"/>
-              <a:t>Le jeu de données utilisé en machine </a:t>
-            </a:r>
-            <a:r>
-              <a:rPr lang="fr-FR" dirty="0" err="1" smtClean="0"/>
-              <a:t>learning</a:t>
-            </a:r>
-            <a:r>
-              <a:rPr lang="fr-FR" dirty="0" smtClean="0"/>
-              <a:t> s’appel le </a:t>
-            </a:r>
-            <a:r>
-              <a:rPr lang="fr-FR" dirty="0" err="1" smtClean="0"/>
-              <a:t>Dataset</a:t>
-            </a:r>
-            <a:endParaRPr lang="fr-FR" dirty="0" smtClean="0"/>
-          </a:p>
-        </p:txBody>
-      </p:sp>
-    </p:spTree>
-    <p:extLst>
-      <p:ext uri="{BB962C8B-B14F-4D97-AF65-F5344CB8AC3E}">
-        <p14:creationId xmlns:p14="http://schemas.microsoft.com/office/powerpoint/2010/main" val="1841075970"/>
-      </p:ext>
-    </p:extLst>
-  </p:cSld>
-  <p:clrMapOvr>
-    <a:masterClrMapping/>
-  </p:clrMapOvr>
-</p:sld>
-</file>
-
 <file path=ppt/slides/slide30.xml><?xml version="1.0" encoding="utf-8"?>
 <p:sld xmlns:a="http://schemas.openxmlformats.org/drawingml/2006/main" xmlns:r="http://schemas.openxmlformats.org/officeDocument/2006/relationships" xmlns:p="http://schemas.openxmlformats.org/presentationml/2006/main">
   <p:cSld>
@@ -6693,10 +6523,9 @@
           <a:lstStyle/>
           <a:p>
             <a:r>
-              <a:rPr lang="fr-FR" dirty="0" smtClean="0"/>
-              <a:t>Exemples</a:t>
-            </a:r>
-            <a:endParaRPr lang="fr-FR" dirty="0"/>
+              <a:rPr lang="fr-FR" dirty="0"/>
+              <a:t>L'algorithme d'apprentissage</a:t>
+            </a:r>
           </a:p>
         </p:txBody>
       </p:sp>
@@ -6717,83 +6546,21 @@
           <a:p>
             <a:r>
               <a:rPr lang="fr-FR" dirty="0"/>
-              <a:t>Quelques exemples d'algorithmes de machine </a:t>
-            </a:r>
-            <a:r>
-              <a:rPr lang="fr-FR" dirty="0" err="1"/>
-              <a:t>learning</a:t>
-            </a:r>
-            <a:r>
-              <a:rPr lang="fr-FR" dirty="0"/>
-              <a:t>, dont vous avez peut-être déjà entendu parler :</a:t>
+              <a:t>L'algorithme d'apprentissage constitue la méthode avec laquelle le modèle statistique va se paramétrer à partir des données d'exemple</a:t>
             </a:r>
           </a:p>
           <a:p>
             <a:pPr lvl="1"/>
             <a:r>
-              <a:rPr lang="fr-FR" dirty="0" smtClean="0"/>
-              <a:t>La </a:t>
-            </a:r>
-            <a:r>
-              <a:rPr lang="fr-FR" dirty="0"/>
-              <a:t>régression linéaire</a:t>
+              <a:rPr lang="fr-FR" dirty="0"/>
+              <a:t>Il existe de nombreux algorithmes différents !</a:t>
             </a:r>
           </a:p>
           <a:p>
             <a:pPr lvl="1"/>
             <a:r>
-              <a:rPr lang="fr-FR" dirty="0" err="1"/>
-              <a:t>K-nn</a:t>
-            </a:r>
-            <a:endParaRPr lang="fr-FR" dirty="0"/>
-          </a:p>
-          <a:p>
-            <a:pPr lvl="1"/>
-            <a:r>
-              <a:rPr lang="fr-FR" dirty="0"/>
-              <a:t>Les Support </a:t>
-            </a:r>
-            <a:r>
-              <a:rPr lang="fr-FR" dirty="0" err="1"/>
-              <a:t>Vector</a:t>
-            </a:r>
-            <a:r>
-              <a:rPr lang="fr-FR" dirty="0"/>
-              <a:t> Machine (SVM)</a:t>
-            </a:r>
-          </a:p>
-          <a:p>
-            <a:pPr lvl="1"/>
-            <a:r>
-              <a:rPr lang="fr-FR" dirty="0"/>
-              <a:t>Les réseaux de neurones</a:t>
-            </a:r>
-          </a:p>
-          <a:p>
-            <a:pPr lvl="1"/>
-            <a:r>
-              <a:rPr lang="fr-FR" dirty="0"/>
-              <a:t>Les </a:t>
-            </a:r>
-            <a:r>
-              <a:rPr lang="fr-FR" dirty="0" err="1"/>
-              <a:t>random</a:t>
-            </a:r>
-            <a:r>
-              <a:rPr lang="fr-FR" dirty="0"/>
-              <a:t> </a:t>
-            </a:r>
-            <a:r>
-              <a:rPr lang="fr-FR" dirty="0" err="1"/>
-              <a:t>forests</a:t>
-            </a:r>
-            <a:endParaRPr lang="fr-FR" dirty="0"/>
-          </a:p>
-          <a:p>
-            <a:pPr lvl="1"/>
-            <a:r>
-              <a:rPr lang="fr-FR" dirty="0"/>
-              <a:t>etc.</a:t>
+              <a:rPr lang="fr-FR" dirty="0"/>
+              <a:t>On choisira un type d'algorithme particulier en fonction du type de tâche que l'on souhaite accomplir et du type de données dont on dispose</a:t>
             </a:r>
           </a:p>
         </p:txBody>
@@ -6801,7 +6568,7 @@
     </p:spTree>
     <p:extLst>
       <p:ext uri="{BB962C8B-B14F-4D97-AF65-F5344CB8AC3E}">
-        <p14:creationId xmlns:p14="http://schemas.microsoft.com/office/powerpoint/2010/main" val="4152399014"/>
+        <p14:creationId xmlns:p14="http://schemas.microsoft.com/office/powerpoint/2010/main" val="1834491022"/>
       </p:ext>
     </p:extLst>
   </p:cSld>
@@ -6844,10 +6611,9 @@
           <a:lstStyle/>
           <a:p>
             <a:r>
-              <a:rPr lang="fr-FR" dirty="0" smtClean="0"/>
-              <a:t>Mesure de performance</a:t>
-            </a:r>
-            <a:endParaRPr lang="fr-FR" dirty="0"/>
+              <a:rPr lang="fr-FR" dirty="0"/>
+              <a:t>Exemples</a:t>
+            </a:r>
           </a:p>
         </p:txBody>
       </p:sp>
@@ -6868,22 +6634,87 @@
           <a:p>
             <a:r>
               <a:rPr lang="fr-FR" dirty="0"/>
-              <a:t>Mesurer les performances fait partie intégrante du travail de modélisation. Il faut en général déterminer une mesure principale, souvent spécifique à la tâche à </a:t>
-            </a:r>
-            <a:r>
-              <a:rPr lang="fr-FR" dirty="0" smtClean="0"/>
-              <a:t>accomplir</a:t>
-            </a:r>
-          </a:p>
-          <a:p>
+              <a:t>Quelques exemples d'algorithmes de machine </a:t>
+            </a:r>
+            <a:r>
+              <a:rPr lang="fr-FR" dirty="0" err="1"/>
+              <a:t>learning</a:t>
+            </a:r>
+            <a:r>
+              <a:rPr lang="fr-FR" dirty="0"/>
+              <a:t>, dont vous avez peut-être déjà entendu parler :</a:t>
+            </a:r>
+          </a:p>
+          <a:p>
+            <a:pPr lvl="1"/>
+            <a:r>
+              <a:rPr lang="fr-FR" dirty="0"/>
+              <a:t>La régression linéaire</a:t>
+            </a:r>
+          </a:p>
+          <a:p>
+            <a:pPr lvl="1"/>
+            <a:r>
+              <a:rPr lang="fr-FR" dirty="0" err="1"/>
+              <a:t>K-nn</a:t>
+            </a:r>
             <a:endParaRPr lang="fr-FR" dirty="0"/>
+          </a:p>
+          <a:p>
+            <a:pPr lvl="1"/>
+            <a:r>
+              <a:rPr lang="fr-FR" dirty="0"/>
+              <a:t>Les Support </a:t>
+            </a:r>
+            <a:r>
+              <a:rPr lang="fr-FR" dirty="0" err="1"/>
+              <a:t>Vector</a:t>
+            </a:r>
+            <a:r>
+              <a:rPr lang="fr-FR" dirty="0"/>
+              <a:t> Machine (SVM)</a:t>
+            </a:r>
+          </a:p>
+          <a:p>
+            <a:pPr lvl="1"/>
+            <a:r>
+              <a:rPr lang="fr-FR" dirty="0"/>
+              <a:t>Les réseaux de neurones</a:t>
+            </a:r>
+          </a:p>
+          <a:p>
+            <a:pPr lvl="1"/>
+            <a:r>
+              <a:rPr lang="fr-FR" dirty="0"/>
+              <a:t>Les </a:t>
+            </a:r>
+            <a:r>
+              <a:rPr lang="fr-FR" dirty="0" err="1"/>
+              <a:t>random</a:t>
+            </a:r>
+            <a:r>
+              <a:rPr lang="fr-FR" dirty="0"/>
+              <a:t> </a:t>
+            </a:r>
+            <a:r>
+              <a:rPr lang="fr-FR" dirty="0" err="1"/>
+              <a:t>forests</a:t>
+            </a:r>
+            <a:endParaRPr lang="fr-FR" dirty="0"/>
+          </a:p>
+          <a:p>
+            <a:pPr lvl="1"/>
+            <a:r>
+              <a:rPr lang="fr-FR" dirty="0"/>
+              <a:t>etc.</a:t>
+            </a:r>
           </a:p>
         </p:txBody>
       </p:sp>
     </p:spTree>
     <p:extLst>
       <p:ext uri="{BB962C8B-B14F-4D97-AF65-F5344CB8AC3E}">
-        <p14:creationId xmlns:p14="http://schemas.microsoft.com/office/powerpoint/2010/main" val="1973774351"/>
+        <p14:creationId xmlns:p14="http://schemas.microsoft.com/office/powerpoint/2010/main" val="4152399014"/>
       </p:ext>
     </p:extLst>
   </p:cSld>
@@ -6926,10 +6757,9 @@
           <a:lstStyle/>
           <a:p>
             <a:r>
-              <a:rPr lang="fr-FR" dirty="0" smtClean="0"/>
-              <a:t>Exemple</a:t>
-            </a:r>
-            <a:endParaRPr lang="fr-FR" dirty="0"/>
+              <a:rPr lang="fr-FR" dirty="0"/>
+              <a:t>Mesure de performance</a:t>
+            </a:r>
           </a:p>
         </p:txBody>
       </p:sp>
@@ -6949,97 +6779,19 @@
           <a:lstStyle/>
           <a:p>
             <a:r>
-              <a:rPr lang="fr-FR" sz="2400" dirty="0"/>
-              <a:t>Imaginez que vous voulez créer un algorithme de détection de fraudes </a:t>
-            </a:r>
-            <a:r>
-              <a:rPr lang="fr-FR" sz="2400" dirty="0" smtClean="0"/>
-              <a:t>bancaires</a:t>
-            </a:r>
-          </a:p>
-          <a:p>
-            <a:pPr lvl="1"/>
-            <a:r>
-              <a:rPr lang="fr-FR" sz="2000" dirty="0" smtClean="0"/>
-              <a:t>Vous </a:t>
-            </a:r>
-            <a:r>
-              <a:rPr lang="fr-FR" sz="2000" dirty="0"/>
-              <a:t>voulez mesurer à quel point votre programme est </a:t>
-            </a:r>
-            <a:r>
-              <a:rPr lang="fr-FR" sz="2000" dirty="0" smtClean="0"/>
-              <a:t>performant</a:t>
-            </a:r>
-          </a:p>
-          <a:p>
-            <a:r>
-              <a:rPr lang="fr-FR" sz="2400" dirty="0" smtClean="0"/>
-              <a:t>Une </a:t>
-            </a:r>
-            <a:r>
-              <a:rPr lang="fr-FR" sz="2400" dirty="0"/>
-              <a:t>manière de faire serait de mesurer la proportion totale de transaction détectées comme </a:t>
-            </a:r>
-            <a:r>
-              <a:rPr lang="fr-FR" sz="2400" dirty="0" smtClean="0"/>
-              <a:t>fraude</a:t>
-            </a:r>
-          </a:p>
-          <a:p>
-            <a:pPr lvl="1"/>
-            <a:r>
-              <a:rPr lang="fr-FR" sz="2000" dirty="0" smtClean="0"/>
-              <a:t>Cependant</a:t>
-            </a:r>
-            <a:r>
-              <a:rPr lang="fr-FR" sz="2000" dirty="0"/>
-              <a:t>, on compte ici les transactions qui ne sont pas des fraudes et qui ont quand même été notées comme en étant (appelé "faux positifs</a:t>
-            </a:r>
-            <a:r>
-              <a:rPr lang="fr-FR" sz="2000" dirty="0" smtClean="0"/>
-              <a:t>")</a:t>
-            </a:r>
-          </a:p>
-          <a:p>
-            <a:pPr lvl="1"/>
-            <a:r>
-              <a:rPr lang="fr-FR" sz="2000" dirty="0" smtClean="0"/>
-              <a:t>Donc</a:t>
-            </a:r>
-            <a:r>
-              <a:rPr lang="fr-FR" sz="2000" dirty="0"/>
-              <a:t>, avec ce genre de métriques, on est pas exigeant sur ce type d'erreur que produit notre </a:t>
-            </a:r>
-            <a:r>
-              <a:rPr lang="fr-FR" sz="2000" dirty="0" smtClean="0"/>
-              <a:t>algorithme</a:t>
-            </a:r>
-          </a:p>
-          <a:p>
-            <a:r>
-              <a:rPr lang="fr-FR" sz="2400" dirty="0" smtClean="0"/>
-              <a:t>Il </a:t>
-            </a:r>
-            <a:r>
-              <a:rPr lang="fr-FR" sz="2400" dirty="0"/>
-              <a:t>faut peut être, utiliser une autre métrique plus pertinente. Par exemple, la précision qui est la proportion de "vraies fraudes" détectées par rapport au total de transactions </a:t>
-            </a:r>
-            <a:r>
-              <a:rPr lang="fr-FR" sz="2400" dirty="0" err="1"/>
-              <a:t>flagées</a:t>
-            </a:r>
-            <a:r>
-              <a:rPr lang="fr-FR" sz="2400" dirty="0"/>
-              <a:t> comme fraudes</a:t>
-            </a:r>
+              <a:rPr lang="fr-FR" dirty="0"/>
+              <a:t>Mesurer les performances fait partie intégrante du travail de modélisation. Il faut en général déterminer une mesure principale, souvent spécifique à la tâche à accomplir</a:t>
+            </a:r>
+          </a:p>
+          <a:p>
+            <a:endParaRPr lang="fr-FR" dirty="0"/>
           </a:p>
         </p:txBody>
       </p:sp>
     </p:spTree>
     <p:extLst>
       <p:ext uri="{BB962C8B-B14F-4D97-AF65-F5344CB8AC3E}">
-        <p14:creationId xmlns:p14="http://schemas.microsoft.com/office/powerpoint/2010/main" val="1447999638"/>
+        <p14:creationId xmlns:p14="http://schemas.microsoft.com/office/powerpoint/2010/main" val="1973774351"/>
       </p:ext>
     </p:extLst>
   </p:cSld>
@@ -7082,10 +6834,9 @@
           <a:lstStyle/>
           <a:p>
             <a:r>
-              <a:rPr lang="fr-FR" dirty="0" smtClean="0"/>
-              <a:t>Autre exemple</a:t>
-            </a:r>
-            <a:endParaRPr lang="fr-FR" dirty="0"/>
+              <a:rPr lang="fr-FR" dirty="0"/>
+              <a:t>Exemple</a:t>
+            </a:r>
           </a:p>
         </p:txBody>
       </p:sp>
@@ -7105,23 +6856,57 @@
           <a:lstStyle/>
           <a:p>
             <a:r>
-              <a:rPr lang="fr-FR" dirty="0" smtClean="0"/>
-              <a:t>Dans la détection de maladie comme la méningite le nombre de faux positif n’est pas très important</a:t>
-            </a:r>
-          </a:p>
-          <a:p>
-            <a:r>
-              <a:rPr lang="fr-FR" dirty="0" smtClean="0"/>
-              <a:t>Alors que le nombre de faux négatif est potentiellement mortel</a:t>
-            </a:r>
-            <a:endParaRPr lang="fr-FR" dirty="0"/>
+              <a:rPr lang="fr-FR" sz="2400" dirty="0"/>
+              <a:t>Imaginez que vous voulez créer un algorithme de détection de fraudes bancaires</a:t>
+            </a:r>
+          </a:p>
+          <a:p>
+            <a:pPr lvl="1"/>
+            <a:r>
+              <a:rPr lang="fr-FR" sz="2000" dirty="0"/>
+              <a:t>Vous voulez mesurer à quel point votre programme est performant</a:t>
+            </a:r>
+          </a:p>
+          <a:p>
+            <a:r>
+              <a:rPr lang="fr-FR" sz="2400" dirty="0"/>
+              <a:t>Une manière de faire serait de mesurer la proportion totale de transaction détectées comme fraude</a:t>
+            </a:r>
+          </a:p>
+          <a:p>
+            <a:pPr lvl="1"/>
+            <a:r>
+              <a:rPr lang="fr-FR" sz="2000" dirty="0"/>
+              <a:t>Cependant, on compte ici les transactions qui ne sont pas des fraudes et qui ont quand même été notées comme en étant (appelé "faux positifs")</a:t>
+            </a:r>
+          </a:p>
+          <a:p>
+            <a:pPr lvl="1"/>
+            <a:r>
+              <a:rPr lang="fr-FR" sz="2000" dirty="0"/>
+              <a:t>Donc, avec ce genre de métriques, on est pas exigeant sur ce type d'erreur que produit notre algorithme</a:t>
+            </a:r>
+          </a:p>
+          <a:p>
+            <a:r>
+              <a:rPr lang="fr-FR" sz="2400" dirty="0"/>
+              <a:t>Il faut peut être, utiliser une autre métrique plus pertinente. Par exemple, la précision qui est la proportion de "vraies fraudes" détectées par rapport au total de transactions </a:t>
+            </a:r>
+            <a:r>
+              <a:rPr lang="fr-FR" sz="2400" dirty="0" err="1"/>
+              <a:t>flagées</a:t>
+            </a:r>
+            <a:r>
+              <a:rPr lang="fr-FR" sz="2400" dirty="0"/>
+              <a:t> comme fraudes</a:t>
+            </a:r>
           </a:p>
         </p:txBody>
       </p:sp>
     </p:spTree>
     <p:extLst>
       <p:ext uri="{BB962C8B-B14F-4D97-AF65-F5344CB8AC3E}">
-        <p14:creationId xmlns:p14="http://schemas.microsoft.com/office/powerpoint/2010/main" val="989672997"/>
+        <p14:creationId xmlns:p14="http://schemas.microsoft.com/office/powerpoint/2010/main" val="1447999638"/>
       </p:ext>
     </p:extLst>
   </p:cSld>
@@ -7164,10 +6949,9 @@
           <a:lstStyle/>
           <a:p>
             <a:r>
-              <a:rPr lang="fr-FR" dirty="0" smtClean="0"/>
-              <a:t>Problème de la recommandation</a:t>
-            </a:r>
-            <a:endParaRPr lang="fr-FR" dirty="0"/>
+              <a:rPr lang="fr-FR" dirty="0"/>
+              <a:t>Autre exemple</a:t>
+            </a:r>
           </a:p>
         </p:txBody>
       </p:sp>
@@ -7187,98 +6971,14 @@
           <a:lstStyle/>
           <a:p>
             <a:r>
-              <a:rPr lang="fr-FR" sz="2400" dirty="0"/>
-              <a:t>La recommandation est une problématique qui revient très souvent pour les data </a:t>
-            </a:r>
-            <a:r>
-              <a:rPr lang="fr-FR" sz="2400" dirty="0" err="1" smtClean="0"/>
-              <a:t>scientists</a:t>
-            </a:r>
-            <a:endParaRPr lang="fr-FR" sz="2400" dirty="0" smtClean="0"/>
-          </a:p>
-          <a:p>
-            <a:r>
-              <a:rPr lang="fr-FR" sz="2400" dirty="0" smtClean="0"/>
-              <a:t>Suggérer </a:t>
-            </a:r>
-            <a:r>
-              <a:rPr lang="fr-FR" sz="2400" dirty="0"/>
-              <a:t>d'autres produits à acheter sur Amazon, des films à regarder sur </a:t>
-            </a:r>
-            <a:r>
-              <a:rPr lang="fr-FR" sz="2400" dirty="0" err="1"/>
-              <a:t>Netflix</a:t>
-            </a:r>
-            <a:r>
-              <a:rPr lang="fr-FR" sz="2400" dirty="0"/>
-              <a:t>, des musiques à écouter sur </a:t>
-            </a:r>
-            <a:r>
-              <a:rPr lang="fr-FR" sz="2400" dirty="0" err="1"/>
-              <a:t>Spotify</a:t>
-            </a:r>
-            <a:r>
-              <a:rPr lang="fr-FR" sz="2400" dirty="0"/>
-              <a:t>, </a:t>
-            </a:r>
-            <a:r>
-              <a:rPr lang="fr-FR" sz="2400" dirty="0" err="1" smtClean="0"/>
-              <a:t>etc</a:t>
-            </a:r>
-            <a:endParaRPr lang="fr-FR" sz="2400" dirty="0" smtClean="0"/>
-          </a:p>
-          <a:p>
-            <a:pPr lvl="1"/>
-            <a:r>
-              <a:rPr lang="fr-FR" sz="2000" dirty="0" smtClean="0"/>
-              <a:t>La recommandation </a:t>
-            </a:r>
-            <a:r>
-              <a:rPr lang="fr-FR" sz="2000" dirty="0" err="1" smtClean="0"/>
-              <a:t>Spotify</a:t>
-            </a:r>
-            <a:r>
-              <a:rPr lang="fr-FR" sz="2000" dirty="0" smtClean="0"/>
-              <a:t> est en Python</a:t>
-            </a:r>
-          </a:p>
-          <a:p>
-            <a:r>
-              <a:rPr lang="fr-FR" sz="2400" dirty="0"/>
-              <a:t>Mais du coup c'est de la classification ? de la régression ? supervisé ? non-supervisé </a:t>
-            </a:r>
-            <a:r>
-              <a:rPr lang="fr-FR" sz="2400" dirty="0" smtClean="0"/>
-              <a:t>?</a:t>
-            </a:r>
-          </a:p>
-          <a:p>
-            <a:r>
-              <a:rPr lang="fr-FR" sz="2400" dirty="0"/>
-              <a:t> Une technique largement répandue est le "collaborative </a:t>
-            </a:r>
-            <a:r>
-              <a:rPr lang="fr-FR" sz="2400" dirty="0" err="1"/>
-              <a:t>filtering</a:t>
-            </a:r>
-            <a:r>
-              <a:rPr lang="fr-FR" sz="2400" dirty="0"/>
-              <a:t>", qui se base sur des </a:t>
-            </a:r>
-            <a:r>
-              <a:rPr lang="fr-FR" sz="2400" dirty="0" smtClean="0"/>
-              <a:t>similarités</a:t>
-            </a:r>
-          </a:p>
-          <a:p>
-            <a:pPr lvl="1"/>
-            <a:r>
-              <a:rPr lang="fr-FR" sz="2000" dirty="0" smtClean="0"/>
-              <a:t>c'est </a:t>
-            </a:r>
-            <a:r>
-              <a:rPr lang="fr-FR" sz="2000" dirty="0"/>
-              <a:t>un problème non-supervisé</a:t>
+              <a:rPr lang="fr-FR" dirty="0"/>
+              <a:t>Dans la détection de maladie comme la méningite le nombre de faux positif n’est pas très important</a:t>
+            </a:r>
+          </a:p>
+          <a:p>
+            <a:r>
+              <a:rPr lang="fr-FR" dirty="0"/>
+              <a:t>Alors que le nombre de faux négatif est potentiellement mortel</a:t>
             </a:r>
           </a:p>
         </p:txBody>
@@ -7286,7 +6986,7 @@
     </p:spTree>
     <p:extLst>
       <p:ext uri="{BB962C8B-B14F-4D97-AF65-F5344CB8AC3E}">
-        <p14:creationId xmlns:p14="http://schemas.microsoft.com/office/powerpoint/2010/main" val="85037537"/>
+        <p14:creationId xmlns:p14="http://schemas.microsoft.com/office/powerpoint/2010/main" val="989672997"/>
       </p:ext>
     </p:extLst>
   </p:cSld>
@@ -7329,14 +7029,9 @@
           <a:lstStyle/>
           <a:p>
             <a:r>
-              <a:rPr lang="fr-FR" dirty="0" smtClean="0"/>
-              <a:t>Le </a:t>
-            </a:r>
-            <a:r>
-              <a:rPr lang="fr-FR" dirty="0" err="1" smtClean="0"/>
-              <a:t>clustering</a:t>
-            </a:r>
-            <a:endParaRPr lang="fr-FR" dirty="0"/>
+              <a:rPr lang="fr-FR" dirty="0"/>
+              <a:t>Problème de la recommandation</a:t>
+            </a:r>
           </a:p>
         </p:txBody>
       </p:sp>
@@ -7356,48 +7051,82 @@
           <a:lstStyle/>
           <a:p>
             <a:r>
-              <a:rPr lang="fr-FR" dirty="0"/>
-              <a:t>Le </a:t>
-            </a:r>
-            <a:r>
-              <a:rPr lang="fr-FR" dirty="0" err="1"/>
-              <a:t>clustering</a:t>
-            </a:r>
-            <a:r>
-              <a:rPr lang="fr-FR" dirty="0"/>
-              <a:t> désigne les méthodes de regroupement automatique de données qui se ressemblent le plus en un ensemble de "nuages", appelés </a:t>
-            </a:r>
-            <a:r>
-              <a:rPr lang="fr-FR" dirty="0" smtClean="0"/>
-              <a:t>clusters</a:t>
-            </a:r>
-          </a:p>
-          <a:p>
-            <a:r>
-              <a:rPr lang="fr-FR" dirty="0" smtClean="0"/>
-              <a:t>Un </a:t>
-            </a:r>
-            <a:r>
-              <a:rPr lang="fr-FR" dirty="0"/>
-              <a:t>ensemble d'algorithmes non-supervisés peuvent réaliser cette </a:t>
-            </a:r>
-            <a:r>
-              <a:rPr lang="fr-FR" dirty="0" smtClean="0"/>
-              <a:t>tâche</a:t>
-            </a:r>
-          </a:p>
-          <a:p>
-            <a:r>
-              <a:rPr lang="fr-FR" dirty="0" smtClean="0"/>
-              <a:t>Ils </a:t>
-            </a:r>
-            <a:r>
-              <a:rPr lang="fr-FR" dirty="0"/>
-              <a:t>mesurent donc de manière automatique la similarité entre les différentes </a:t>
-            </a:r>
-            <a:r>
-              <a:rPr lang="fr-FR" dirty="0" smtClean="0"/>
-              <a:t>données</a:t>
+              <a:rPr lang="fr-FR" sz="2400" dirty="0"/>
+              <a:t>La recommandation est une problématique qui revient très souvent pour les data </a:t>
+            </a:r>
+            <a:r>
+              <a:rPr lang="fr-FR" sz="2400" dirty="0" err="1"/>
+              <a:t>scientists</a:t>
+            </a:r>
+            <a:endParaRPr lang="fr-FR" sz="2400" dirty="0"/>
+          </a:p>
+          <a:p>
+            <a:r>
+              <a:rPr lang="fr-FR" sz="2400" dirty="0"/>
+              <a:t>Suggérer d'autres produits à acheter sur Amazon, des films à regarder sur </a:t>
+            </a:r>
+            <a:r>
+              <a:rPr lang="fr-FR" sz="2400" dirty="0" err="1"/>
+              <a:t>Netflix</a:t>
+            </a:r>
+            <a:r>
+              <a:rPr lang="fr-FR" sz="2400" dirty="0"/>
+              <a:t>, des musiques à écouter sur </a:t>
+            </a:r>
+            <a:r>
+              <a:rPr lang="fr-FR" sz="2400" dirty="0" err="1"/>
+              <a:t>Spotify</a:t>
+            </a:r>
+            <a:r>
+              <a:rPr lang="fr-FR" sz="2400" dirty="0"/>
+              <a:t>, </a:t>
+            </a:r>
+            <a:r>
+              <a:rPr lang="fr-FR" sz="2400" dirty="0" err="1"/>
+              <a:t>etc</a:t>
+            </a:r>
+            <a:endParaRPr lang="fr-FR" sz="2400" dirty="0"/>
+          </a:p>
+          <a:p>
+            <a:pPr lvl="1"/>
+            <a:r>
+              <a:rPr lang="fr-FR" sz="2000" dirty="0"/>
+              <a:t>La recommandation </a:t>
+            </a:r>
+            <a:r>
+              <a:rPr lang="fr-FR" sz="2000" dirty="0" err="1"/>
+              <a:t>Spotify</a:t>
+            </a:r>
+            <a:r>
+              <a:rPr lang="fr-FR" sz="2000" dirty="0"/>
+              <a:t> est en Python</a:t>
+            </a:r>
+          </a:p>
+          <a:p>
+            <a:r>
+              <a:rPr lang="fr-FR" sz="2400" dirty="0"/>
+              <a:t>Mais du coup c'est de la classification ? de la régression ? supervisé ? non-supervisé ?</a:t>
+            </a:r>
+          </a:p>
+          <a:p>
+            <a:r>
+              <a:rPr lang="fr-FR" sz="2400" dirty="0"/>
+              <a:t> Une technique largement répandue est le "collaborative </a:t>
+            </a:r>
+            <a:r>
+              <a:rPr lang="fr-FR" sz="2400" dirty="0" err="1"/>
+              <a:t>filtering</a:t>
+            </a:r>
+            <a:r>
+              <a:rPr lang="fr-FR" sz="2400" dirty="0"/>
+              <a:t>", qui se base sur des similarités</a:t>
+            </a:r>
+          </a:p>
+          <a:p>
+            <a:pPr lvl="1"/>
+            <a:r>
+              <a:rPr lang="fr-FR" sz="2000" dirty="0"/>
+              <a:t>c'est un problème non-supervisé</a:t>
             </a:r>
           </a:p>
         </p:txBody>
@@ -7405,7 +7134,7 @@
     </p:spTree>
     <p:extLst>
       <p:ext uri="{BB962C8B-B14F-4D97-AF65-F5344CB8AC3E}">
-        <p14:creationId xmlns:p14="http://schemas.microsoft.com/office/powerpoint/2010/main" val="2676913319"/>
+        <p14:creationId xmlns:p14="http://schemas.microsoft.com/office/powerpoint/2010/main" val="85037537"/>
       </p:ext>
     </p:extLst>
   </p:cSld>
@@ -7448,10 +7177,108 @@
           <a:lstStyle/>
           <a:p>
             <a:r>
-              <a:rPr lang="fr-FR" dirty="0" smtClean="0"/>
+              <a:rPr lang="fr-FR" dirty="0"/>
+              <a:t>Le </a:t>
+            </a:r>
+            <a:r>
+              <a:rPr lang="fr-FR" dirty="0" err="1"/>
+              <a:t>clustering</a:t>
+            </a:r>
+            <a:endParaRPr lang="fr-FR" dirty="0"/>
+          </a:p>
+        </p:txBody>
+      </p:sp>
+      <p:sp>
+        <p:nvSpPr>
+          <p:cNvPr id="3" name="Espace réservé du contenu 2"/>
+          <p:cNvSpPr>
+            <a:spLocks noGrp="1"/>
+          </p:cNvSpPr>
+          <p:nvPr>
+            <p:ph idx="1"/>
+          </p:nvPr>
+        </p:nvSpPr>
+        <p:spPr/>
+        <p:txBody>
+          <a:bodyPr/>
+          <a:lstStyle/>
+          <a:p>
+            <a:r>
+              <a:rPr lang="fr-FR" dirty="0"/>
+              <a:t>Le </a:t>
+            </a:r>
+            <a:r>
+              <a:rPr lang="fr-FR" dirty="0" err="1"/>
+              <a:t>clustering</a:t>
+            </a:r>
+            <a:r>
+              <a:rPr lang="fr-FR" dirty="0"/>
+              <a:t> désigne les méthodes de regroupement automatique de données qui se ressemblent le plus en un ensemble de "nuages", appelés clusters</a:t>
+            </a:r>
+          </a:p>
+          <a:p>
+            <a:r>
+              <a:rPr lang="fr-FR" dirty="0"/>
+              <a:t>Un ensemble d'algorithmes non-supervisés peuvent réaliser cette tâche</a:t>
+            </a:r>
+          </a:p>
+          <a:p>
+            <a:r>
+              <a:rPr lang="fr-FR" dirty="0"/>
+              <a:t>Ils mesurent donc de manière automatique la similarité entre les différentes données</a:t>
+            </a:r>
+          </a:p>
+        </p:txBody>
+      </p:sp>
+    </p:spTree>
+    <p:extLst>
+      <p:ext uri="{BB962C8B-B14F-4D97-AF65-F5344CB8AC3E}">
+        <p14:creationId xmlns:p14="http://schemas.microsoft.com/office/powerpoint/2010/main" val="2676913319"/>
+      </p:ext>
+    </p:extLst>
+  </p:cSld>
+  <p:clrMapOvr>
+    <a:masterClrMapping/>
+  </p:clrMapOvr>
+</p:sld>
+</file>
+
+<file path=ppt/slides/slide37.xml><?xml version="1.0" encoding="utf-8"?>
+<p:sld xmlns:a="http://schemas.openxmlformats.org/drawingml/2006/main" xmlns:r="http://schemas.openxmlformats.org/officeDocument/2006/relationships" xmlns:p="http://schemas.openxmlformats.org/presentationml/2006/main">
+  <p:cSld>
+    <p:spTree>
+      <p:nvGrpSpPr>
+        <p:cNvPr id="1" name=""/>
+        <p:cNvGrpSpPr/>
+        <p:nvPr/>
+      </p:nvGrpSpPr>
+      <p:grpSpPr>
+        <a:xfrm>
+          <a:off x="0" y="0"/>
+          <a:ext cx="0" cy="0"/>
+          <a:chOff x="0" y="0"/>
+          <a:chExt cx="0" cy="0"/>
+        </a:xfrm>
+      </p:grpSpPr>
+      <p:sp>
+        <p:nvSpPr>
+          <p:cNvPr id="2" name="Titre 1"/>
+          <p:cNvSpPr>
+            <a:spLocks noGrp="1"/>
+          </p:cNvSpPr>
+          <p:nvPr>
+            <p:ph type="title"/>
+          </p:nvPr>
+        </p:nvSpPr>
+        <p:spPr/>
+        <p:txBody>
+          <a:bodyPr/>
+          <a:lstStyle/>
+          <a:p>
+            <a:r>
+              <a:rPr lang="fr-FR" dirty="0"/>
               <a:t>Exemple</a:t>
             </a:r>
-            <a:endParaRPr lang="fr-FR" dirty="0"/>
           </a:p>
         </p:txBody>
       </p:sp>
@@ -7511,144 +7338,6 @@
 </p:sld>
 </file>
 
-<file path=ppt/slides/slide37.xml><?xml version="1.0" encoding="utf-8"?>
-<p:sld xmlns:a="http://schemas.openxmlformats.org/drawingml/2006/main" xmlns:r="http://schemas.openxmlformats.org/officeDocument/2006/relationships" xmlns:p="http://schemas.openxmlformats.org/presentationml/2006/main">
-  <p:cSld>
-    <p:spTree>
-      <p:nvGrpSpPr>
-        <p:cNvPr id="1" name=""/>
-        <p:cNvGrpSpPr/>
-        <p:nvPr/>
-      </p:nvGrpSpPr>
-      <p:grpSpPr>
-        <a:xfrm>
-          <a:off x="0" y="0"/>
-          <a:ext cx="0" cy="0"/>
-          <a:chOff x="0" y="0"/>
-          <a:chExt cx="0" cy="0"/>
-        </a:xfrm>
-      </p:grpSpPr>
-      <p:sp>
-        <p:nvSpPr>
-          <p:cNvPr id="2" name="Titre 1"/>
-          <p:cNvSpPr>
-            <a:spLocks noGrp="1"/>
-          </p:cNvSpPr>
-          <p:nvPr>
-            <p:ph type="title"/>
-          </p:nvPr>
-        </p:nvSpPr>
-        <p:spPr/>
-        <p:txBody>
-          <a:bodyPr/>
-          <a:lstStyle/>
-          <a:p>
-            <a:r>
-              <a:rPr lang="fr-FR" dirty="0" smtClean="0"/>
-              <a:t>No Free Lunch</a:t>
-            </a:r>
-            <a:endParaRPr lang="fr-FR" dirty="0"/>
-          </a:p>
-        </p:txBody>
-      </p:sp>
-      <p:sp>
-        <p:nvSpPr>
-          <p:cNvPr id="3" name="Espace réservé du contenu 2"/>
-          <p:cNvSpPr>
-            <a:spLocks noGrp="1"/>
-          </p:cNvSpPr>
-          <p:nvPr>
-            <p:ph idx="1"/>
-          </p:nvPr>
-        </p:nvSpPr>
-        <p:spPr/>
-        <p:txBody>
-          <a:bodyPr/>
-          <a:lstStyle/>
-          <a:p>
-            <a:r>
-              <a:rPr lang="fr-FR" dirty="0"/>
-              <a:t>Le théorème du "No Free Lunch" </a:t>
-            </a:r>
-            <a:r>
-              <a:rPr lang="fr-FR" dirty="0" smtClean="0"/>
-              <a:t>est </a:t>
-            </a:r>
-            <a:r>
-              <a:rPr lang="fr-FR" dirty="0"/>
-              <a:t>la raison pour laquelle on va encore avoir besoin des data </a:t>
-            </a:r>
-            <a:r>
-              <a:rPr lang="fr-FR" dirty="0" err="1"/>
-              <a:t>scientists</a:t>
-            </a:r>
-            <a:r>
-              <a:rPr lang="fr-FR" dirty="0"/>
-              <a:t> pour un bon bout de temps </a:t>
-            </a:r>
-            <a:r>
-              <a:rPr lang="fr-FR" dirty="0" smtClean="0"/>
-              <a:t>!</a:t>
-            </a:r>
-            <a:endParaRPr lang="fr-FR" dirty="0"/>
-          </a:p>
-          <a:p>
-            <a:pPr lvl="1"/>
-            <a:r>
-              <a:rPr lang="fr-FR" dirty="0" smtClean="0"/>
-              <a:t>En </a:t>
-            </a:r>
-            <a:r>
-              <a:rPr lang="fr-FR" dirty="0"/>
-              <a:t>essence, ce théorème statue qu'aucun modèle et algorithme ne fonctionne bien pour tous les </a:t>
-            </a:r>
-            <a:r>
-              <a:rPr lang="fr-FR" dirty="0" smtClean="0"/>
-              <a:t>problèmes</a:t>
-            </a:r>
-          </a:p>
-          <a:p>
-            <a:pPr lvl="1"/>
-            <a:r>
-              <a:rPr lang="fr-FR" dirty="0" smtClean="0"/>
-              <a:t>En </a:t>
-            </a:r>
-            <a:r>
-              <a:rPr lang="fr-FR" dirty="0"/>
-              <a:t>d'autres termes, si un algorithme de machine </a:t>
-            </a:r>
-            <a:r>
-              <a:rPr lang="fr-FR" dirty="0" err="1"/>
-              <a:t>learning</a:t>
-            </a:r>
-            <a:r>
-              <a:rPr lang="fr-FR" dirty="0"/>
-              <a:t> fonctionne bien sur un type de problème particulier, ça veut dire qu'il le paiera ailleurs, et sera donc moins performant en moyenne sur le reste des problèmes. </a:t>
-            </a:r>
-          </a:p>
-          <a:p>
-            <a:pPr lvl="1"/>
-            <a:r>
-              <a:rPr lang="fr-FR" dirty="0" smtClean="0"/>
-              <a:t>.</a:t>
-            </a:r>
-            <a:endParaRPr lang="fr-FR" dirty="0"/>
-          </a:p>
-        </p:txBody>
-      </p:sp>
-    </p:spTree>
-    <p:extLst>
-      <p:ext uri="{BB962C8B-B14F-4D97-AF65-F5344CB8AC3E}">
-        <p14:creationId xmlns:p14="http://schemas.microsoft.com/office/powerpoint/2010/main" val="692771287"/>
-      </p:ext>
-    </p:extLst>
-  </p:cSld>
-  <p:clrMapOvr>
-    <a:masterClrMapping/>
-  </p:clrMapOvr>
-</p:sld>
-</file>
-
 <file path=ppt/slides/slide38.xml><?xml version="1.0" encoding="utf-8"?>
 <p:sld xmlns:a="http://schemas.openxmlformats.org/drawingml/2006/main" xmlns:r="http://schemas.openxmlformats.org/officeDocument/2006/relationships" xmlns:p="http://schemas.openxmlformats.org/presentationml/2006/main">
   <p:cSld>
@@ -7682,10 +7371,120 @@
           <a:lstStyle/>
           <a:p>
             <a:r>
-              <a:rPr lang="fr-FR" dirty="0" smtClean="0"/>
+              <a:rPr lang="fr-FR" dirty="0"/>
+              <a:t>No Free Lunch</a:t>
+            </a:r>
+          </a:p>
+        </p:txBody>
+      </p:sp>
+      <p:sp>
+        <p:nvSpPr>
+          <p:cNvPr id="3" name="Espace réservé du contenu 2"/>
+          <p:cNvSpPr>
+            <a:spLocks noGrp="1"/>
+          </p:cNvSpPr>
+          <p:nvPr>
+            <p:ph idx="1"/>
+          </p:nvPr>
+        </p:nvSpPr>
+        <p:spPr/>
+        <p:txBody>
+          <a:bodyPr/>
+          <a:lstStyle/>
+          <a:p>
+            <a:r>
+              <a:rPr lang="fr-FR" dirty="0"/>
+              <a:t>Le théorème du "No Free Lunch" est la raison pour laquelle on va encore avoir besoin des data </a:t>
+            </a:r>
+            <a:r>
+              <a:rPr lang="fr-FR" dirty="0" err="1"/>
+              <a:t>scientists</a:t>
+            </a:r>
+            <a:r>
+              <a:rPr lang="fr-FR" dirty="0"/>
+              <a:t> pour un bon bout de temps !</a:t>
+            </a:r>
+          </a:p>
+          <a:p>
+            <a:pPr lvl="1"/>
+            <a:r>
+              <a:rPr lang="fr-FR" dirty="0"/>
+              <a:t>En essence, ce théorème statue qu'aucun modèle et algorithme ne fonctionne bien pour tous les problèmes</a:t>
+            </a:r>
+          </a:p>
+          <a:p>
+            <a:pPr lvl="1"/>
+            <a:r>
+              <a:rPr lang="fr-FR" dirty="0"/>
+              <a:t>En d'autres termes, si un algorithme de machine </a:t>
+            </a:r>
+            <a:r>
+              <a:rPr lang="fr-FR" dirty="0" err="1"/>
+              <a:t>learning</a:t>
+            </a:r>
+            <a:r>
+              <a:rPr lang="fr-FR" dirty="0"/>
+              <a:t> fonctionne bien sur un type de problème particulier, ça veut dire qu'il le paiera ailleurs, et sera donc moins performant en moyenne sur le reste des problèmes. </a:t>
+            </a:r>
+          </a:p>
+          <a:p>
+            <a:pPr lvl="1"/>
+            <a:r>
+              <a:rPr lang="fr-FR" dirty="0"/>
+              <a:t>.</a:t>
+            </a:r>
+          </a:p>
+        </p:txBody>
+      </p:sp>
+    </p:spTree>
+    <p:extLst>
+      <p:ext uri="{BB962C8B-B14F-4D97-AF65-F5344CB8AC3E}">
+        <p14:creationId xmlns:p14="http://schemas.microsoft.com/office/powerpoint/2010/main" val="692771287"/>
+      </p:ext>
+    </p:extLst>
+  </p:cSld>
+  <p:clrMapOvr>
+    <a:masterClrMapping/>
+  </p:clrMapOvr>
+</p:sld>
+</file>
+
+<file path=ppt/slides/slide39.xml><?xml version="1.0" encoding="utf-8"?>
+<p:sld xmlns:a="http://schemas.openxmlformats.org/drawingml/2006/main" xmlns:r="http://schemas.openxmlformats.org/officeDocument/2006/relationships" xmlns:p="http://schemas.openxmlformats.org/presentationml/2006/main">
+  <p:cSld>
+    <p:spTree>
+      <p:nvGrpSpPr>
+        <p:cNvPr id="1" name=""/>
+        <p:cNvGrpSpPr/>
+        <p:nvPr/>
+      </p:nvGrpSpPr>
+      <p:grpSpPr>
+        <a:xfrm>
+          <a:off x="0" y="0"/>
+          <a:ext cx="0" cy="0"/>
+          <a:chOff x="0" y="0"/>
+          <a:chExt cx="0" cy="0"/>
+        </a:xfrm>
+      </p:grpSpPr>
+      <p:sp>
+        <p:nvSpPr>
+          <p:cNvPr id="2" name="Titre 1"/>
+          <p:cNvSpPr>
+            <a:spLocks noGrp="1"/>
+          </p:cNvSpPr>
+          <p:nvPr>
+            <p:ph type="title"/>
+          </p:nvPr>
+        </p:nvSpPr>
+        <p:spPr/>
+        <p:txBody>
+          <a:bodyPr/>
+          <a:lstStyle/>
+          <a:p>
+            <a:r>
+              <a:rPr lang="fr-FR" dirty="0"/>
               <a:t>Choix du modèle</a:t>
             </a:r>
-            <a:endParaRPr lang="fr-FR" dirty="0"/>
           </a:p>
         </p:txBody>
       </p:sp>
@@ -7728,7 +7527,7 @@
 </p:sld>
 </file>
 
-<file path=ppt/slides/slide39.xml><?xml version="1.0" encoding="utf-8"?>
+<file path=ppt/slides/slide4.xml><?xml version="1.0" encoding="utf-8"?>
 <p:sld xmlns:a="http://schemas.openxmlformats.org/drawingml/2006/main" xmlns:r="http://schemas.openxmlformats.org/officeDocument/2006/relationships" xmlns:p="http://schemas.openxmlformats.org/presentationml/2006/main">
   <p:cSld>
     <p:spTree>
@@ -7761,14 +7560,17 @@
           <a:lstStyle/>
           <a:p>
             <a:r>
-              <a:rPr lang="fr-FR" dirty="0" smtClean="0"/>
-              <a:t>Démarrer le machine </a:t>
-            </a:r>
-            <a:r>
-              <a:rPr lang="fr-FR" dirty="0" err="1" smtClean="0"/>
-              <a:t>learning</a:t>
-            </a:r>
-            <a:endParaRPr lang="fr-FR" dirty="0"/>
+              <a:rPr lang="fr-FR" dirty="0"/>
+              <a:t>1</a:t>
+            </a:r>
+            <a:r>
+              <a:rPr lang="fr-FR" baseline="30000" dirty="0"/>
+              <a:t>ère</a:t>
+            </a:r>
+            <a:r>
+              <a:rPr lang="fr-FR" dirty="0"/>
+              <a:t> étape</a:t>
+            </a:r>
           </a:p>
         </p:txBody>
       </p:sp>
@@ -7788,37 +7590,34 @@
           <a:lstStyle/>
           <a:p>
             <a:r>
-              <a:rPr lang="fr-FR" dirty="0" smtClean="0"/>
-              <a:t>Nous avons un </a:t>
-            </a:r>
-            <a:r>
-              <a:rPr lang="fr-FR" dirty="0" err="1" smtClean="0"/>
-              <a:t>datalake</a:t>
-            </a:r>
-            <a:endParaRPr lang="fr-FR" dirty="0" smtClean="0"/>
-          </a:p>
-          <a:p>
-            <a:r>
-              <a:rPr lang="fr-FR" dirty="0" smtClean="0"/>
-              <a:t>Nous avons le </a:t>
-            </a:r>
-            <a:r>
-              <a:rPr lang="fr-FR" dirty="0" err="1" smtClean="0"/>
-              <a:t>datamart</a:t>
-            </a:r>
-            <a:r>
-              <a:rPr lang="fr-FR" dirty="0" smtClean="0"/>
-              <a:t> structuré et nettoyé</a:t>
-            </a:r>
-          </a:p>
-          <a:p>
-            <a:r>
-              <a:rPr lang="fr-FR" dirty="0" smtClean="0"/>
-              <a:t>L’objectif </a:t>
-            </a:r>
-            <a:r>
-              <a:rPr lang="fr-FR" dirty="0"/>
-              <a:t>du machine </a:t>
+              <a:rPr lang="fr-FR" dirty="0"/>
+              <a:t>Trouver les données</a:t>
+            </a:r>
+          </a:p>
+          <a:p>
+            <a:pPr lvl="1"/>
+            <a:r>
+              <a:rPr lang="fr-FR" dirty="0"/>
+              <a:t>Mise à disposition d’un data </a:t>
+            </a:r>
+            <a:r>
+              <a:rPr lang="fr-FR" dirty="0" err="1"/>
+              <a:t>lake</a:t>
+            </a:r>
+            <a:r>
+              <a:rPr lang="fr-FR" dirty="0"/>
+              <a:t> ou d’un data </a:t>
+            </a:r>
+            <a:r>
+              <a:rPr lang="fr-FR" dirty="0" err="1"/>
+              <a:t>mart</a:t>
+            </a:r>
+            <a:endParaRPr lang="fr-FR" dirty="0"/>
+          </a:p>
+          <a:p>
+            <a:r>
+              <a:rPr lang="fr-FR" dirty="0"/>
+              <a:t>Le jeu de données utilisé en machine </a:t>
             </a:r>
             <a:r>
               <a:rPr lang="fr-FR" dirty="0" err="1"/>
@@ -7826,38 +7625,143 @@
             </a:r>
             <a:r>
               <a:rPr lang="fr-FR" dirty="0"/>
-              <a:t> est de trouver un modèle qui effectue une approximation de la </a:t>
-            </a:r>
-            <a:r>
-              <a:rPr lang="fr-FR" dirty="0" smtClean="0"/>
-              <a:t>réalité, </a:t>
-            </a:r>
-            <a:r>
-              <a:rPr lang="fr-FR" dirty="0"/>
-              <a:t>à l’aide de laquelle on va pouvoir effectuer des </a:t>
-            </a:r>
-            <a:r>
-              <a:rPr lang="fr-FR" dirty="0" smtClean="0"/>
-              <a:t>prédictions</a:t>
-            </a:r>
-          </a:p>
-          <a:p>
-            <a:r>
-              <a:rPr lang="fr-FR" dirty="0" smtClean="0"/>
+              <a:t> s’appel le </a:t>
+            </a:r>
+            <a:r>
+              <a:rPr lang="fr-FR" dirty="0" err="1"/>
+              <a:t>Dataset</a:t>
+            </a:r>
+            <a:endParaRPr lang="fr-FR" dirty="0"/>
+          </a:p>
+        </p:txBody>
+      </p:sp>
+    </p:spTree>
+    <p:extLst>
+      <p:ext uri="{BB962C8B-B14F-4D97-AF65-F5344CB8AC3E}">
+        <p14:creationId xmlns:p14="http://schemas.microsoft.com/office/powerpoint/2010/main" val="1841075970"/>
+      </p:ext>
+    </p:extLst>
+  </p:cSld>
+  <p:clrMapOvr>
+    <a:masterClrMapping/>
+  </p:clrMapOvr>
+</p:sld>
+</file>
+
+<file path=ppt/slides/slide40.xml><?xml version="1.0" encoding="utf-8"?>
+<p:sld xmlns:a="http://schemas.openxmlformats.org/drawingml/2006/main" xmlns:r="http://schemas.openxmlformats.org/officeDocument/2006/relationships" xmlns:p="http://schemas.openxmlformats.org/presentationml/2006/main">
+  <p:cSld>
+    <p:spTree>
+      <p:nvGrpSpPr>
+        <p:cNvPr id="1" name=""/>
+        <p:cNvGrpSpPr/>
+        <p:nvPr/>
+      </p:nvGrpSpPr>
+      <p:grpSpPr>
+        <a:xfrm>
+          <a:off x="0" y="0"/>
+          <a:ext cx="0" cy="0"/>
+          <a:chOff x="0" y="0"/>
+          <a:chExt cx="0" cy="0"/>
+        </a:xfrm>
+      </p:grpSpPr>
+      <p:sp>
+        <p:nvSpPr>
+          <p:cNvPr id="2" name="Titre 1"/>
+          <p:cNvSpPr>
+            <a:spLocks noGrp="1"/>
+          </p:cNvSpPr>
+          <p:nvPr>
+            <p:ph type="title"/>
+          </p:nvPr>
+        </p:nvSpPr>
+        <p:spPr/>
+        <p:txBody>
+          <a:bodyPr/>
+          <a:lstStyle/>
+          <a:p>
+            <a:r>
+              <a:rPr lang="fr-FR" dirty="0"/>
+              <a:t>Démarrer le machine </a:t>
+            </a:r>
+            <a:r>
+              <a:rPr lang="fr-FR" dirty="0" err="1"/>
+              <a:t>learning</a:t>
+            </a:r>
+            <a:endParaRPr lang="fr-FR" dirty="0"/>
+          </a:p>
+        </p:txBody>
+      </p:sp>
+      <p:sp>
+        <p:nvSpPr>
+          <p:cNvPr id="3" name="Espace réservé du contenu 2"/>
+          <p:cNvSpPr>
+            <a:spLocks noGrp="1"/>
+          </p:cNvSpPr>
+          <p:nvPr>
+            <p:ph idx="1"/>
+          </p:nvPr>
+        </p:nvSpPr>
+        <p:spPr/>
+        <p:txBody>
+          <a:bodyPr/>
+          <a:lstStyle/>
+          <a:p>
+            <a:r>
+              <a:rPr lang="fr-FR" dirty="0"/>
+              <a:t>Nous avons un </a:t>
+            </a:r>
+            <a:r>
+              <a:rPr lang="fr-FR" dirty="0" err="1"/>
+              <a:t>datalake</a:t>
+            </a:r>
+            <a:endParaRPr lang="fr-FR" dirty="0"/>
+          </a:p>
+          <a:p>
+            <a:r>
+              <a:rPr lang="fr-FR" dirty="0"/>
+              <a:t>Nous avons le </a:t>
+            </a:r>
+            <a:r>
+              <a:rPr lang="fr-FR" dirty="0" err="1"/>
+              <a:t>datamart</a:t>
+            </a:r>
+            <a:r>
+              <a:rPr lang="fr-FR" dirty="0"/>
+              <a:t> structuré et nettoyé</a:t>
+            </a:r>
+          </a:p>
+          <a:p>
+            <a:r>
+              <a:rPr lang="fr-FR" dirty="0"/>
+              <a:t>L’objectif du machine </a:t>
+            </a:r>
+            <a:r>
+              <a:rPr lang="fr-FR" dirty="0" err="1"/>
+              <a:t>learning</a:t>
+            </a:r>
+            <a:r>
+              <a:rPr lang="fr-FR" dirty="0"/>
+              <a:t> est de trouver un modèle qui effectue une approximation de la réalité, à l’aide de laquelle on va pouvoir effectuer des prédictions</a:t>
+            </a:r>
+          </a:p>
+          <a:p>
+            <a:r>
+              <a:rPr lang="fr-FR" dirty="0"/>
               <a:t>DATA = Model + Bruit</a:t>
             </a:r>
           </a:p>
           <a:p>
             <a:pPr lvl="1"/>
             <a:r>
-              <a:rPr lang="fr-FR" dirty="0" smtClean="0"/>
+              <a:rPr lang="fr-FR" dirty="0"/>
               <a:t>Model = cercle</a:t>
             </a:r>
           </a:p>
           <a:p>
             <a:pPr lvl="1"/>
             <a:r>
-              <a:rPr lang="fr-FR" dirty="0" smtClean="0"/>
+              <a:rPr lang="fr-FR" dirty="0"/>
               <a:t>Bruit = écart data réelle vs cercle</a:t>
             </a:r>
           </a:p>
@@ -7920,228 +7824,6 @@
 </p:sld>
 </file>
 
-<file path=ppt/slides/slide4.xml><?xml version="1.0" encoding="utf-8"?>
-<p:sld xmlns:a="http://schemas.openxmlformats.org/drawingml/2006/main" xmlns:r="http://schemas.openxmlformats.org/officeDocument/2006/relationships" xmlns:p="http://schemas.openxmlformats.org/presentationml/2006/main">
-  <p:cSld>
-    <p:spTree>
-      <p:nvGrpSpPr>
-        <p:cNvPr id="1" name=""/>
-        <p:cNvGrpSpPr/>
-        <p:nvPr/>
-      </p:nvGrpSpPr>
-      <p:grpSpPr>
-        <a:xfrm>
-          <a:off x="0" y="0"/>
-          <a:ext cx="0" cy="0"/>
-          <a:chOff x="0" y="0"/>
-          <a:chExt cx="0" cy="0"/>
-        </a:xfrm>
-      </p:grpSpPr>
-      <p:sp>
-        <p:nvSpPr>
-          <p:cNvPr id="2" name="Titre 1"/>
-          <p:cNvSpPr>
-            <a:spLocks noGrp="1"/>
-          </p:cNvSpPr>
-          <p:nvPr>
-            <p:ph type="title"/>
-          </p:nvPr>
-        </p:nvSpPr>
-        <p:spPr/>
-        <p:txBody>
-          <a:bodyPr/>
-          <a:lstStyle/>
-          <a:p>
-            <a:r>
-              <a:rPr lang="fr-FR" dirty="0" smtClean="0"/>
-              <a:t>But</a:t>
-            </a:r>
-            <a:endParaRPr lang="fr-FR" dirty="0"/>
-          </a:p>
-        </p:txBody>
-      </p:sp>
-      <p:sp>
-        <p:nvSpPr>
-          <p:cNvPr id="3" name="Espace réservé du contenu 2"/>
-          <p:cNvSpPr>
-            <a:spLocks noGrp="1"/>
-          </p:cNvSpPr>
-          <p:nvPr>
-            <p:ph idx="1"/>
-          </p:nvPr>
-        </p:nvSpPr>
-        <p:spPr/>
-        <p:txBody>
-          <a:bodyPr/>
-          <a:lstStyle/>
-          <a:p>
-            <a:r>
-              <a:rPr lang="fr-FR" dirty="0"/>
-              <a:t>En machine </a:t>
-            </a:r>
-            <a:r>
-              <a:rPr lang="fr-FR" dirty="0" err="1"/>
-              <a:t>learning</a:t>
-            </a:r>
-            <a:r>
-              <a:rPr lang="fr-FR" dirty="0"/>
-              <a:t> et en data science plus généralement, l'objectif est de trouver un modèle </a:t>
-            </a:r>
-            <a:r>
-              <a:rPr lang="fr-FR" dirty="0" smtClean="0"/>
-              <a:t>du </a:t>
-            </a:r>
-            <a:r>
-              <a:rPr lang="fr-FR" dirty="0"/>
-              <a:t>phénomène à l'origine des </a:t>
-            </a:r>
-            <a:r>
-              <a:rPr lang="fr-FR" dirty="0" smtClean="0"/>
-              <a:t>données</a:t>
-            </a:r>
-          </a:p>
-          <a:p>
-            <a:r>
-              <a:rPr lang="fr-FR" dirty="0" smtClean="0"/>
-              <a:t>C'est </a:t>
-            </a:r>
-            <a:r>
-              <a:rPr lang="fr-FR" dirty="0"/>
-              <a:t>à dire qu'on considère que chaque donnée observée est l'expression d'une variable aléatoire générée par une distribution de </a:t>
-            </a:r>
-            <a:r>
-              <a:rPr lang="fr-FR" dirty="0" smtClean="0"/>
-              <a:t>probabilité</a:t>
-            </a:r>
-          </a:p>
-          <a:p>
-            <a:pPr lvl="1"/>
-            <a:r>
-              <a:rPr lang="fr-FR" smtClean="0"/>
-              <a:t>Par exemple les sondages</a:t>
-            </a:r>
-            <a:endParaRPr lang="fr-FR" dirty="0"/>
-          </a:p>
-        </p:txBody>
-      </p:sp>
-    </p:spTree>
-    <p:extLst>
-      <p:ext uri="{BB962C8B-B14F-4D97-AF65-F5344CB8AC3E}">
-        <p14:creationId xmlns:p14="http://schemas.microsoft.com/office/powerpoint/2010/main" val="3282916395"/>
-      </p:ext>
-    </p:extLst>
-  </p:cSld>
-  <p:clrMapOvr>
-    <a:masterClrMapping/>
-  </p:clrMapOvr>
-</p:sld>
-</file>
-
-<file path=ppt/slides/slide40.xml><?xml version="1.0" encoding="utf-8"?>
-<p:sld xmlns:a="http://schemas.openxmlformats.org/drawingml/2006/main" xmlns:r="http://schemas.openxmlformats.org/officeDocument/2006/relationships" xmlns:p="http://schemas.openxmlformats.org/presentationml/2006/main">
-  <p:cSld>
-    <p:spTree>
-      <p:nvGrpSpPr>
-        <p:cNvPr id="1" name=""/>
-        <p:cNvGrpSpPr/>
-        <p:nvPr/>
-      </p:nvGrpSpPr>
-      <p:grpSpPr>
-        <a:xfrm>
-          <a:off x="0" y="0"/>
-          <a:ext cx="0" cy="0"/>
-          <a:chOff x="0" y="0"/>
-          <a:chExt cx="0" cy="0"/>
-        </a:xfrm>
-      </p:grpSpPr>
-      <p:sp>
-        <p:nvSpPr>
-          <p:cNvPr id="2" name="Titre 1"/>
-          <p:cNvSpPr>
-            <a:spLocks noGrp="1"/>
-          </p:cNvSpPr>
-          <p:nvPr>
-            <p:ph type="title"/>
-          </p:nvPr>
-        </p:nvSpPr>
-        <p:spPr/>
-        <p:txBody>
-          <a:bodyPr/>
-          <a:lstStyle/>
-          <a:p>
-            <a:r>
-              <a:rPr lang="fr-FR" dirty="0" err="1" smtClean="0"/>
-              <a:t>Loss</a:t>
-            </a:r>
-            <a:endParaRPr lang="fr-FR" dirty="0"/>
-          </a:p>
-        </p:txBody>
-      </p:sp>
-      <p:sp>
-        <p:nvSpPr>
-          <p:cNvPr id="3" name="Espace réservé du contenu 2"/>
-          <p:cNvSpPr>
-            <a:spLocks noGrp="1"/>
-          </p:cNvSpPr>
-          <p:nvPr>
-            <p:ph idx="1"/>
-          </p:nvPr>
-        </p:nvSpPr>
-        <p:spPr/>
-        <p:txBody>
-          <a:bodyPr/>
-          <a:lstStyle/>
-          <a:p>
-            <a:r>
-              <a:rPr lang="fr-FR" dirty="0"/>
-              <a:t>En apprentissage supervisé, la notion principale est celle de perte d’information (</a:t>
-            </a:r>
-            <a:r>
-              <a:rPr lang="fr-FR" dirty="0" err="1"/>
-              <a:t>loss</a:t>
-            </a:r>
-            <a:r>
-              <a:rPr lang="fr-FR" dirty="0"/>
-              <a:t> en anglais) due à l'approximation </a:t>
-            </a:r>
-            <a:r>
-              <a:rPr lang="fr-FR" dirty="0" smtClean="0"/>
-              <a:t>du modèle</a:t>
-            </a:r>
-          </a:p>
-          <a:p>
-            <a:r>
-              <a:rPr lang="fr-FR" dirty="0" smtClean="0"/>
-              <a:t>Elle </a:t>
-            </a:r>
-            <a:r>
-              <a:rPr lang="fr-FR" dirty="0"/>
-              <a:t>détermine à quel point notre modélisation du phénomène, qui est une approximation de la </a:t>
-            </a:r>
-            <a:r>
-              <a:rPr lang="fr-FR" dirty="0" smtClean="0"/>
-              <a:t>réalité (régression), </a:t>
-            </a:r>
-            <a:r>
-              <a:rPr lang="fr-FR" dirty="0"/>
-              <a:t>perd de l’information par rapport à la réalité observée à travers les données d’exemple</a:t>
-            </a:r>
-          </a:p>
-        </p:txBody>
-      </p:sp>
-    </p:spTree>
-    <p:extLst>
-      <p:ext uri="{BB962C8B-B14F-4D97-AF65-F5344CB8AC3E}">
-        <p14:creationId xmlns:p14="http://schemas.microsoft.com/office/powerpoint/2010/main" val="3658382805"/>
-      </p:ext>
-    </p:extLst>
-  </p:cSld>
-  <p:clrMapOvr>
-    <a:masterClrMapping/>
-  </p:clrMapOvr>
-</p:sld>
-</file>
-
 <file path=ppt/slides/slide41.xml><?xml version="1.0" encoding="utf-8"?>
 <p:sld xmlns:a="http://schemas.openxmlformats.org/drawingml/2006/main" xmlns:r="http://schemas.openxmlformats.org/officeDocument/2006/relationships" xmlns:p="http://schemas.openxmlformats.org/presentationml/2006/main">
   <p:cSld>
@@ -8175,8 +7857,8 @@
           <a:lstStyle/>
           <a:p>
             <a:r>
-              <a:rPr lang="fr-FR" dirty="0" smtClean="0"/>
-              <a:t>Erreur</a:t>
+              <a:rPr lang="fr-FR" dirty="0" err="1"/>
+              <a:t>Loss</a:t>
             </a:r>
             <a:endParaRPr lang="fr-FR" dirty="0"/>
           </a:p>
@@ -8198,17 +7880,104 @@
           <a:lstStyle/>
           <a:p>
             <a:r>
-              <a:rPr lang="fr-FR" dirty="0" smtClean="0"/>
+              <a:rPr lang="fr-FR" dirty="0"/>
+              <a:t>En apprentissage supervisé, la notion principale est celle de perte d’information (</a:t>
+            </a:r>
+            <a:r>
+              <a:rPr lang="fr-FR" dirty="0" err="1"/>
+              <a:t>loss</a:t>
+            </a:r>
+            <a:r>
+              <a:rPr lang="fr-FR" dirty="0"/>
+              <a:t> en anglais) due à l'approximation du modèle</a:t>
+            </a:r>
+          </a:p>
+          <a:p>
+            <a:r>
+              <a:rPr lang="fr-FR" dirty="0"/>
+              <a:t>Elle détermine à quel point notre modélisation du phénomène, qui est une approximation de la réalité (régression), perd de l’information par rapport à la réalité observée à travers les données d’exemple</a:t>
+            </a:r>
+          </a:p>
+        </p:txBody>
+      </p:sp>
+    </p:spTree>
+    <p:extLst>
+      <p:ext uri="{BB962C8B-B14F-4D97-AF65-F5344CB8AC3E}">
+        <p14:creationId xmlns:p14="http://schemas.microsoft.com/office/powerpoint/2010/main" val="3658382805"/>
+      </p:ext>
+    </p:extLst>
+  </p:cSld>
+  <p:clrMapOvr>
+    <a:masterClrMapping/>
+  </p:clrMapOvr>
+</p:sld>
+</file>
+
+<file path=ppt/slides/slide42.xml><?xml version="1.0" encoding="utf-8"?>
+<p:sld xmlns:a="http://schemas.openxmlformats.org/drawingml/2006/main" xmlns:r="http://schemas.openxmlformats.org/officeDocument/2006/relationships" xmlns:p="http://schemas.openxmlformats.org/presentationml/2006/main">
+  <p:cSld>
+    <p:spTree>
+      <p:nvGrpSpPr>
+        <p:cNvPr id="1" name=""/>
+        <p:cNvGrpSpPr/>
+        <p:nvPr/>
+      </p:nvGrpSpPr>
+      <p:grpSpPr>
+        <a:xfrm>
+          <a:off x="0" y="0"/>
+          <a:ext cx="0" cy="0"/>
+          <a:chOff x="0" y="0"/>
+          <a:chExt cx="0" cy="0"/>
+        </a:xfrm>
+      </p:grpSpPr>
+      <p:sp>
+        <p:nvSpPr>
+          <p:cNvPr id="2" name="Titre 1"/>
+          <p:cNvSpPr>
+            <a:spLocks noGrp="1"/>
+          </p:cNvSpPr>
+          <p:nvPr>
+            <p:ph type="title"/>
+          </p:nvPr>
+        </p:nvSpPr>
+        <p:spPr/>
+        <p:txBody>
+          <a:bodyPr/>
+          <a:lstStyle/>
+          <a:p>
+            <a:r>
+              <a:rPr lang="fr-FR" dirty="0"/>
+              <a:t>Erreur</a:t>
+            </a:r>
+          </a:p>
+        </p:txBody>
+      </p:sp>
+      <p:sp>
+        <p:nvSpPr>
+          <p:cNvPr id="3" name="Espace réservé du contenu 2"/>
+          <p:cNvSpPr>
+            <a:spLocks noGrp="1"/>
+          </p:cNvSpPr>
+          <p:nvPr>
+            <p:ph idx="1"/>
+          </p:nvPr>
+        </p:nvSpPr>
+        <p:spPr/>
+        <p:txBody>
+          <a:bodyPr/>
+          <a:lstStyle/>
+          <a:p>
+            <a:r>
+              <a:rPr lang="fr-FR" dirty="0"/>
               <a:t>L’erreur (ou le risque) est l’écart entre la données et le modèle</a:t>
             </a:r>
           </a:p>
           <a:p>
             <a:pPr lvl="1"/>
             <a:r>
-              <a:rPr lang="fr-FR" dirty="0" smtClean="0"/>
+              <a:rPr lang="fr-FR" dirty="0"/>
               <a:t>Risque réduit à gauche, important à droite</a:t>
             </a:r>
-            <a:endParaRPr lang="fr-FR" dirty="0"/>
           </a:p>
         </p:txBody>
       </p:sp>
@@ -8266,153 +8035,6 @@
 </p:sld>
 </file>
 
-<file path=ppt/slides/slide42.xml><?xml version="1.0" encoding="utf-8"?>
-<p:sld xmlns:a="http://schemas.openxmlformats.org/drawingml/2006/main" xmlns:r="http://schemas.openxmlformats.org/officeDocument/2006/relationships" xmlns:p="http://schemas.openxmlformats.org/presentationml/2006/main">
-  <p:cSld>
-    <p:spTree>
-      <p:nvGrpSpPr>
-        <p:cNvPr id="1" name=""/>
-        <p:cNvGrpSpPr/>
-        <p:nvPr/>
-      </p:nvGrpSpPr>
-      <p:grpSpPr>
-        <a:xfrm>
-          <a:off x="0" y="0"/>
-          <a:ext cx="0" cy="0"/>
-          <a:chOff x="0" y="0"/>
-          <a:chExt cx="0" cy="0"/>
-        </a:xfrm>
-      </p:grpSpPr>
-      <p:sp>
-        <p:nvSpPr>
-          <p:cNvPr id="2" name="Titre 1"/>
-          <p:cNvSpPr>
-            <a:spLocks noGrp="1"/>
-          </p:cNvSpPr>
-          <p:nvPr>
-            <p:ph type="title"/>
-          </p:nvPr>
-        </p:nvSpPr>
-        <p:spPr/>
-        <p:txBody>
-          <a:bodyPr/>
-          <a:lstStyle/>
-          <a:p>
-            <a:r>
-              <a:rPr lang="fr-FR" dirty="0" smtClean="0"/>
-              <a:t>Erreur quadratique</a:t>
-            </a:r>
-            <a:endParaRPr lang="fr-FR" dirty="0"/>
-          </a:p>
-        </p:txBody>
-      </p:sp>
-      <p:sp>
-        <p:nvSpPr>
-          <p:cNvPr id="3" name="Espace réservé du contenu 2"/>
-          <p:cNvSpPr>
-            <a:spLocks noGrp="1"/>
-          </p:cNvSpPr>
-          <p:nvPr>
-            <p:ph idx="1"/>
-          </p:nvPr>
-        </p:nvSpPr>
-        <p:spPr/>
-        <p:txBody>
-          <a:bodyPr/>
-          <a:lstStyle/>
-          <a:p>
-            <a:r>
-              <a:rPr lang="fr-FR" dirty="0"/>
-              <a:t>La distance la plus utilisée pour mesurer cet éloignement est l’erreur </a:t>
-            </a:r>
-            <a:r>
-              <a:rPr lang="fr-FR" dirty="0" smtClean="0"/>
-              <a:t>quadratique</a:t>
-            </a:r>
-            <a:endParaRPr lang="fr-FR" dirty="0"/>
-          </a:p>
-          <a:p>
-            <a:pPr lvl="1"/>
-            <a:r>
-              <a:rPr lang="fr-FR" dirty="0" smtClean="0"/>
-              <a:t>la </a:t>
-            </a:r>
-            <a:r>
-              <a:rPr lang="fr-FR" dirty="0"/>
-              <a:t>distance euclidienne entre un point et le </a:t>
-            </a:r>
-            <a:r>
-              <a:rPr lang="fr-FR" dirty="0" smtClean="0"/>
-              <a:t>modèle</a:t>
-            </a:r>
-            <a:endParaRPr lang="fr-FR" dirty="0"/>
-          </a:p>
-          <a:p>
-            <a:r>
-              <a:rPr lang="fr-FR" dirty="0"/>
-              <a:t>Souvent, on ne peut pas calculer directement l’erreur mais on va utiliser une approximation à partir des données qui sont notre seule </a:t>
-            </a:r>
-            <a:r>
-              <a:rPr lang="fr-FR" dirty="0" smtClean="0"/>
-              <a:t>ressource</a:t>
-            </a:r>
-          </a:p>
-          <a:p>
-            <a:pPr lvl="1"/>
-            <a:r>
-              <a:rPr lang="fr-FR" dirty="0" smtClean="0"/>
-              <a:t>On </a:t>
-            </a:r>
-            <a:r>
-              <a:rPr lang="fr-FR" dirty="0"/>
-              <a:t>va ainsi sommer sur toutes nos données d’exemples l’erreur effectuée du </a:t>
-            </a:r>
-            <a:r>
-              <a:rPr lang="fr-FR" dirty="0" smtClean="0"/>
-              <a:t>modèle</a:t>
-            </a:r>
-          </a:p>
-          <a:p>
-            <a:pPr lvl="1"/>
-            <a:r>
-              <a:rPr lang="fr-FR" dirty="0" smtClean="0"/>
-              <a:t>On </a:t>
-            </a:r>
-            <a:r>
-              <a:rPr lang="fr-FR" dirty="0"/>
-              <a:t>appelle cette erreur le risque </a:t>
-            </a:r>
-            <a:r>
-              <a:rPr lang="fr-FR" dirty="0" smtClean="0"/>
-              <a:t>empirique</a:t>
-            </a:r>
-          </a:p>
-          <a:p>
-            <a:r>
-              <a:rPr lang="fr-FR" dirty="0" smtClean="0"/>
-              <a:t>Le but étant de minimiser la moyenne de </a:t>
-            </a:r>
-            <a:r>
-              <a:rPr lang="fr-FR" smtClean="0"/>
-              <a:t>l’erreur quadratique</a:t>
-            </a:r>
-            <a:endParaRPr lang="fr-FR" dirty="0"/>
-          </a:p>
-        </p:txBody>
-      </p:sp>
-    </p:spTree>
-    <p:extLst>
-      <p:ext uri="{BB962C8B-B14F-4D97-AF65-F5344CB8AC3E}">
-        <p14:creationId xmlns:p14="http://schemas.microsoft.com/office/powerpoint/2010/main" val="2788917738"/>
-      </p:ext>
-    </p:extLst>
-  </p:cSld>
-  <p:clrMapOvr>
-    <a:masterClrMapping/>
-  </p:clrMapOvr>
-</p:sld>
-</file>
-
 <file path=ppt/slides/slide43.xml><?xml version="1.0" encoding="utf-8"?>
 <p:sld xmlns:a="http://schemas.openxmlformats.org/drawingml/2006/main" xmlns:r="http://schemas.openxmlformats.org/officeDocument/2006/relationships" xmlns:p="http://schemas.openxmlformats.org/presentationml/2006/main">
   <p:cSld>
@@ -8446,10 +8068,9 @@
           <a:lstStyle/>
           <a:p>
             <a:r>
-              <a:rPr lang="fr-FR" dirty="0" smtClean="0"/>
-              <a:t>Problème non modélisables</a:t>
-            </a:r>
-            <a:endParaRPr lang="fr-FR" dirty="0"/>
+              <a:rPr lang="fr-FR" dirty="0"/>
+              <a:t>Erreur quadratique</a:t>
+            </a:r>
           </a:p>
         </p:txBody>
       </p:sp>
@@ -8469,47 +8090,159 @@
           <a:lstStyle/>
           <a:p>
             <a:r>
-              <a:rPr lang="fr-FR" dirty="0" smtClean="0"/>
+              <a:rPr lang="fr-FR" dirty="0"/>
+              <a:t>La distance la plus utilisée pour mesurer cet éloignement est l’erreur quadratique</a:t>
+            </a:r>
+          </a:p>
+          <a:p>
+            <a:pPr lvl="1"/>
+            <a:r>
+              <a:rPr lang="fr-FR" dirty="0"/>
+              <a:t>la distance euclidienne entre un point et le modèle</a:t>
+            </a:r>
+          </a:p>
+          <a:p>
+            <a:r>
+              <a:rPr lang="fr-FR" dirty="0"/>
+              <a:t>Souvent, on ne peut pas calculer directement l’erreur mais on va utiliser une approximation à partir des données qui sont notre seule ressource</a:t>
+            </a:r>
+          </a:p>
+          <a:p>
+            <a:pPr lvl="1"/>
+            <a:r>
+              <a:rPr lang="fr-FR" dirty="0"/>
+              <a:t>On va ainsi sommer sur toutes nos données d’exemples l’erreur effectuée du modèle</a:t>
+            </a:r>
+          </a:p>
+          <a:p>
+            <a:pPr lvl="1"/>
+            <a:r>
+              <a:rPr lang="fr-FR" dirty="0"/>
+              <a:t>On appelle cette erreur le risque empirique</a:t>
+            </a:r>
+          </a:p>
+          <a:p>
+            <a:r>
+              <a:rPr lang="fr-FR" dirty="0"/>
+              <a:t>Le but étant de minimiser la moyenne de </a:t>
+            </a:r>
+            <a:r>
+              <a:rPr lang="fr-FR"/>
+              <a:t>l’erreur quadratique</a:t>
+            </a:r>
+            <a:endParaRPr lang="fr-FR" dirty="0"/>
+          </a:p>
+        </p:txBody>
+      </p:sp>
+    </p:spTree>
+    <p:extLst>
+      <p:ext uri="{BB962C8B-B14F-4D97-AF65-F5344CB8AC3E}">
+        <p14:creationId xmlns:p14="http://schemas.microsoft.com/office/powerpoint/2010/main" val="2788917738"/>
+      </p:ext>
+    </p:extLst>
+  </p:cSld>
+  <p:clrMapOvr>
+    <a:masterClrMapping/>
+  </p:clrMapOvr>
+</p:sld>
+</file>
+
+<file path=ppt/slides/slide44.xml><?xml version="1.0" encoding="utf-8"?>
+<p:sld xmlns:a="http://schemas.openxmlformats.org/drawingml/2006/main" xmlns:r="http://schemas.openxmlformats.org/officeDocument/2006/relationships" xmlns:p="http://schemas.openxmlformats.org/presentationml/2006/main">
+  <p:cSld>
+    <p:spTree>
+      <p:nvGrpSpPr>
+        <p:cNvPr id="1" name=""/>
+        <p:cNvGrpSpPr/>
+        <p:nvPr/>
+      </p:nvGrpSpPr>
+      <p:grpSpPr>
+        <a:xfrm>
+          <a:off x="0" y="0"/>
+          <a:ext cx="0" cy="0"/>
+          <a:chOff x="0" y="0"/>
+          <a:chExt cx="0" cy="0"/>
+        </a:xfrm>
+      </p:grpSpPr>
+      <p:sp>
+        <p:nvSpPr>
+          <p:cNvPr id="2" name="Titre 1"/>
+          <p:cNvSpPr>
+            <a:spLocks noGrp="1"/>
+          </p:cNvSpPr>
+          <p:nvPr>
+            <p:ph type="title"/>
+          </p:nvPr>
+        </p:nvSpPr>
+        <p:spPr/>
+        <p:txBody>
+          <a:bodyPr/>
+          <a:lstStyle/>
+          <a:p>
+            <a:r>
+              <a:rPr lang="fr-FR" dirty="0"/>
+              <a:t>Problème non modélisables</a:t>
+            </a:r>
+          </a:p>
+        </p:txBody>
+      </p:sp>
+      <p:sp>
+        <p:nvSpPr>
+          <p:cNvPr id="3" name="Espace réservé du contenu 2"/>
+          <p:cNvSpPr>
+            <a:spLocks noGrp="1"/>
+          </p:cNvSpPr>
+          <p:nvPr>
+            <p:ph idx="1"/>
+          </p:nvPr>
+        </p:nvSpPr>
+        <p:spPr/>
+        <p:txBody>
+          <a:bodyPr/>
+          <a:lstStyle/>
+          <a:p>
+            <a:r>
+              <a:rPr lang="fr-FR" dirty="0"/>
               <a:t>Certains problèmes ne sont pas modélisable par une régression</a:t>
             </a:r>
           </a:p>
           <a:p>
             <a:pPr lvl="1"/>
             <a:r>
-              <a:rPr lang="fr-FR" dirty="0" smtClean="0"/>
+              <a:rPr lang="fr-FR" dirty="0"/>
               <a:t>Non rationnel : Pi, nombres premiers</a:t>
             </a:r>
           </a:p>
           <a:p>
             <a:pPr lvl="1"/>
             <a:r>
-              <a:rPr lang="fr-FR" dirty="0" smtClean="0"/>
+              <a:rPr lang="fr-FR" dirty="0"/>
               <a:t>Fortement dispersé : </a:t>
             </a:r>
             <a:r>
-              <a:rPr lang="fr-FR" dirty="0" err="1" smtClean="0"/>
+              <a:rPr lang="fr-FR" dirty="0" err="1"/>
               <a:t>Random</a:t>
             </a:r>
-            <a:endParaRPr lang="fr-FR" dirty="0" smtClean="0"/>
+            <a:endParaRPr lang="fr-FR" dirty="0"/>
           </a:p>
           <a:p>
             <a:pPr lvl="1"/>
             <a:r>
-              <a:rPr lang="fr-FR" dirty="0" smtClean="0"/>
+              <a:rPr lang="fr-FR" dirty="0"/>
               <a:t>Ici </a:t>
             </a:r>
             <a:r>
-              <a:rPr lang="fr-FR" dirty="0" err="1" smtClean="0"/>
+              <a:rPr lang="fr-FR" dirty="0" err="1"/>
               <a:t>random.rand</a:t>
             </a:r>
             <a:r>
-              <a:rPr lang="fr-FR" dirty="0" smtClean="0"/>
+              <a:rPr lang="fr-FR" dirty="0"/>
               <a:t>(30) et les 40000 premiers nombres premiers sur une grille 200 x 200</a:t>
             </a:r>
           </a:p>
           <a:p>
             <a:pPr lvl="1"/>
-            <a:endParaRPr lang="fr-FR" dirty="0" smtClean="0"/>
+            <a:endParaRPr lang="fr-FR" dirty="0"/>
           </a:p>
         </p:txBody>
       </p:sp>
@@ -8608,90 +8341,6 @@
 </p:sld>
 </file>
 
-<file path=ppt/slides/slide44.xml><?xml version="1.0" encoding="utf-8"?>
-<p:sld xmlns:a="http://schemas.openxmlformats.org/drawingml/2006/main" xmlns:r="http://schemas.openxmlformats.org/officeDocument/2006/relationships" xmlns:p="http://schemas.openxmlformats.org/presentationml/2006/main">
-  <p:cSld>
-    <p:spTree>
-      <p:nvGrpSpPr>
-        <p:cNvPr id="1" name=""/>
-        <p:cNvGrpSpPr/>
-        <p:nvPr/>
-      </p:nvGrpSpPr>
-      <p:grpSpPr>
-        <a:xfrm>
-          <a:off x="0" y="0"/>
-          <a:ext cx="0" cy="0"/>
-          <a:chOff x="0" y="0"/>
-          <a:chExt cx="0" cy="0"/>
-        </a:xfrm>
-      </p:grpSpPr>
-      <p:sp>
-        <p:nvSpPr>
-          <p:cNvPr id="2" name="Titre 1"/>
-          <p:cNvSpPr>
-            <a:spLocks noGrp="1"/>
-          </p:cNvSpPr>
-          <p:nvPr>
-            <p:ph type="title"/>
-          </p:nvPr>
-        </p:nvSpPr>
-        <p:spPr/>
-        <p:txBody>
-          <a:bodyPr/>
-          <a:lstStyle/>
-          <a:p>
-            <a:r>
-              <a:rPr lang="fr-FR" dirty="0" err="1" smtClean="0"/>
-              <a:t>Edmunt</a:t>
-            </a:r>
-            <a:r>
-              <a:rPr lang="fr-FR" dirty="0" smtClean="0"/>
-              <a:t> Husserl</a:t>
-            </a:r>
-            <a:endParaRPr lang="fr-FR" dirty="0"/>
-          </a:p>
-        </p:txBody>
-      </p:sp>
-      <p:sp>
-        <p:nvSpPr>
-          <p:cNvPr id="3" name="Espace réservé du contenu 2"/>
-          <p:cNvSpPr>
-            <a:spLocks noGrp="1"/>
-          </p:cNvSpPr>
-          <p:nvPr>
-            <p:ph idx="1"/>
-          </p:nvPr>
-        </p:nvSpPr>
-        <p:spPr/>
-        <p:txBody>
-          <a:bodyPr/>
-          <a:lstStyle/>
-          <a:p>
-            <a:r>
-              <a:rPr lang="fr-FR" dirty="0" smtClean="0"/>
-              <a:t>«</a:t>
-            </a:r>
-            <a:r>
-              <a:rPr lang="fr-FR" dirty="0"/>
-              <a:t> Les modèles sont les habits des idées, il y a toujours un modèle qui peut faire croire que votre idée est juste. »</a:t>
-            </a:r>
-            <a:endParaRPr lang="fr-FR" dirty="0"/>
-          </a:p>
-        </p:txBody>
-      </p:sp>
-    </p:spTree>
-    <p:extLst>
-      <p:ext uri="{BB962C8B-B14F-4D97-AF65-F5344CB8AC3E}">
-        <p14:creationId xmlns:p14="http://schemas.microsoft.com/office/powerpoint/2010/main" val="3344571388"/>
-      </p:ext>
-    </p:extLst>
-  </p:cSld>
-  <p:clrMapOvr>
-    <a:masterClrMapping/>
-  </p:clrMapOvr>
-</p:sld>
-</file>
-
 <file path=ppt/slides/slide45.xml><?xml version="1.0" encoding="utf-8"?>
 <p:sld xmlns:a="http://schemas.openxmlformats.org/drawingml/2006/main" xmlns:r="http://schemas.openxmlformats.org/officeDocument/2006/relationships" xmlns:p="http://schemas.openxmlformats.org/presentationml/2006/main">
   <p:cSld>
@@ -8725,10 +8374,13 @@
           <a:lstStyle/>
           <a:p>
             <a:r>
-              <a:rPr lang="fr-FR" dirty="0" smtClean="0"/>
-              <a:t>Considération sur les tailles</a:t>
-            </a:r>
-            <a:endParaRPr lang="fr-FR" dirty="0"/>
+              <a:rPr lang="fr-FR" dirty="0" err="1"/>
+              <a:t>Edmunt</a:t>
+            </a:r>
+            <a:r>
+              <a:rPr lang="fr-FR" dirty="0"/>
+              <a:t> Husserl</a:t>
+            </a:r>
           </a:p>
         </p:txBody>
       </p:sp>
@@ -8748,61 +8400,16 @@
           <a:lstStyle/>
           <a:p>
             <a:r>
-              <a:rPr lang="fr-FR" dirty="0" smtClean="0"/>
-              <a:t>Les processeurs d’aujourd’hui en en 64 bits (x64)</a:t>
-            </a:r>
-          </a:p>
-          <a:p>
-            <a:pPr lvl="1"/>
-            <a:r>
-              <a:rPr lang="fr-FR" dirty="0" smtClean="0"/>
-              <a:t>Les GPU sont sur 128 bits</a:t>
-            </a:r>
-          </a:p>
-          <a:p>
-            <a:pPr lvl="1"/>
-            <a:r>
-              <a:rPr lang="fr-FR" dirty="0" smtClean="0"/>
-              <a:t>Les anciens processeurs sur 32 bits</a:t>
-            </a:r>
-          </a:p>
-          <a:p>
-            <a:pPr lvl="1"/>
-            <a:r>
-              <a:rPr lang="fr-FR" dirty="0" smtClean="0"/>
-              <a:t>Python existe en version 32 et 64 bits</a:t>
-            </a:r>
-          </a:p>
-          <a:p>
-            <a:r>
-              <a:rPr lang="fr-FR" dirty="0" smtClean="0"/>
-              <a:t>Un processeur 32 bits ne peut adresser que 2^32 bits soit 4Gbit</a:t>
-            </a:r>
-          </a:p>
-          <a:p>
-            <a:pPr lvl="1"/>
-            <a:r>
-              <a:rPr lang="fr-FR" dirty="0" smtClean="0"/>
-              <a:t>Une adresse mémoire est souvent sur 1 octet ce qui donne 4Go de mémoire maximum, sachant que près de la moitié est pris par l’OS</a:t>
-            </a:r>
-          </a:p>
-          <a:p>
-            <a:r>
-              <a:rPr lang="fr-FR" dirty="0" smtClean="0"/>
-              <a:t>Un processeur 64 bits sait adressé 8000 </a:t>
-            </a:r>
-            <a:r>
-              <a:rPr lang="fr-FR" dirty="0" err="1" smtClean="0"/>
-              <a:t>Pbit</a:t>
-            </a:r>
-            <a:endParaRPr lang="fr-FR" dirty="0" smtClean="0"/>
+              <a:rPr lang="fr-FR" dirty="0"/>
+              <a:t>« Les modèles sont les habits des idées, il y a toujours un modèle qui peut faire croire que votre idée est juste. »</a:t>
+            </a:r>
           </a:p>
         </p:txBody>
       </p:sp>
     </p:spTree>
     <p:extLst>
       <p:ext uri="{BB962C8B-B14F-4D97-AF65-F5344CB8AC3E}">
-        <p14:creationId xmlns:p14="http://schemas.microsoft.com/office/powerpoint/2010/main" val="1996995698"/>
+        <p14:creationId xmlns:p14="http://schemas.microsoft.com/office/powerpoint/2010/main" val="3344571388"/>
       </p:ext>
     </p:extLst>
   </p:cSld>
@@ -8845,10 +8452,9 @@
           <a:lstStyle/>
           <a:p>
             <a:r>
-              <a:rPr lang="fr-FR" dirty="0" smtClean="0"/>
+              <a:rPr lang="fr-FR" dirty="0"/>
               <a:t>Considération sur les tailles</a:t>
             </a:r>
-            <a:endParaRPr lang="fr-FR" dirty="0"/>
           </a:p>
         </p:txBody>
       </p:sp>
@@ -8868,102 +8474,61 @@
           <a:lstStyle/>
           <a:p>
             <a:r>
-              <a:rPr lang="fr-FR" sz="2400" dirty="0" smtClean="0"/>
-              <a:t>En Python un flottant fait 32 bits</a:t>
+              <a:rPr lang="fr-FR" dirty="0"/>
+              <a:t>Les processeurs d’aujourd’hui en en 64 bits (x64)</a:t>
             </a:r>
           </a:p>
           <a:p>
             <a:pPr lvl="1"/>
             <a:r>
-              <a:rPr lang="fr-FR" sz="2000" dirty="0" smtClean="0"/>
-              <a:t>Sachant que la moitié des ressources est pris par l’OS et qu’une liste de valeur est amené à être dupliqué au moins une fois</a:t>
+              <a:rPr lang="fr-FR" dirty="0"/>
+              <a:t>Les GPU sont sur 128 bits</a:t>
             </a:r>
           </a:p>
           <a:p>
             <a:pPr lvl="1"/>
             <a:r>
-              <a:rPr lang="fr-FR" sz="2000" dirty="0" smtClean="0"/>
-              <a:t>Python 32 bits sait géré 10**8 flottants</a:t>
+              <a:rPr lang="fr-FR" dirty="0"/>
+              <a:t>Les anciens processeurs sur 32 bits</a:t>
             </a:r>
           </a:p>
           <a:p>
             <a:pPr lvl="1"/>
             <a:r>
-              <a:rPr lang="fr-FR" sz="2000" dirty="0" smtClean="0"/>
-              <a:t>Python 64 bits sait géré 10**18 flottants</a:t>
-            </a:r>
-          </a:p>
-          <a:p>
-            <a:r>
-              <a:rPr lang="fr-FR" sz="2400" dirty="0" smtClean="0"/>
-              <a:t>Une image 28 * 28 * 16 niveaux de gris fait 3Ko</a:t>
+              <a:rPr lang="fr-FR" dirty="0"/>
+              <a:t>Python existe en version 32 et 64 bits</a:t>
+            </a:r>
+          </a:p>
+          <a:p>
+            <a:r>
+              <a:rPr lang="fr-FR" dirty="0"/>
+              <a:t>Un processeur 32 bits ne peut adresser que 2^32 bits soit 4Gbit</a:t>
             </a:r>
           </a:p>
           <a:p>
             <a:pPr lvl="1"/>
             <a:r>
-              <a:rPr lang="fr-FR" sz="2000" dirty="0" smtClean="0"/>
-              <a:t>Python 32 bits sait géré 333 000 images</a:t>
-            </a:r>
-          </a:p>
-          <a:p>
-            <a:pPr lvl="1"/>
-            <a:r>
-              <a:rPr lang="fr-FR" sz="2000" dirty="0" smtClean="0"/>
-              <a:t>Python 64 bits sait géré 10**15 images</a:t>
-            </a:r>
-          </a:p>
-          <a:p>
-            <a:r>
-              <a:rPr lang="fr-FR" sz="2400" dirty="0" smtClean="0"/>
-              <a:t>Une image 1024 * 768 en couleur RAW fait 3Mo</a:t>
-            </a:r>
-          </a:p>
-          <a:p>
-            <a:pPr lvl="1"/>
-            <a:r>
-              <a:rPr lang="fr-FR" sz="2000" dirty="0"/>
-              <a:t>Python 32 bits sait géré 333 </a:t>
-            </a:r>
-            <a:r>
-              <a:rPr lang="fr-FR" sz="2000" dirty="0" smtClean="0"/>
-              <a:t>images</a:t>
-            </a:r>
-            <a:endParaRPr lang="fr-FR" sz="2000" dirty="0"/>
-          </a:p>
-          <a:p>
-            <a:pPr lvl="1"/>
-            <a:r>
-              <a:rPr lang="fr-FR" sz="2000" dirty="0"/>
-              <a:t>Python 64 bits sait géré 10**</a:t>
-            </a:r>
-            <a:r>
-              <a:rPr lang="fr-FR" sz="2000" dirty="0" smtClean="0"/>
-              <a:t>12 images</a:t>
-            </a:r>
-          </a:p>
-          <a:p>
-            <a:r>
-              <a:rPr lang="fr-FR" sz="2400" dirty="0" smtClean="0"/>
-              <a:t>Une image 4K RAW fait 16Mo</a:t>
-            </a:r>
-          </a:p>
-          <a:p>
-            <a:pPr marL="457200" lvl="1" indent="0">
-              <a:buNone/>
-            </a:pPr>
+              <a:rPr lang="fr-FR" dirty="0"/>
+              <a:t>Une adresse mémoire est souvent sur 1 octet ce qui donne 4Go de mémoire maximum, sachant que près de la moitié est pris par l’OS</a:t>
+            </a:r>
+          </a:p>
+          <a:p>
+            <a:r>
+              <a:rPr lang="fr-FR" dirty="0"/>
+              <a:t>Un processeur 64 bits sait adressé 8000 </a:t>
+            </a:r>
+            <a:r>
+              <a:rPr lang="fr-FR" dirty="0" err="1"/>
+              <a:t>Pbit</a:t>
+            </a:r>
             <a:endParaRPr lang="fr-FR" dirty="0"/>
-          </a:p>
-          <a:p>
-            <a:pPr lvl="1"/>
-            <a:endParaRPr lang="fr-FR" sz="2000" dirty="0" smtClean="0"/>
           </a:p>
         </p:txBody>
       </p:sp>
     </p:spTree>
     <p:extLst>
       <p:ext uri="{BB962C8B-B14F-4D97-AF65-F5344CB8AC3E}">
-        <p14:creationId xmlns:p14="http://schemas.microsoft.com/office/powerpoint/2010/main" val="916193899"/>
+        <p14:creationId xmlns:p14="http://schemas.microsoft.com/office/powerpoint/2010/main" val="1996995698"/>
       </p:ext>
     </p:extLst>
   </p:cSld>
@@ -9006,10 +8571,160 @@
           <a:lstStyle/>
           <a:p>
             <a:r>
-              <a:rPr lang="fr-FR" dirty="0" smtClean="0"/>
+              <a:rPr lang="fr-FR" dirty="0"/>
+              <a:t>Considération sur les tailles</a:t>
+            </a:r>
+          </a:p>
+        </p:txBody>
+      </p:sp>
+      <p:sp>
+        <p:nvSpPr>
+          <p:cNvPr id="3" name="Espace réservé du contenu 2"/>
+          <p:cNvSpPr>
+            <a:spLocks noGrp="1"/>
+          </p:cNvSpPr>
+          <p:nvPr>
+            <p:ph idx="1"/>
+          </p:nvPr>
+        </p:nvSpPr>
+        <p:spPr/>
+        <p:txBody>
+          <a:bodyPr/>
+          <a:lstStyle/>
+          <a:p>
+            <a:r>
+              <a:rPr lang="fr-FR" sz="2400" dirty="0"/>
+              <a:t>En Python un flottant fait 32 bits</a:t>
+            </a:r>
+          </a:p>
+          <a:p>
+            <a:pPr lvl="1"/>
+            <a:r>
+              <a:rPr lang="fr-FR" sz="2000" dirty="0"/>
+              <a:t>Sachant que la moitié des ressources est pris par l’OS et qu’une liste de valeur est amené à être dupliqué au moins une fois</a:t>
+            </a:r>
+          </a:p>
+          <a:p>
+            <a:pPr lvl="1"/>
+            <a:r>
+              <a:rPr lang="fr-FR" sz="2000" dirty="0"/>
+              <a:t>Python 32 bits sait géré 10**8 flottants</a:t>
+            </a:r>
+          </a:p>
+          <a:p>
+            <a:pPr lvl="1"/>
+            <a:r>
+              <a:rPr lang="fr-FR" sz="2000" dirty="0"/>
+              <a:t>Python 64 bits sait géré 10**18 flottants</a:t>
+            </a:r>
+          </a:p>
+          <a:p>
+            <a:r>
+              <a:rPr lang="fr-FR" sz="2400" dirty="0"/>
+              <a:t>Une image 28 * 28 * 16 niveaux de gris fait 3Ko</a:t>
+            </a:r>
+          </a:p>
+          <a:p>
+            <a:pPr lvl="1"/>
+            <a:r>
+              <a:rPr lang="fr-FR" sz="2000" dirty="0"/>
+              <a:t>Python 32 bits sait géré 333 000 images</a:t>
+            </a:r>
+          </a:p>
+          <a:p>
+            <a:pPr lvl="1"/>
+            <a:r>
+              <a:rPr lang="fr-FR" sz="2000" dirty="0"/>
+              <a:t>Python 64 bits sait géré 10**15 images</a:t>
+            </a:r>
+          </a:p>
+          <a:p>
+            <a:r>
+              <a:rPr lang="fr-FR" sz="2400" dirty="0"/>
+              <a:t>Une image 1024 * 768 en couleur RAW fait 3Mo</a:t>
+            </a:r>
+          </a:p>
+          <a:p>
+            <a:pPr lvl="1"/>
+            <a:r>
+              <a:rPr lang="fr-FR" sz="2000" dirty="0"/>
+              <a:t>Python 32 bits sait géré 333 images</a:t>
+            </a:r>
+          </a:p>
+          <a:p>
+            <a:pPr lvl="1"/>
+            <a:r>
+              <a:rPr lang="fr-FR" sz="2000" dirty="0"/>
+              <a:t>Python 64 bits sait géré 10**12 images</a:t>
+            </a:r>
+          </a:p>
+          <a:p>
+            <a:r>
+              <a:rPr lang="fr-FR" sz="2400" dirty="0"/>
+              <a:t>Une image 4K RAW fait 16Mo</a:t>
+            </a:r>
+          </a:p>
+          <a:p>
+            <a:pPr marL="457200" lvl="1" indent="0">
+              <a:buNone/>
+            </a:pPr>
+            <a:endParaRPr lang="fr-FR" dirty="0"/>
+          </a:p>
+          <a:p>
+            <a:pPr lvl="1"/>
+            <a:endParaRPr lang="fr-FR" sz="2000" dirty="0"/>
+          </a:p>
+        </p:txBody>
+      </p:sp>
+    </p:spTree>
+    <p:extLst>
+      <p:ext uri="{BB962C8B-B14F-4D97-AF65-F5344CB8AC3E}">
+        <p14:creationId xmlns:p14="http://schemas.microsoft.com/office/powerpoint/2010/main" val="916193899"/>
+      </p:ext>
+    </p:extLst>
+  </p:cSld>
+  <p:clrMapOvr>
+    <a:masterClrMapping/>
+  </p:clrMapOvr>
+</p:sld>
+</file>
+
+<file path=ppt/slides/slide48.xml><?xml version="1.0" encoding="utf-8"?>
+<p:sld xmlns:a="http://schemas.openxmlformats.org/drawingml/2006/main" xmlns:r="http://schemas.openxmlformats.org/officeDocument/2006/relationships" xmlns:p="http://schemas.openxmlformats.org/presentationml/2006/main">
+  <p:cSld>
+    <p:spTree>
+      <p:nvGrpSpPr>
+        <p:cNvPr id="1" name=""/>
+        <p:cNvGrpSpPr/>
+        <p:nvPr/>
+      </p:nvGrpSpPr>
+      <p:grpSpPr>
+        <a:xfrm>
+          <a:off x="0" y="0"/>
+          <a:ext cx="0" cy="0"/>
+          <a:chOff x="0" y="0"/>
+          <a:chExt cx="0" cy="0"/>
+        </a:xfrm>
+      </p:grpSpPr>
+      <p:sp>
+        <p:nvSpPr>
+          <p:cNvPr id="2" name="Titre 1"/>
+          <p:cNvSpPr>
+            <a:spLocks noGrp="1"/>
+          </p:cNvSpPr>
+          <p:nvPr>
+            <p:ph type="title"/>
+          </p:nvPr>
+        </p:nvSpPr>
+        <p:spPr/>
+        <p:txBody>
+          <a:bodyPr/>
+          <a:lstStyle/>
+          <a:p>
+            <a:r>
+              <a:rPr lang="fr-FR" dirty="0"/>
               <a:t>Pur rappel</a:t>
             </a:r>
-            <a:endParaRPr lang="fr-FR" dirty="0"/>
           </a:p>
         </p:txBody>
       </p:sp>
@@ -9052,7 +8767,7 @@
 </p:sld>
 </file>
 
-<file path=ppt/slides/slide48.xml><?xml version="1.0" encoding="utf-8"?>
+<file path=ppt/slides/slide49.xml><?xml version="1.0" encoding="utf-8"?>
 <p:sld xmlns:a="http://schemas.openxmlformats.org/drawingml/2006/main" xmlns:r="http://schemas.openxmlformats.org/officeDocument/2006/relationships" xmlns:p="http://schemas.openxmlformats.org/presentationml/2006/main">
   <p:cSld>
     <p:spTree>
@@ -9085,10 +8800,9 @@
           <a:lstStyle/>
           <a:p>
             <a:r>
-              <a:rPr lang="fr-FR" dirty="0" smtClean="0"/>
+              <a:rPr lang="fr-FR" dirty="0"/>
               <a:t>Prétraitement</a:t>
             </a:r>
-            <a:endParaRPr lang="fr-FR" dirty="0"/>
           </a:p>
         </p:txBody>
       </p:sp>
@@ -9108,36 +8822,35 @@
           <a:lstStyle/>
           <a:p>
             <a:r>
-              <a:rPr lang="fr-FR" dirty="0" smtClean="0"/>
+              <a:rPr lang="fr-FR" dirty="0"/>
               <a:t>Si un problème est trop long à résoudre il faut le simplifier</a:t>
             </a:r>
           </a:p>
           <a:p>
             <a:r>
-              <a:rPr lang="fr-FR" dirty="0" smtClean="0"/>
+              <a:rPr lang="fr-FR" dirty="0"/>
               <a:t>Une fois les données nettoyée on peut les prétraitées</a:t>
             </a:r>
           </a:p>
           <a:p>
             <a:r>
-              <a:rPr lang="fr-FR" dirty="0" smtClean="0"/>
+              <a:rPr lang="fr-FR" dirty="0"/>
               <a:t>En prétraitant des données leur traitement sera facilité</a:t>
             </a:r>
           </a:p>
           <a:p>
             <a:pPr lvl="1"/>
             <a:r>
-              <a:rPr lang="fr-FR" dirty="0" smtClean="0"/>
+              <a:rPr lang="fr-FR" dirty="0"/>
               <a:t>Ici le seuillage d’une image</a:t>
             </a:r>
           </a:p>
           <a:p>
             <a:pPr lvl="1"/>
             <a:r>
-              <a:rPr lang="fr-FR" dirty="0" smtClean="0"/>
+              <a:rPr lang="fr-FR" dirty="0"/>
               <a:t>Taille abaissé (4 bits -&gt; 1 bit)</a:t>
             </a:r>
-            <a:endParaRPr lang="fr-FR" dirty="0"/>
           </a:p>
         </p:txBody>
       </p:sp>
@@ -9228,10 +8941,9 @@
           <a:lstStyle/>
           <a:p>
             <a:r>
-              <a:rPr lang="fr-FR" dirty="0" smtClean="0"/>
-              <a:t>Exemple</a:t>
-            </a:r>
-            <a:endParaRPr lang="fr-FR" dirty="0"/>
+              <a:rPr lang="fr-FR" dirty="0"/>
+              <a:t>But</a:t>
+            </a:r>
           </a:p>
         </p:txBody>
       </p:sp>
@@ -9251,26 +8963,110 @@
           <a:lstStyle/>
           <a:p>
             <a:r>
-              <a:rPr lang="fr-FR" dirty="0" smtClean="0"/>
-              <a:t>Imaginez </a:t>
-            </a:r>
-            <a:r>
-              <a:rPr lang="fr-FR" dirty="0"/>
-              <a:t>que vous voulez savoir si vous payez trop cher votre </a:t>
-            </a:r>
-            <a:r>
-              <a:rPr lang="fr-FR" dirty="0" smtClean="0"/>
-              <a:t>loyer</a:t>
-            </a:r>
-          </a:p>
-          <a:p>
-            <a:r>
-              <a:rPr lang="fr-FR" dirty="0" smtClean="0"/>
-              <a:t>Vous </a:t>
-            </a:r>
-            <a:r>
-              <a:rPr lang="fr-FR" dirty="0"/>
-              <a:t>avez récupéré sur un site de location une trentaine de prix des locations disponibles, ainsi que la surface associée</a:t>
+              <a:rPr lang="fr-FR" dirty="0"/>
+              <a:t>En machine </a:t>
+            </a:r>
+            <a:r>
+              <a:rPr lang="fr-FR" dirty="0" err="1"/>
+              <a:t>learning</a:t>
+            </a:r>
+            <a:r>
+              <a:rPr lang="fr-FR" dirty="0"/>
+              <a:t> et en data science plus généralement, l'objectif est de trouver un modèle du phénomène à l'origine des données</a:t>
+            </a:r>
+          </a:p>
+          <a:p>
+            <a:r>
+              <a:rPr lang="fr-FR" dirty="0"/>
+              <a:t>C'est à dire qu'on considère que chaque donnée observée est l'expression d'une variable aléatoire générée par une distribution de probabilité</a:t>
+            </a:r>
+          </a:p>
+          <a:p>
+            <a:pPr lvl="1"/>
+            <a:r>
+              <a:rPr lang="fr-FR"/>
+              <a:t>Par exemple les sondages</a:t>
+            </a:r>
+            <a:endParaRPr lang="fr-FR" dirty="0"/>
+          </a:p>
+        </p:txBody>
+      </p:sp>
+    </p:spTree>
+    <p:extLst>
+      <p:ext uri="{BB962C8B-B14F-4D97-AF65-F5344CB8AC3E}">
+        <p14:creationId xmlns:p14="http://schemas.microsoft.com/office/powerpoint/2010/main" val="3282916395"/>
+      </p:ext>
+    </p:extLst>
+  </p:cSld>
+  <p:clrMapOvr>
+    <a:masterClrMapping/>
+  </p:clrMapOvr>
+</p:sld>
+</file>
+
+<file path=ppt/slides/slide6.xml><?xml version="1.0" encoding="utf-8"?>
+<p:sld xmlns:a="http://schemas.openxmlformats.org/drawingml/2006/main" xmlns:r="http://schemas.openxmlformats.org/officeDocument/2006/relationships" xmlns:p="http://schemas.openxmlformats.org/presentationml/2006/main">
+  <p:cSld>
+    <p:spTree>
+      <p:nvGrpSpPr>
+        <p:cNvPr id="1" name=""/>
+        <p:cNvGrpSpPr/>
+        <p:nvPr/>
+      </p:nvGrpSpPr>
+      <p:grpSpPr>
+        <a:xfrm>
+          <a:off x="0" y="0"/>
+          <a:ext cx="0" cy="0"/>
+          <a:chOff x="0" y="0"/>
+          <a:chExt cx="0" cy="0"/>
+        </a:xfrm>
+      </p:grpSpPr>
+      <p:sp>
+        <p:nvSpPr>
+          <p:cNvPr id="2" name="Titre 1"/>
+          <p:cNvSpPr>
+            <a:spLocks noGrp="1"/>
+          </p:cNvSpPr>
+          <p:nvPr>
+            <p:ph type="title"/>
+          </p:nvPr>
+        </p:nvSpPr>
+        <p:spPr/>
+        <p:txBody>
+          <a:bodyPr/>
+          <a:lstStyle/>
+          <a:p>
+            <a:r>
+              <a:rPr lang="fr-FR" dirty="0"/>
+              <a:t>Exemple</a:t>
+            </a:r>
+          </a:p>
+        </p:txBody>
+      </p:sp>
+      <p:sp>
+        <p:nvSpPr>
+          <p:cNvPr id="3" name="Espace réservé du contenu 2"/>
+          <p:cNvSpPr>
+            <a:spLocks noGrp="1"/>
+          </p:cNvSpPr>
+          <p:nvPr>
+            <p:ph idx="1"/>
+          </p:nvPr>
+        </p:nvSpPr>
+        <p:spPr/>
+        <p:txBody>
+          <a:bodyPr/>
+          <a:lstStyle/>
+          <a:p>
+            <a:r>
+              <a:rPr lang="fr-FR" dirty="0"/>
+              <a:t>Imaginez que vous voulez savoir si vous payez trop cher votre loyer</a:t>
+            </a:r>
+          </a:p>
+          <a:p>
+            <a:r>
+              <a:rPr lang="fr-FR" dirty="0"/>
+              <a:t>Vous avez récupéré sur un site de location une trentaine de prix des locations disponibles, ainsi que la surface associée</a:t>
             </a:r>
           </a:p>
         </p:txBody>
@@ -9312,7 +9108,7 @@
 </p:sld>
 </file>
 
-<file path=ppt/slides/slide6.xml><?xml version="1.0" encoding="utf-8"?>
+<file path=ppt/slides/slide7.xml><?xml version="1.0" encoding="utf-8"?>
 <p:sld xmlns:a="http://schemas.openxmlformats.org/drawingml/2006/main" xmlns:r="http://schemas.openxmlformats.org/officeDocument/2006/relationships" xmlns:p="http://schemas.openxmlformats.org/presentationml/2006/main">
   <p:cSld>
     <p:spTree>
@@ -9345,10 +9141,9 @@
           <a:lstStyle/>
           <a:p>
             <a:r>
-              <a:rPr lang="fr-FR" dirty="0" smtClean="0"/>
+              <a:rPr lang="fr-FR" dirty="0"/>
               <a:t>Graphique</a:t>
             </a:r>
-            <a:endParaRPr lang="fr-FR" dirty="0"/>
           </a:p>
         </p:txBody>
       </p:sp>
@@ -9368,10 +9163,9 @@
           <a:lstStyle/>
           <a:p>
             <a:r>
-              <a:rPr lang="fr-FR" dirty="0" smtClean="0"/>
+              <a:rPr lang="fr-FR" dirty="0"/>
               <a:t>Surface / Loyer</a:t>
             </a:r>
-            <a:endParaRPr lang="fr-FR" dirty="0"/>
           </a:p>
         </p:txBody>
       </p:sp>
@@ -9429,123 +9223,6 @@
 </p:sld>
 </file>
 
-<file path=ppt/slides/slide7.xml><?xml version="1.0" encoding="utf-8"?>
-<p:sld xmlns:a="http://schemas.openxmlformats.org/drawingml/2006/main" xmlns:r="http://schemas.openxmlformats.org/officeDocument/2006/relationships" xmlns:p="http://schemas.openxmlformats.org/presentationml/2006/main">
-  <p:cSld>
-    <p:spTree>
-      <p:nvGrpSpPr>
-        <p:cNvPr id="1" name=""/>
-        <p:cNvGrpSpPr/>
-        <p:nvPr/>
-      </p:nvGrpSpPr>
-      <p:grpSpPr>
-        <a:xfrm>
-          <a:off x="0" y="0"/>
-          <a:ext cx="0" cy="0"/>
-          <a:chOff x="0" y="0"/>
-          <a:chExt cx="0" cy="0"/>
-        </a:xfrm>
-      </p:grpSpPr>
-      <p:sp>
-        <p:nvSpPr>
-          <p:cNvPr id="2" name="Titre 1"/>
-          <p:cNvSpPr>
-            <a:spLocks noGrp="1"/>
-          </p:cNvSpPr>
-          <p:nvPr>
-            <p:ph type="title"/>
-          </p:nvPr>
-        </p:nvSpPr>
-        <p:spPr/>
-        <p:txBody>
-          <a:bodyPr/>
-          <a:lstStyle/>
-          <a:p>
-            <a:r>
-              <a:rPr lang="fr-FR" dirty="0" smtClean="0"/>
-              <a:t>Régression</a:t>
-            </a:r>
-            <a:endParaRPr lang="fr-FR" dirty="0"/>
-          </a:p>
-        </p:txBody>
-      </p:sp>
-      <p:sp>
-        <p:nvSpPr>
-          <p:cNvPr id="3" name="Espace réservé du contenu 2"/>
-          <p:cNvSpPr>
-            <a:spLocks noGrp="1"/>
-          </p:cNvSpPr>
-          <p:nvPr>
-            <p:ph idx="1"/>
-          </p:nvPr>
-        </p:nvSpPr>
-        <p:spPr/>
-        <p:txBody>
-          <a:bodyPr/>
-          <a:lstStyle/>
-          <a:p>
-            <a:r>
-              <a:rPr lang="fr-FR" dirty="0" smtClean="0"/>
-              <a:t>Une régression est une formule mathématique qui étudie des données réelle d’une manière proche de la réalité mais simplifiée</a:t>
-            </a:r>
-          </a:p>
-          <a:p>
-            <a:r>
-              <a:rPr lang="fr-FR" dirty="0" smtClean="0"/>
-              <a:t>Différent types</a:t>
-            </a:r>
-          </a:p>
-          <a:p>
-            <a:pPr lvl="1"/>
-            <a:r>
-              <a:rPr lang="fr-FR" dirty="0" smtClean="0"/>
-              <a:t>Linéaire</a:t>
-            </a:r>
-          </a:p>
-          <a:p>
-            <a:pPr lvl="1"/>
-            <a:r>
-              <a:rPr lang="fr-FR" dirty="0" smtClean="0"/>
-              <a:t>Second degré</a:t>
-            </a:r>
-          </a:p>
-          <a:p>
-            <a:pPr lvl="1"/>
-            <a:r>
-              <a:rPr lang="fr-FR" dirty="0" smtClean="0"/>
-              <a:t>Polynomiale</a:t>
-            </a:r>
-          </a:p>
-          <a:p>
-            <a:pPr lvl="1"/>
-            <a:r>
-              <a:rPr lang="fr-FR" dirty="0" err="1" smtClean="0"/>
-              <a:t>Sinusoidale</a:t>
-            </a:r>
-            <a:endParaRPr lang="fr-FR" dirty="0" smtClean="0"/>
-          </a:p>
-          <a:p>
-            <a:pPr lvl="1"/>
-            <a:r>
-              <a:rPr lang="fr-FR" dirty="0" smtClean="0"/>
-              <a:t>Elliptique</a:t>
-            </a:r>
-          </a:p>
-        </p:txBody>
-      </p:sp>
-    </p:spTree>
-    <p:extLst>
-      <p:ext uri="{BB962C8B-B14F-4D97-AF65-F5344CB8AC3E}">
-        <p14:creationId xmlns:p14="http://schemas.microsoft.com/office/powerpoint/2010/main" val="4001649359"/>
-      </p:ext>
-    </p:extLst>
-  </p:cSld>
-  <p:clrMapOvr>
-    <a:masterClrMapping/>
-  </p:clrMapOvr>
-</p:sld>
-</file>
-
 <file path=ppt/slides/slide8.xml><?xml version="1.0" encoding="utf-8"?>
 <p:sld xmlns:a="http://schemas.openxmlformats.org/drawingml/2006/main" xmlns:r="http://schemas.openxmlformats.org/officeDocument/2006/relationships" xmlns:p="http://schemas.openxmlformats.org/presentationml/2006/main">
   <p:cSld>
@@ -9579,10 +9256,9 @@
           <a:lstStyle/>
           <a:p>
             <a:r>
-              <a:rPr lang="fr-FR" dirty="0" smtClean="0"/>
-              <a:t>Régression linéaire</a:t>
-            </a:r>
-            <a:endParaRPr lang="fr-FR" dirty="0"/>
+              <a:rPr lang="fr-FR" dirty="0"/>
+              <a:t>Régression</a:t>
+            </a:r>
           </a:p>
         </p:txBody>
       </p:sp>
@@ -9602,7 +9278,123 @@
           <a:lstStyle/>
           <a:p>
             <a:r>
-              <a:rPr lang="fr-FR" dirty="0" smtClean="0"/>
+              <a:rPr lang="fr-FR" dirty="0"/>
+              <a:t>Une régression est une formule mathématique qui étudie des données réelle d’une manière proche de la réalité mais simplifiée</a:t>
+            </a:r>
+          </a:p>
+          <a:p>
+            <a:r>
+              <a:rPr lang="fr-FR" dirty="0"/>
+              <a:t>Différent types</a:t>
+            </a:r>
+          </a:p>
+          <a:p>
+            <a:pPr lvl="1"/>
+            <a:r>
+              <a:rPr lang="fr-FR" dirty="0"/>
+              <a:t>Linéaire</a:t>
+            </a:r>
+          </a:p>
+          <a:p>
+            <a:pPr lvl="1"/>
+            <a:r>
+              <a:rPr lang="fr-FR" dirty="0"/>
+              <a:t>Second degré</a:t>
+            </a:r>
+          </a:p>
+          <a:p>
+            <a:pPr lvl="1"/>
+            <a:r>
+              <a:rPr lang="fr-FR" dirty="0"/>
+              <a:t>Polynomiale</a:t>
+            </a:r>
+          </a:p>
+          <a:p>
+            <a:pPr lvl="1"/>
+            <a:r>
+              <a:rPr lang="fr-FR" dirty="0" err="1"/>
+              <a:t>Sinusoidale</a:t>
+            </a:r>
+            <a:endParaRPr lang="fr-FR" dirty="0"/>
+          </a:p>
+          <a:p>
+            <a:pPr lvl="1"/>
+            <a:r>
+              <a:rPr lang="fr-FR" dirty="0"/>
+              <a:t>Elliptique</a:t>
+            </a:r>
+          </a:p>
+        </p:txBody>
+      </p:sp>
+    </p:spTree>
+    <p:extLst>
+      <p:ext uri="{BB962C8B-B14F-4D97-AF65-F5344CB8AC3E}">
+        <p14:creationId xmlns:p14="http://schemas.microsoft.com/office/powerpoint/2010/main" val="4001649359"/>
+      </p:ext>
+    </p:extLst>
+  </p:cSld>
+  <p:clrMapOvr>
+    <a:masterClrMapping/>
+  </p:clrMapOvr>
+</p:sld>
+</file>
+
+<file path=ppt/slides/slide9.xml><?xml version="1.0" encoding="utf-8"?>
+<p:sld xmlns:a="http://schemas.openxmlformats.org/drawingml/2006/main" xmlns:r="http://schemas.openxmlformats.org/officeDocument/2006/relationships" xmlns:p="http://schemas.openxmlformats.org/presentationml/2006/main">
+  <p:cSld>
+    <p:spTree>
+      <p:nvGrpSpPr>
+        <p:cNvPr id="1" name=""/>
+        <p:cNvGrpSpPr/>
+        <p:nvPr/>
+      </p:nvGrpSpPr>
+      <p:grpSpPr>
+        <a:xfrm>
+          <a:off x="0" y="0"/>
+          <a:ext cx="0" cy="0"/>
+          <a:chOff x="0" y="0"/>
+          <a:chExt cx="0" cy="0"/>
+        </a:xfrm>
+      </p:grpSpPr>
+      <p:sp>
+        <p:nvSpPr>
+          <p:cNvPr id="2" name="Titre 1"/>
+          <p:cNvSpPr>
+            <a:spLocks noGrp="1"/>
+          </p:cNvSpPr>
+          <p:nvPr>
+            <p:ph type="title"/>
+          </p:nvPr>
+        </p:nvSpPr>
+        <p:spPr/>
+        <p:txBody>
+          <a:bodyPr/>
+          <a:lstStyle/>
+          <a:p>
+            <a:r>
+              <a:rPr lang="fr-FR" dirty="0"/>
+              <a:t>Régression linéaire</a:t>
+            </a:r>
+          </a:p>
+        </p:txBody>
+      </p:sp>
+      <p:sp>
+        <p:nvSpPr>
+          <p:cNvPr id="3" name="Espace réservé du contenu 2"/>
+          <p:cNvSpPr>
+            <a:spLocks noGrp="1"/>
+          </p:cNvSpPr>
+          <p:nvPr>
+            <p:ph idx="1"/>
+          </p:nvPr>
+        </p:nvSpPr>
+        <p:spPr/>
+        <p:txBody>
+          <a:bodyPr/>
+          <a:lstStyle/>
+          <a:p>
+            <a:r>
+              <a:rPr lang="fr-FR" dirty="0"/>
               <a:t>Notre exemple montre une régression linéaire</a:t>
             </a:r>
           </a:p>
@@ -9656,147 +9448,6 @@
     <p:extLst>
       <p:ext uri="{BB962C8B-B14F-4D97-AF65-F5344CB8AC3E}">
         <p14:creationId xmlns:p14="http://schemas.microsoft.com/office/powerpoint/2010/main" val="1466637708"/>
-      </p:ext>
-    </p:extLst>
-  </p:cSld>
-  <p:clrMapOvr>
-    <a:masterClrMapping/>
-  </p:clrMapOvr>
-</p:sld>
-</file>
-
-<file path=ppt/slides/slide9.xml><?xml version="1.0" encoding="utf-8"?>
-<p:sld xmlns:a="http://schemas.openxmlformats.org/drawingml/2006/main" xmlns:r="http://schemas.openxmlformats.org/officeDocument/2006/relationships" xmlns:p="http://schemas.openxmlformats.org/presentationml/2006/main">
-  <p:cSld>
-    <p:spTree>
-      <p:nvGrpSpPr>
-        <p:cNvPr id="1" name=""/>
-        <p:cNvGrpSpPr/>
-        <p:nvPr/>
-      </p:nvGrpSpPr>
-      <p:grpSpPr>
-        <a:xfrm>
-          <a:off x="0" y="0"/>
-          <a:ext cx="0" cy="0"/>
-          <a:chOff x="0" y="0"/>
-          <a:chExt cx="0" cy="0"/>
-        </a:xfrm>
-      </p:grpSpPr>
-      <p:sp>
-        <p:nvSpPr>
-          <p:cNvPr id="2" name="Titre 1"/>
-          <p:cNvSpPr>
-            <a:spLocks noGrp="1"/>
-          </p:cNvSpPr>
-          <p:nvPr>
-            <p:ph type="title"/>
-          </p:nvPr>
-        </p:nvSpPr>
-        <p:spPr/>
-        <p:txBody>
-          <a:bodyPr/>
-          <a:lstStyle/>
-          <a:p>
-            <a:r>
-              <a:rPr lang="fr-FR" dirty="0" smtClean="0"/>
-              <a:t>Erreur</a:t>
-            </a:r>
-            <a:endParaRPr lang="fr-FR" dirty="0"/>
-          </a:p>
-        </p:txBody>
-      </p:sp>
-      <p:sp>
-        <p:nvSpPr>
-          <p:cNvPr id="3" name="Espace réservé du contenu 2"/>
-          <p:cNvSpPr>
-            <a:spLocks noGrp="1"/>
-          </p:cNvSpPr>
-          <p:nvPr>
-            <p:ph idx="1"/>
-          </p:nvPr>
-        </p:nvSpPr>
-        <p:spPr/>
-        <p:txBody>
-          <a:bodyPr/>
-          <a:lstStyle/>
-          <a:p>
-            <a:r>
-              <a:rPr lang="fr-FR" dirty="0" smtClean="0"/>
-              <a:t>Un écart type et un taux de confiance peut être calculé</a:t>
-            </a:r>
-          </a:p>
-          <a:p>
-            <a:endParaRPr lang="fr-FR" dirty="0"/>
-          </a:p>
-          <a:p>
-            <a:endParaRPr lang="fr-FR" dirty="0" smtClean="0"/>
-          </a:p>
-          <a:p>
-            <a:endParaRPr lang="fr-FR" dirty="0"/>
-          </a:p>
-          <a:p>
-            <a:endParaRPr lang="fr-FR" dirty="0" smtClean="0"/>
-          </a:p>
-          <a:p>
-            <a:endParaRPr lang="fr-FR" dirty="0"/>
-          </a:p>
-          <a:p>
-            <a:endParaRPr lang="fr-FR" dirty="0" smtClean="0"/>
-          </a:p>
-          <a:p>
-            <a:r>
-              <a:rPr lang="fr-FR" dirty="0" smtClean="0"/>
-              <a:t>Exemple : taux de confiance à 90%</a:t>
-            </a:r>
-            <a:endParaRPr lang="fr-FR" dirty="0"/>
-          </a:p>
-        </p:txBody>
-      </p:sp>
-      <p:pic>
-        <p:nvPicPr>
-          <p:cNvPr id="3074" name="Picture 2" descr="l'intervalle de confiance (à 90%) que les point se trouvent dans cette zone"/>
-          <p:cNvPicPr>
-            <a:picLocks noChangeAspect="1" noChangeArrowheads="1"/>
-          </p:cNvPicPr>
-          <p:nvPr/>
-        </p:nvPicPr>
-        <p:blipFill>
-          <a:blip r:embed="rId2">
-            <a:extLst>
-              <a:ext uri="{28A0092B-C50C-407E-A947-70E740481C1C}">
-                <a14:useLocalDpi xmlns:a14="http://schemas.microsoft.com/office/drawing/2010/main" val="0"/>
-              </a:ext>
-            </a:extLst>
-          </a:blip>
-          <a:srcRect/>
-          <a:stretch>
-            <a:fillRect/>
-          </a:stretch>
-        </p:blipFill>
-        <p:spPr bwMode="auto">
-          <a:xfrm>
-            <a:off x="2195736" y="2276872"/>
-            <a:ext cx="4286250" cy="3000376"/>
-          </a:xfrm>
-          <a:prstGeom prst="rect">
-            <a:avLst/>
-          </a:prstGeom>
-          <a:noFill/>
-          <a:extLst>
-            <a:ext uri="{909E8E84-426E-40DD-AFC4-6F175D3DCCD1}">
-              <a14:hiddenFill xmlns:a14="http://schemas.microsoft.com/office/drawing/2010/main">
-                <a:solidFill>
-                  <a:srgbClr val="FFFFFF"/>
-                </a:solidFill>
-              </a14:hiddenFill>
-            </a:ext>
-          </a:extLst>
-        </p:spPr>
-      </p:pic>
-    </p:spTree>
-    <p:extLst>
-      <p:ext uri="{BB962C8B-B14F-4D97-AF65-F5344CB8AC3E}">
-        <p14:creationId xmlns:p14="http://schemas.microsoft.com/office/powerpoint/2010/main" val="2468921661"/>
       </p:ext>
     </p:extLst>
   </p:cSld>

--- a/PPT/MachineLearning11-MachineLearning.pptx
+++ b/PPT/MachineLearning11-MachineLearning.pptx
@@ -3719,7 +3719,7 @@
             <a:pPr eaLnBrk="1" hangingPunct="1"/>
             <a:r>
               <a:rPr lang="fr-FR" altLang="fr-FR" dirty="0"/>
-              <a:t>Chapitre 7</a:t>
+              <a:t>Chapitre 11</a:t>
             </a:r>
           </a:p>
           <a:p>

--- a/PPT/MachineLearning11-MachineLearning.pptx
+++ b/PPT/MachineLearning11-MachineLearning.pptx
@@ -5,10 +5,10 @@
     <p:sldMasterId id="2147483653" r:id="rId1"/>
   </p:sldMasterIdLst>
   <p:notesMasterIdLst>
-    <p:notesMasterId r:id="rId51"/>
+    <p:notesMasterId r:id="rId52"/>
   </p:notesMasterIdLst>
   <p:handoutMasterIdLst>
-    <p:handoutMasterId r:id="rId52"/>
+    <p:handoutMasterId r:id="rId53"/>
   </p:handoutMasterIdLst>
   <p:sldIdLst>
     <p:sldId id="264" r:id="rId2"/>
@@ -22,44 +22,45 @@
     <p:sldId id="271" r:id="rId10"/>
     <p:sldId id="272" r:id="rId11"/>
     <p:sldId id="287" r:id="rId12"/>
-    <p:sldId id="273" r:id="rId13"/>
-    <p:sldId id="274" r:id="rId14"/>
-    <p:sldId id="306" r:id="rId15"/>
-    <p:sldId id="288" r:id="rId16"/>
-    <p:sldId id="289" r:id="rId17"/>
-    <p:sldId id="290" r:id="rId18"/>
-    <p:sldId id="275" r:id="rId19"/>
-    <p:sldId id="291" r:id="rId20"/>
-    <p:sldId id="292" r:id="rId21"/>
-    <p:sldId id="294" r:id="rId22"/>
-    <p:sldId id="295" r:id="rId23"/>
-    <p:sldId id="296" r:id="rId24"/>
-    <p:sldId id="276" r:id="rId25"/>
-    <p:sldId id="277" r:id="rId26"/>
-    <p:sldId id="319" r:id="rId27"/>
-    <p:sldId id="278" r:id="rId28"/>
-    <p:sldId id="279" r:id="rId29"/>
-    <p:sldId id="280" r:id="rId30"/>
-    <p:sldId id="281" r:id="rId31"/>
-    <p:sldId id="283" r:id="rId32"/>
-    <p:sldId id="284" r:id="rId33"/>
-    <p:sldId id="285" r:id="rId34"/>
-    <p:sldId id="286" r:id="rId35"/>
-    <p:sldId id="301" r:id="rId36"/>
-    <p:sldId id="303" r:id="rId37"/>
-    <p:sldId id="304" r:id="rId38"/>
-    <p:sldId id="317" r:id="rId39"/>
-    <p:sldId id="316" r:id="rId40"/>
-    <p:sldId id="311" r:id="rId41"/>
-    <p:sldId id="312" r:id="rId42"/>
-    <p:sldId id="313" r:id="rId43"/>
-    <p:sldId id="314" r:id="rId44"/>
-    <p:sldId id="321" r:id="rId45"/>
-    <p:sldId id="322" r:id="rId46"/>
-    <p:sldId id="297" r:id="rId47"/>
-    <p:sldId id="299" r:id="rId48"/>
-    <p:sldId id="318" r:id="rId49"/>
-    <p:sldId id="300" r:id="rId50"/>
+    <p:sldId id="358" r:id="rId13"/>
+    <p:sldId id="273" r:id="rId14"/>
+    <p:sldId id="274" r:id="rId15"/>
+    <p:sldId id="306" r:id="rId16"/>
+    <p:sldId id="288" r:id="rId17"/>
+    <p:sldId id="289" r:id="rId18"/>
+    <p:sldId id="290" r:id="rId19"/>
+    <p:sldId id="275" r:id="rId20"/>
+    <p:sldId id="291" r:id="rId21"/>
+    <p:sldId id="292" r:id="rId22"/>
+    <p:sldId id="294" r:id="rId23"/>
+    <p:sldId id="295" r:id="rId24"/>
+    <p:sldId id="296" r:id="rId25"/>
+    <p:sldId id="276" r:id="rId26"/>
+    <p:sldId id="277" r:id="rId27"/>
+    <p:sldId id="319" r:id="rId28"/>
+    <p:sldId id="278" r:id="rId29"/>
+    <p:sldId id="279" r:id="rId30"/>
+    <p:sldId id="280" r:id="rId31"/>
+    <p:sldId id="281" r:id="rId32"/>
+    <p:sldId id="283" r:id="rId33"/>
+    <p:sldId id="284" r:id="rId34"/>
+    <p:sldId id="285" r:id="rId35"/>
+    <p:sldId id="286" r:id="rId36"/>
+    <p:sldId id="301" r:id="rId37"/>
+    <p:sldId id="303" r:id="rId38"/>
+    <p:sldId id="304" r:id="rId39"/>
+    <p:sldId id="317" r:id="rId40"/>
+    <p:sldId id="316" r:id="rId41"/>
+    <p:sldId id="311" r:id="rId42"/>
+    <p:sldId id="312" r:id="rId43"/>
+    <p:sldId id="313" r:id="rId44"/>
+    <p:sldId id="314" r:id="rId45"/>
+    <p:sldId id="321" r:id="rId46"/>
+    <p:sldId id="322" r:id="rId47"/>
+    <p:sldId id="297" r:id="rId48"/>
+    <p:sldId id="299" r:id="rId49"/>
+    <p:sldId id="318" r:id="rId50"/>
+    <p:sldId id="300" r:id="rId51"/>
   </p:sldIdLst>
   <p:sldSz cx="9144000" cy="6858000" type="screen4x3"/>
   <p:notesSz cx="6648450" cy="9782175"/>
@@ -4093,6 +4094,159 @@
       </p:grpSpPr>
       <p:sp>
         <p:nvSpPr>
+          <p:cNvPr id="2" name="Titre 1">
+            <a:extLst>
+              <a:ext uri="{FF2B5EF4-FFF2-40B4-BE49-F238E27FC236}">
+                <a16:creationId xmlns:a16="http://schemas.microsoft.com/office/drawing/2014/main" id="{43B79A36-DCA2-04FF-4BD9-ADEA618418F6}"/>
+              </a:ext>
+            </a:extLst>
+          </p:cNvPr>
+          <p:cNvSpPr>
+            <a:spLocks noGrp="1"/>
+          </p:cNvSpPr>
+          <p:nvPr>
+            <p:ph type="title"/>
+          </p:nvPr>
+        </p:nvSpPr>
+        <p:spPr/>
+        <p:txBody>
+          <a:bodyPr/>
+          <a:lstStyle/>
+          <a:p>
+            <a:r>
+              <a:rPr lang="fr-FR" dirty="0"/>
+              <a:t>Principes mathématiques</a:t>
+            </a:r>
+          </a:p>
+        </p:txBody>
+      </p:sp>
+      <p:sp>
+        <p:nvSpPr>
+          <p:cNvPr id="3" name="Espace réservé du contenu 2">
+            <a:extLst>
+              <a:ext uri="{FF2B5EF4-FFF2-40B4-BE49-F238E27FC236}">
+                <a16:creationId xmlns:a16="http://schemas.microsoft.com/office/drawing/2014/main" id="{AA9957CF-3C17-0A94-E370-57CDB0345762}"/>
+              </a:ext>
+            </a:extLst>
+          </p:cNvPr>
+          <p:cNvSpPr>
+            <a:spLocks noGrp="1"/>
+          </p:cNvSpPr>
+          <p:nvPr>
+            <p:ph idx="1"/>
+          </p:nvPr>
+        </p:nvSpPr>
+        <p:spPr/>
+        <p:txBody>
+          <a:bodyPr/>
+          <a:lstStyle/>
+          <a:p>
+            <a:r>
+              <a:rPr lang="fr-FR" dirty="0"/>
+              <a:t>De nombreux principes mathématiques et statistiques régissent le Machine Learning</a:t>
+            </a:r>
+          </a:p>
+          <a:p>
+            <a:pPr lvl="1"/>
+            <a:r>
+              <a:rPr lang="fr-FR" sz="2000" dirty="0"/>
+              <a:t>D'avantage pour le </a:t>
+            </a:r>
+            <a:r>
+              <a:rPr lang="fr-FR" sz="2000"/>
+              <a:t>Deep Learning</a:t>
+            </a:r>
+            <a:endParaRPr lang="fr-FR" sz="2000" dirty="0"/>
+          </a:p>
+          <a:p>
+            <a:r>
+              <a:rPr lang="fr-FR" dirty="0"/>
+              <a:t>Statistiques</a:t>
+            </a:r>
+          </a:p>
+          <a:p>
+            <a:pPr lvl="1"/>
+            <a:r>
+              <a:rPr lang="fr-FR" sz="2000" dirty="0"/>
+              <a:t>Distribution, loi normale, échantillonnage</a:t>
+            </a:r>
+          </a:p>
+          <a:p>
+            <a:r>
+              <a:rPr lang="fr-FR" dirty="0"/>
+              <a:t>Algorithmiques</a:t>
+            </a:r>
+            <a:endParaRPr lang="fr-FR" sz="2000" dirty="0"/>
+          </a:p>
+          <a:p>
+            <a:r>
+              <a:rPr lang="fr-FR" dirty="0"/>
+              <a:t>MDP</a:t>
+            </a:r>
+          </a:p>
+          <a:p>
+            <a:pPr lvl="1"/>
+            <a:r>
+              <a:rPr lang="fr-FR" sz="2000" dirty="0"/>
+              <a:t>Les processus de décision markoviens modélisent des états, actions et </a:t>
+            </a:r>
+            <a:r>
+              <a:rPr lang="fr-FR" sz="1800" dirty="0"/>
+              <a:t>récompenses </a:t>
+            </a:r>
+            <a:r>
+              <a:rPr lang="fr-FR" dirty="0"/>
+              <a:t>pour la prise de décision séquentielle.​</a:t>
+            </a:r>
+            <a:endParaRPr lang="fr-FR" sz="2800" dirty="0"/>
+          </a:p>
+          <a:p>
+            <a:r>
+              <a:rPr lang="fr-FR" dirty="0"/>
+              <a:t>Équations de Bellman​</a:t>
+            </a:r>
+          </a:p>
+          <a:p>
+            <a:pPr lvl="1"/>
+            <a:r>
+              <a:rPr lang="fr-FR" sz="2000" dirty="0"/>
+              <a:t>Les équations de Bellman définissent la relation récursive pour calculer les fonctions des valeurs optimales.​</a:t>
+            </a:r>
+          </a:p>
+        </p:txBody>
+      </p:sp>
+    </p:spTree>
+    <p:extLst>
+      <p:ext uri="{BB962C8B-B14F-4D97-AF65-F5344CB8AC3E}">
+        <p14:creationId xmlns:p14="http://schemas.microsoft.com/office/powerpoint/2010/main" val="2444278080"/>
+      </p:ext>
+    </p:extLst>
+  </p:cSld>
+  <p:clrMapOvr>
+    <a:masterClrMapping/>
+  </p:clrMapOvr>
+</p:sld>
+</file>
+
+<file path=ppt/slides/slide13.xml><?xml version="1.0" encoding="utf-8"?>
+<p:sld xmlns:a="http://schemas.openxmlformats.org/drawingml/2006/main" xmlns:r="http://schemas.openxmlformats.org/officeDocument/2006/relationships" xmlns:p="http://schemas.openxmlformats.org/presentationml/2006/main">
+  <p:cSld>
+    <p:spTree>
+      <p:nvGrpSpPr>
+        <p:cNvPr id="1" name=""/>
+        <p:cNvGrpSpPr/>
+        <p:nvPr/>
+      </p:nvGrpSpPr>
+      <p:grpSpPr>
+        <a:xfrm>
+          <a:off x="0" y="0"/>
+          <a:ext cx="0" cy="0"/>
+          <a:chOff x="0" y="0"/>
+          <a:chExt cx="0" cy="0"/>
+        </a:xfrm>
+      </p:grpSpPr>
+      <p:sp>
+        <p:nvSpPr>
           <p:cNvPr id="2" name="Titre 1"/>
           <p:cNvSpPr>
             <a:spLocks noGrp="1"/>
@@ -4173,7 +4327,7 @@
 </p:sld>
 </file>
 
-<file path=ppt/slides/slide13.xml><?xml version="1.0" encoding="utf-8"?>
+<file path=ppt/slides/slide14.xml><?xml version="1.0" encoding="utf-8"?>
 <p:sld xmlns:a="http://schemas.openxmlformats.org/drawingml/2006/main" xmlns:r="http://schemas.openxmlformats.org/officeDocument/2006/relationships" xmlns:p="http://schemas.openxmlformats.org/presentationml/2006/main">
   <p:cSld>
     <p:spTree>
@@ -4300,7 +4454,7 @@
 </p:sld>
 </file>
 
-<file path=ppt/slides/slide14.xml><?xml version="1.0" encoding="utf-8"?>
+<file path=ppt/slides/slide15.xml><?xml version="1.0" encoding="utf-8"?>
 <p:sld xmlns:a="http://schemas.openxmlformats.org/drawingml/2006/main" xmlns:r="http://schemas.openxmlformats.org/officeDocument/2006/relationships" xmlns:p="http://schemas.openxmlformats.org/presentationml/2006/main">
   <p:cSld>
     <p:spTree>
@@ -4415,7 +4569,7 @@
 </p:sld>
 </file>
 
-<file path=ppt/slides/slide15.xml><?xml version="1.0" encoding="utf-8"?>
+<file path=ppt/slides/slide16.xml><?xml version="1.0" encoding="utf-8"?>
 <p:sld xmlns:a="http://schemas.openxmlformats.org/drawingml/2006/main" xmlns:r="http://schemas.openxmlformats.org/officeDocument/2006/relationships" xmlns:p="http://schemas.openxmlformats.org/presentationml/2006/main">
   <p:cSld>
     <p:spTree>
@@ -4601,7 +4755,7 @@
 </p:sld>
 </file>
 
-<file path=ppt/slides/slide16.xml><?xml version="1.0" encoding="utf-8"?>
+<file path=ppt/slides/slide17.xml><?xml version="1.0" encoding="utf-8"?>
 <p:sld xmlns:a="http://schemas.openxmlformats.org/drawingml/2006/main" xmlns:r="http://schemas.openxmlformats.org/officeDocument/2006/relationships" xmlns:p="http://schemas.openxmlformats.org/presentationml/2006/main">
   <p:cSld>
     <p:spTree>
@@ -4758,7 +4912,7 @@
 </p:sld>
 </file>
 
-<file path=ppt/slides/slide17.xml><?xml version="1.0" encoding="utf-8"?>
+<file path=ppt/slides/slide18.xml><?xml version="1.0" encoding="utf-8"?>
 <p:sld xmlns:a="http://schemas.openxmlformats.org/drawingml/2006/main" xmlns:r="http://schemas.openxmlformats.org/officeDocument/2006/relationships" xmlns:p="http://schemas.openxmlformats.org/presentationml/2006/main">
   <p:cSld>
     <p:spTree>
@@ -4917,7 +5071,7 @@
 </p:sld>
 </file>
 
-<file path=ppt/slides/slide18.xml><?xml version="1.0" encoding="utf-8"?>
+<file path=ppt/slides/slide19.xml><?xml version="1.0" encoding="utf-8"?>
 <p:sld xmlns:a="http://schemas.openxmlformats.org/drawingml/2006/main" xmlns:r="http://schemas.openxmlformats.org/officeDocument/2006/relationships" xmlns:p="http://schemas.openxmlformats.org/presentationml/2006/main">
   <p:cSld>
     <p:spTree>
@@ -5003,133 +5157,6 @@
     <p:extLst>
       <p:ext uri="{BB962C8B-B14F-4D97-AF65-F5344CB8AC3E}">
         <p14:creationId xmlns:p14="http://schemas.microsoft.com/office/powerpoint/2010/main" val="2755190476"/>
-      </p:ext>
-    </p:extLst>
-  </p:cSld>
-  <p:clrMapOvr>
-    <a:masterClrMapping/>
-  </p:clrMapOvr>
-</p:sld>
-</file>
-
-<file path=ppt/slides/slide19.xml><?xml version="1.0" encoding="utf-8"?>
-<p:sld xmlns:a="http://schemas.openxmlformats.org/drawingml/2006/main" xmlns:r="http://schemas.openxmlformats.org/officeDocument/2006/relationships" xmlns:p="http://schemas.openxmlformats.org/presentationml/2006/main">
-  <p:cSld>
-    <p:spTree>
-      <p:nvGrpSpPr>
-        <p:cNvPr id="1" name=""/>
-        <p:cNvGrpSpPr/>
-        <p:nvPr/>
-      </p:nvGrpSpPr>
-      <p:grpSpPr>
-        <a:xfrm>
-          <a:off x="0" y="0"/>
-          <a:ext cx="0" cy="0"/>
-          <a:chOff x="0" y="0"/>
-          <a:chExt cx="0" cy="0"/>
-        </a:xfrm>
-      </p:grpSpPr>
-      <p:sp>
-        <p:nvSpPr>
-          <p:cNvPr id="2" name="Titre 1"/>
-          <p:cNvSpPr>
-            <a:spLocks noGrp="1"/>
-          </p:cNvSpPr>
-          <p:nvPr>
-            <p:ph type="title"/>
-          </p:nvPr>
-        </p:nvSpPr>
-        <p:spPr/>
-        <p:txBody>
-          <a:bodyPr/>
-          <a:lstStyle/>
-          <a:p>
-            <a:r>
-              <a:rPr lang="fr-FR" dirty="0"/>
-              <a:t>Filtrage</a:t>
-            </a:r>
-          </a:p>
-        </p:txBody>
-      </p:sp>
-      <p:sp>
-        <p:nvSpPr>
-          <p:cNvPr id="3" name="Espace réservé du contenu 2"/>
-          <p:cNvSpPr>
-            <a:spLocks noGrp="1"/>
-          </p:cNvSpPr>
-          <p:nvPr>
-            <p:ph idx="1"/>
-          </p:nvPr>
-        </p:nvSpPr>
-        <p:spPr/>
-        <p:txBody>
-          <a:bodyPr/>
-          <a:lstStyle/>
-          <a:p>
-            <a:r>
-              <a:rPr lang="fr-FR" dirty="0"/>
-              <a:t>Il faut pouvoir enlever les données aberrante</a:t>
-            </a:r>
-          </a:p>
-          <a:p>
-            <a:r>
-              <a:rPr lang="fr-FR" dirty="0"/>
-              <a:t>Ou les données non significatives</a:t>
-            </a:r>
-          </a:p>
-          <a:p>
-            <a:r>
-              <a:rPr lang="fr-FR" dirty="0"/>
-              <a:t>Ou les données trop en dehors de l’écart type</a:t>
-            </a:r>
-          </a:p>
-        </p:txBody>
-      </p:sp>
-      <p:pic>
-        <p:nvPicPr>
-          <p:cNvPr id="1026" name="Picture 2" descr="Comment détecter des événements rares comme le point rouge?"/>
-          <p:cNvPicPr>
-            <a:picLocks noChangeAspect="1" noChangeArrowheads="1"/>
-          </p:cNvPicPr>
-          <p:nvPr/>
-        </p:nvPicPr>
-        <p:blipFill>
-          <a:blip r:embed="rId2">
-            <a:extLst>
-              <a:ext uri="{28A0092B-C50C-407E-A947-70E740481C1C}">
-                <a14:useLocalDpi xmlns:a14="http://schemas.microsoft.com/office/drawing/2010/main" val="0"/>
-              </a:ext>
-            </a:extLst>
-          </a:blip>
-          <a:srcRect/>
-          <a:stretch>
-            <a:fillRect/>
-          </a:stretch>
-        </p:blipFill>
-        <p:spPr bwMode="auto">
-          <a:xfrm>
-            <a:off x="2195736" y="3284984"/>
-            <a:ext cx="4286250" cy="3000376"/>
-          </a:xfrm>
-          <a:prstGeom prst="rect">
-            <a:avLst/>
-          </a:prstGeom>
-          <a:noFill/>
-          <a:extLst>
-            <a:ext uri="{909E8E84-426E-40DD-AFC4-6F175D3DCCD1}">
-              <a14:hiddenFill xmlns:a14="http://schemas.microsoft.com/office/drawing/2010/main">
-                <a:solidFill>
-                  <a:srgbClr val="FFFFFF"/>
-                </a:solidFill>
-              </a14:hiddenFill>
-            </a:ext>
-          </a:extLst>
-        </p:spPr>
-      </p:pic>
-    </p:spTree>
-    <p:extLst>
-      <p:ext uri="{BB962C8B-B14F-4D97-AF65-F5344CB8AC3E}">
-        <p14:creationId xmlns:p14="http://schemas.microsoft.com/office/powerpoint/2010/main" val="1783115777"/>
       </p:ext>
     </p:extLst>
   </p:cSld>
@@ -5300,6 +5327,133 @@
           <a:p>
             <a:r>
               <a:rPr lang="fr-FR" dirty="0"/>
+              <a:t>Filtrage</a:t>
+            </a:r>
+          </a:p>
+        </p:txBody>
+      </p:sp>
+      <p:sp>
+        <p:nvSpPr>
+          <p:cNvPr id="3" name="Espace réservé du contenu 2"/>
+          <p:cNvSpPr>
+            <a:spLocks noGrp="1"/>
+          </p:cNvSpPr>
+          <p:nvPr>
+            <p:ph idx="1"/>
+          </p:nvPr>
+        </p:nvSpPr>
+        <p:spPr/>
+        <p:txBody>
+          <a:bodyPr/>
+          <a:lstStyle/>
+          <a:p>
+            <a:r>
+              <a:rPr lang="fr-FR" dirty="0"/>
+              <a:t>Il faut pouvoir enlever les données aberrante</a:t>
+            </a:r>
+          </a:p>
+          <a:p>
+            <a:r>
+              <a:rPr lang="fr-FR" dirty="0"/>
+              <a:t>Ou les données non significatives</a:t>
+            </a:r>
+          </a:p>
+          <a:p>
+            <a:r>
+              <a:rPr lang="fr-FR" dirty="0"/>
+              <a:t>Ou les données trop en dehors de l’écart type</a:t>
+            </a:r>
+          </a:p>
+        </p:txBody>
+      </p:sp>
+      <p:pic>
+        <p:nvPicPr>
+          <p:cNvPr id="1026" name="Picture 2" descr="Comment détecter des événements rares comme le point rouge?"/>
+          <p:cNvPicPr>
+            <a:picLocks noChangeAspect="1" noChangeArrowheads="1"/>
+          </p:cNvPicPr>
+          <p:nvPr/>
+        </p:nvPicPr>
+        <p:blipFill>
+          <a:blip r:embed="rId2">
+            <a:extLst>
+              <a:ext uri="{28A0092B-C50C-407E-A947-70E740481C1C}">
+                <a14:useLocalDpi xmlns:a14="http://schemas.microsoft.com/office/drawing/2010/main" val="0"/>
+              </a:ext>
+            </a:extLst>
+          </a:blip>
+          <a:srcRect/>
+          <a:stretch>
+            <a:fillRect/>
+          </a:stretch>
+        </p:blipFill>
+        <p:spPr bwMode="auto">
+          <a:xfrm>
+            <a:off x="2195736" y="3284984"/>
+            <a:ext cx="4286250" cy="3000376"/>
+          </a:xfrm>
+          <a:prstGeom prst="rect">
+            <a:avLst/>
+          </a:prstGeom>
+          <a:noFill/>
+          <a:extLst>
+            <a:ext uri="{909E8E84-426E-40DD-AFC4-6F175D3DCCD1}">
+              <a14:hiddenFill xmlns:a14="http://schemas.microsoft.com/office/drawing/2010/main">
+                <a:solidFill>
+                  <a:srgbClr val="FFFFFF"/>
+                </a:solidFill>
+              </a14:hiddenFill>
+            </a:ext>
+          </a:extLst>
+        </p:spPr>
+      </p:pic>
+    </p:spTree>
+    <p:extLst>
+      <p:ext uri="{BB962C8B-B14F-4D97-AF65-F5344CB8AC3E}">
+        <p14:creationId xmlns:p14="http://schemas.microsoft.com/office/powerpoint/2010/main" val="1783115777"/>
+      </p:ext>
+    </p:extLst>
+  </p:cSld>
+  <p:clrMapOvr>
+    <a:masterClrMapping/>
+  </p:clrMapOvr>
+</p:sld>
+</file>
+
+<file path=ppt/slides/slide21.xml><?xml version="1.0" encoding="utf-8"?>
+<p:sld xmlns:a="http://schemas.openxmlformats.org/drawingml/2006/main" xmlns:r="http://schemas.openxmlformats.org/officeDocument/2006/relationships" xmlns:p="http://schemas.openxmlformats.org/presentationml/2006/main">
+  <p:cSld>
+    <p:spTree>
+      <p:nvGrpSpPr>
+        <p:cNvPr id="1" name=""/>
+        <p:cNvGrpSpPr/>
+        <p:nvPr/>
+      </p:nvGrpSpPr>
+      <p:grpSpPr>
+        <a:xfrm>
+          <a:off x="0" y="0"/>
+          <a:ext cx="0" cy="0"/>
+          <a:chOff x="0" y="0"/>
+          <a:chExt cx="0" cy="0"/>
+        </a:xfrm>
+      </p:grpSpPr>
+      <p:sp>
+        <p:nvSpPr>
+          <p:cNvPr id="2" name="Titre 1"/>
+          <p:cNvSpPr>
+            <a:spLocks noGrp="1"/>
+          </p:cNvSpPr>
+          <p:nvPr>
+            <p:ph type="title"/>
+          </p:nvPr>
+        </p:nvSpPr>
+        <p:spPr/>
+        <p:txBody>
+          <a:bodyPr/>
+          <a:lstStyle/>
+          <a:p>
+            <a:r>
+              <a:rPr lang="fr-FR" dirty="0"/>
               <a:t>Ecart type</a:t>
             </a:r>
           </a:p>
@@ -5408,7 +5562,7 @@
 </p:sld>
 </file>
 
-<file path=ppt/slides/slide21.xml><?xml version="1.0" encoding="utf-8"?>
+<file path=ppt/slides/slide22.xml><?xml version="1.0" encoding="utf-8"?>
 <p:sld xmlns:a="http://schemas.openxmlformats.org/drawingml/2006/main" xmlns:r="http://schemas.openxmlformats.org/officeDocument/2006/relationships" xmlns:p="http://schemas.openxmlformats.org/presentationml/2006/main">
   <p:cSld>
     <p:spTree>
@@ -5534,7 +5688,7 @@
 </p:sld>
 </file>
 
-<file path=ppt/slides/slide22.xml><?xml version="1.0" encoding="utf-8"?>
+<file path=ppt/slides/slide23.xml><?xml version="1.0" encoding="utf-8"?>
 <p:sld xmlns:a="http://schemas.openxmlformats.org/drawingml/2006/main" xmlns:r="http://schemas.openxmlformats.org/officeDocument/2006/relationships" xmlns:p="http://schemas.openxmlformats.org/presentationml/2006/main">
   <p:cSld>
     <p:spTree>
@@ -5625,7 +5779,7 @@
 </p:sld>
 </file>
 
-<file path=ppt/slides/slide23.xml><?xml version="1.0" encoding="utf-8"?>
+<file path=ppt/slides/slide24.xml><?xml version="1.0" encoding="utf-8"?>
 <p:sld xmlns:a="http://schemas.openxmlformats.org/drawingml/2006/main" xmlns:r="http://schemas.openxmlformats.org/officeDocument/2006/relationships" xmlns:p="http://schemas.openxmlformats.org/presentationml/2006/main">
   <p:cSld>
     <p:spTree>
@@ -5790,99 +5944,6 @@
 </p:sld>
 </file>
 
-<file path=ppt/slides/slide24.xml><?xml version="1.0" encoding="utf-8"?>
-<p:sld xmlns:a="http://schemas.openxmlformats.org/drawingml/2006/main" xmlns:r="http://schemas.openxmlformats.org/officeDocument/2006/relationships" xmlns:p="http://schemas.openxmlformats.org/presentationml/2006/main">
-  <p:cSld>
-    <p:spTree>
-      <p:nvGrpSpPr>
-        <p:cNvPr id="1" name=""/>
-        <p:cNvGrpSpPr/>
-        <p:nvPr/>
-      </p:nvGrpSpPr>
-      <p:grpSpPr>
-        <a:xfrm>
-          <a:off x="0" y="0"/>
-          <a:ext cx="0" cy="0"/>
-          <a:chOff x="0" y="0"/>
-          <a:chExt cx="0" cy="0"/>
-        </a:xfrm>
-      </p:grpSpPr>
-      <p:sp>
-        <p:nvSpPr>
-          <p:cNvPr id="2" name="Titre 1"/>
-          <p:cNvSpPr>
-            <a:spLocks noGrp="1"/>
-          </p:cNvSpPr>
-          <p:nvPr>
-            <p:ph type="title"/>
-          </p:nvPr>
-        </p:nvSpPr>
-        <p:spPr/>
-        <p:txBody>
-          <a:bodyPr/>
-          <a:lstStyle/>
-          <a:p>
-            <a:r>
-              <a:rPr lang="fr-FR" dirty="0"/>
-              <a:t>Modélisation</a:t>
-            </a:r>
-          </a:p>
-        </p:txBody>
-      </p:sp>
-      <p:sp>
-        <p:nvSpPr>
-          <p:cNvPr id="3" name="Espace réservé du contenu 2"/>
-          <p:cNvSpPr>
-            <a:spLocks noGrp="1"/>
-          </p:cNvSpPr>
-          <p:nvPr>
-            <p:ph idx="1"/>
-          </p:nvPr>
-        </p:nvSpPr>
-        <p:spPr/>
-        <p:txBody>
-          <a:bodyPr/>
-          <a:lstStyle/>
-          <a:p>
-            <a:r>
-              <a:rPr lang="fr-FR" dirty="0"/>
-              <a:t>Imaginez que vous êtes un data </a:t>
-            </a:r>
-            <a:r>
-              <a:rPr lang="fr-FR" dirty="0" err="1"/>
-              <a:t>scientist</a:t>
-            </a:r>
-            <a:endParaRPr lang="fr-FR" dirty="0"/>
-          </a:p>
-          <a:p>
-            <a:pPr lvl="1"/>
-            <a:r>
-              <a:rPr lang="fr-FR" dirty="0"/>
-              <a:t>Vous êtes maintenant confortable avec l'ensemble des données récupérées pour vos analyses</a:t>
-            </a:r>
-          </a:p>
-          <a:p>
-            <a:pPr lvl="1"/>
-            <a:r>
-              <a:rPr lang="fr-FR" dirty="0"/>
-              <a:t>Vous avez une connaissance des objectifs principaux de l'entreprise, ce qui vous a aidé à synthétiser les différentes variables qui interviennent, ainsi que visualiser les différents comportements et corrélations présents au sein de ces données</a:t>
-            </a:r>
-          </a:p>
-        </p:txBody>
-      </p:sp>
-    </p:spTree>
-    <p:extLst>
-      <p:ext uri="{BB962C8B-B14F-4D97-AF65-F5344CB8AC3E}">
-        <p14:creationId xmlns:p14="http://schemas.microsoft.com/office/powerpoint/2010/main" val="1213284648"/>
-      </p:ext>
-    </p:extLst>
-  </p:cSld>
-  <p:clrMapOvr>
-    <a:masterClrMapping/>
-  </p:clrMapOvr>
-</p:sld>
-</file>
-
 <file path=ppt/slides/slide25.xml><?xml version="1.0" encoding="utf-8"?>
 <p:sld xmlns:a="http://schemas.openxmlformats.org/drawingml/2006/main" xmlns:r="http://schemas.openxmlformats.org/officeDocument/2006/relationships" xmlns:p="http://schemas.openxmlformats.org/presentationml/2006/main">
   <p:cSld>
@@ -5917,6 +5978,99 @@
           <a:p>
             <a:r>
               <a:rPr lang="fr-FR" dirty="0"/>
+              <a:t>Modélisation</a:t>
+            </a:r>
+          </a:p>
+        </p:txBody>
+      </p:sp>
+      <p:sp>
+        <p:nvSpPr>
+          <p:cNvPr id="3" name="Espace réservé du contenu 2"/>
+          <p:cNvSpPr>
+            <a:spLocks noGrp="1"/>
+          </p:cNvSpPr>
+          <p:nvPr>
+            <p:ph idx="1"/>
+          </p:nvPr>
+        </p:nvSpPr>
+        <p:spPr/>
+        <p:txBody>
+          <a:bodyPr/>
+          <a:lstStyle/>
+          <a:p>
+            <a:r>
+              <a:rPr lang="fr-FR" dirty="0"/>
+              <a:t>Imaginez que vous êtes un data </a:t>
+            </a:r>
+            <a:r>
+              <a:rPr lang="fr-FR" dirty="0" err="1"/>
+              <a:t>scientist</a:t>
+            </a:r>
+            <a:endParaRPr lang="fr-FR" dirty="0"/>
+          </a:p>
+          <a:p>
+            <a:pPr lvl="1"/>
+            <a:r>
+              <a:rPr lang="fr-FR" dirty="0"/>
+              <a:t>Vous êtes maintenant confortable avec l'ensemble des données récupérées pour vos analyses</a:t>
+            </a:r>
+          </a:p>
+          <a:p>
+            <a:pPr lvl="1"/>
+            <a:r>
+              <a:rPr lang="fr-FR" dirty="0"/>
+              <a:t>Vous avez une connaissance des objectifs principaux de l'entreprise, ce qui vous a aidé à synthétiser les différentes variables qui interviennent, ainsi que visualiser les différents comportements et corrélations présents au sein de ces données</a:t>
+            </a:r>
+          </a:p>
+        </p:txBody>
+      </p:sp>
+    </p:spTree>
+    <p:extLst>
+      <p:ext uri="{BB962C8B-B14F-4D97-AF65-F5344CB8AC3E}">
+        <p14:creationId xmlns:p14="http://schemas.microsoft.com/office/powerpoint/2010/main" val="1213284648"/>
+      </p:ext>
+    </p:extLst>
+  </p:cSld>
+  <p:clrMapOvr>
+    <a:masterClrMapping/>
+  </p:clrMapOvr>
+</p:sld>
+</file>
+
+<file path=ppt/slides/slide26.xml><?xml version="1.0" encoding="utf-8"?>
+<p:sld xmlns:a="http://schemas.openxmlformats.org/drawingml/2006/main" xmlns:r="http://schemas.openxmlformats.org/officeDocument/2006/relationships" xmlns:p="http://schemas.openxmlformats.org/presentationml/2006/main">
+  <p:cSld>
+    <p:spTree>
+      <p:nvGrpSpPr>
+        <p:cNvPr id="1" name=""/>
+        <p:cNvGrpSpPr/>
+        <p:nvPr/>
+      </p:nvGrpSpPr>
+      <p:grpSpPr>
+        <a:xfrm>
+          <a:off x="0" y="0"/>
+          <a:ext cx="0" cy="0"/>
+          <a:chOff x="0" y="0"/>
+          <a:chExt cx="0" cy="0"/>
+        </a:xfrm>
+      </p:grpSpPr>
+      <p:sp>
+        <p:nvSpPr>
+          <p:cNvPr id="2" name="Titre 1"/>
+          <p:cNvSpPr>
+            <a:spLocks noGrp="1"/>
+          </p:cNvSpPr>
+          <p:nvPr>
+            <p:ph type="title"/>
+          </p:nvPr>
+        </p:nvSpPr>
+        <p:spPr/>
+        <p:txBody>
+          <a:bodyPr/>
+          <a:lstStyle/>
+          <a:p>
+            <a:r>
+              <a:rPr lang="fr-FR" dirty="0"/>
               <a:t>Apprentissage</a:t>
             </a:r>
           </a:p>
@@ -5994,7 +6148,7 @@
 </p:sld>
 </file>
 
-<file path=ppt/slides/slide26.xml><?xml version="1.0" encoding="utf-8"?>
+<file path=ppt/slides/slide27.xml><?xml version="1.0" encoding="utf-8"?>
 <p:sld xmlns:a="http://schemas.openxmlformats.org/drawingml/2006/main" xmlns:r="http://schemas.openxmlformats.org/officeDocument/2006/relationships" xmlns:p="http://schemas.openxmlformats.org/presentationml/2006/main">
   <p:cSld>
     <p:spTree>
@@ -6092,7 +6246,7 @@
 </p:sld>
 </file>
 
-<file path=ppt/slides/slide27.xml><?xml version="1.0" encoding="utf-8"?>
+<file path=ppt/slides/slide28.xml><?xml version="1.0" encoding="utf-8"?>
 <p:sld xmlns:a="http://schemas.openxmlformats.org/drawingml/2006/main" xmlns:r="http://schemas.openxmlformats.org/officeDocument/2006/relationships" xmlns:p="http://schemas.openxmlformats.org/presentationml/2006/main">
   <p:cSld>
     <p:spTree>
@@ -6187,7 +6341,7 @@
 </p:sld>
 </file>
 
-<file path=ppt/slides/slide28.xml><?xml version="1.0" encoding="utf-8"?>
+<file path=ppt/slides/slide29.xml><?xml version="1.0" encoding="utf-8"?>
 <p:sld xmlns:a="http://schemas.openxmlformats.org/drawingml/2006/main" xmlns:r="http://schemas.openxmlformats.org/officeDocument/2006/relationships" xmlns:p="http://schemas.openxmlformats.org/presentationml/2006/main">
   <p:cSld>
     <p:spTree>
@@ -6273,121 +6427,6 @@
     <p:extLst>
       <p:ext uri="{BB962C8B-B14F-4D97-AF65-F5344CB8AC3E}">
         <p14:creationId xmlns:p14="http://schemas.microsoft.com/office/powerpoint/2010/main" val="4097198819"/>
-      </p:ext>
-    </p:extLst>
-  </p:cSld>
-  <p:clrMapOvr>
-    <a:masterClrMapping/>
-  </p:clrMapOvr>
-</p:sld>
-</file>
-
-<file path=ppt/slides/slide29.xml><?xml version="1.0" encoding="utf-8"?>
-<p:sld xmlns:a="http://schemas.openxmlformats.org/drawingml/2006/main" xmlns:r="http://schemas.openxmlformats.org/officeDocument/2006/relationships" xmlns:p="http://schemas.openxmlformats.org/presentationml/2006/main">
-  <p:cSld>
-    <p:spTree>
-      <p:nvGrpSpPr>
-        <p:cNvPr id="1" name=""/>
-        <p:cNvGrpSpPr/>
-        <p:nvPr/>
-      </p:nvGrpSpPr>
-      <p:grpSpPr>
-        <a:xfrm>
-          <a:off x="0" y="0"/>
-          <a:ext cx="0" cy="0"/>
-          <a:chOff x="0" y="0"/>
-          <a:chExt cx="0" cy="0"/>
-        </a:xfrm>
-      </p:grpSpPr>
-      <p:sp>
-        <p:nvSpPr>
-          <p:cNvPr id="2" name="Titre 1"/>
-          <p:cNvSpPr>
-            <a:spLocks noGrp="1"/>
-          </p:cNvSpPr>
-          <p:nvPr>
-            <p:ph type="title"/>
-          </p:nvPr>
-        </p:nvSpPr>
-        <p:spPr/>
-        <p:txBody>
-          <a:bodyPr/>
-          <a:lstStyle/>
-          <a:p>
-            <a:r>
-              <a:rPr lang="fr-FR" dirty="0"/>
-              <a:t>Notre travail</a:t>
-            </a:r>
-          </a:p>
-        </p:txBody>
-      </p:sp>
-      <p:sp>
-        <p:nvSpPr>
-          <p:cNvPr id="3" name="Espace réservé du contenu 2"/>
-          <p:cNvSpPr>
-            <a:spLocks noGrp="1"/>
-          </p:cNvSpPr>
-          <p:nvPr>
-            <p:ph idx="1"/>
-          </p:nvPr>
-        </p:nvSpPr>
-        <p:spPr/>
-        <p:txBody>
-          <a:bodyPr/>
-          <a:lstStyle/>
-          <a:p>
-            <a:r>
-              <a:rPr lang="fr-FR" dirty="0"/>
-              <a:t>Le travail du data </a:t>
-            </a:r>
-            <a:r>
-              <a:rPr lang="fr-FR" dirty="0" err="1"/>
-              <a:t>scientist</a:t>
-            </a:r>
-            <a:r>
-              <a:rPr lang="fr-FR" dirty="0"/>
-              <a:t> en machine </a:t>
-            </a:r>
-            <a:r>
-              <a:rPr lang="fr-FR" dirty="0" err="1"/>
-              <a:t>learning</a:t>
-            </a:r>
-            <a:r>
-              <a:rPr lang="fr-FR" dirty="0"/>
-              <a:t> consiste à sélectionner les bonnes données test, choisir et entraîner le bon algorithme en vérifiant grâce à l'analyse d'erreurs que le modèle devient de plus en plus performant et robuste</a:t>
-            </a:r>
-          </a:p>
-          <a:p>
-            <a:r>
-              <a:rPr lang="fr-FR" dirty="0"/>
-              <a:t>Si les performances s'améliorent lorsqu'on lui fourni les données d'entraînement, on dit alors que la machine "apprend".</a:t>
-            </a:r>
-          </a:p>
-          <a:p>
-            <a:r>
-              <a:rPr lang="fr-FR" dirty="0"/>
-              <a:t>Le data </a:t>
-            </a:r>
-            <a:r>
-              <a:rPr lang="fr-FR" dirty="0" err="1"/>
-              <a:t>scientist</a:t>
-            </a:r>
-            <a:r>
-              <a:rPr lang="fr-FR" dirty="0"/>
-              <a:t> peut ensuite déployer le modèle afin qu'il traite de nouvelles données, pour accomplir la tâche (prédiction</a:t>
-            </a:r>
-            <a:r>
-              <a:rPr lang="fr-FR"/>
-              <a:t>, décision, ...).</a:t>
-            </a:r>
-            <a:endParaRPr lang="fr-FR" dirty="0"/>
-          </a:p>
-        </p:txBody>
-      </p:sp>
-    </p:spTree>
-    <p:extLst>
-      <p:ext uri="{BB962C8B-B14F-4D97-AF65-F5344CB8AC3E}">
-        <p14:creationId xmlns:p14="http://schemas.microsoft.com/office/powerpoint/2010/main" val="2335869725"/>
       </p:ext>
     </p:extLst>
   </p:cSld>
@@ -6524,7 +6563,7 @@
           <a:p>
             <a:r>
               <a:rPr lang="fr-FR" dirty="0"/>
-              <a:t>L'algorithme d'apprentissage</a:t>
+              <a:t>Notre travail</a:t>
             </a:r>
           </a:p>
         </p:txBody>
@@ -6546,29 +6585,56 @@
           <a:p>
             <a:r>
               <a:rPr lang="fr-FR" dirty="0"/>
-              <a:t>L'algorithme d'apprentissage constitue la méthode avec laquelle le modèle statistique va se paramétrer à partir des données d'exemple</a:t>
-            </a:r>
-          </a:p>
-          <a:p>
-            <a:pPr lvl="1"/>
-            <a:r>
-              <a:rPr lang="fr-FR" dirty="0"/>
-              <a:t>Il existe de nombreux algorithmes différents !</a:t>
-            </a:r>
-          </a:p>
-          <a:p>
-            <a:pPr lvl="1"/>
-            <a:r>
-              <a:rPr lang="fr-FR" dirty="0"/>
-              <a:t>On choisira un type d'algorithme particulier en fonction du type de tâche que l'on souhaite accomplir et du type de données dont on dispose</a:t>
-            </a:r>
+              <a:t>Le travail du data </a:t>
+            </a:r>
+            <a:r>
+              <a:rPr lang="fr-FR" dirty="0" err="1"/>
+              <a:t>scientist</a:t>
+            </a:r>
+            <a:r>
+              <a:rPr lang="fr-FR" dirty="0"/>
+              <a:t> en machine </a:t>
+            </a:r>
+            <a:r>
+              <a:rPr lang="fr-FR" dirty="0" err="1"/>
+              <a:t>learning</a:t>
+            </a:r>
+            <a:r>
+              <a:rPr lang="fr-FR" dirty="0"/>
+              <a:t> consiste à sélectionner les bonnes données test, choisir et entraîner le bon algorithme en vérifiant grâce à l'analyse d'erreurs que le modèle devient de plus en plus performant et robuste</a:t>
+            </a:r>
+          </a:p>
+          <a:p>
+            <a:r>
+              <a:rPr lang="fr-FR" dirty="0"/>
+              <a:t>Si les performances s'améliorent lorsqu'on lui fourni les données d'entraînement, on dit alors que la machine "apprend".</a:t>
+            </a:r>
+          </a:p>
+          <a:p>
+            <a:r>
+              <a:rPr lang="fr-FR" dirty="0"/>
+              <a:t>Le data </a:t>
+            </a:r>
+            <a:r>
+              <a:rPr lang="fr-FR" dirty="0" err="1"/>
+              <a:t>scientist</a:t>
+            </a:r>
+            <a:r>
+              <a:rPr lang="fr-FR" dirty="0"/>
+              <a:t> peut ensuite déployer le modèle afin qu'il traite de nouvelles données, pour accomplir la tâche (prédiction</a:t>
+            </a:r>
+            <a:r>
+              <a:rPr lang="fr-FR"/>
+              <a:t>, décision, ...).</a:t>
+            </a:r>
+            <a:endParaRPr lang="fr-FR" dirty="0"/>
           </a:p>
         </p:txBody>
       </p:sp>
     </p:spTree>
     <p:extLst>
       <p:ext uri="{BB962C8B-B14F-4D97-AF65-F5344CB8AC3E}">
-        <p14:creationId xmlns:p14="http://schemas.microsoft.com/office/powerpoint/2010/main" val="1834491022"/>
+        <p14:creationId xmlns:p14="http://schemas.microsoft.com/office/powerpoint/2010/main" val="2335869725"/>
       </p:ext>
     </p:extLst>
   </p:cSld>
@@ -6612,7 +6678,7 @@
           <a:p>
             <a:r>
               <a:rPr lang="fr-FR" dirty="0"/>
-              <a:t>Exemples</a:t>
+              <a:t>L'algorithme d'apprentissage</a:t>
             </a:r>
           </a:p>
         </p:txBody>
@@ -6634,79 +6700,21 @@
           <a:p>
             <a:r>
               <a:rPr lang="fr-FR" dirty="0"/>
-              <a:t>Quelques exemples d'algorithmes de machine </a:t>
-            </a:r>
-            <a:r>
-              <a:rPr lang="fr-FR" dirty="0" err="1"/>
-              <a:t>learning</a:t>
-            </a:r>
-            <a:r>
-              <a:rPr lang="fr-FR" dirty="0"/>
-              <a:t>, dont vous avez peut-être déjà entendu parler :</a:t>
+              <a:t>L'algorithme d'apprentissage constitue la méthode avec laquelle le modèle statistique va se paramétrer à partir des données d'exemple</a:t>
             </a:r>
           </a:p>
           <a:p>
             <a:pPr lvl="1"/>
             <a:r>
               <a:rPr lang="fr-FR" dirty="0"/>
-              <a:t>La régression linéaire</a:t>
+              <a:t>Il existe de nombreux algorithmes différents !</a:t>
             </a:r>
           </a:p>
           <a:p>
             <a:pPr lvl="1"/>
             <a:r>
-              <a:rPr lang="fr-FR" dirty="0" err="1"/>
-              <a:t>K-nn</a:t>
-            </a:r>
-            <a:endParaRPr lang="fr-FR" dirty="0"/>
-          </a:p>
-          <a:p>
-            <a:pPr lvl="1"/>
-            <a:r>
-              <a:rPr lang="fr-FR" dirty="0"/>
-              <a:t>Les Support </a:t>
-            </a:r>
-            <a:r>
-              <a:rPr lang="fr-FR" dirty="0" err="1"/>
-              <a:t>Vector</a:t>
-            </a:r>
-            <a:r>
-              <a:rPr lang="fr-FR" dirty="0"/>
-              <a:t> Machine (SVM)</a:t>
-            </a:r>
-          </a:p>
-          <a:p>
-            <a:pPr lvl="1"/>
-            <a:r>
-              <a:rPr lang="fr-FR" dirty="0"/>
-              <a:t>Les réseaux de neurones</a:t>
-            </a:r>
-          </a:p>
-          <a:p>
-            <a:pPr lvl="1"/>
-            <a:r>
-              <a:rPr lang="fr-FR" dirty="0"/>
-              <a:t>Les </a:t>
-            </a:r>
-            <a:r>
-              <a:rPr lang="fr-FR" dirty="0" err="1"/>
-              <a:t>random</a:t>
-            </a:r>
-            <a:r>
-              <a:rPr lang="fr-FR" dirty="0"/>
-              <a:t> </a:t>
-            </a:r>
-            <a:r>
-              <a:rPr lang="fr-FR" dirty="0" err="1"/>
-              <a:t>forests</a:t>
-            </a:r>
-            <a:endParaRPr lang="fr-FR" dirty="0"/>
-          </a:p>
-          <a:p>
-            <a:pPr lvl="1"/>
-            <a:r>
-              <a:rPr lang="fr-FR" dirty="0"/>
-              <a:t>etc.</a:t>
+              <a:rPr lang="fr-FR" dirty="0"/>
+              <a:t>On choisira un type d'algorithme particulier en fonction du type de tâche que l'on souhaite accomplir et du type de données dont on dispose</a:t>
             </a:r>
           </a:p>
         </p:txBody>
@@ -6714,7 +6722,7 @@
     </p:spTree>
     <p:extLst>
       <p:ext uri="{BB962C8B-B14F-4D97-AF65-F5344CB8AC3E}">
-        <p14:creationId xmlns:p14="http://schemas.microsoft.com/office/powerpoint/2010/main" val="4152399014"/>
+        <p14:creationId xmlns:p14="http://schemas.microsoft.com/office/powerpoint/2010/main" val="1834491022"/>
       </p:ext>
     </p:extLst>
   </p:cSld>
@@ -6758,7 +6766,7 @@
           <a:p>
             <a:r>
               <a:rPr lang="fr-FR" dirty="0"/>
-              <a:t>Mesure de performance</a:t>
+              <a:t>Exemples</a:t>
             </a:r>
           </a:p>
         </p:txBody>
@@ -6780,18 +6788,87 @@
           <a:p>
             <a:r>
               <a:rPr lang="fr-FR" dirty="0"/>
-              <a:t>Mesurer les performances fait partie intégrante du travail de modélisation. Il faut en général déterminer une mesure principale, souvent spécifique à la tâche à accomplir</a:t>
-            </a:r>
-          </a:p>
-          <a:p>
+              <a:t>Quelques exemples d'algorithmes de machine </a:t>
+            </a:r>
+            <a:r>
+              <a:rPr lang="fr-FR" dirty="0" err="1"/>
+              <a:t>learning</a:t>
+            </a:r>
+            <a:r>
+              <a:rPr lang="fr-FR" dirty="0"/>
+              <a:t>, dont vous avez peut-être déjà entendu parler :</a:t>
+            </a:r>
+          </a:p>
+          <a:p>
+            <a:pPr lvl="1"/>
+            <a:r>
+              <a:rPr lang="fr-FR" dirty="0"/>
+              <a:t>La régression linéaire</a:t>
+            </a:r>
+          </a:p>
+          <a:p>
+            <a:pPr lvl="1"/>
+            <a:r>
+              <a:rPr lang="fr-FR" dirty="0" err="1"/>
+              <a:t>K-nn</a:t>
+            </a:r>
             <a:endParaRPr lang="fr-FR" dirty="0"/>
+          </a:p>
+          <a:p>
+            <a:pPr lvl="1"/>
+            <a:r>
+              <a:rPr lang="fr-FR" dirty="0"/>
+              <a:t>Les Support </a:t>
+            </a:r>
+            <a:r>
+              <a:rPr lang="fr-FR" dirty="0" err="1"/>
+              <a:t>Vector</a:t>
+            </a:r>
+            <a:r>
+              <a:rPr lang="fr-FR" dirty="0"/>
+              <a:t> Machine (SVM)</a:t>
+            </a:r>
+          </a:p>
+          <a:p>
+            <a:pPr lvl="1"/>
+            <a:r>
+              <a:rPr lang="fr-FR" dirty="0"/>
+              <a:t>Les réseaux de neurones</a:t>
+            </a:r>
+          </a:p>
+          <a:p>
+            <a:pPr lvl="1"/>
+            <a:r>
+              <a:rPr lang="fr-FR" dirty="0"/>
+              <a:t>Les </a:t>
+            </a:r>
+            <a:r>
+              <a:rPr lang="fr-FR" dirty="0" err="1"/>
+              <a:t>random</a:t>
+            </a:r>
+            <a:r>
+              <a:rPr lang="fr-FR" dirty="0"/>
+              <a:t> </a:t>
+            </a:r>
+            <a:r>
+              <a:rPr lang="fr-FR" dirty="0" err="1"/>
+              <a:t>forests</a:t>
+            </a:r>
+            <a:endParaRPr lang="fr-FR" dirty="0"/>
+          </a:p>
+          <a:p>
+            <a:pPr lvl="1"/>
+            <a:r>
+              <a:rPr lang="fr-FR" dirty="0"/>
+              <a:t>etc.</a:t>
+            </a:r>
           </a:p>
         </p:txBody>
       </p:sp>
     </p:spTree>
     <p:extLst>
       <p:ext uri="{BB962C8B-B14F-4D97-AF65-F5344CB8AC3E}">
-        <p14:creationId xmlns:p14="http://schemas.microsoft.com/office/powerpoint/2010/main" val="1973774351"/>
+        <p14:creationId xmlns:p14="http://schemas.microsoft.com/office/powerpoint/2010/main" val="4152399014"/>
       </p:ext>
     </p:extLst>
   </p:cSld>
@@ -6835,7 +6912,7 @@
           <a:p>
             <a:r>
               <a:rPr lang="fr-FR" dirty="0"/>
-              <a:t>Exemple</a:t>
+              <a:t>Mesure de performance</a:t>
             </a:r>
           </a:p>
         </p:txBody>
@@ -6856,57 +6933,19 @@
           <a:lstStyle/>
           <a:p>
             <a:r>
-              <a:rPr lang="fr-FR" sz="2400" dirty="0"/>
-              <a:t>Imaginez que vous voulez créer un algorithme de détection de fraudes bancaires</a:t>
-            </a:r>
-          </a:p>
-          <a:p>
-            <a:pPr lvl="1"/>
-            <a:r>
-              <a:rPr lang="fr-FR" sz="2000" dirty="0"/>
-              <a:t>Vous voulez mesurer à quel point votre programme est performant</a:t>
-            </a:r>
-          </a:p>
-          <a:p>
-            <a:r>
-              <a:rPr lang="fr-FR" sz="2400" dirty="0"/>
-              <a:t>Une manière de faire serait de mesurer la proportion totale de transaction détectées comme fraude</a:t>
-            </a:r>
-          </a:p>
-          <a:p>
-            <a:pPr lvl="1"/>
-            <a:r>
-              <a:rPr lang="fr-FR" sz="2000" dirty="0"/>
-              <a:t>Cependant, on compte ici les transactions qui ne sont pas des fraudes et qui ont quand même été notées comme en étant (appelé "faux positifs")</a:t>
-            </a:r>
-          </a:p>
-          <a:p>
-            <a:pPr lvl="1"/>
-            <a:r>
-              <a:rPr lang="fr-FR" sz="2000" dirty="0"/>
-              <a:t>Donc, avec ce genre de métriques, on est pas exigeant sur ce type d'erreur que produit notre algorithme</a:t>
-            </a:r>
-          </a:p>
-          <a:p>
-            <a:r>
-              <a:rPr lang="fr-FR" sz="2400" dirty="0"/>
-              <a:t>Il faut peut être, utiliser une autre métrique plus pertinente. Par exemple, la précision qui est la proportion de "vraies fraudes" détectées par rapport au total de transactions </a:t>
-            </a:r>
-            <a:r>
-              <a:rPr lang="fr-FR" sz="2400" dirty="0" err="1"/>
-              <a:t>flagées</a:t>
-            </a:r>
-            <a:r>
-              <a:rPr lang="fr-FR" sz="2400" dirty="0"/>
-              <a:t> comme fraudes</a:t>
-            </a:r>
+              <a:rPr lang="fr-FR" dirty="0"/>
+              <a:t>Mesurer les performances fait partie intégrante du travail de modélisation. Il faut en général déterminer une mesure principale, souvent spécifique à la tâche à accomplir</a:t>
+            </a:r>
+          </a:p>
+          <a:p>
+            <a:endParaRPr lang="fr-FR" dirty="0"/>
           </a:p>
         </p:txBody>
       </p:sp>
     </p:spTree>
     <p:extLst>
       <p:ext uri="{BB962C8B-B14F-4D97-AF65-F5344CB8AC3E}">
-        <p14:creationId xmlns:p14="http://schemas.microsoft.com/office/powerpoint/2010/main" val="1447999638"/>
+        <p14:creationId xmlns:p14="http://schemas.microsoft.com/office/powerpoint/2010/main" val="1973774351"/>
       </p:ext>
     </p:extLst>
   </p:cSld>
@@ -6950,7 +6989,7 @@
           <a:p>
             <a:r>
               <a:rPr lang="fr-FR" dirty="0"/>
-              <a:t>Autre exemple</a:t>
+              <a:t>Exemple</a:t>
             </a:r>
           </a:p>
         </p:txBody>
@@ -6971,14 +7010,49 @@
           <a:lstStyle/>
           <a:p>
             <a:r>
-              <a:rPr lang="fr-FR" dirty="0"/>
-              <a:t>Dans la détection de maladie comme la méningite le nombre de faux positif n’est pas très important</a:t>
-            </a:r>
-          </a:p>
-          <a:p>
-            <a:r>
-              <a:rPr lang="fr-FR" dirty="0"/>
-              <a:t>Alors que le nombre de faux négatif est potentiellement mortel</a:t>
+              <a:rPr lang="fr-FR" sz="2400" dirty="0"/>
+              <a:t>Imaginez que vous voulez créer un algorithme de détection de fraudes bancaires</a:t>
+            </a:r>
+          </a:p>
+          <a:p>
+            <a:pPr lvl="1"/>
+            <a:r>
+              <a:rPr lang="fr-FR" sz="2000" dirty="0"/>
+              <a:t>Vous voulez mesurer à quel point votre programme est performant</a:t>
+            </a:r>
+          </a:p>
+          <a:p>
+            <a:r>
+              <a:rPr lang="fr-FR" sz="2400" dirty="0"/>
+              <a:t>Une manière de faire serait de mesurer la proportion totale de transaction détectées comme fraude</a:t>
+            </a:r>
+          </a:p>
+          <a:p>
+            <a:pPr lvl="1"/>
+            <a:r>
+              <a:rPr lang="fr-FR" sz="2000" dirty="0"/>
+              <a:t>Cependant, on compte ici les transactions qui ne sont pas des fraudes et qui ont quand même été notées comme en étant (appelé "faux positifs")</a:t>
+            </a:r>
+          </a:p>
+          <a:p>
+            <a:pPr lvl="1"/>
+            <a:r>
+              <a:rPr lang="fr-FR" sz="2000" dirty="0"/>
+              <a:t>Donc, avec ce genre de métriques, on est pas exigeant sur ce type d'erreur que produit notre algorithme</a:t>
+            </a:r>
+          </a:p>
+          <a:p>
+            <a:r>
+              <a:rPr lang="fr-FR" sz="2400" dirty="0"/>
+              <a:t>Il faut peut être, utiliser une autre métrique plus pertinente. Par exemple, la précision qui est la proportion de "vraies fraudes" détectées par rapport au total de transactions </a:t>
+            </a:r>
+            <a:r>
+              <a:rPr lang="fr-FR" sz="2400" dirty="0" err="1"/>
+              <a:t>flagées</a:t>
+            </a:r>
+            <a:r>
+              <a:rPr lang="fr-FR" sz="2400" dirty="0"/>
+              <a:t> comme fraudes</a:t>
             </a:r>
           </a:p>
         </p:txBody>
@@ -6986,7 +7060,7 @@
     </p:spTree>
     <p:extLst>
       <p:ext uri="{BB962C8B-B14F-4D97-AF65-F5344CB8AC3E}">
-        <p14:creationId xmlns:p14="http://schemas.microsoft.com/office/powerpoint/2010/main" val="989672997"/>
+        <p14:creationId xmlns:p14="http://schemas.microsoft.com/office/powerpoint/2010/main" val="1447999638"/>
       </p:ext>
     </p:extLst>
   </p:cSld>
@@ -7030,7 +7104,7 @@
           <a:p>
             <a:r>
               <a:rPr lang="fr-FR" dirty="0"/>
-              <a:t>Problème de la recommandation</a:t>
+              <a:t>Autre exemple</a:t>
             </a:r>
           </a:p>
         </p:txBody>
@@ -7051,82 +7125,14 @@
           <a:lstStyle/>
           <a:p>
             <a:r>
-              <a:rPr lang="fr-FR" sz="2400" dirty="0"/>
-              <a:t>La recommandation est une problématique qui revient très souvent pour les data </a:t>
-            </a:r>
-            <a:r>
-              <a:rPr lang="fr-FR" sz="2400" dirty="0" err="1"/>
-              <a:t>scientists</a:t>
-            </a:r>
-            <a:endParaRPr lang="fr-FR" sz="2400" dirty="0"/>
-          </a:p>
-          <a:p>
-            <a:r>
-              <a:rPr lang="fr-FR" sz="2400" dirty="0"/>
-              <a:t>Suggérer d'autres produits à acheter sur Amazon, des films à regarder sur </a:t>
-            </a:r>
-            <a:r>
-              <a:rPr lang="fr-FR" sz="2400" dirty="0" err="1"/>
-              <a:t>Netflix</a:t>
-            </a:r>
-            <a:r>
-              <a:rPr lang="fr-FR" sz="2400" dirty="0"/>
-              <a:t>, des musiques à écouter sur </a:t>
-            </a:r>
-            <a:r>
-              <a:rPr lang="fr-FR" sz="2400" dirty="0" err="1"/>
-              <a:t>Spotify</a:t>
-            </a:r>
-            <a:r>
-              <a:rPr lang="fr-FR" sz="2400" dirty="0"/>
-              <a:t>, </a:t>
-            </a:r>
-            <a:r>
-              <a:rPr lang="fr-FR" sz="2400" dirty="0" err="1"/>
-              <a:t>etc</a:t>
-            </a:r>
-            <a:endParaRPr lang="fr-FR" sz="2400" dirty="0"/>
-          </a:p>
-          <a:p>
-            <a:pPr lvl="1"/>
-            <a:r>
-              <a:rPr lang="fr-FR" sz="2000" dirty="0"/>
-              <a:t>La recommandation </a:t>
-            </a:r>
-            <a:r>
-              <a:rPr lang="fr-FR" sz="2000" dirty="0" err="1"/>
-              <a:t>Spotify</a:t>
-            </a:r>
-            <a:r>
-              <a:rPr lang="fr-FR" sz="2000" dirty="0"/>
-              <a:t> est en Python</a:t>
-            </a:r>
-          </a:p>
-          <a:p>
-            <a:r>
-              <a:rPr lang="fr-FR" sz="2400" dirty="0"/>
-              <a:t>Mais du coup c'est de la classification ? de la régression ? supervisé ? non-supervisé ?</a:t>
-            </a:r>
-          </a:p>
-          <a:p>
-            <a:r>
-              <a:rPr lang="fr-FR" sz="2400" dirty="0"/>
-              <a:t> Une technique largement répandue est le "collaborative </a:t>
-            </a:r>
-            <a:r>
-              <a:rPr lang="fr-FR" sz="2400" dirty="0" err="1"/>
-              <a:t>filtering</a:t>
-            </a:r>
-            <a:r>
-              <a:rPr lang="fr-FR" sz="2400" dirty="0"/>
-              <a:t>", qui se base sur des similarités</a:t>
-            </a:r>
-          </a:p>
-          <a:p>
-            <a:pPr lvl="1"/>
-            <a:r>
-              <a:rPr lang="fr-FR" sz="2000" dirty="0"/>
-              <a:t>c'est un problème non-supervisé</a:t>
+              <a:rPr lang="fr-FR" dirty="0"/>
+              <a:t>Dans la détection de maladie comme la méningite le nombre de faux positif n’est pas très important</a:t>
+            </a:r>
+          </a:p>
+          <a:p>
+            <a:r>
+              <a:rPr lang="fr-FR" dirty="0"/>
+              <a:t>Alors que le nombre de faux négatif est potentiellement mortel</a:t>
             </a:r>
           </a:p>
         </p:txBody>
@@ -7134,7 +7140,7 @@
     </p:spTree>
     <p:extLst>
       <p:ext uri="{BB962C8B-B14F-4D97-AF65-F5344CB8AC3E}">
-        <p14:creationId xmlns:p14="http://schemas.microsoft.com/office/powerpoint/2010/main" val="85037537"/>
+        <p14:creationId xmlns:p14="http://schemas.microsoft.com/office/powerpoint/2010/main" val="989672997"/>
       </p:ext>
     </p:extLst>
   </p:cSld>
@@ -7178,6 +7184,154 @@
           <a:p>
             <a:r>
               <a:rPr lang="fr-FR" dirty="0"/>
+              <a:t>Problème de la recommandation</a:t>
+            </a:r>
+          </a:p>
+        </p:txBody>
+      </p:sp>
+      <p:sp>
+        <p:nvSpPr>
+          <p:cNvPr id="3" name="Espace réservé du contenu 2"/>
+          <p:cNvSpPr>
+            <a:spLocks noGrp="1"/>
+          </p:cNvSpPr>
+          <p:nvPr>
+            <p:ph idx="1"/>
+          </p:nvPr>
+        </p:nvSpPr>
+        <p:spPr/>
+        <p:txBody>
+          <a:bodyPr/>
+          <a:lstStyle/>
+          <a:p>
+            <a:r>
+              <a:rPr lang="fr-FR" sz="2400" dirty="0"/>
+              <a:t>La recommandation est une problématique qui revient très souvent pour les data </a:t>
+            </a:r>
+            <a:r>
+              <a:rPr lang="fr-FR" sz="2400" dirty="0" err="1"/>
+              <a:t>scientists</a:t>
+            </a:r>
+            <a:endParaRPr lang="fr-FR" sz="2400" dirty="0"/>
+          </a:p>
+          <a:p>
+            <a:r>
+              <a:rPr lang="fr-FR" sz="2400" dirty="0"/>
+              <a:t>Suggérer d'autres produits à acheter sur Amazon, des films à regarder sur </a:t>
+            </a:r>
+            <a:r>
+              <a:rPr lang="fr-FR" sz="2400" dirty="0" err="1"/>
+              <a:t>Netflix</a:t>
+            </a:r>
+            <a:r>
+              <a:rPr lang="fr-FR" sz="2400" dirty="0"/>
+              <a:t>, des musiques à écouter sur </a:t>
+            </a:r>
+            <a:r>
+              <a:rPr lang="fr-FR" sz="2400" dirty="0" err="1"/>
+              <a:t>Spotify</a:t>
+            </a:r>
+            <a:r>
+              <a:rPr lang="fr-FR" sz="2400" dirty="0"/>
+              <a:t>, </a:t>
+            </a:r>
+            <a:r>
+              <a:rPr lang="fr-FR" sz="2400" dirty="0" err="1"/>
+              <a:t>etc</a:t>
+            </a:r>
+            <a:endParaRPr lang="fr-FR" sz="2400" dirty="0"/>
+          </a:p>
+          <a:p>
+            <a:pPr lvl="1"/>
+            <a:r>
+              <a:rPr lang="fr-FR" sz="2000" dirty="0"/>
+              <a:t>La recommandation </a:t>
+            </a:r>
+            <a:r>
+              <a:rPr lang="fr-FR" sz="2000" dirty="0" err="1"/>
+              <a:t>Spotify</a:t>
+            </a:r>
+            <a:r>
+              <a:rPr lang="fr-FR" sz="2000" dirty="0"/>
+              <a:t> est en Python</a:t>
+            </a:r>
+          </a:p>
+          <a:p>
+            <a:r>
+              <a:rPr lang="fr-FR" sz="2400" dirty="0"/>
+              <a:t>Mais du coup c'est de la classification ? de la régression ? supervisé ? non-supervisé ?</a:t>
+            </a:r>
+          </a:p>
+          <a:p>
+            <a:r>
+              <a:rPr lang="fr-FR" sz="2400" dirty="0"/>
+              <a:t> Une technique largement répandue est le "collaborative </a:t>
+            </a:r>
+            <a:r>
+              <a:rPr lang="fr-FR" sz="2400" dirty="0" err="1"/>
+              <a:t>filtering</a:t>
+            </a:r>
+            <a:r>
+              <a:rPr lang="fr-FR" sz="2400" dirty="0"/>
+              <a:t>", qui se base sur des similarités</a:t>
+            </a:r>
+          </a:p>
+          <a:p>
+            <a:pPr lvl="1"/>
+            <a:r>
+              <a:rPr lang="fr-FR" sz="2000" dirty="0"/>
+              <a:t>c'est un problème non-supervisé</a:t>
+            </a:r>
+          </a:p>
+        </p:txBody>
+      </p:sp>
+    </p:spTree>
+    <p:extLst>
+      <p:ext uri="{BB962C8B-B14F-4D97-AF65-F5344CB8AC3E}">
+        <p14:creationId xmlns:p14="http://schemas.microsoft.com/office/powerpoint/2010/main" val="85037537"/>
+      </p:ext>
+    </p:extLst>
+  </p:cSld>
+  <p:clrMapOvr>
+    <a:masterClrMapping/>
+  </p:clrMapOvr>
+</p:sld>
+</file>
+
+<file path=ppt/slides/slide37.xml><?xml version="1.0" encoding="utf-8"?>
+<p:sld xmlns:a="http://schemas.openxmlformats.org/drawingml/2006/main" xmlns:r="http://schemas.openxmlformats.org/officeDocument/2006/relationships" xmlns:p="http://schemas.openxmlformats.org/presentationml/2006/main">
+  <p:cSld>
+    <p:spTree>
+      <p:nvGrpSpPr>
+        <p:cNvPr id="1" name=""/>
+        <p:cNvGrpSpPr/>
+        <p:nvPr/>
+      </p:nvGrpSpPr>
+      <p:grpSpPr>
+        <a:xfrm>
+          <a:off x="0" y="0"/>
+          <a:ext cx="0" cy="0"/>
+          <a:chOff x="0" y="0"/>
+          <a:chExt cx="0" cy="0"/>
+        </a:xfrm>
+      </p:grpSpPr>
+      <p:sp>
+        <p:nvSpPr>
+          <p:cNvPr id="2" name="Titre 1"/>
+          <p:cNvSpPr>
+            <a:spLocks noGrp="1"/>
+          </p:cNvSpPr>
+          <p:nvPr>
+            <p:ph type="title"/>
+          </p:nvPr>
+        </p:nvSpPr>
+        <p:spPr/>
+        <p:txBody>
+          <a:bodyPr/>
+          <a:lstStyle/>
+          <a:p>
+            <a:r>
+              <a:rPr lang="fr-FR" dirty="0"/>
               <a:t>Le </a:t>
             </a:r>
             <a:r>
@@ -7243,7 +7397,7 @@
 </p:sld>
 </file>
 
-<file path=ppt/slides/slide37.xml><?xml version="1.0" encoding="utf-8"?>
+<file path=ppt/slides/slide38.xml><?xml version="1.0" encoding="utf-8"?>
 <p:sld xmlns:a="http://schemas.openxmlformats.org/drawingml/2006/main" xmlns:r="http://schemas.openxmlformats.org/officeDocument/2006/relationships" xmlns:p="http://schemas.openxmlformats.org/presentationml/2006/main">
   <p:cSld>
     <p:spTree>
@@ -7338,7 +7492,7 @@
 </p:sld>
 </file>
 
-<file path=ppt/slides/slide38.xml><?xml version="1.0" encoding="utf-8"?>
+<file path=ppt/slides/slide39.xml><?xml version="1.0" encoding="utf-8"?>
 <p:sld xmlns:a="http://schemas.openxmlformats.org/drawingml/2006/main" xmlns:r="http://schemas.openxmlformats.org/officeDocument/2006/relationships" xmlns:p="http://schemas.openxmlformats.org/presentationml/2006/main">
   <p:cSld>
     <p:spTree>
@@ -7449,7 +7603,128 @@
 </p:sld>
 </file>
 
-<file path=ppt/slides/slide39.xml><?xml version="1.0" encoding="utf-8"?>
+<file path=ppt/slides/slide4.xml><?xml version="1.0" encoding="utf-8"?>
+<p:sld xmlns:a="http://schemas.openxmlformats.org/drawingml/2006/main" xmlns:r="http://schemas.openxmlformats.org/officeDocument/2006/relationships" xmlns:p="http://schemas.openxmlformats.org/presentationml/2006/main">
+  <p:cSld>
+    <p:spTree>
+      <p:nvGrpSpPr>
+        <p:cNvPr id="1" name=""/>
+        <p:cNvGrpSpPr/>
+        <p:nvPr/>
+      </p:nvGrpSpPr>
+      <p:grpSpPr>
+        <a:xfrm>
+          <a:off x="0" y="0"/>
+          <a:ext cx="0" cy="0"/>
+          <a:chOff x="0" y="0"/>
+          <a:chExt cx="0" cy="0"/>
+        </a:xfrm>
+      </p:grpSpPr>
+      <p:sp>
+        <p:nvSpPr>
+          <p:cNvPr id="2" name="Titre 1"/>
+          <p:cNvSpPr>
+            <a:spLocks noGrp="1"/>
+          </p:cNvSpPr>
+          <p:nvPr>
+            <p:ph type="title"/>
+          </p:nvPr>
+        </p:nvSpPr>
+        <p:spPr/>
+        <p:txBody>
+          <a:bodyPr/>
+          <a:lstStyle/>
+          <a:p>
+            <a:r>
+              <a:rPr lang="fr-FR" dirty="0"/>
+              <a:t>1</a:t>
+            </a:r>
+            <a:r>
+              <a:rPr lang="fr-FR" baseline="30000" dirty="0"/>
+              <a:t>ère</a:t>
+            </a:r>
+            <a:r>
+              <a:rPr lang="fr-FR" dirty="0"/>
+              <a:t> étape</a:t>
+            </a:r>
+          </a:p>
+        </p:txBody>
+      </p:sp>
+      <p:sp>
+        <p:nvSpPr>
+          <p:cNvPr id="3" name="Espace réservé du contenu 2"/>
+          <p:cNvSpPr>
+            <a:spLocks noGrp="1"/>
+          </p:cNvSpPr>
+          <p:nvPr>
+            <p:ph idx="1"/>
+          </p:nvPr>
+        </p:nvSpPr>
+        <p:spPr/>
+        <p:txBody>
+          <a:bodyPr/>
+          <a:lstStyle/>
+          <a:p>
+            <a:r>
+              <a:rPr lang="fr-FR" dirty="0"/>
+              <a:t>Trouver les données</a:t>
+            </a:r>
+          </a:p>
+          <a:p>
+            <a:pPr lvl="1"/>
+            <a:r>
+              <a:rPr lang="fr-FR" dirty="0"/>
+              <a:t>Mise à disposition d’un data </a:t>
+            </a:r>
+            <a:r>
+              <a:rPr lang="fr-FR" dirty="0" err="1"/>
+              <a:t>lake</a:t>
+            </a:r>
+            <a:r>
+              <a:rPr lang="fr-FR" dirty="0"/>
+              <a:t> ou d’un data </a:t>
+            </a:r>
+            <a:r>
+              <a:rPr lang="fr-FR" dirty="0" err="1"/>
+              <a:t>mart</a:t>
+            </a:r>
+            <a:endParaRPr lang="fr-FR" dirty="0"/>
+          </a:p>
+          <a:p>
+            <a:r>
+              <a:rPr lang="fr-FR" dirty="0"/>
+              <a:t>Le jeu de données utilisé en machine </a:t>
+            </a:r>
+            <a:r>
+              <a:rPr lang="fr-FR" dirty="0" err="1"/>
+              <a:t>learning</a:t>
+            </a:r>
+            <a:r>
+              <a:rPr lang="fr-FR" dirty="0"/>
+              <a:t> s’appel le </a:t>
+            </a:r>
+            <a:r>
+              <a:rPr lang="fr-FR" dirty="0" err="1"/>
+              <a:t>Dataset</a:t>
+            </a:r>
+            <a:endParaRPr lang="fr-FR" dirty="0"/>
+          </a:p>
+        </p:txBody>
+      </p:sp>
+    </p:spTree>
+    <p:extLst>
+      <p:ext uri="{BB962C8B-B14F-4D97-AF65-F5344CB8AC3E}">
+        <p14:creationId xmlns:p14="http://schemas.microsoft.com/office/powerpoint/2010/main" val="1841075970"/>
+      </p:ext>
+    </p:extLst>
+  </p:cSld>
+  <p:clrMapOvr>
+    <a:masterClrMapping/>
+  </p:clrMapOvr>
+</p:sld>
+</file>
+
+<file path=ppt/slides/slide40.xml><?xml version="1.0" encoding="utf-8"?>
 <p:sld xmlns:a="http://schemas.openxmlformats.org/drawingml/2006/main" xmlns:r="http://schemas.openxmlformats.org/officeDocument/2006/relationships" xmlns:p="http://schemas.openxmlformats.org/presentationml/2006/main">
   <p:cSld>
     <p:spTree>
@@ -7527,128 +7802,7 @@
 </p:sld>
 </file>
 
-<file path=ppt/slides/slide4.xml><?xml version="1.0" encoding="utf-8"?>
-<p:sld xmlns:a="http://schemas.openxmlformats.org/drawingml/2006/main" xmlns:r="http://schemas.openxmlformats.org/officeDocument/2006/relationships" xmlns:p="http://schemas.openxmlformats.org/presentationml/2006/main">
-  <p:cSld>
-    <p:spTree>
-      <p:nvGrpSpPr>
-        <p:cNvPr id="1" name=""/>
-        <p:cNvGrpSpPr/>
-        <p:nvPr/>
-      </p:nvGrpSpPr>
-      <p:grpSpPr>
-        <a:xfrm>
-          <a:off x="0" y="0"/>
-          <a:ext cx="0" cy="0"/>
-          <a:chOff x="0" y="0"/>
-          <a:chExt cx="0" cy="0"/>
-        </a:xfrm>
-      </p:grpSpPr>
-      <p:sp>
-        <p:nvSpPr>
-          <p:cNvPr id="2" name="Titre 1"/>
-          <p:cNvSpPr>
-            <a:spLocks noGrp="1"/>
-          </p:cNvSpPr>
-          <p:nvPr>
-            <p:ph type="title"/>
-          </p:nvPr>
-        </p:nvSpPr>
-        <p:spPr/>
-        <p:txBody>
-          <a:bodyPr/>
-          <a:lstStyle/>
-          <a:p>
-            <a:r>
-              <a:rPr lang="fr-FR" dirty="0"/>
-              <a:t>1</a:t>
-            </a:r>
-            <a:r>
-              <a:rPr lang="fr-FR" baseline="30000" dirty="0"/>
-              <a:t>ère</a:t>
-            </a:r>
-            <a:r>
-              <a:rPr lang="fr-FR" dirty="0"/>
-              <a:t> étape</a:t>
-            </a:r>
-          </a:p>
-        </p:txBody>
-      </p:sp>
-      <p:sp>
-        <p:nvSpPr>
-          <p:cNvPr id="3" name="Espace réservé du contenu 2"/>
-          <p:cNvSpPr>
-            <a:spLocks noGrp="1"/>
-          </p:cNvSpPr>
-          <p:nvPr>
-            <p:ph idx="1"/>
-          </p:nvPr>
-        </p:nvSpPr>
-        <p:spPr/>
-        <p:txBody>
-          <a:bodyPr/>
-          <a:lstStyle/>
-          <a:p>
-            <a:r>
-              <a:rPr lang="fr-FR" dirty="0"/>
-              <a:t>Trouver les données</a:t>
-            </a:r>
-          </a:p>
-          <a:p>
-            <a:pPr lvl="1"/>
-            <a:r>
-              <a:rPr lang="fr-FR" dirty="0"/>
-              <a:t>Mise à disposition d’un data </a:t>
-            </a:r>
-            <a:r>
-              <a:rPr lang="fr-FR" dirty="0" err="1"/>
-              <a:t>lake</a:t>
-            </a:r>
-            <a:r>
-              <a:rPr lang="fr-FR" dirty="0"/>
-              <a:t> ou d’un data </a:t>
-            </a:r>
-            <a:r>
-              <a:rPr lang="fr-FR" dirty="0" err="1"/>
-              <a:t>mart</a:t>
-            </a:r>
-            <a:endParaRPr lang="fr-FR" dirty="0"/>
-          </a:p>
-          <a:p>
-            <a:r>
-              <a:rPr lang="fr-FR" dirty="0"/>
-              <a:t>Le jeu de données utilisé en machine </a:t>
-            </a:r>
-            <a:r>
-              <a:rPr lang="fr-FR" dirty="0" err="1"/>
-              <a:t>learning</a:t>
-            </a:r>
-            <a:r>
-              <a:rPr lang="fr-FR" dirty="0"/>
-              <a:t> s’appel le </a:t>
-            </a:r>
-            <a:r>
-              <a:rPr lang="fr-FR" dirty="0" err="1"/>
-              <a:t>Dataset</a:t>
-            </a:r>
-            <a:endParaRPr lang="fr-FR" dirty="0"/>
-          </a:p>
-        </p:txBody>
-      </p:sp>
-    </p:spTree>
-    <p:extLst>
-      <p:ext uri="{BB962C8B-B14F-4D97-AF65-F5344CB8AC3E}">
-        <p14:creationId xmlns:p14="http://schemas.microsoft.com/office/powerpoint/2010/main" val="1841075970"/>
-      </p:ext>
-    </p:extLst>
-  </p:cSld>
-  <p:clrMapOvr>
-    <a:masterClrMapping/>
-  </p:clrMapOvr>
-</p:sld>
-</file>
-
-<file path=ppt/slides/slide40.xml><?xml version="1.0" encoding="utf-8"?>
+<file path=ppt/slides/slide41.xml><?xml version="1.0" encoding="utf-8"?>
 <p:sld xmlns:a="http://schemas.openxmlformats.org/drawingml/2006/main" xmlns:r="http://schemas.openxmlformats.org/officeDocument/2006/relationships" xmlns:p="http://schemas.openxmlformats.org/presentationml/2006/main">
   <p:cSld>
     <p:spTree>
@@ -7824,7 +7978,7 @@
 </p:sld>
 </file>
 
-<file path=ppt/slides/slide41.xml><?xml version="1.0" encoding="utf-8"?>
+<file path=ppt/slides/slide42.xml><?xml version="1.0" encoding="utf-8"?>
 <p:sld xmlns:a="http://schemas.openxmlformats.org/drawingml/2006/main" xmlns:r="http://schemas.openxmlformats.org/officeDocument/2006/relationships" xmlns:p="http://schemas.openxmlformats.org/presentationml/2006/main">
   <p:cSld>
     <p:spTree>
@@ -7913,7 +8067,7 @@
 </p:sld>
 </file>
 
-<file path=ppt/slides/slide42.xml><?xml version="1.0" encoding="utf-8"?>
+<file path=ppt/slides/slide43.xml><?xml version="1.0" encoding="utf-8"?>
 <p:sld xmlns:a="http://schemas.openxmlformats.org/drawingml/2006/main" xmlns:r="http://schemas.openxmlformats.org/officeDocument/2006/relationships" xmlns:p="http://schemas.openxmlformats.org/presentationml/2006/main">
   <p:cSld>
     <p:spTree>
@@ -8035,7 +8189,7 @@
 </p:sld>
 </file>
 
-<file path=ppt/slides/slide43.xml><?xml version="1.0" encoding="utf-8"?>
+<file path=ppt/slides/slide44.xml><?xml version="1.0" encoding="utf-8"?>
 <p:sld xmlns:a="http://schemas.openxmlformats.org/drawingml/2006/main" xmlns:r="http://schemas.openxmlformats.org/officeDocument/2006/relationships" xmlns:p="http://schemas.openxmlformats.org/presentationml/2006/main">
   <p:cSld>
     <p:spTree>
@@ -8147,7 +8301,7 @@
 </p:sld>
 </file>
 
-<file path=ppt/slides/slide44.xml><?xml version="1.0" encoding="utf-8"?>
+<file path=ppt/slides/slide45.xml><?xml version="1.0" encoding="utf-8"?>
 <p:sld xmlns:a="http://schemas.openxmlformats.org/drawingml/2006/main" xmlns:r="http://schemas.openxmlformats.org/officeDocument/2006/relationships" xmlns:p="http://schemas.openxmlformats.org/presentationml/2006/main">
   <p:cSld>
     <p:spTree>
@@ -8341,84 +8495,6 @@
 </p:sld>
 </file>
 
-<file path=ppt/slides/slide45.xml><?xml version="1.0" encoding="utf-8"?>
-<p:sld xmlns:a="http://schemas.openxmlformats.org/drawingml/2006/main" xmlns:r="http://schemas.openxmlformats.org/officeDocument/2006/relationships" xmlns:p="http://schemas.openxmlformats.org/presentationml/2006/main">
-  <p:cSld>
-    <p:spTree>
-      <p:nvGrpSpPr>
-        <p:cNvPr id="1" name=""/>
-        <p:cNvGrpSpPr/>
-        <p:nvPr/>
-      </p:nvGrpSpPr>
-      <p:grpSpPr>
-        <a:xfrm>
-          <a:off x="0" y="0"/>
-          <a:ext cx="0" cy="0"/>
-          <a:chOff x="0" y="0"/>
-          <a:chExt cx="0" cy="0"/>
-        </a:xfrm>
-      </p:grpSpPr>
-      <p:sp>
-        <p:nvSpPr>
-          <p:cNvPr id="2" name="Titre 1"/>
-          <p:cNvSpPr>
-            <a:spLocks noGrp="1"/>
-          </p:cNvSpPr>
-          <p:nvPr>
-            <p:ph type="title"/>
-          </p:nvPr>
-        </p:nvSpPr>
-        <p:spPr/>
-        <p:txBody>
-          <a:bodyPr/>
-          <a:lstStyle/>
-          <a:p>
-            <a:r>
-              <a:rPr lang="fr-FR" dirty="0" err="1"/>
-              <a:t>Edmunt</a:t>
-            </a:r>
-            <a:r>
-              <a:rPr lang="fr-FR" dirty="0"/>
-              <a:t> Husserl</a:t>
-            </a:r>
-          </a:p>
-        </p:txBody>
-      </p:sp>
-      <p:sp>
-        <p:nvSpPr>
-          <p:cNvPr id="3" name="Espace réservé du contenu 2"/>
-          <p:cNvSpPr>
-            <a:spLocks noGrp="1"/>
-          </p:cNvSpPr>
-          <p:nvPr>
-            <p:ph idx="1"/>
-          </p:nvPr>
-        </p:nvSpPr>
-        <p:spPr/>
-        <p:txBody>
-          <a:bodyPr/>
-          <a:lstStyle/>
-          <a:p>
-            <a:r>
-              <a:rPr lang="fr-FR" dirty="0"/>
-              <a:t>« Les modèles sont les habits des idées, il y a toujours un modèle qui peut faire croire que votre idée est juste. »</a:t>
-            </a:r>
-          </a:p>
-        </p:txBody>
-      </p:sp>
-    </p:spTree>
-    <p:extLst>
-      <p:ext uri="{BB962C8B-B14F-4D97-AF65-F5344CB8AC3E}">
-        <p14:creationId xmlns:p14="http://schemas.microsoft.com/office/powerpoint/2010/main" val="3344571388"/>
-      </p:ext>
-    </p:extLst>
-  </p:cSld>
-  <p:clrMapOvr>
-    <a:masterClrMapping/>
-  </p:clrMapOvr>
-</p:sld>
-</file>
-
 <file path=ppt/slides/slide46.xml><?xml version="1.0" encoding="utf-8"?>
 <p:sld xmlns:a="http://schemas.openxmlformats.org/drawingml/2006/main" xmlns:r="http://schemas.openxmlformats.org/officeDocument/2006/relationships" xmlns:p="http://schemas.openxmlformats.org/presentationml/2006/main">
   <p:cSld>
@@ -8452,8 +8528,12 @@
           <a:lstStyle/>
           <a:p>
             <a:r>
-              <a:rPr lang="fr-FR" dirty="0"/>
-              <a:t>Considération sur les tailles</a:t>
+              <a:rPr lang="fr-FR" dirty="0" err="1"/>
+              <a:t>Edmunt</a:t>
+            </a:r>
+            <a:r>
+              <a:rPr lang="fr-FR" dirty="0"/>
+              <a:t> Husserl</a:t>
             </a:r>
           </a:p>
         </p:txBody>
@@ -8475,60 +8555,15 @@
           <a:p>
             <a:r>
               <a:rPr lang="fr-FR" dirty="0"/>
-              <a:t>Les processeurs d’aujourd’hui en en 64 bits (x64)</a:t>
-            </a:r>
-          </a:p>
-          <a:p>
-            <a:pPr lvl="1"/>
-            <a:r>
-              <a:rPr lang="fr-FR" dirty="0"/>
-              <a:t>Les GPU sont sur 128 bits</a:t>
-            </a:r>
-          </a:p>
-          <a:p>
-            <a:pPr lvl="1"/>
-            <a:r>
-              <a:rPr lang="fr-FR" dirty="0"/>
-              <a:t>Les anciens processeurs sur 32 bits</a:t>
-            </a:r>
-          </a:p>
-          <a:p>
-            <a:pPr lvl="1"/>
-            <a:r>
-              <a:rPr lang="fr-FR" dirty="0"/>
-              <a:t>Python existe en version 32 et 64 bits</a:t>
-            </a:r>
-          </a:p>
-          <a:p>
-            <a:r>
-              <a:rPr lang="fr-FR" dirty="0"/>
-              <a:t>Un processeur 32 bits ne peut adresser que 2^32 bits soit 4Gbit</a:t>
-            </a:r>
-          </a:p>
-          <a:p>
-            <a:pPr lvl="1"/>
-            <a:r>
-              <a:rPr lang="fr-FR" dirty="0"/>
-              <a:t>Une adresse mémoire est souvent sur 1 octet ce qui donne 4Go de mémoire maximum, sachant que près de la moitié est pris par l’OS</a:t>
-            </a:r>
-          </a:p>
-          <a:p>
-            <a:r>
-              <a:rPr lang="fr-FR" dirty="0"/>
-              <a:t>Un processeur 64 bits sait adressé 8000 </a:t>
-            </a:r>
-            <a:r>
-              <a:rPr lang="fr-FR" dirty="0" err="1"/>
-              <a:t>Pbit</a:t>
-            </a:r>
-            <a:endParaRPr lang="fr-FR" dirty="0"/>
+              <a:t>« Les modèles sont les habits des idées, il y a toujours un modèle qui peut faire croire que votre idée est juste. »</a:t>
+            </a:r>
           </a:p>
         </p:txBody>
       </p:sp>
     </p:spTree>
     <p:extLst>
       <p:ext uri="{BB962C8B-B14F-4D97-AF65-F5344CB8AC3E}">
-        <p14:creationId xmlns:p14="http://schemas.microsoft.com/office/powerpoint/2010/main" val="1996995698"/>
+        <p14:creationId xmlns:p14="http://schemas.microsoft.com/office/powerpoint/2010/main" val="3344571388"/>
       </p:ext>
     </p:extLst>
   </p:cSld>
@@ -8593,6 +8628,125 @@
           <a:lstStyle/>
           <a:p>
             <a:r>
+              <a:rPr lang="fr-FR" dirty="0"/>
+              <a:t>Les processeurs d’aujourd’hui en en 64 bits (x64)</a:t>
+            </a:r>
+          </a:p>
+          <a:p>
+            <a:pPr lvl="1"/>
+            <a:r>
+              <a:rPr lang="fr-FR" dirty="0"/>
+              <a:t>Les GPU sont sur 128 bits</a:t>
+            </a:r>
+          </a:p>
+          <a:p>
+            <a:pPr lvl="1"/>
+            <a:r>
+              <a:rPr lang="fr-FR" dirty="0"/>
+              <a:t>Les anciens processeurs sur 32 bits</a:t>
+            </a:r>
+          </a:p>
+          <a:p>
+            <a:pPr lvl="1"/>
+            <a:r>
+              <a:rPr lang="fr-FR" dirty="0"/>
+              <a:t>Python existe en version 32 et 64 bits</a:t>
+            </a:r>
+          </a:p>
+          <a:p>
+            <a:r>
+              <a:rPr lang="fr-FR" dirty="0"/>
+              <a:t>Un processeur 32 bits ne peut adresser que 2^32 bits soit 4Gbit</a:t>
+            </a:r>
+          </a:p>
+          <a:p>
+            <a:pPr lvl="1"/>
+            <a:r>
+              <a:rPr lang="fr-FR" dirty="0"/>
+              <a:t>Une adresse mémoire est souvent sur 1 octet ce qui donne 4Go de mémoire maximum, sachant que près de la moitié est pris par l’OS</a:t>
+            </a:r>
+          </a:p>
+          <a:p>
+            <a:r>
+              <a:rPr lang="fr-FR" dirty="0"/>
+              <a:t>Un processeur 64 bits sait adressé 8000 </a:t>
+            </a:r>
+            <a:r>
+              <a:rPr lang="fr-FR" dirty="0" err="1"/>
+              <a:t>Pbit</a:t>
+            </a:r>
+            <a:endParaRPr lang="fr-FR" dirty="0"/>
+          </a:p>
+        </p:txBody>
+      </p:sp>
+    </p:spTree>
+    <p:extLst>
+      <p:ext uri="{BB962C8B-B14F-4D97-AF65-F5344CB8AC3E}">
+        <p14:creationId xmlns:p14="http://schemas.microsoft.com/office/powerpoint/2010/main" val="1996995698"/>
+      </p:ext>
+    </p:extLst>
+  </p:cSld>
+  <p:clrMapOvr>
+    <a:masterClrMapping/>
+  </p:clrMapOvr>
+</p:sld>
+</file>
+
+<file path=ppt/slides/slide48.xml><?xml version="1.0" encoding="utf-8"?>
+<p:sld xmlns:a="http://schemas.openxmlformats.org/drawingml/2006/main" xmlns:r="http://schemas.openxmlformats.org/officeDocument/2006/relationships" xmlns:p="http://schemas.openxmlformats.org/presentationml/2006/main">
+  <p:cSld>
+    <p:spTree>
+      <p:nvGrpSpPr>
+        <p:cNvPr id="1" name=""/>
+        <p:cNvGrpSpPr/>
+        <p:nvPr/>
+      </p:nvGrpSpPr>
+      <p:grpSpPr>
+        <a:xfrm>
+          <a:off x="0" y="0"/>
+          <a:ext cx="0" cy="0"/>
+          <a:chOff x="0" y="0"/>
+          <a:chExt cx="0" cy="0"/>
+        </a:xfrm>
+      </p:grpSpPr>
+      <p:sp>
+        <p:nvSpPr>
+          <p:cNvPr id="2" name="Titre 1"/>
+          <p:cNvSpPr>
+            <a:spLocks noGrp="1"/>
+          </p:cNvSpPr>
+          <p:nvPr>
+            <p:ph type="title"/>
+          </p:nvPr>
+        </p:nvSpPr>
+        <p:spPr/>
+        <p:txBody>
+          <a:bodyPr/>
+          <a:lstStyle/>
+          <a:p>
+            <a:r>
+              <a:rPr lang="fr-FR" dirty="0"/>
+              <a:t>Considération sur les tailles</a:t>
+            </a:r>
+          </a:p>
+        </p:txBody>
+      </p:sp>
+      <p:sp>
+        <p:nvSpPr>
+          <p:cNvPr id="3" name="Espace réservé du contenu 2"/>
+          <p:cNvSpPr>
+            <a:spLocks noGrp="1"/>
+          </p:cNvSpPr>
+          <p:nvPr>
+            <p:ph idx="1"/>
+          </p:nvPr>
+        </p:nvSpPr>
+        <p:spPr/>
+        <p:txBody>
+          <a:bodyPr/>
+          <a:lstStyle/>
+          <a:p>
+            <a:r>
               <a:rPr lang="fr-FR" sz="2400" dirty="0"/>
               <a:t>En Python un flottant fait 32 bits</a:t>
             </a:r>
@@ -8689,7 +8843,7 @@
 </p:sld>
 </file>
 
-<file path=ppt/slides/slide48.xml><?xml version="1.0" encoding="utf-8"?>
+<file path=ppt/slides/slide49.xml><?xml version="1.0" encoding="utf-8"?>
 <p:sld xmlns:a="http://schemas.openxmlformats.org/drawingml/2006/main" xmlns:r="http://schemas.openxmlformats.org/officeDocument/2006/relationships" xmlns:p="http://schemas.openxmlformats.org/presentationml/2006/main">
   <p:cSld>
     <p:spTree>
@@ -8767,7 +8921,103 @@
 </p:sld>
 </file>
 
-<file path=ppt/slides/slide49.xml><?xml version="1.0" encoding="utf-8"?>
+<file path=ppt/slides/slide5.xml><?xml version="1.0" encoding="utf-8"?>
+<p:sld xmlns:a="http://schemas.openxmlformats.org/drawingml/2006/main" xmlns:r="http://schemas.openxmlformats.org/officeDocument/2006/relationships" xmlns:p="http://schemas.openxmlformats.org/presentationml/2006/main">
+  <p:cSld>
+    <p:spTree>
+      <p:nvGrpSpPr>
+        <p:cNvPr id="1" name=""/>
+        <p:cNvGrpSpPr/>
+        <p:nvPr/>
+      </p:nvGrpSpPr>
+      <p:grpSpPr>
+        <a:xfrm>
+          <a:off x="0" y="0"/>
+          <a:ext cx="0" cy="0"/>
+          <a:chOff x="0" y="0"/>
+          <a:chExt cx="0" cy="0"/>
+        </a:xfrm>
+      </p:grpSpPr>
+      <p:sp>
+        <p:nvSpPr>
+          <p:cNvPr id="2" name="Titre 1"/>
+          <p:cNvSpPr>
+            <a:spLocks noGrp="1"/>
+          </p:cNvSpPr>
+          <p:nvPr>
+            <p:ph type="title"/>
+          </p:nvPr>
+        </p:nvSpPr>
+        <p:spPr/>
+        <p:txBody>
+          <a:bodyPr/>
+          <a:lstStyle/>
+          <a:p>
+            <a:r>
+              <a:rPr lang="fr-FR" dirty="0"/>
+              <a:t>But</a:t>
+            </a:r>
+          </a:p>
+        </p:txBody>
+      </p:sp>
+      <p:sp>
+        <p:nvSpPr>
+          <p:cNvPr id="3" name="Espace réservé du contenu 2"/>
+          <p:cNvSpPr>
+            <a:spLocks noGrp="1"/>
+          </p:cNvSpPr>
+          <p:nvPr>
+            <p:ph idx="1"/>
+          </p:nvPr>
+        </p:nvSpPr>
+        <p:spPr/>
+        <p:txBody>
+          <a:bodyPr/>
+          <a:lstStyle/>
+          <a:p>
+            <a:r>
+              <a:rPr lang="fr-FR" dirty="0"/>
+              <a:t>En machine </a:t>
+            </a:r>
+            <a:r>
+              <a:rPr lang="fr-FR" dirty="0" err="1"/>
+              <a:t>learning</a:t>
+            </a:r>
+            <a:r>
+              <a:rPr lang="fr-FR" dirty="0"/>
+              <a:t> et en data science plus généralement, l'objectif est de trouver un modèle du phénomène à l'origine des données</a:t>
+            </a:r>
+          </a:p>
+          <a:p>
+            <a:r>
+              <a:rPr lang="fr-FR" dirty="0"/>
+              <a:t>C'est à dire qu'on considère que chaque donnée observée est l'expression d'une variable aléatoire générée par une distribution de probabilité</a:t>
+            </a:r>
+          </a:p>
+          <a:p>
+            <a:pPr lvl="1"/>
+            <a:r>
+              <a:rPr lang="fr-FR"/>
+              <a:t>Par exemple les sondages</a:t>
+            </a:r>
+            <a:endParaRPr lang="fr-FR" dirty="0"/>
+          </a:p>
+        </p:txBody>
+      </p:sp>
+    </p:spTree>
+    <p:extLst>
+      <p:ext uri="{BB962C8B-B14F-4D97-AF65-F5344CB8AC3E}">
+        <p14:creationId xmlns:p14="http://schemas.microsoft.com/office/powerpoint/2010/main" val="3282916395"/>
+      </p:ext>
+    </p:extLst>
+  </p:cSld>
+  <p:clrMapOvr>
+    <a:masterClrMapping/>
+  </p:clrMapOvr>
+</p:sld>
+</file>
+
+<file path=ppt/slides/slide50.xml><?xml version="1.0" encoding="utf-8"?>
 <p:sld xmlns:a="http://schemas.openxmlformats.org/drawingml/2006/main" xmlns:r="http://schemas.openxmlformats.org/officeDocument/2006/relationships" xmlns:p="http://schemas.openxmlformats.org/presentationml/2006/main">
   <p:cSld>
     <p:spTree>
@@ -8899,102 +9149,6 @@
     <p:extLst>
       <p:ext uri="{BB962C8B-B14F-4D97-AF65-F5344CB8AC3E}">
         <p14:creationId xmlns:p14="http://schemas.microsoft.com/office/powerpoint/2010/main" val="156546346"/>
-      </p:ext>
-    </p:extLst>
-  </p:cSld>
-  <p:clrMapOvr>
-    <a:masterClrMapping/>
-  </p:clrMapOvr>
-</p:sld>
-</file>
-
-<file path=ppt/slides/slide5.xml><?xml version="1.0" encoding="utf-8"?>
-<p:sld xmlns:a="http://schemas.openxmlformats.org/drawingml/2006/main" xmlns:r="http://schemas.openxmlformats.org/officeDocument/2006/relationships" xmlns:p="http://schemas.openxmlformats.org/presentationml/2006/main">
-  <p:cSld>
-    <p:spTree>
-      <p:nvGrpSpPr>
-        <p:cNvPr id="1" name=""/>
-        <p:cNvGrpSpPr/>
-        <p:nvPr/>
-      </p:nvGrpSpPr>
-      <p:grpSpPr>
-        <a:xfrm>
-          <a:off x="0" y="0"/>
-          <a:ext cx="0" cy="0"/>
-          <a:chOff x="0" y="0"/>
-          <a:chExt cx="0" cy="0"/>
-        </a:xfrm>
-      </p:grpSpPr>
-      <p:sp>
-        <p:nvSpPr>
-          <p:cNvPr id="2" name="Titre 1"/>
-          <p:cNvSpPr>
-            <a:spLocks noGrp="1"/>
-          </p:cNvSpPr>
-          <p:nvPr>
-            <p:ph type="title"/>
-          </p:nvPr>
-        </p:nvSpPr>
-        <p:spPr/>
-        <p:txBody>
-          <a:bodyPr/>
-          <a:lstStyle/>
-          <a:p>
-            <a:r>
-              <a:rPr lang="fr-FR" dirty="0"/>
-              <a:t>But</a:t>
-            </a:r>
-          </a:p>
-        </p:txBody>
-      </p:sp>
-      <p:sp>
-        <p:nvSpPr>
-          <p:cNvPr id="3" name="Espace réservé du contenu 2"/>
-          <p:cNvSpPr>
-            <a:spLocks noGrp="1"/>
-          </p:cNvSpPr>
-          <p:nvPr>
-            <p:ph idx="1"/>
-          </p:nvPr>
-        </p:nvSpPr>
-        <p:spPr/>
-        <p:txBody>
-          <a:bodyPr/>
-          <a:lstStyle/>
-          <a:p>
-            <a:r>
-              <a:rPr lang="fr-FR" dirty="0"/>
-              <a:t>En machine </a:t>
-            </a:r>
-            <a:r>
-              <a:rPr lang="fr-FR" dirty="0" err="1"/>
-              <a:t>learning</a:t>
-            </a:r>
-            <a:r>
-              <a:rPr lang="fr-FR" dirty="0"/>
-              <a:t> et en data science plus généralement, l'objectif est de trouver un modèle du phénomène à l'origine des données</a:t>
-            </a:r>
-          </a:p>
-          <a:p>
-            <a:r>
-              <a:rPr lang="fr-FR" dirty="0"/>
-              <a:t>C'est à dire qu'on considère que chaque donnée observée est l'expression d'une variable aléatoire générée par une distribution de probabilité</a:t>
-            </a:r>
-          </a:p>
-          <a:p>
-            <a:pPr lvl="1"/>
-            <a:r>
-              <a:rPr lang="fr-FR"/>
-              <a:t>Par exemple les sondages</a:t>
-            </a:r>
-            <a:endParaRPr lang="fr-FR" dirty="0"/>
-          </a:p>
-        </p:txBody>
-      </p:sp>
-    </p:spTree>
-    <p:extLst>
-      <p:ext uri="{BB962C8B-B14F-4D97-AF65-F5344CB8AC3E}">
-        <p14:creationId xmlns:p14="http://schemas.microsoft.com/office/powerpoint/2010/main" val="3282916395"/>
       </p:ext>
     </p:extLst>
   </p:cSld>
